--- a/Credit_Card_Fraud_Presentation.pptx
+++ b/Credit_Card_Fraud_Presentation.pptx
@@ -11,14 +11,21 @@
     <p:sldId id="262" r:id="rId5"/>
     <p:sldId id="263" r:id="rId6"/>
     <p:sldId id="264" r:id="rId7"/>
-    <p:sldId id="265" r:id="rId8"/>
-    <p:sldId id="266" r:id="rId9"/>
-    <p:sldId id="267" r:id="rId10"/>
-    <p:sldId id="268" r:id="rId11"/>
-    <p:sldId id="269" r:id="rId12"/>
-    <p:sldId id="270" r:id="rId13"/>
-    <p:sldId id="271" r:id="rId14"/>
-    <p:sldId id="272" r:id="rId15"/>
+    <p:sldId id="274" r:id="rId8"/>
+    <p:sldId id="265" r:id="rId9"/>
+    <p:sldId id="275" r:id="rId10"/>
+    <p:sldId id="266" r:id="rId11"/>
+    <p:sldId id="276" r:id="rId12"/>
+    <p:sldId id="267" r:id="rId13"/>
+    <p:sldId id="277" r:id="rId14"/>
+    <p:sldId id="268" r:id="rId15"/>
+    <p:sldId id="278" r:id="rId16"/>
+    <p:sldId id="273" r:id="rId17"/>
+    <p:sldId id="279" r:id="rId18"/>
+    <p:sldId id="269" r:id="rId19"/>
+    <p:sldId id="270" r:id="rId20"/>
+    <p:sldId id="271" r:id="rId21"/>
+    <p:sldId id="272" r:id="rId22"/>
   </p:sldIdLst>
   <p:sldSz cx="12192000" cy="6858000"/>
   <p:notesSz cx="6858000" cy="9144000"/>
@@ -117,6 +124,11 @@
       </a:defRPr>
     </a:lvl9pPr>
   </p:defaultTextStyle>
+  <p:extLst>
+    <p:ext uri="{EFAFB233-063F-42B5-8137-9DF3F51BA10A}">
+      <p15:sldGuideLst xmlns:p15="http://schemas.microsoft.com/office/powerpoint/2012/main"/>
+    </p:ext>
+  </p:extLst>
 </p:presentation>
 </file>
 
@@ -3489,7 +3501,7 @@
           <a:p>
             <a:r>
               <a:rPr lang="en-US" dirty="0"/>
-              <a:t>Simple Neural Network</a:t>
+              <a:t>Deep Neural Network</a:t>
             </a:r>
           </a:p>
         </p:txBody>
@@ -3533,7 +3545,7 @@
     </p:spTree>
     <p:extLst>
       <p:ext uri="{BB962C8B-B14F-4D97-AF65-F5344CB8AC3E}">
-        <p14:creationId xmlns:p14="http://schemas.microsoft.com/office/powerpoint/2010/main" val="3472262329"/>
+        <p14:creationId xmlns:p14="http://schemas.microsoft.com/office/powerpoint/2010/main" val="2548730304"/>
       </p:ext>
     </p:extLst>
   </p:cSld>
@@ -3583,28 +3595,44 @@
           <a:p>
             <a:r>
               <a:rPr lang="en-US" dirty="0"/>
-              <a:t>Model Comparison</a:t>
-            </a:r>
-          </a:p>
-        </p:txBody>
-      </p:sp>
-      <p:sp>
-        <p:nvSpPr>
-          <p:cNvPr id="3" name="Content Placeholder 2">
-            <a:extLst>
-              <a:ext uri="{FF2B5EF4-FFF2-40B4-BE49-F238E27FC236}">
-                <a16:creationId xmlns:a16="http://schemas.microsoft.com/office/drawing/2014/main" id="{29525243-0C3A-48C7-8A8D-2C4EE2065629}"/>
-              </a:ext>
-            </a:extLst>
-          </p:cNvPr>
-          <p:cNvSpPr>
-            <a:spLocks noGrp="1"/>
-          </p:cNvSpPr>
+              <a:t>Deep Neural Network</a:t>
+            </a:r>
+          </a:p>
+        </p:txBody>
+      </p:sp>
+      <p:pic>
+        <p:nvPicPr>
+          <p:cNvPr id="5" name="Content Placeholder 4">
+            <a:extLst>
+              <a:ext uri="{FF2B5EF4-FFF2-40B4-BE49-F238E27FC236}">
+                <a16:creationId xmlns:a16="http://schemas.microsoft.com/office/drawing/2014/main" id="{AE1A81D5-4EED-4715-9A0F-E7C5286091FC}"/>
+              </a:ext>
+            </a:extLst>
+          </p:cNvPr>
+          <p:cNvPicPr>
+            <a:picLocks noGrp="1" noChangeAspect="1"/>
+          </p:cNvPicPr>
           <p:nvPr>
             <p:ph idx="1"/>
           </p:nvPr>
-        </p:nvSpPr>
+        </p:nvPicPr>
+        <p:blipFill>
+          <a:blip r:embed="rId2">
+            <a:extLst>
+              <a:ext uri="{28A0092B-C50C-407E-A947-70E740481C1C}">
+                <a14:useLocalDpi xmlns:a14="http://schemas.microsoft.com/office/drawing/2010/main" val="0"/>
+              </a:ext>
+            </a:extLst>
+          </a:blip>
+          <a:stretch>
+            <a:fillRect/>
+          </a:stretch>
+        </p:blipFill>
         <p:spPr>
+          <a:xfrm>
+            <a:off x="838200" y="1690688"/>
+            <a:ext cx="5497286" cy="2678817"/>
+          </a:xfrm>
           <a:solidFill>
             <a:schemeClr val="accent5">
               <a:lumMod val="20000"/>
@@ -3613,21 +3641,54 @@
             </a:schemeClr>
           </a:solidFill>
         </p:spPr>
-        <p:txBody>
-          <a:bodyPr/>
-          <a:lstStyle/>
-          <a:p>
-            <a:pPr marL="0" indent="0">
-              <a:buNone/>
-            </a:pPr>
-            <a:endParaRPr lang="en-US" dirty="0"/>
-          </a:p>
-        </p:txBody>
-      </p:sp>
+      </p:pic>
+      <p:pic>
+        <p:nvPicPr>
+          <p:cNvPr id="7" name="Picture 6">
+            <a:extLst>
+              <a:ext uri="{FF2B5EF4-FFF2-40B4-BE49-F238E27FC236}">
+                <a16:creationId xmlns:a16="http://schemas.microsoft.com/office/drawing/2014/main" id="{74BB5310-E15A-40F6-8C21-C67F713BD202}"/>
+              </a:ext>
+            </a:extLst>
+          </p:cNvPr>
+          <p:cNvPicPr>
+            <a:picLocks noChangeAspect="1"/>
+          </p:cNvPicPr>
+          <p:nvPr/>
+        </p:nvPicPr>
+        <p:blipFill>
+          <a:blip r:embed="rId3">
+            <a:extLst>
+              <a:ext uri="{28A0092B-C50C-407E-A947-70E740481C1C}">
+                <a14:useLocalDpi xmlns:a14="http://schemas.microsoft.com/office/drawing/2010/main" val="0"/>
+              </a:ext>
+            </a:extLst>
+          </a:blip>
+          <a:stretch>
+            <a:fillRect/>
+          </a:stretch>
+        </p:blipFill>
+        <p:spPr>
+          <a:xfrm>
+            <a:off x="6517497" y="1545802"/>
+            <a:ext cx="4654292" cy="3766396"/>
+          </a:xfrm>
+          <a:prstGeom prst="rect">
+            <a:avLst/>
+          </a:prstGeom>
+          <a:solidFill>
+            <a:schemeClr val="accent5">
+              <a:lumMod val="20000"/>
+              <a:lumOff val="80000"/>
+              <a:alpha val="70000"/>
+            </a:schemeClr>
+          </a:solidFill>
+        </p:spPr>
+      </p:pic>
     </p:spTree>
     <p:extLst>
       <p:ext uri="{BB962C8B-B14F-4D97-AF65-F5344CB8AC3E}">
-        <p14:creationId xmlns:p14="http://schemas.microsoft.com/office/powerpoint/2010/main" val="1877253987"/>
+        <p14:creationId xmlns:p14="http://schemas.microsoft.com/office/powerpoint/2010/main" val="955104347"/>
       </p:ext>
     </p:extLst>
   </p:cSld>
@@ -3677,7 +3738,7 @@
           <a:p>
             <a:r>
               <a:rPr lang="en-US" dirty="0"/>
-              <a:t>Future Usage</a:t>
+              <a:t>Logistic</a:t>
             </a:r>
           </a:p>
         </p:txBody>
@@ -3721,7 +3782,7 @@
     </p:spTree>
     <p:extLst>
       <p:ext uri="{BB962C8B-B14F-4D97-AF65-F5344CB8AC3E}">
-        <p14:creationId xmlns:p14="http://schemas.microsoft.com/office/powerpoint/2010/main" val="957222120"/>
+        <p14:creationId xmlns:p14="http://schemas.microsoft.com/office/powerpoint/2010/main" val="863709670"/>
       </p:ext>
     </p:extLst>
   </p:cSld>
@@ -3771,28 +3832,44 @@
           <a:p>
             <a:r>
               <a:rPr lang="en-US" dirty="0"/>
-              <a:t>Flowchart</a:t>
-            </a:r>
-          </a:p>
-        </p:txBody>
-      </p:sp>
-      <p:sp>
-        <p:nvSpPr>
-          <p:cNvPr id="3" name="Content Placeholder 2">
-            <a:extLst>
-              <a:ext uri="{FF2B5EF4-FFF2-40B4-BE49-F238E27FC236}">
-                <a16:creationId xmlns:a16="http://schemas.microsoft.com/office/drawing/2014/main" id="{29525243-0C3A-48C7-8A8D-2C4EE2065629}"/>
-              </a:ext>
-            </a:extLst>
-          </p:cNvPr>
-          <p:cNvSpPr>
-            <a:spLocks noGrp="1"/>
-          </p:cNvSpPr>
+              <a:t>Logistic</a:t>
+            </a:r>
+          </a:p>
+        </p:txBody>
+      </p:sp>
+      <p:pic>
+        <p:nvPicPr>
+          <p:cNvPr id="5" name="Content Placeholder 4">
+            <a:extLst>
+              <a:ext uri="{FF2B5EF4-FFF2-40B4-BE49-F238E27FC236}">
+                <a16:creationId xmlns:a16="http://schemas.microsoft.com/office/drawing/2014/main" id="{6BC224F4-3CB4-4CED-975F-60EFBC342C3D}"/>
+              </a:ext>
+            </a:extLst>
+          </p:cNvPr>
+          <p:cNvPicPr>
+            <a:picLocks noGrp="1" noChangeAspect="1"/>
+          </p:cNvPicPr>
           <p:nvPr>
             <p:ph idx="1"/>
           </p:nvPr>
-        </p:nvSpPr>
+        </p:nvPicPr>
+        <p:blipFill>
+          <a:blip r:embed="rId2">
+            <a:extLst>
+              <a:ext uri="{28A0092B-C50C-407E-A947-70E740481C1C}">
+                <a14:useLocalDpi xmlns:a14="http://schemas.microsoft.com/office/drawing/2010/main" val="0"/>
+              </a:ext>
+            </a:extLst>
+          </a:blip>
+          <a:stretch>
+            <a:fillRect/>
+          </a:stretch>
+        </p:blipFill>
         <p:spPr>
+          <a:xfrm>
+            <a:off x="838200" y="1690688"/>
+            <a:ext cx="5742214" cy="2613698"/>
+          </a:xfrm>
           <a:solidFill>
             <a:schemeClr val="accent5">
               <a:lumMod val="20000"/>
@@ -3801,21 +3878,54 @@
             </a:schemeClr>
           </a:solidFill>
         </p:spPr>
-        <p:txBody>
-          <a:bodyPr/>
-          <a:lstStyle/>
-          <a:p>
-            <a:pPr marL="0" indent="0">
-              <a:buNone/>
-            </a:pPr>
-            <a:endParaRPr lang="en-US" dirty="0"/>
-          </a:p>
-        </p:txBody>
-      </p:sp>
+      </p:pic>
+      <p:pic>
+        <p:nvPicPr>
+          <p:cNvPr id="7" name="Picture 6">
+            <a:extLst>
+              <a:ext uri="{FF2B5EF4-FFF2-40B4-BE49-F238E27FC236}">
+                <a16:creationId xmlns:a16="http://schemas.microsoft.com/office/drawing/2014/main" id="{2995DDFB-089D-4A51-AAAA-69CB8B148C1A}"/>
+              </a:ext>
+            </a:extLst>
+          </p:cNvPr>
+          <p:cNvPicPr>
+            <a:picLocks noChangeAspect="1"/>
+          </p:cNvPicPr>
+          <p:nvPr/>
+        </p:nvPicPr>
+        <p:blipFill>
+          <a:blip r:embed="rId3">
+            <a:extLst>
+              <a:ext uri="{28A0092B-C50C-407E-A947-70E740481C1C}">
+                <a14:useLocalDpi xmlns:a14="http://schemas.microsoft.com/office/drawing/2010/main" val="0"/>
+              </a:ext>
+            </a:extLst>
+          </a:blip>
+          <a:stretch>
+            <a:fillRect/>
+          </a:stretch>
+        </p:blipFill>
+        <p:spPr>
+          <a:xfrm>
+            <a:off x="7297573" y="1690688"/>
+            <a:ext cx="4126984" cy="3326984"/>
+          </a:xfrm>
+          <a:prstGeom prst="rect">
+            <a:avLst/>
+          </a:prstGeom>
+          <a:solidFill>
+            <a:schemeClr val="accent5">
+              <a:lumMod val="20000"/>
+              <a:lumOff val="80000"/>
+              <a:alpha val="70000"/>
+            </a:schemeClr>
+          </a:solidFill>
+        </p:spPr>
+      </p:pic>
     </p:spTree>
     <p:extLst>
       <p:ext uri="{BB962C8B-B14F-4D97-AF65-F5344CB8AC3E}">
-        <p14:creationId xmlns:p14="http://schemas.microsoft.com/office/powerpoint/2010/main" val="957763540"/>
+        <p14:creationId xmlns:p14="http://schemas.microsoft.com/office/powerpoint/2010/main" val="2924759332"/>
       </p:ext>
     </p:extLst>
   </p:cSld>
@@ -3865,7 +3975,7 @@
           <a:p>
             <a:r>
               <a:rPr lang="en-US" dirty="0"/>
-              <a:t>Conclusion</a:t>
+              <a:t>Simple Neural Network</a:t>
             </a:r>
           </a:p>
         </p:txBody>
@@ -3909,7 +4019,537 @@
     </p:spTree>
     <p:extLst>
       <p:ext uri="{BB962C8B-B14F-4D97-AF65-F5344CB8AC3E}">
-        <p14:creationId xmlns:p14="http://schemas.microsoft.com/office/powerpoint/2010/main" val="779013617"/>
+        <p14:creationId xmlns:p14="http://schemas.microsoft.com/office/powerpoint/2010/main" val="3472262329"/>
+      </p:ext>
+    </p:extLst>
+  </p:cSld>
+  <p:clrMapOvr>
+    <a:masterClrMapping/>
+  </p:clrMapOvr>
+</p:sld>
+</file>
+
+<file path=ppt/slides/slide15.xml><?xml version="1.0" encoding="utf-8"?>
+<p:sld xmlns:a="http://schemas.openxmlformats.org/drawingml/2006/main" xmlns:r="http://schemas.openxmlformats.org/officeDocument/2006/relationships" xmlns:p="http://schemas.openxmlformats.org/presentationml/2006/main">
+  <p:cSld>
+    <p:spTree>
+      <p:nvGrpSpPr>
+        <p:cNvPr id="1" name=""/>
+        <p:cNvGrpSpPr/>
+        <p:nvPr/>
+      </p:nvGrpSpPr>
+      <p:grpSpPr>
+        <a:xfrm>
+          <a:off x="0" y="0"/>
+          <a:ext cx="0" cy="0"/>
+          <a:chOff x="0" y="0"/>
+          <a:chExt cx="0" cy="0"/>
+        </a:xfrm>
+      </p:grpSpPr>
+      <p:sp>
+        <p:nvSpPr>
+          <p:cNvPr id="2" name="Title 1">
+            <a:extLst>
+              <a:ext uri="{FF2B5EF4-FFF2-40B4-BE49-F238E27FC236}">
+                <a16:creationId xmlns:a16="http://schemas.microsoft.com/office/drawing/2014/main" id="{F7DC5BDF-E508-41BE-A6C3-ACDF034BD933}"/>
+              </a:ext>
+            </a:extLst>
+          </p:cNvPr>
+          <p:cNvSpPr>
+            <a:spLocks noGrp="1"/>
+          </p:cNvSpPr>
+          <p:nvPr>
+            <p:ph type="title"/>
+          </p:nvPr>
+        </p:nvSpPr>
+        <p:spPr/>
+        <p:txBody>
+          <a:bodyPr/>
+          <a:lstStyle/>
+          <a:p>
+            <a:r>
+              <a:rPr lang="en-US" dirty="0"/>
+              <a:t>Simple Neural Network</a:t>
+            </a:r>
+          </a:p>
+        </p:txBody>
+      </p:sp>
+      <p:pic>
+        <p:nvPicPr>
+          <p:cNvPr id="5" name="Content Placeholder 4">
+            <a:extLst>
+              <a:ext uri="{FF2B5EF4-FFF2-40B4-BE49-F238E27FC236}">
+                <a16:creationId xmlns:a16="http://schemas.microsoft.com/office/drawing/2014/main" id="{EFA3FCCF-BCF3-47CB-AC59-2A5BDB1BB123}"/>
+              </a:ext>
+            </a:extLst>
+          </p:cNvPr>
+          <p:cNvPicPr>
+            <a:picLocks noGrp="1" noChangeAspect="1"/>
+          </p:cNvPicPr>
+          <p:nvPr>
+            <p:ph idx="1"/>
+          </p:nvPr>
+        </p:nvPicPr>
+        <p:blipFill>
+          <a:blip r:embed="rId2">
+            <a:extLst>
+              <a:ext uri="{28A0092B-C50C-407E-A947-70E740481C1C}">
+                <a14:useLocalDpi xmlns:a14="http://schemas.microsoft.com/office/drawing/2010/main" val="0"/>
+              </a:ext>
+            </a:extLst>
+          </a:blip>
+          <a:stretch>
+            <a:fillRect/>
+          </a:stretch>
+        </p:blipFill>
+        <p:spPr>
+          <a:xfrm>
+            <a:off x="838200" y="1690688"/>
+            <a:ext cx="6199414" cy="3021323"/>
+          </a:xfrm>
+          <a:solidFill>
+            <a:schemeClr val="accent5">
+              <a:lumMod val="20000"/>
+              <a:lumOff val="80000"/>
+              <a:alpha val="70000"/>
+            </a:schemeClr>
+          </a:solidFill>
+        </p:spPr>
+      </p:pic>
+      <p:pic>
+        <p:nvPicPr>
+          <p:cNvPr id="7" name="Picture 6">
+            <a:extLst>
+              <a:ext uri="{FF2B5EF4-FFF2-40B4-BE49-F238E27FC236}">
+                <a16:creationId xmlns:a16="http://schemas.microsoft.com/office/drawing/2014/main" id="{245E71F1-80A3-4F6F-B190-174632207FCB}"/>
+              </a:ext>
+            </a:extLst>
+          </p:cNvPr>
+          <p:cNvPicPr>
+            <a:picLocks noChangeAspect="1"/>
+          </p:cNvPicPr>
+          <p:nvPr/>
+        </p:nvPicPr>
+        <p:blipFill>
+          <a:blip r:embed="rId3">
+            <a:extLst>
+              <a:ext uri="{28A0092B-C50C-407E-A947-70E740481C1C}">
+                <a14:useLocalDpi xmlns:a14="http://schemas.microsoft.com/office/drawing/2010/main" val="0"/>
+              </a:ext>
+            </a:extLst>
+          </a:blip>
+          <a:stretch>
+            <a:fillRect/>
+          </a:stretch>
+        </p:blipFill>
+        <p:spPr>
+          <a:xfrm>
+            <a:off x="7477836" y="1690688"/>
+            <a:ext cx="4126984" cy="3339682"/>
+          </a:xfrm>
+          <a:prstGeom prst="rect">
+            <a:avLst/>
+          </a:prstGeom>
+          <a:solidFill>
+            <a:schemeClr val="accent5">
+              <a:lumMod val="20000"/>
+              <a:lumOff val="80000"/>
+              <a:alpha val="70000"/>
+            </a:schemeClr>
+          </a:solidFill>
+        </p:spPr>
+      </p:pic>
+    </p:spTree>
+    <p:extLst>
+      <p:ext uri="{BB962C8B-B14F-4D97-AF65-F5344CB8AC3E}">
+        <p14:creationId xmlns:p14="http://schemas.microsoft.com/office/powerpoint/2010/main" val="134951284"/>
+      </p:ext>
+    </p:extLst>
+  </p:cSld>
+  <p:clrMapOvr>
+    <a:masterClrMapping/>
+  </p:clrMapOvr>
+</p:sld>
+</file>
+
+<file path=ppt/slides/slide16.xml><?xml version="1.0" encoding="utf-8"?>
+<p:sld xmlns:a="http://schemas.openxmlformats.org/drawingml/2006/main" xmlns:r="http://schemas.openxmlformats.org/officeDocument/2006/relationships" xmlns:p="http://schemas.openxmlformats.org/presentationml/2006/main">
+  <p:cSld>
+    <p:spTree>
+      <p:nvGrpSpPr>
+        <p:cNvPr id="1" name=""/>
+        <p:cNvGrpSpPr/>
+        <p:nvPr/>
+      </p:nvGrpSpPr>
+      <p:grpSpPr>
+        <a:xfrm>
+          <a:off x="0" y="0"/>
+          <a:ext cx="0" cy="0"/>
+          <a:chOff x="0" y="0"/>
+          <a:chExt cx="0" cy="0"/>
+        </a:xfrm>
+      </p:grpSpPr>
+      <p:sp>
+        <p:nvSpPr>
+          <p:cNvPr id="2" name="Title 1">
+            <a:extLst>
+              <a:ext uri="{FF2B5EF4-FFF2-40B4-BE49-F238E27FC236}">
+                <a16:creationId xmlns:a16="http://schemas.microsoft.com/office/drawing/2014/main" id="{F7DC5BDF-E508-41BE-A6C3-ACDF034BD933}"/>
+              </a:ext>
+            </a:extLst>
+          </p:cNvPr>
+          <p:cNvSpPr>
+            <a:spLocks noGrp="1"/>
+          </p:cNvSpPr>
+          <p:nvPr>
+            <p:ph type="title"/>
+          </p:nvPr>
+        </p:nvSpPr>
+        <p:spPr/>
+        <p:txBody>
+          <a:bodyPr/>
+          <a:lstStyle/>
+          <a:p>
+            <a:r>
+              <a:rPr lang="en-US" dirty="0"/>
+              <a:t>Support Vector Machines (SVM)</a:t>
+            </a:r>
+          </a:p>
+        </p:txBody>
+      </p:sp>
+      <p:sp>
+        <p:nvSpPr>
+          <p:cNvPr id="3" name="Content Placeholder 2">
+            <a:extLst>
+              <a:ext uri="{FF2B5EF4-FFF2-40B4-BE49-F238E27FC236}">
+                <a16:creationId xmlns:a16="http://schemas.microsoft.com/office/drawing/2014/main" id="{29525243-0C3A-48C7-8A8D-2C4EE2065629}"/>
+              </a:ext>
+            </a:extLst>
+          </p:cNvPr>
+          <p:cNvSpPr>
+            <a:spLocks noGrp="1"/>
+          </p:cNvSpPr>
+          <p:nvPr>
+            <p:ph idx="1"/>
+          </p:nvPr>
+        </p:nvSpPr>
+        <p:spPr>
+          <a:solidFill>
+            <a:schemeClr val="accent5">
+              <a:lumMod val="20000"/>
+              <a:lumOff val="80000"/>
+              <a:alpha val="70000"/>
+            </a:schemeClr>
+          </a:solidFill>
+        </p:spPr>
+        <p:txBody>
+          <a:bodyPr/>
+          <a:lstStyle/>
+          <a:p>
+            <a:pPr marL="0" indent="0">
+              <a:buNone/>
+            </a:pPr>
+            <a:endParaRPr lang="en-US" dirty="0"/>
+          </a:p>
+        </p:txBody>
+      </p:sp>
+    </p:spTree>
+    <p:extLst>
+      <p:ext uri="{BB962C8B-B14F-4D97-AF65-F5344CB8AC3E}">
+        <p14:creationId xmlns:p14="http://schemas.microsoft.com/office/powerpoint/2010/main" val="3065878845"/>
+      </p:ext>
+    </p:extLst>
+  </p:cSld>
+  <p:clrMapOvr>
+    <a:masterClrMapping/>
+  </p:clrMapOvr>
+</p:sld>
+</file>
+
+<file path=ppt/slides/slide17.xml><?xml version="1.0" encoding="utf-8"?>
+<p:sld xmlns:a="http://schemas.openxmlformats.org/drawingml/2006/main" xmlns:r="http://schemas.openxmlformats.org/officeDocument/2006/relationships" xmlns:p="http://schemas.openxmlformats.org/presentationml/2006/main">
+  <p:cSld>
+    <p:spTree>
+      <p:nvGrpSpPr>
+        <p:cNvPr id="1" name=""/>
+        <p:cNvGrpSpPr/>
+        <p:nvPr/>
+      </p:nvGrpSpPr>
+      <p:grpSpPr>
+        <a:xfrm>
+          <a:off x="0" y="0"/>
+          <a:ext cx="0" cy="0"/>
+          <a:chOff x="0" y="0"/>
+          <a:chExt cx="0" cy="0"/>
+        </a:xfrm>
+      </p:grpSpPr>
+      <p:sp>
+        <p:nvSpPr>
+          <p:cNvPr id="2" name="Title 1">
+            <a:extLst>
+              <a:ext uri="{FF2B5EF4-FFF2-40B4-BE49-F238E27FC236}">
+                <a16:creationId xmlns:a16="http://schemas.microsoft.com/office/drawing/2014/main" id="{F7DC5BDF-E508-41BE-A6C3-ACDF034BD933}"/>
+              </a:ext>
+            </a:extLst>
+          </p:cNvPr>
+          <p:cNvSpPr>
+            <a:spLocks noGrp="1"/>
+          </p:cNvSpPr>
+          <p:nvPr>
+            <p:ph type="title"/>
+          </p:nvPr>
+        </p:nvSpPr>
+        <p:spPr/>
+        <p:txBody>
+          <a:bodyPr/>
+          <a:lstStyle/>
+          <a:p>
+            <a:r>
+              <a:rPr lang="en-US" dirty="0"/>
+              <a:t>Support Vector Machines (SVM)</a:t>
+            </a:r>
+          </a:p>
+        </p:txBody>
+      </p:sp>
+      <p:pic>
+        <p:nvPicPr>
+          <p:cNvPr id="5" name="Content Placeholder 4">
+            <a:extLst>
+              <a:ext uri="{FF2B5EF4-FFF2-40B4-BE49-F238E27FC236}">
+                <a16:creationId xmlns:a16="http://schemas.microsoft.com/office/drawing/2014/main" id="{0A1B29B0-45F6-40CA-9752-40318FF1818C}"/>
+              </a:ext>
+            </a:extLst>
+          </p:cNvPr>
+          <p:cNvPicPr>
+            <a:picLocks noGrp="1" noChangeAspect="1"/>
+          </p:cNvPicPr>
+          <p:nvPr>
+            <p:ph idx="1"/>
+          </p:nvPr>
+        </p:nvPicPr>
+        <p:blipFill>
+          <a:blip r:embed="rId2">
+            <a:extLst>
+              <a:ext uri="{28A0092B-C50C-407E-A947-70E740481C1C}">
+                <a14:useLocalDpi xmlns:a14="http://schemas.microsoft.com/office/drawing/2010/main" val="0"/>
+              </a:ext>
+            </a:extLst>
+          </a:blip>
+          <a:stretch>
+            <a:fillRect/>
+          </a:stretch>
+        </p:blipFill>
+        <p:spPr>
+          <a:xfrm>
+            <a:off x="838200" y="1690687"/>
+            <a:ext cx="6345298" cy="2767013"/>
+          </a:xfrm>
+          <a:solidFill>
+            <a:schemeClr val="accent5">
+              <a:lumMod val="20000"/>
+              <a:lumOff val="80000"/>
+              <a:alpha val="70000"/>
+            </a:schemeClr>
+          </a:solidFill>
+        </p:spPr>
+      </p:pic>
+    </p:spTree>
+    <p:extLst>
+      <p:ext uri="{BB962C8B-B14F-4D97-AF65-F5344CB8AC3E}">
+        <p14:creationId xmlns:p14="http://schemas.microsoft.com/office/powerpoint/2010/main" val="3985353681"/>
+      </p:ext>
+    </p:extLst>
+  </p:cSld>
+  <p:clrMapOvr>
+    <a:masterClrMapping/>
+  </p:clrMapOvr>
+</p:sld>
+</file>
+
+<file path=ppt/slides/slide18.xml><?xml version="1.0" encoding="utf-8"?>
+<p:sld xmlns:a="http://schemas.openxmlformats.org/drawingml/2006/main" xmlns:r="http://schemas.openxmlformats.org/officeDocument/2006/relationships" xmlns:p="http://schemas.openxmlformats.org/presentationml/2006/main">
+  <p:cSld>
+    <p:spTree>
+      <p:nvGrpSpPr>
+        <p:cNvPr id="1" name=""/>
+        <p:cNvGrpSpPr/>
+        <p:nvPr/>
+      </p:nvGrpSpPr>
+      <p:grpSpPr>
+        <a:xfrm>
+          <a:off x="0" y="0"/>
+          <a:ext cx="0" cy="0"/>
+          <a:chOff x="0" y="0"/>
+          <a:chExt cx="0" cy="0"/>
+        </a:xfrm>
+      </p:grpSpPr>
+      <p:sp>
+        <p:nvSpPr>
+          <p:cNvPr id="2" name="Title 1">
+            <a:extLst>
+              <a:ext uri="{FF2B5EF4-FFF2-40B4-BE49-F238E27FC236}">
+                <a16:creationId xmlns:a16="http://schemas.microsoft.com/office/drawing/2014/main" id="{F7DC5BDF-E508-41BE-A6C3-ACDF034BD933}"/>
+              </a:ext>
+            </a:extLst>
+          </p:cNvPr>
+          <p:cNvSpPr>
+            <a:spLocks noGrp="1"/>
+          </p:cNvSpPr>
+          <p:nvPr>
+            <p:ph type="title"/>
+          </p:nvPr>
+        </p:nvSpPr>
+        <p:spPr/>
+        <p:txBody>
+          <a:bodyPr/>
+          <a:lstStyle/>
+          <a:p>
+            <a:r>
+              <a:rPr lang="en-US" dirty="0"/>
+              <a:t>Model Comparison</a:t>
+            </a:r>
+          </a:p>
+        </p:txBody>
+      </p:sp>
+      <p:pic>
+        <p:nvPicPr>
+          <p:cNvPr id="5" name="Content Placeholder 4">
+            <a:extLst>
+              <a:ext uri="{FF2B5EF4-FFF2-40B4-BE49-F238E27FC236}">
+                <a16:creationId xmlns:a16="http://schemas.microsoft.com/office/drawing/2014/main" id="{4872C4ED-939A-4FB0-8E21-48F606C11C45}"/>
+              </a:ext>
+            </a:extLst>
+          </p:cNvPr>
+          <p:cNvPicPr>
+            <a:picLocks noGrp="1" noChangeAspect="1"/>
+          </p:cNvPicPr>
+          <p:nvPr>
+            <p:ph idx="1"/>
+          </p:nvPr>
+        </p:nvPicPr>
+        <p:blipFill>
+          <a:blip r:embed="rId2">
+            <a:extLst>
+              <a:ext uri="{28A0092B-C50C-407E-A947-70E740481C1C}">
+                <a14:useLocalDpi xmlns:a14="http://schemas.microsoft.com/office/drawing/2010/main" val="0"/>
+              </a:ext>
+            </a:extLst>
+          </a:blip>
+          <a:stretch>
+            <a:fillRect/>
+          </a:stretch>
+        </p:blipFill>
+        <p:spPr>
+          <a:xfrm>
+            <a:off x="2441122" y="1445533"/>
+            <a:ext cx="7571014" cy="5047342"/>
+          </a:xfrm>
+          <a:solidFill>
+            <a:schemeClr val="accent1">
+              <a:lumMod val="20000"/>
+              <a:lumOff val="80000"/>
+            </a:schemeClr>
+          </a:solidFill>
+        </p:spPr>
+      </p:pic>
+    </p:spTree>
+    <p:extLst>
+      <p:ext uri="{BB962C8B-B14F-4D97-AF65-F5344CB8AC3E}">
+        <p14:creationId xmlns:p14="http://schemas.microsoft.com/office/powerpoint/2010/main" val="1877253987"/>
+      </p:ext>
+    </p:extLst>
+  </p:cSld>
+  <p:clrMapOvr>
+    <a:masterClrMapping/>
+  </p:clrMapOvr>
+</p:sld>
+</file>
+
+<file path=ppt/slides/slide19.xml><?xml version="1.0" encoding="utf-8"?>
+<p:sld xmlns:a="http://schemas.openxmlformats.org/drawingml/2006/main" xmlns:r="http://schemas.openxmlformats.org/officeDocument/2006/relationships" xmlns:p="http://schemas.openxmlformats.org/presentationml/2006/main">
+  <p:cSld>
+    <p:spTree>
+      <p:nvGrpSpPr>
+        <p:cNvPr id="1" name=""/>
+        <p:cNvGrpSpPr/>
+        <p:nvPr/>
+      </p:nvGrpSpPr>
+      <p:grpSpPr>
+        <a:xfrm>
+          <a:off x="0" y="0"/>
+          <a:ext cx="0" cy="0"/>
+          <a:chOff x="0" y="0"/>
+          <a:chExt cx="0" cy="0"/>
+        </a:xfrm>
+      </p:grpSpPr>
+      <p:sp>
+        <p:nvSpPr>
+          <p:cNvPr id="2" name="Title 1">
+            <a:extLst>
+              <a:ext uri="{FF2B5EF4-FFF2-40B4-BE49-F238E27FC236}">
+                <a16:creationId xmlns:a16="http://schemas.microsoft.com/office/drawing/2014/main" id="{F7DC5BDF-E508-41BE-A6C3-ACDF034BD933}"/>
+              </a:ext>
+            </a:extLst>
+          </p:cNvPr>
+          <p:cNvSpPr>
+            <a:spLocks noGrp="1"/>
+          </p:cNvSpPr>
+          <p:nvPr>
+            <p:ph type="title"/>
+          </p:nvPr>
+        </p:nvSpPr>
+        <p:spPr/>
+        <p:txBody>
+          <a:bodyPr/>
+          <a:lstStyle/>
+          <a:p>
+            <a:r>
+              <a:rPr lang="en-US" dirty="0"/>
+              <a:t>Future Usage</a:t>
+            </a:r>
+          </a:p>
+        </p:txBody>
+      </p:sp>
+      <p:sp>
+        <p:nvSpPr>
+          <p:cNvPr id="3" name="Content Placeholder 2">
+            <a:extLst>
+              <a:ext uri="{FF2B5EF4-FFF2-40B4-BE49-F238E27FC236}">
+                <a16:creationId xmlns:a16="http://schemas.microsoft.com/office/drawing/2014/main" id="{29525243-0C3A-48C7-8A8D-2C4EE2065629}"/>
+              </a:ext>
+            </a:extLst>
+          </p:cNvPr>
+          <p:cNvSpPr>
+            <a:spLocks noGrp="1"/>
+          </p:cNvSpPr>
+          <p:nvPr>
+            <p:ph idx="1"/>
+          </p:nvPr>
+        </p:nvSpPr>
+        <p:spPr>
+          <a:solidFill>
+            <a:schemeClr val="accent5">
+              <a:lumMod val="20000"/>
+              <a:lumOff val="80000"/>
+              <a:alpha val="70000"/>
+            </a:schemeClr>
+          </a:solidFill>
+        </p:spPr>
+        <p:txBody>
+          <a:bodyPr/>
+          <a:lstStyle/>
+          <a:p>
+            <a:pPr marL="0" indent="0">
+              <a:buNone/>
+            </a:pPr>
+            <a:endParaRPr lang="en-US" dirty="0"/>
+          </a:p>
+        </p:txBody>
+      </p:sp>
+    </p:spTree>
+    <p:extLst>
+      <p:ext uri="{BB962C8B-B14F-4D97-AF65-F5344CB8AC3E}">
+        <p14:creationId xmlns:p14="http://schemas.microsoft.com/office/powerpoint/2010/main" val="957222120"/>
       </p:ext>
     </p:extLst>
   </p:cSld>
@@ -4010,6 +4650,200 @@
     <p:extLst>
       <p:ext uri="{BB962C8B-B14F-4D97-AF65-F5344CB8AC3E}">
         <p14:creationId xmlns:p14="http://schemas.microsoft.com/office/powerpoint/2010/main" val="66133344"/>
+      </p:ext>
+    </p:extLst>
+  </p:cSld>
+  <p:clrMapOvr>
+    <a:masterClrMapping/>
+  </p:clrMapOvr>
+</p:sld>
+</file>
+
+<file path=ppt/slides/slide20.xml><?xml version="1.0" encoding="utf-8"?>
+<p:sld xmlns:a="http://schemas.openxmlformats.org/drawingml/2006/main" xmlns:r="http://schemas.openxmlformats.org/officeDocument/2006/relationships" xmlns:p="http://schemas.openxmlformats.org/presentationml/2006/main">
+  <p:cSld>
+    <p:spTree>
+      <p:nvGrpSpPr>
+        <p:cNvPr id="1" name=""/>
+        <p:cNvGrpSpPr/>
+        <p:nvPr/>
+      </p:nvGrpSpPr>
+      <p:grpSpPr>
+        <a:xfrm>
+          <a:off x="0" y="0"/>
+          <a:ext cx="0" cy="0"/>
+          <a:chOff x="0" y="0"/>
+          <a:chExt cx="0" cy="0"/>
+        </a:xfrm>
+      </p:grpSpPr>
+      <p:sp>
+        <p:nvSpPr>
+          <p:cNvPr id="2" name="Title 1">
+            <a:extLst>
+              <a:ext uri="{FF2B5EF4-FFF2-40B4-BE49-F238E27FC236}">
+                <a16:creationId xmlns:a16="http://schemas.microsoft.com/office/drawing/2014/main" id="{F7DC5BDF-E508-41BE-A6C3-ACDF034BD933}"/>
+              </a:ext>
+            </a:extLst>
+          </p:cNvPr>
+          <p:cNvSpPr>
+            <a:spLocks noGrp="1"/>
+          </p:cNvSpPr>
+          <p:nvPr>
+            <p:ph type="title"/>
+          </p:nvPr>
+        </p:nvSpPr>
+        <p:spPr/>
+        <p:txBody>
+          <a:bodyPr/>
+          <a:lstStyle/>
+          <a:p>
+            <a:r>
+              <a:rPr lang="en-US" dirty="0"/>
+              <a:t>Flowchart</a:t>
+            </a:r>
+          </a:p>
+        </p:txBody>
+      </p:sp>
+      <p:pic>
+        <p:nvPicPr>
+          <p:cNvPr id="5" name="Content Placeholder 4">
+            <a:extLst>
+              <a:ext uri="{FF2B5EF4-FFF2-40B4-BE49-F238E27FC236}">
+                <a16:creationId xmlns:a16="http://schemas.microsoft.com/office/drawing/2014/main" id="{D8499455-3283-41C5-A934-D54DE0B9B5FA}"/>
+              </a:ext>
+            </a:extLst>
+          </p:cNvPr>
+          <p:cNvPicPr>
+            <a:picLocks noGrp="1" noChangeAspect="1"/>
+          </p:cNvPicPr>
+          <p:nvPr>
+            <p:ph idx="1"/>
+          </p:nvPr>
+        </p:nvPicPr>
+        <p:blipFill>
+          <a:blip r:embed="rId2">
+            <a:extLst>
+              <a:ext uri="{28A0092B-C50C-407E-A947-70E740481C1C}">
+                <a14:useLocalDpi xmlns:a14="http://schemas.microsoft.com/office/drawing/2010/main" val="0"/>
+              </a:ext>
+            </a:extLst>
+          </a:blip>
+          <a:stretch>
+            <a:fillRect/>
+          </a:stretch>
+        </p:blipFill>
+        <p:spPr>
+          <a:xfrm>
+            <a:off x="2382893" y="1396773"/>
+            <a:ext cx="7799825" cy="4802187"/>
+          </a:xfrm>
+          <a:solidFill>
+            <a:schemeClr val="accent1">
+              <a:lumMod val="20000"/>
+              <a:lumOff val="80000"/>
+              <a:alpha val="70000"/>
+            </a:schemeClr>
+          </a:solidFill>
+        </p:spPr>
+      </p:pic>
+    </p:spTree>
+    <p:extLst>
+      <p:ext uri="{BB962C8B-B14F-4D97-AF65-F5344CB8AC3E}">
+        <p14:creationId xmlns:p14="http://schemas.microsoft.com/office/powerpoint/2010/main" val="957763540"/>
+      </p:ext>
+    </p:extLst>
+  </p:cSld>
+  <p:clrMapOvr>
+    <a:masterClrMapping/>
+  </p:clrMapOvr>
+</p:sld>
+</file>
+
+<file path=ppt/slides/slide21.xml><?xml version="1.0" encoding="utf-8"?>
+<p:sld xmlns:a="http://schemas.openxmlformats.org/drawingml/2006/main" xmlns:r="http://schemas.openxmlformats.org/officeDocument/2006/relationships" xmlns:p="http://schemas.openxmlformats.org/presentationml/2006/main">
+  <p:cSld>
+    <p:spTree>
+      <p:nvGrpSpPr>
+        <p:cNvPr id="1" name=""/>
+        <p:cNvGrpSpPr/>
+        <p:nvPr/>
+      </p:nvGrpSpPr>
+      <p:grpSpPr>
+        <a:xfrm>
+          <a:off x="0" y="0"/>
+          <a:ext cx="0" cy="0"/>
+          <a:chOff x="0" y="0"/>
+          <a:chExt cx="0" cy="0"/>
+        </a:xfrm>
+      </p:grpSpPr>
+      <p:sp>
+        <p:nvSpPr>
+          <p:cNvPr id="2" name="Title 1">
+            <a:extLst>
+              <a:ext uri="{FF2B5EF4-FFF2-40B4-BE49-F238E27FC236}">
+                <a16:creationId xmlns:a16="http://schemas.microsoft.com/office/drawing/2014/main" id="{F7DC5BDF-E508-41BE-A6C3-ACDF034BD933}"/>
+              </a:ext>
+            </a:extLst>
+          </p:cNvPr>
+          <p:cNvSpPr>
+            <a:spLocks noGrp="1"/>
+          </p:cNvSpPr>
+          <p:nvPr>
+            <p:ph type="title"/>
+          </p:nvPr>
+        </p:nvSpPr>
+        <p:spPr/>
+        <p:txBody>
+          <a:bodyPr/>
+          <a:lstStyle/>
+          <a:p>
+            <a:r>
+              <a:rPr lang="en-US" dirty="0"/>
+              <a:t>Conclusion</a:t>
+            </a:r>
+          </a:p>
+        </p:txBody>
+      </p:sp>
+      <p:sp>
+        <p:nvSpPr>
+          <p:cNvPr id="3" name="Content Placeholder 2">
+            <a:extLst>
+              <a:ext uri="{FF2B5EF4-FFF2-40B4-BE49-F238E27FC236}">
+                <a16:creationId xmlns:a16="http://schemas.microsoft.com/office/drawing/2014/main" id="{29525243-0C3A-48C7-8A8D-2C4EE2065629}"/>
+              </a:ext>
+            </a:extLst>
+          </p:cNvPr>
+          <p:cNvSpPr>
+            <a:spLocks noGrp="1"/>
+          </p:cNvSpPr>
+          <p:nvPr>
+            <p:ph idx="1"/>
+          </p:nvPr>
+        </p:nvSpPr>
+        <p:spPr>
+          <a:solidFill>
+            <a:schemeClr val="accent5">
+              <a:lumMod val="20000"/>
+              <a:lumOff val="80000"/>
+              <a:alpha val="70000"/>
+            </a:schemeClr>
+          </a:solidFill>
+        </p:spPr>
+        <p:txBody>
+          <a:bodyPr/>
+          <a:lstStyle/>
+          <a:p>
+            <a:pPr marL="0" indent="0">
+              <a:buNone/>
+            </a:pPr>
+            <a:endParaRPr lang="en-US" dirty="0"/>
+          </a:p>
+        </p:txBody>
+      </p:sp>
+    </p:spTree>
+    <p:extLst>
+      <p:ext uri="{BB962C8B-B14F-4D97-AF65-F5344CB8AC3E}">
+        <p14:creationId xmlns:p14="http://schemas.microsoft.com/office/powerpoint/2010/main" val="779013617"/>
       </p:ext>
     </p:extLst>
   </p:cSld>
@@ -4289,7 +5123,9 @@
           </a:solidFill>
         </p:spPr>
         <p:txBody>
-          <a:bodyPr/>
+          <a:bodyPr>
+            <a:normAutofit/>
+          </a:bodyPr>
           <a:lstStyle/>
           <a:p>
             <a:pPr marL="0" indent="0">
@@ -4307,7 +5143,7 @@
             </a:pPr>
             <a:r>
               <a:rPr lang="en-US" dirty="0"/>
-              <a:t>Logistic</a:t>
+              <a:t>K-Nearest Neighbor (KNN)</a:t>
             </a:r>
           </a:p>
           <a:p>
@@ -4317,7 +5153,7 @@
             </a:pPr>
             <a:r>
               <a:rPr lang="en-US" dirty="0"/>
-              <a:t>K-Nearest Neighbor</a:t>
+              <a:t>Random Forest</a:t>
             </a:r>
           </a:p>
           <a:p>
@@ -4327,7 +5163,7 @@
             </a:pPr>
             <a:r>
               <a:rPr lang="en-US" dirty="0"/>
-              <a:t>Random Forest</a:t>
+              <a:t>Deep Neural Network (with 2-hidden layers)</a:t>
             </a:r>
           </a:p>
           <a:p>
@@ -4337,7 +5173,7 @@
             </a:pPr>
             <a:r>
               <a:rPr lang="en-US" dirty="0"/>
-              <a:t>Support Vector Machines (SVM)</a:t>
+              <a:t>Logistic</a:t>
             </a:r>
           </a:p>
           <a:p>
@@ -4347,7 +5183,7 @@
             </a:pPr>
             <a:r>
               <a:rPr lang="en-US" dirty="0"/>
-              <a:t>A Simple Neural Network</a:t>
+              <a:t>Simple Neural Network</a:t>
             </a:r>
           </a:p>
           <a:p>
@@ -4357,7 +5193,7 @@
             </a:pPr>
             <a:r>
               <a:rPr lang="en-US" dirty="0"/>
-              <a:t>A Deep Neural Network (with 2-hidden layers)</a:t>
+              <a:t>Support Vector Machines (SVM)</a:t>
             </a:r>
           </a:p>
           <a:p>
@@ -4515,51 +5351,93 @@
           <a:p>
             <a:r>
               <a:rPr lang="en-US" dirty="0"/>
-              <a:t>Random Forest</a:t>
-            </a:r>
-          </a:p>
-        </p:txBody>
-      </p:sp>
-      <p:sp>
-        <p:nvSpPr>
-          <p:cNvPr id="3" name="Content Placeholder 2">
-            <a:extLst>
-              <a:ext uri="{FF2B5EF4-FFF2-40B4-BE49-F238E27FC236}">
-                <a16:creationId xmlns:a16="http://schemas.microsoft.com/office/drawing/2014/main" id="{29525243-0C3A-48C7-8A8D-2C4EE2065629}"/>
-              </a:ext>
-            </a:extLst>
-          </p:cNvPr>
-          <p:cNvSpPr>
-            <a:spLocks noGrp="1"/>
-          </p:cNvSpPr>
+              <a:t>KNN</a:t>
+            </a:r>
+          </a:p>
+        </p:txBody>
+      </p:sp>
+      <p:pic>
+        <p:nvPicPr>
+          <p:cNvPr id="11" name="Content Placeholder 10">
+            <a:extLst>
+              <a:ext uri="{FF2B5EF4-FFF2-40B4-BE49-F238E27FC236}">
+                <a16:creationId xmlns:a16="http://schemas.microsoft.com/office/drawing/2014/main" id="{067E1A8F-3A78-41CB-BE25-7123C534F79A}"/>
+              </a:ext>
+            </a:extLst>
+          </p:cNvPr>
+          <p:cNvPicPr>
+            <a:picLocks noGrp="1" noChangeAspect="1"/>
+          </p:cNvPicPr>
           <p:nvPr>
             <p:ph idx="1"/>
           </p:nvPr>
-        </p:nvSpPr>
+        </p:nvPicPr>
+        <p:blipFill>
+          <a:blip r:embed="rId2">
+            <a:extLst>
+              <a:ext uri="{28A0092B-C50C-407E-A947-70E740481C1C}">
+                <a14:useLocalDpi xmlns:a14="http://schemas.microsoft.com/office/drawing/2010/main" val="0"/>
+              </a:ext>
+            </a:extLst>
+          </a:blip>
+          <a:stretch>
+            <a:fillRect/>
+          </a:stretch>
+        </p:blipFill>
         <p:spPr>
+          <a:xfrm>
+            <a:off x="838200" y="1880362"/>
+            <a:ext cx="4940300" cy="2205902"/>
+          </a:xfrm>
+        </p:spPr>
+      </p:pic>
+      <p:pic>
+        <p:nvPicPr>
+          <p:cNvPr id="15" name="Picture 14">
+            <a:extLst>
+              <a:ext uri="{FF2B5EF4-FFF2-40B4-BE49-F238E27FC236}">
+                <a16:creationId xmlns:a16="http://schemas.microsoft.com/office/drawing/2014/main" id="{15BA6188-AA3B-4E56-B646-946F7EB96E2A}"/>
+              </a:ext>
+            </a:extLst>
+          </p:cNvPr>
+          <p:cNvPicPr>
+            <a:picLocks noChangeAspect="1"/>
+          </p:cNvPicPr>
+          <p:nvPr/>
+        </p:nvPicPr>
+        <p:blipFill>
+          <a:blip r:embed="rId3">
+            <a:extLst>
+              <a:ext uri="{28A0092B-C50C-407E-A947-70E740481C1C}">
+                <a14:useLocalDpi xmlns:a14="http://schemas.microsoft.com/office/drawing/2010/main" val="0"/>
+              </a:ext>
+            </a:extLst>
+          </a:blip>
+          <a:stretch>
+            <a:fillRect/>
+          </a:stretch>
+        </p:blipFill>
+        <p:spPr>
+          <a:xfrm>
+            <a:off x="6685118" y="1690688"/>
+            <a:ext cx="4668682" cy="3778041"/>
+          </a:xfrm>
+          <a:prstGeom prst="rect">
+            <a:avLst/>
+          </a:prstGeom>
           <a:solidFill>
-            <a:schemeClr val="accent5">
+            <a:schemeClr val="accent1">
               <a:lumMod val="20000"/>
               <a:lumOff val="80000"/>
               <a:alpha val="70000"/>
             </a:schemeClr>
           </a:solidFill>
         </p:spPr>
-        <p:txBody>
-          <a:bodyPr/>
-          <a:lstStyle/>
-          <a:p>
-            <a:pPr marL="0" indent="0">
-              <a:buNone/>
-            </a:pPr>
-            <a:endParaRPr lang="en-US" dirty="0"/>
-          </a:p>
-        </p:txBody>
-      </p:sp>
+      </p:pic>
     </p:spTree>
     <p:extLst>
       <p:ext uri="{BB962C8B-B14F-4D97-AF65-F5344CB8AC3E}">
-        <p14:creationId xmlns:p14="http://schemas.microsoft.com/office/powerpoint/2010/main" val="2842197219"/>
+        <p14:creationId xmlns:p14="http://schemas.microsoft.com/office/powerpoint/2010/main" val="1558750315"/>
       </p:ext>
     </p:extLst>
   </p:cSld>
@@ -4609,7 +5487,7 @@
           <a:p>
             <a:r>
               <a:rPr lang="en-US" dirty="0"/>
-              <a:t>Deep Neural Network</a:t>
+              <a:t>Random Forest</a:t>
             </a:r>
           </a:p>
         </p:txBody>
@@ -4653,7 +5531,7 @@
     </p:spTree>
     <p:extLst>
       <p:ext uri="{BB962C8B-B14F-4D97-AF65-F5344CB8AC3E}">
-        <p14:creationId xmlns:p14="http://schemas.microsoft.com/office/powerpoint/2010/main" val="2548730304"/>
+        <p14:creationId xmlns:p14="http://schemas.microsoft.com/office/powerpoint/2010/main" val="2842197219"/>
       </p:ext>
     </p:extLst>
   </p:cSld>
@@ -4703,28 +5581,44 @@
           <a:p>
             <a:r>
               <a:rPr lang="en-US" dirty="0"/>
-              <a:t>Logistic</a:t>
-            </a:r>
-          </a:p>
-        </p:txBody>
-      </p:sp>
-      <p:sp>
-        <p:nvSpPr>
-          <p:cNvPr id="3" name="Content Placeholder 2">
-            <a:extLst>
-              <a:ext uri="{FF2B5EF4-FFF2-40B4-BE49-F238E27FC236}">
-                <a16:creationId xmlns:a16="http://schemas.microsoft.com/office/drawing/2014/main" id="{29525243-0C3A-48C7-8A8D-2C4EE2065629}"/>
-              </a:ext>
-            </a:extLst>
-          </p:cNvPr>
-          <p:cNvSpPr>
-            <a:spLocks noGrp="1"/>
-          </p:cNvSpPr>
+              <a:t>Random Forest</a:t>
+            </a:r>
+          </a:p>
+        </p:txBody>
+      </p:sp>
+      <p:pic>
+        <p:nvPicPr>
+          <p:cNvPr id="5" name="Content Placeholder 4">
+            <a:extLst>
+              <a:ext uri="{FF2B5EF4-FFF2-40B4-BE49-F238E27FC236}">
+                <a16:creationId xmlns:a16="http://schemas.microsoft.com/office/drawing/2014/main" id="{CEE4B498-C7F4-4609-B3DC-F465AD5CC79D}"/>
+              </a:ext>
+            </a:extLst>
+          </p:cNvPr>
+          <p:cNvPicPr>
+            <a:picLocks noGrp="1" noChangeAspect="1"/>
+          </p:cNvPicPr>
           <p:nvPr>
             <p:ph idx="1"/>
           </p:nvPr>
-        </p:nvSpPr>
+        </p:nvPicPr>
+        <p:blipFill>
+          <a:blip r:embed="rId2">
+            <a:extLst>
+              <a:ext uri="{28A0092B-C50C-407E-A947-70E740481C1C}">
+                <a14:useLocalDpi xmlns:a14="http://schemas.microsoft.com/office/drawing/2010/main" val="0"/>
+              </a:ext>
+            </a:extLst>
+          </a:blip>
+          <a:stretch>
+            <a:fillRect/>
+          </a:stretch>
+        </p:blipFill>
         <p:spPr>
+          <a:xfrm>
+            <a:off x="968828" y="1404765"/>
+            <a:ext cx="6675521" cy="2632600"/>
+          </a:xfrm>
           <a:solidFill>
             <a:schemeClr val="accent5">
               <a:lumMod val="20000"/>
@@ -4733,21 +5627,83 @@
             </a:schemeClr>
           </a:solidFill>
         </p:spPr>
-        <p:txBody>
-          <a:bodyPr/>
-          <a:lstStyle/>
-          <a:p>
-            <a:pPr marL="0" indent="0">
-              <a:buNone/>
-            </a:pPr>
-            <a:endParaRPr lang="en-US" dirty="0"/>
-          </a:p>
-        </p:txBody>
-      </p:sp>
+      </p:pic>
+      <p:pic>
+        <p:nvPicPr>
+          <p:cNvPr id="9" name="Picture 8">
+            <a:extLst>
+              <a:ext uri="{FF2B5EF4-FFF2-40B4-BE49-F238E27FC236}">
+                <a16:creationId xmlns:a16="http://schemas.microsoft.com/office/drawing/2014/main" id="{D52C1D6B-32D3-4BAB-A760-5BFCF648E195}"/>
+              </a:ext>
+            </a:extLst>
+          </p:cNvPr>
+          <p:cNvPicPr>
+            <a:picLocks noChangeAspect="1"/>
+          </p:cNvPicPr>
+          <p:nvPr/>
+        </p:nvPicPr>
+        <p:blipFill>
+          <a:blip r:embed="rId3">
+            <a:extLst>
+              <a:ext uri="{28A0092B-C50C-407E-A947-70E740481C1C}">
+                <a14:useLocalDpi xmlns:a14="http://schemas.microsoft.com/office/drawing/2010/main" val="0"/>
+              </a:ext>
+            </a:extLst>
+          </a:blip>
+          <a:stretch>
+            <a:fillRect/>
+          </a:stretch>
+        </p:blipFill>
+        <p:spPr>
+          <a:xfrm>
+            <a:off x="8479972" y="1404765"/>
+            <a:ext cx="3341914" cy="2483679"/>
+          </a:xfrm>
+          <a:prstGeom prst="rect">
+            <a:avLst/>
+          </a:prstGeom>
+        </p:spPr>
+      </p:pic>
+      <p:pic>
+        <p:nvPicPr>
+          <p:cNvPr id="13" name="Picture 12">
+            <a:extLst>
+              <a:ext uri="{FF2B5EF4-FFF2-40B4-BE49-F238E27FC236}">
+                <a16:creationId xmlns:a16="http://schemas.microsoft.com/office/drawing/2014/main" id="{11C927E3-F357-49C9-98B0-92F8C5261A33}"/>
+              </a:ext>
+            </a:extLst>
+          </p:cNvPr>
+          <p:cNvPicPr>
+            <a:picLocks noChangeAspect="1"/>
+          </p:cNvPicPr>
+          <p:nvPr/>
+        </p:nvPicPr>
+        <p:blipFill>
+          <a:blip r:embed="rId4">
+            <a:extLst>
+              <a:ext uri="{28A0092B-C50C-407E-A947-70E740481C1C}">
+                <a14:useLocalDpi xmlns:a14="http://schemas.microsoft.com/office/drawing/2010/main" val="0"/>
+              </a:ext>
+            </a:extLst>
+          </a:blip>
+          <a:stretch>
+            <a:fillRect/>
+          </a:stretch>
+        </p:blipFill>
+        <p:spPr>
+          <a:xfrm>
+            <a:off x="968828" y="4348453"/>
+            <a:ext cx="5585349" cy="2509547"/>
+          </a:xfrm>
+          <a:prstGeom prst="rect">
+            <a:avLst/>
+          </a:prstGeom>
+        </p:spPr>
+      </p:pic>
     </p:spTree>
     <p:extLst>
       <p:ext uri="{BB962C8B-B14F-4D97-AF65-F5344CB8AC3E}">
-        <p14:creationId xmlns:p14="http://schemas.microsoft.com/office/powerpoint/2010/main" val="863709670"/>
+        <p14:creationId xmlns:p14="http://schemas.microsoft.com/office/powerpoint/2010/main" val="3420219619"/>
       </p:ext>
     </p:extLst>
   </p:cSld>

--- a/Credit_Card_Fraud_Presentation.pptx
+++ b/Credit_Card_Fraud_Presentation.pptx
@@ -4,28 +4,27 @@
   <p:sldMasterIdLst>
     <p:sldMasterId id="2147483648" r:id="rId1"/>
   </p:sldMasterIdLst>
+  <p:notesMasterIdLst>
+    <p:notesMasterId r:id="rId19"/>
+  </p:notesMasterIdLst>
   <p:sldIdLst>
     <p:sldId id="256" r:id="rId2"/>
-    <p:sldId id="260" r:id="rId3"/>
-    <p:sldId id="261" r:id="rId4"/>
-    <p:sldId id="262" r:id="rId5"/>
-    <p:sldId id="263" r:id="rId6"/>
-    <p:sldId id="264" r:id="rId7"/>
-    <p:sldId id="274" r:id="rId8"/>
-    <p:sldId id="265" r:id="rId9"/>
-    <p:sldId id="275" r:id="rId10"/>
-    <p:sldId id="266" r:id="rId11"/>
-    <p:sldId id="276" r:id="rId12"/>
-    <p:sldId id="267" r:id="rId13"/>
-    <p:sldId id="277" r:id="rId14"/>
-    <p:sldId id="268" r:id="rId15"/>
-    <p:sldId id="278" r:id="rId16"/>
-    <p:sldId id="273" r:id="rId17"/>
-    <p:sldId id="279" r:id="rId18"/>
-    <p:sldId id="269" r:id="rId19"/>
-    <p:sldId id="270" r:id="rId20"/>
-    <p:sldId id="271" r:id="rId21"/>
-    <p:sldId id="272" r:id="rId22"/>
+    <p:sldId id="261" r:id="rId3"/>
+    <p:sldId id="262" r:id="rId4"/>
+    <p:sldId id="263" r:id="rId5"/>
+    <p:sldId id="264" r:id="rId6"/>
+    <p:sldId id="267" r:id="rId7"/>
+    <p:sldId id="268" r:id="rId8"/>
+    <p:sldId id="266" r:id="rId9"/>
+    <p:sldId id="265" r:id="rId10"/>
+    <p:sldId id="275" r:id="rId11"/>
+    <p:sldId id="273" r:id="rId12"/>
+    <p:sldId id="279" r:id="rId13"/>
+    <p:sldId id="269" r:id="rId14"/>
+    <p:sldId id="272" r:id="rId15"/>
+    <p:sldId id="270" r:id="rId16"/>
+    <p:sldId id="280" r:id="rId17"/>
+    <p:sldId id="281" r:id="rId18"/>
   </p:sldIdLst>
   <p:sldSz cx="12192000" cy="6858000"/>
   <p:notesSz cx="6858000" cy="9144000"/>
@@ -132,6 +131,1757 @@
 </p:presentation>
 </file>
 
+<file path=ppt/notesMasters/notesMaster1.xml><?xml version="1.0" encoding="utf-8"?>
+<p:notesMaster xmlns:a="http://schemas.openxmlformats.org/drawingml/2006/main" xmlns:r="http://schemas.openxmlformats.org/officeDocument/2006/relationships" xmlns:p="http://schemas.openxmlformats.org/presentationml/2006/main">
+  <p:cSld>
+    <p:bg>
+      <p:bgRef idx="1001">
+        <a:schemeClr val="bg1"/>
+      </p:bgRef>
+    </p:bg>
+    <p:spTree>
+      <p:nvGrpSpPr>
+        <p:cNvPr id="1" name=""/>
+        <p:cNvGrpSpPr/>
+        <p:nvPr/>
+      </p:nvGrpSpPr>
+      <p:grpSpPr>
+        <a:xfrm>
+          <a:off x="0" y="0"/>
+          <a:ext cx="0" cy="0"/>
+          <a:chOff x="0" y="0"/>
+          <a:chExt cx="0" cy="0"/>
+        </a:xfrm>
+      </p:grpSpPr>
+      <p:sp>
+        <p:nvSpPr>
+          <p:cNvPr id="2" name="Header Placeholder 1"/>
+          <p:cNvSpPr>
+            <a:spLocks noGrp="1"/>
+          </p:cNvSpPr>
+          <p:nvPr>
+            <p:ph type="hdr" sz="quarter"/>
+          </p:nvPr>
+        </p:nvSpPr>
+        <p:spPr>
+          <a:xfrm>
+            <a:off x="0" y="0"/>
+            <a:ext cx="2971800" cy="458788"/>
+          </a:xfrm>
+          <a:prstGeom prst="rect">
+            <a:avLst/>
+          </a:prstGeom>
+        </p:spPr>
+        <p:txBody>
+          <a:bodyPr vert="horz" lIns="91440" tIns="45720" rIns="91440" bIns="45720" rtlCol="0"/>
+          <a:lstStyle>
+            <a:lvl1pPr algn="l">
+              <a:defRPr sz="1200"/>
+            </a:lvl1pPr>
+          </a:lstStyle>
+          <a:p>
+            <a:endParaRPr lang="en-US"/>
+          </a:p>
+        </p:txBody>
+      </p:sp>
+      <p:sp>
+        <p:nvSpPr>
+          <p:cNvPr id="3" name="Date Placeholder 2"/>
+          <p:cNvSpPr>
+            <a:spLocks noGrp="1"/>
+          </p:cNvSpPr>
+          <p:nvPr>
+            <p:ph type="dt" idx="1"/>
+          </p:nvPr>
+        </p:nvSpPr>
+        <p:spPr>
+          <a:xfrm>
+            <a:off x="3884613" y="0"/>
+            <a:ext cx="2971800" cy="458788"/>
+          </a:xfrm>
+          <a:prstGeom prst="rect">
+            <a:avLst/>
+          </a:prstGeom>
+        </p:spPr>
+        <p:txBody>
+          <a:bodyPr vert="horz" lIns="91440" tIns="45720" rIns="91440" bIns="45720" rtlCol="0"/>
+          <a:lstStyle>
+            <a:lvl1pPr algn="r">
+              <a:defRPr sz="1200"/>
+            </a:lvl1pPr>
+          </a:lstStyle>
+          <a:p>
+            <a:fld id="{85E8BFE0-8317-40B5-88D8-F083C3915B0E}" type="datetimeFigureOut">
+              <a:rPr lang="en-US" smtClean="0"/>
+              <a:t>8/16/2020</a:t>
+            </a:fld>
+            <a:endParaRPr lang="en-US"/>
+          </a:p>
+        </p:txBody>
+      </p:sp>
+      <p:sp>
+        <p:nvSpPr>
+          <p:cNvPr id="4" name="Slide Image Placeholder 3"/>
+          <p:cNvSpPr>
+            <a:spLocks noGrp="1" noRot="1" noChangeAspect="1"/>
+          </p:cNvSpPr>
+          <p:nvPr>
+            <p:ph type="sldImg" idx="2"/>
+          </p:nvPr>
+        </p:nvSpPr>
+        <p:spPr>
+          <a:xfrm>
+            <a:off x="685800" y="1143000"/>
+            <a:ext cx="5486400" cy="3086100"/>
+          </a:xfrm>
+          <a:prstGeom prst="rect">
+            <a:avLst/>
+          </a:prstGeom>
+          <a:noFill/>
+          <a:ln w="12700">
+            <a:solidFill>
+              <a:prstClr val="black"/>
+            </a:solidFill>
+          </a:ln>
+        </p:spPr>
+        <p:txBody>
+          <a:bodyPr vert="horz" lIns="91440" tIns="45720" rIns="91440" bIns="45720" rtlCol="0" anchor="ctr"/>
+          <a:lstStyle/>
+          <a:p>
+            <a:endParaRPr lang="en-US"/>
+          </a:p>
+        </p:txBody>
+      </p:sp>
+      <p:sp>
+        <p:nvSpPr>
+          <p:cNvPr id="5" name="Notes Placeholder 4"/>
+          <p:cNvSpPr>
+            <a:spLocks noGrp="1"/>
+          </p:cNvSpPr>
+          <p:nvPr>
+            <p:ph type="body" sz="quarter" idx="3"/>
+          </p:nvPr>
+        </p:nvSpPr>
+        <p:spPr>
+          <a:xfrm>
+            <a:off x="685800" y="4400550"/>
+            <a:ext cx="5486400" cy="3600450"/>
+          </a:xfrm>
+          <a:prstGeom prst="rect">
+            <a:avLst/>
+          </a:prstGeom>
+        </p:spPr>
+        <p:txBody>
+          <a:bodyPr vert="horz" lIns="91440" tIns="45720" rIns="91440" bIns="45720" rtlCol="0"/>
+          <a:lstStyle/>
+          <a:p>
+            <a:pPr lvl="0"/>
+            <a:r>
+              <a:rPr lang="en-US"/>
+              <a:t>Click to edit Master text styles</a:t>
+            </a:r>
+          </a:p>
+          <a:p>
+            <a:pPr lvl="1"/>
+            <a:r>
+              <a:rPr lang="en-US"/>
+              <a:t>Second level</a:t>
+            </a:r>
+          </a:p>
+          <a:p>
+            <a:pPr lvl="2"/>
+            <a:r>
+              <a:rPr lang="en-US"/>
+              <a:t>Third level</a:t>
+            </a:r>
+          </a:p>
+          <a:p>
+            <a:pPr lvl="3"/>
+            <a:r>
+              <a:rPr lang="en-US"/>
+              <a:t>Fourth level</a:t>
+            </a:r>
+          </a:p>
+          <a:p>
+            <a:pPr lvl="4"/>
+            <a:r>
+              <a:rPr lang="en-US"/>
+              <a:t>Fifth level</a:t>
+            </a:r>
+          </a:p>
+        </p:txBody>
+      </p:sp>
+      <p:sp>
+        <p:nvSpPr>
+          <p:cNvPr id="6" name="Footer Placeholder 5"/>
+          <p:cNvSpPr>
+            <a:spLocks noGrp="1"/>
+          </p:cNvSpPr>
+          <p:nvPr>
+            <p:ph type="ftr" sz="quarter" idx="4"/>
+          </p:nvPr>
+        </p:nvSpPr>
+        <p:spPr>
+          <a:xfrm>
+            <a:off x="0" y="8685213"/>
+            <a:ext cx="2971800" cy="458787"/>
+          </a:xfrm>
+          <a:prstGeom prst="rect">
+            <a:avLst/>
+          </a:prstGeom>
+        </p:spPr>
+        <p:txBody>
+          <a:bodyPr vert="horz" lIns="91440" tIns="45720" rIns="91440" bIns="45720" rtlCol="0" anchor="b"/>
+          <a:lstStyle>
+            <a:lvl1pPr algn="l">
+              <a:defRPr sz="1200"/>
+            </a:lvl1pPr>
+          </a:lstStyle>
+          <a:p>
+            <a:endParaRPr lang="en-US"/>
+          </a:p>
+        </p:txBody>
+      </p:sp>
+      <p:sp>
+        <p:nvSpPr>
+          <p:cNvPr id="7" name="Slide Number Placeholder 6"/>
+          <p:cNvSpPr>
+            <a:spLocks noGrp="1"/>
+          </p:cNvSpPr>
+          <p:nvPr>
+            <p:ph type="sldNum" sz="quarter" idx="5"/>
+          </p:nvPr>
+        </p:nvSpPr>
+        <p:spPr>
+          <a:xfrm>
+            <a:off x="3884613" y="8685213"/>
+            <a:ext cx="2971800" cy="458787"/>
+          </a:xfrm>
+          <a:prstGeom prst="rect">
+            <a:avLst/>
+          </a:prstGeom>
+        </p:spPr>
+        <p:txBody>
+          <a:bodyPr vert="horz" lIns="91440" tIns="45720" rIns="91440" bIns="45720" rtlCol="0" anchor="b"/>
+          <a:lstStyle>
+            <a:lvl1pPr algn="r">
+              <a:defRPr sz="1200"/>
+            </a:lvl1pPr>
+          </a:lstStyle>
+          <a:p>
+            <a:fld id="{63EBB350-F07C-4041-8E01-7690833135BA}" type="slidenum">
+              <a:rPr lang="en-US" smtClean="0"/>
+              <a:t>‹#›</a:t>
+            </a:fld>
+            <a:endParaRPr lang="en-US"/>
+          </a:p>
+        </p:txBody>
+      </p:sp>
+    </p:spTree>
+    <p:extLst>
+      <p:ext uri="{BB962C8B-B14F-4D97-AF65-F5344CB8AC3E}">
+        <p14:creationId xmlns:p14="http://schemas.microsoft.com/office/powerpoint/2010/main" val="1291246855"/>
+      </p:ext>
+    </p:extLst>
+  </p:cSld>
+  <p:clrMap bg1="lt1" tx1="dk1" bg2="lt2" tx2="dk2" accent1="accent1" accent2="accent2" accent3="accent3" accent4="accent4" accent5="accent5" accent6="accent6" hlink="hlink" folHlink="folHlink"/>
+  <p:notesStyle>
+    <a:lvl1pPr marL="0" algn="l" defTabSz="914400" rtl="0" eaLnBrk="1" latinLnBrk="0" hangingPunct="1">
+      <a:defRPr sz="1200" kern="1200">
+        <a:solidFill>
+          <a:schemeClr val="tx1"/>
+        </a:solidFill>
+        <a:latin typeface="+mn-lt"/>
+        <a:ea typeface="+mn-ea"/>
+        <a:cs typeface="+mn-cs"/>
+      </a:defRPr>
+    </a:lvl1pPr>
+    <a:lvl2pPr marL="457200" algn="l" defTabSz="914400" rtl="0" eaLnBrk="1" latinLnBrk="0" hangingPunct="1">
+      <a:defRPr sz="1200" kern="1200">
+        <a:solidFill>
+          <a:schemeClr val="tx1"/>
+        </a:solidFill>
+        <a:latin typeface="+mn-lt"/>
+        <a:ea typeface="+mn-ea"/>
+        <a:cs typeface="+mn-cs"/>
+      </a:defRPr>
+    </a:lvl2pPr>
+    <a:lvl3pPr marL="914400" algn="l" defTabSz="914400" rtl="0" eaLnBrk="1" latinLnBrk="0" hangingPunct="1">
+      <a:defRPr sz="1200" kern="1200">
+        <a:solidFill>
+          <a:schemeClr val="tx1"/>
+        </a:solidFill>
+        <a:latin typeface="+mn-lt"/>
+        <a:ea typeface="+mn-ea"/>
+        <a:cs typeface="+mn-cs"/>
+      </a:defRPr>
+    </a:lvl3pPr>
+    <a:lvl4pPr marL="1371600" algn="l" defTabSz="914400" rtl="0" eaLnBrk="1" latinLnBrk="0" hangingPunct="1">
+      <a:defRPr sz="1200" kern="1200">
+        <a:solidFill>
+          <a:schemeClr val="tx1"/>
+        </a:solidFill>
+        <a:latin typeface="+mn-lt"/>
+        <a:ea typeface="+mn-ea"/>
+        <a:cs typeface="+mn-cs"/>
+      </a:defRPr>
+    </a:lvl4pPr>
+    <a:lvl5pPr marL="1828800" algn="l" defTabSz="914400" rtl="0" eaLnBrk="1" latinLnBrk="0" hangingPunct="1">
+      <a:defRPr sz="1200" kern="1200">
+        <a:solidFill>
+          <a:schemeClr val="tx1"/>
+        </a:solidFill>
+        <a:latin typeface="+mn-lt"/>
+        <a:ea typeface="+mn-ea"/>
+        <a:cs typeface="+mn-cs"/>
+      </a:defRPr>
+    </a:lvl5pPr>
+    <a:lvl6pPr marL="2286000" algn="l" defTabSz="914400" rtl="0" eaLnBrk="1" latinLnBrk="0" hangingPunct="1">
+      <a:defRPr sz="1200" kern="1200">
+        <a:solidFill>
+          <a:schemeClr val="tx1"/>
+        </a:solidFill>
+        <a:latin typeface="+mn-lt"/>
+        <a:ea typeface="+mn-ea"/>
+        <a:cs typeface="+mn-cs"/>
+      </a:defRPr>
+    </a:lvl6pPr>
+    <a:lvl7pPr marL="2743200" algn="l" defTabSz="914400" rtl="0" eaLnBrk="1" latinLnBrk="0" hangingPunct="1">
+      <a:defRPr sz="1200" kern="1200">
+        <a:solidFill>
+          <a:schemeClr val="tx1"/>
+        </a:solidFill>
+        <a:latin typeface="+mn-lt"/>
+        <a:ea typeface="+mn-ea"/>
+        <a:cs typeface="+mn-cs"/>
+      </a:defRPr>
+    </a:lvl7pPr>
+    <a:lvl8pPr marL="3200400" algn="l" defTabSz="914400" rtl="0" eaLnBrk="1" latinLnBrk="0" hangingPunct="1">
+      <a:defRPr sz="1200" kern="1200">
+        <a:solidFill>
+          <a:schemeClr val="tx1"/>
+        </a:solidFill>
+        <a:latin typeface="+mn-lt"/>
+        <a:ea typeface="+mn-ea"/>
+        <a:cs typeface="+mn-cs"/>
+      </a:defRPr>
+    </a:lvl8pPr>
+    <a:lvl9pPr marL="3657600" algn="l" defTabSz="914400" rtl="0" eaLnBrk="1" latinLnBrk="0" hangingPunct="1">
+      <a:defRPr sz="1200" kern="1200">
+        <a:solidFill>
+          <a:schemeClr val="tx1"/>
+        </a:solidFill>
+        <a:latin typeface="+mn-lt"/>
+        <a:ea typeface="+mn-ea"/>
+        <a:cs typeface="+mn-cs"/>
+      </a:defRPr>
+    </a:lvl9pPr>
+  </p:notesStyle>
+</p:notesMaster>
+</file>
+
+<file path=ppt/notesSlides/notesSlide1.xml><?xml version="1.0" encoding="utf-8"?>
+<p:notes xmlns:a="http://schemas.openxmlformats.org/drawingml/2006/main" xmlns:r="http://schemas.openxmlformats.org/officeDocument/2006/relationships" xmlns:p="http://schemas.openxmlformats.org/presentationml/2006/main">
+  <p:cSld>
+    <p:spTree>
+      <p:nvGrpSpPr>
+        <p:cNvPr id="1" name=""/>
+        <p:cNvGrpSpPr/>
+        <p:nvPr/>
+      </p:nvGrpSpPr>
+      <p:grpSpPr>
+        <a:xfrm>
+          <a:off x="0" y="0"/>
+          <a:ext cx="0" cy="0"/>
+          <a:chOff x="0" y="0"/>
+          <a:chExt cx="0" cy="0"/>
+        </a:xfrm>
+      </p:grpSpPr>
+      <p:sp>
+        <p:nvSpPr>
+          <p:cNvPr id="2" name="Slide Image Placeholder 1"/>
+          <p:cNvSpPr>
+            <a:spLocks noGrp="1" noRot="1" noChangeAspect="1"/>
+          </p:cNvSpPr>
+          <p:nvPr>
+            <p:ph type="sldImg"/>
+          </p:nvPr>
+        </p:nvSpPr>
+        <p:spPr/>
+      </p:sp>
+      <p:sp>
+        <p:nvSpPr>
+          <p:cNvPr id="3" name="Notes Placeholder 2"/>
+          <p:cNvSpPr>
+            <a:spLocks noGrp="1"/>
+          </p:cNvSpPr>
+          <p:nvPr>
+            <p:ph type="body" idx="1"/>
+          </p:nvPr>
+        </p:nvSpPr>
+        <p:spPr/>
+        <p:txBody>
+          <a:bodyPr/>
+          <a:lstStyle/>
+          <a:p>
+            <a:r>
+              <a:rPr lang="en-US" dirty="0"/>
+              <a:t>Jayvis - Discuss intro during this slide</a:t>
+            </a:r>
+          </a:p>
+        </p:txBody>
+      </p:sp>
+      <p:sp>
+        <p:nvSpPr>
+          <p:cNvPr id="4" name="Slide Number Placeholder 3"/>
+          <p:cNvSpPr>
+            <a:spLocks noGrp="1"/>
+          </p:cNvSpPr>
+          <p:nvPr>
+            <p:ph type="sldNum" sz="quarter" idx="5"/>
+          </p:nvPr>
+        </p:nvSpPr>
+        <p:spPr/>
+        <p:txBody>
+          <a:bodyPr/>
+          <a:lstStyle/>
+          <a:p>
+            <a:fld id="{63EBB350-F07C-4041-8E01-7690833135BA}" type="slidenum">
+              <a:rPr lang="en-US" smtClean="0"/>
+              <a:t>1</a:t>
+            </a:fld>
+            <a:endParaRPr lang="en-US"/>
+          </a:p>
+        </p:txBody>
+      </p:sp>
+    </p:spTree>
+    <p:extLst>
+      <p:ext uri="{BB962C8B-B14F-4D97-AF65-F5344CB8AC3E}">
+        <p14:creationId xmlns:p14="http://schemas.microsoft.com/office/powerpoint/2010/main" val="340014300"/>
+      </p:ext>
+    </p:extLst>
+  </p:cSld>
+  <p:clrMapOvr>
+    <a:masterClrMapping/>
+  </p:clrMapOvr>
+</p:notes>
+</file>
+
+<file path=ppt/notesSlides/notesSlide10.xml><?xml version="1.0" encoding="utf-8"?>
+<p:notes xmlns:a="http://schemas.openxmlformats.org/drawingml/2006/main" xmlns:r="http://schemas.openxmlformats.org/officeDocument/2006/relationships" xmlns:p="http://schemas.openxmlformats.org/presentationml/2006/main">
+  <p:cSld>
+    <p:spTree>
+      <p:nvGrpSpPr>
+        <p:cNvPr id="1" name=""/>
+        <p:cNvGrpSpPr/>
+        <p:nvPr/>
+      </p:nvGrpSpPr>
+      <p:grpSpPr>
+        <a:xfrm>
+          <a:off x="0" y="0"/>
+          <a:ext cx="0" cy="0"/>
+          <a:chOff x="0" y="0"/>
+          <a:chExt cx="0" cy="0"/>
+        </a:xfrm>
+      </p:grpSpPr>
+      <p:sp>
+        <p:nvSpPr>
+          <p:cNvPr id="2" name="Slide Image Placeholder 1"/>
+          <p:cNvSpPr>
+            <a:spLocks noGrp="1" noRot="1" noChangeAspect="1"/>
+          </p:cNvSpPr>
+          <p:nvPr>
+            <p:ph type="sldImg"/>
+          </p:nvPr>
+        </p:nvSpPr>
+        <p:spPr/>
+      </p:sp>
+      <p:sp>
+        <p:nvSpPr>
+          <p:cNvPr id="3" name="Notes Placeholder 2"/>
+          <p:cNvSpPr>
+            <a:spLocks noGrp="1"/>
+          </p:cNvSpPr>
+          <p:nvPr>
+            <p:ph type="body" idx="1"/>
+          </p:nvPr>
+        </p:nvSpPr>
+        <p:spPr/>
+        <p:txBody>
+          <a:bodyPr/>
+          <a:lstStyle/>
+          <a:p>
+            <a:r>
+              <a:rPr lang="en-US" dirty="0"/>
+              <a:t>Nic</a:t>
+            </a:r>
+          </a:p>
+        </p:txBody>
+      </p:sp>
+      <p:sp>
+        <p:nvSpPr>
+          <p:cNvPr id="4" name="Slide Number Placeholder 3"/>
+          <p:cNvSpPr>
+            <a:spLocks noGrp="1"/>
+          </p:cNvSpPr>
+          <p:nvPr>
+            <p:ph type="sldNum" sz="quarter" idx="5"/>
+          </p:nvPr>
+        </p:nvSpPr>
+        <p:spPr/>
+        <p:txBody>
+          <a:bodyPr/>
+          <a:lstStyle/>
+          <a:p>
+            <a:fld id="{63EBB350-F07C-4041-8E01-7690833135BA}" type="slidenum">
+              <a:rPr lang="en-US" smtClean="0"/>
+              <a:t>10</a:t>
+            </a:fld>
+            <a:endParaRPr lang="en-US"/>
+          </a:p>
+        </p:txBody>
+      </p:sp>
+    </p:spTree>
+    <p:extLst>
+      <p:ext uri="{BB962C8B-B14F-4D97-AF65-F5344CB8AC3E}">
+        <p14:creationId xmlns:p14="http://schemas.microsoft.com/office/powerpoint/2010/main" val="2098571881"/>
+      </p:ext>
+    </p:extLst>
+  </p:cSld>
+  <p:clrMapOvr>
+    <a:masterClrMapping/>
+  </p:clrMapOvr>
+</p:notes>
+</file>
+
+<file path=ppt/notesSlides/notesSlide11.xml><?xml version="1.0" encoding="utf-8"?>
+<p:notes xmlns:a="http://schemas.openxmlformats.org/drawingml/2006/main" xmlns:r="http://schemas.openxmlformats.org/officeDocument/2006/relationships" xmlns:p="http://schemas.openxmlformats.org/presentationml/2006/main">
+  <p:cSld>
+    <p:spTree>
+      <p:nvGrpSpPr>
+        <p:cNvPr id="1" name=""/>
+        <p:cNvGrpSpPr/>
+        <p:nvPr/>
+      </p:nvGrpSpPr>
+      <p:grpSpPr>
+        <a:xfrm>
+          <a:off x="0" y="0"/>
+          <a:ext cx="0" cy="0"/>
+          <a:chOff x="0" y="0"/>
+          <a:chExt cx="0" cy="0"/>
+        </a:xfrm>
+      </p:grpSpPr>
+      <p:sp>
+        <p:nvSpPr>
+          <p:cNvPr id="2" name="Slide Image Placeholder 1"/>
+          <p:cNvSpPr>
+            <a:spLocks noGrp="1" noRot="1" noChangeAspect="1"/>
+          </p:cNvSpPr>
+          <p:nvPr>
+            <p:ph type="sldImg"/>
+          </p:nvPr>
+        </p:nvSpPr>
+        <p:spPr/>
+      </p:sp>
+      <p:sp>
+        <p:nvSpPr>
+          <p:cNvPr id="3" name="Notes Placeholder 2"/>
+          <p:cNvSpPr>
+            <a:spLocks noGrp="1"/>
+          </p:cNvSpPr>
+          <p:nvPr>
+            <p:ph type="body" idx="1"/>
+          </p:nvPr>
+        </p:nvSpPr>
+        <p:spPr/>
+        <p:txBody>
+          <a:bodyPr/>
+          <a:lstStyle/>
+          <a:p>
+            <a:r>
+              <a:rPr lang="en-US" dirty="0"/>
+              <a:t>Nic</a:t>
+            </a:r>
+          </a:p>
+        </p:txBody>
+      </p:sp>
+      <p:sp>
+        <p:nvSpPr>
+          <p:cNvPr id="4" name="Slide Number Placeholder 3"/>
+          <p:cNvSpPr>
+            <a:spLocks noGrp="1"/>
+          </p:cNvSpPr>
+          <p:nvPr>
+            <p:ph type="sldNum" sz="quarter" idx="5"/>
+          </p:nvPr>
+        </p:nvSpPr>
+        <p:spPr/>
+        <p:txBody>
+          <a:bodyPr/>
+          <a:lstStyle/>
+          <a:p>
+            <a:fld id="{63EBB350-F07C-4041-8E01-7690833135BA}" type="slidenum">
+              <a:rPr lang="en-US" smtClean="0"/>
+              <a:t>11</a:t>
+            </a:fld>
+            <a:endParaRPr lang="en-US"/>
+          </a:p>
+        </p:txBody>
+      </p:sp>
+    </p:spTree>
+    <p:extLst>
+      <p:ext uri="{BB962C8B-B14F-4D97-AF65-F5344CB8AC3E}">
+        <p14:creationId xmlns:p14="http://schemas.microsoft.com/office/powerpoint/2010/main" val="3559435471"/>
+      </p:ext>
+    </p:extLst>
+  </p:cSld>
+  <p:clrMapOvr>
+    <a:masterClrMapping/>
+  </p:clrMapOvr>
+</p:notes>
+</file>
+
+<file path=ppt/notesSlides/notesSlide12.xml><?xml version="1.0" encoding="utf-8"?>
+<p:notes xmlns:a="http://schemas.openxmlformats.org/drawingml/2006/main" xmlns:r="http://schemas.openxmlformats.org/officeDocument/2006/relationships" xmlns:p="http://schemas.openxmlformats.org/presentationml/2006/main">
+  <p:cSld>
+    <p:spTree>
+      <p:nvGrpSpPr>
+        <p:cNvPr id="1" name=""/>
+        <p:cNvGrpSpPr/>
+        <p:nvPr/>
+      </p:nvGrpSpPr>
+      <p:grpSpPr>
+        <a:xfrm>
+          <a:off x="0" y="0"/>
+          <a:ext cx="0" cy="0"/>
+          <a:chOff x="0" y="0"/>
+          <a:chExt cx="0" cy="0"/>
+        </a:xfrm>
+      </p:grpSpPr>
+      <p:sp>
+        <p:nvSpPr>
+          <p:cNvPr id="2" name="Slide Image Placeholder 1"/>
+          <p:cNvSpPr>
+            <a:spLocks noGrp="1" noRot="1" noChangeAspect="1"/>
+          </p:cNvSpPr>
+          <p:nvPr>
+            <p:ph type="sldImg"/>
+          </p:nvPr>
+        </p:nvSpPr>
+        <p:spPr/>
+      </p:sp>
+      <p:sp>
+        <p:nvSpPr>
+          <p:cNvPr id="3" name="Notes Placeholder 2"/>
+          <p:cNvSpPr>
+            <a:spLocks noGrp="1"/>
+          </p:cNvSpPr>
+          <p:nvPr>
+            <p:ph type="body" idx="1"/>
+          </p:nvPr>
+        </p:nvSpPr>
+        <p:spPr/>
+        <p:txBody>
+          <a:bodyPr/>
+          <a:lstStyle/>
+          <a:p>
+            <a:r>
+              <a:rPr lang="en-US" dirty="0"/>
+              <a:t>Nic</a:t>
+            </a:r>
+          </a:p>
+        </p:txBody>
+      </p:sp>
+      <p:sp>
+        <p:nvSpPr>
+          <p:cNvPr id="4" name="Slide Number Placeholder 3"/>
+          <p:cNvSpPr>
+            <a:spLocks noGrp="1"/>
+          </p:cNvSpPr>
+          <p:nvPr>
+            <p:ph type="sldNum" sz="quarter" idx="5"/>
+          </p:nvPr>
+        </p:nvSpPr>
+        <p:spPr/>
+        <p:txBody>
+          <a:bodyPr/>
+          <a:lstStyle/>
+          <a:p>
+            <a:fld id="{63EBB350-F07C-4041-8E01-7690833135BA}" type="slidenum">
+              <a:rPr lang="en-US" smtClean="0"/>
+              <a:t>12</a:t>
+            </a:fld>
+            <a:endParaRPr lang="en-US"/>
+          </a:p>
+        </p:txBody>
+      </p:sp>
+    </p:spTree>
+    <p:extLst>
+      <p:ext uri="{BB962C8B-B14F-4D97-AF65-F5344CB8AC3E}">
+        <p14:creationId xmlns:p14="http://schemas.microsoft.com/office/powerpoint/2010/main" val="1714010795"/>
+      </p:ext>
+    </p:extLst>
+  </p:cSld>
+  <p:clrMapOvr>
+    <a:masterClrMapping/>
+  </p:clrMapOvr>
+</p:notes>
+</file>
+
+<file path=ppt/notesSlides/notesSlide13.xml><?xml version="1.0" encoding="utf-8"?>
+<p:notes xmlns:a="http://schemas.openxmlformats.org/drawingml/2006/main" xmlns:r="http://schemas.openxmlformats.org/officeDocument/2006/relationships" xmlns:p="http://schemas.openxmlformats.org/presentationml/2006/main">
+  <p:cSld>
+    <p:spTree>
+      <p:nvGrpSpPr>
+        <p:cNvPr id="1" name=""/>
+        <p:cNvGrpSpPr/>
+        <p:nvPr/>
+      </p:nvGrpSpPr>
+      <p:grpSpPr>
+        <a:xfrm>
+          <a:off x="0" y="0"/>
+          <a:ext cx="0" cy="0"/>
+          <a:chOff x="0" y="0"/>
+          <a:chExt cx="0" cy="0"/>
+        </a:xfrm>
+      </p:grpSpPr>
+      <p:sp>
+        <p:nvSpPr>
+          <p:cNvPr id="2" name="Slide Image Placeholder 1"/>
+          <p:cNvSpPr>
+            <a:spLocks noGrp="1" noRot="1" noChangeAspect="1"/>
+          </p:cNvSpPr>
+          <p:nvPr>
+            <p:ph type="sldImg"/>
+          </p:nvPr>
+        </p:nvSpPr>
+        <p:spPr/>
+      </p:sp>
+      <p:sp>
+        <p:nvSpPr>
+          <p:cNvPr id="3" name="Notes Placeholder 2"/>
+          <p:cNvSpPr>
+            <a:spLocks noGrp="1"/>
+          </p:cNvSpPr>
+          <p:nvPr>
+            <p:ph type="body" idx="1"/>
+          </p:nvPr>
+        </p:nvSpPr>
+        <p:spPr/>
+        <p:txBody>
+          <a:bodyPr/>
+          <a:lstStyle/>
+          <a:p>
+            <a:r>
+              <a:rPr lang="en-US" dirty="0"/>
+              <a:t>Nic</a:t>
+            </a:r>
+          </a:p>
+        </p:txBody>
+      </p:sp>
+      <p:sp>
+        <p:nvSpPr>
+          <p:cNvPr id="4" name="Slide Number Placeholder 3"/>
+          <p:cNvSpPr>
+            <a:spLocks noGrp="1"/>
+          </p:cNvSpPr>
+          <p:nvPr>
+            <p:ph type="sldNum" sz="quarter" idx="5"/>
+          </p:nvPr>
+        </p:nvSpPr>
+        <p:spPr/>
+        <p:txBody>
+          <a:bodyPr/>
+          <a:lstStyle/>
+          <a:p>
+            <a:fld id="{63EBB350-F07C-4041-8E01-7690833135BA}" type="slidenum">
+              <a:rPr lang="en-US" smtClean="0"/>
+              <a:t>13</a:t>
+            </a:fld>
+            <a:endParaRPr lang="en-US"/>
+          </a:p>
+        </p:txBody>
+      </p:sp>
+    </p:spTree>
+    <p:extLst>
+      <p:ext uri="{BB962C8B-B14F-4D97-AF65-F5344CB8AC3E}">
+        <p14:creationId xmlns:p14="http://schemas.microsoft.com/office/powerpoint/2010/main" val="1664722029"/>
+      </p:ext>
+    </p:extLst>
+  </p:cSld>
+  <p:clrMapOvr>
+    <a:masterClrMapping/>
+  </p:clrMapOvr>
+</p:notes>
+</file>
+
+<file path=ppt/notesSlides/notesSlide14.xml><?xml version="1.0" encoding="utf-8"?>
+<p:notes xmlns:a="http://schemas.openxmlformats.org/drawingml/2006/main" xmlns:r="http://schemas.openxmlformats.org/officeDocument/2006/relationships" xmlns:p="http://schemas.openxmlformats.org/presentationml/2006/main">
+  <p:cSld>
+    <p:spTree>
+      <p:nvGrpSpPr>
+        <p:cNvPr id="1" name=""/>
+        <p:cNvGrpSpPr/>
+        <p:nvPr/>
+      </p:nvGrpSpPr>
+      <p:grpSpPr>
+        <a:xfrm>
+          <a:off x="0" y="0"/>
+          <a:ext cx="0" cy="0"/>
+          <a:chOff x="0" y="0"/>
+          <a:chExt cx="0" cy="0"/>
+        </a:xfrm>
+      </p:grpSpPr>
+      <p:sp>
+        <p:nvSpPr>
+          <p:cNvPr id="2" name="Slide Image Placeholder 1"/>
+          <p:cNvSpPr>
+            <a:spLocks noGrp="1" noRot="1" noChangeAspect="1"/>
+          </p:cNvSpPr>
+          <p:nvPr>
+            <p:ph type="sldImg"/>
+          </p:nvPr>
+        </p:nvSpPr>
+        <p:spPr/>
+      </p:sp>
+      <p:sp>
+        <p:nvSpPr>
+          <p:cNvPr id="3" name="Notes Placeholder 2"/>
+          <p:cNvSpPr>
+            <a:spLocks noGrp="1"/>
+          </p:cNvSpPr>
+          <p:nvPr>
+            <p:ph type="body" idx="1"/>
+          </p:nvPr>
+        </p:nvSpPr>
+        <p:spPr/>
+        <p:txBody>
+          <a:bodyPr/>
+          <a:lstStyle/>
+          <a:p>
+            <a:r>
+              <a:rPr lang="en-US" dirty="0" err="1"/>
+              <a:t>Luminda</a:t>
+            </a:r>
+            <a:endParaRPr lang="en-US" dirty="0"/>
+          </a:p>
+        </p:txBody>
+      </p:sp>
+      <p:sp>
+        <p:nvSpPr>
+          <p:cNvPr id="4" name="Slide Number Placeholder 3"/>
+          <p:cNvSpPr>
+            <a:spLocks noGrp="1"/>
+          </p:cNvSpPr>
+          <p:nvPr>
+            <p:ph type="sldNum" sz="quarter" idx="5"/>
+          </p:nvPr>
+        </p:nvSpPr>
+        <p:spPr/>
+        <p:txBody>
+          <a:bodyPr/>
+          <a:lstStyle/>
+          <a:p>
+            <a:fld id="{63EBB350-F07C-4041-8E01-7690833135BA}" type="slidenum">
+              <a:rPr lang="en-US" smtClean="0"/>
+              <a:t>14</a:t>
+            </a:fld>
+            <a:endParaRPr lang="en-US"/>
+          </a:p>
+        </p:txBody>
+      </p:sp>
+    </p:spTree>
+    <p:extLst>
+      <p:ext uri="{BB962C8B-B14F-4D97-AF65-F5344CB8AC3E}">
+        <p14:creationId xmlns:p14="http://schemas.microsoft.com/office/powerpoint/2010/main" val="1459720351"/>
+      </p:ext>
+    </p:extLst>
+  </p:cSld>
+  <p:clrMapOvr>
+    <a:masterClrMapping/>
+  </p:clrMapOvr>
+</p:notes>
+</file>
+
+<file path=ppt/notesSlides/notesSlide15.xml><?xml version="1.0" encoding="utf-8"?>
+<p:notes xmlns:a="http://schemas.openxmlformats.org/drawingml/2006/main" xmlns:r="http://schemas.openxmlformats.org/officeDocument/2006/relationships" xmlns:p="http://schemas.openxmlformats.org/presentationml/2006/main">
+  <p:cSld>
+    <p:spTree>
+      <p:nvGrpSpPr>
+        <p:cNvPr id="1" name=""/>
+        <p:cNvGrpSpPr/>
+        <p:nvPr/>
+      </p:nvGrpSpPr>
+      <p:grpSpPr>
+        <a:xfrm>
+          <a:off x="0" y="0"/>
+          <a:ext cx="0" cy="0"/>
+          <a:chOff x="0" y="0"/>
+          <a:chExt cx="0" cy="0"/>
+        </a:xfrm>
+      </p:grpSpPr>
+      <p:sp>
+        <p:nvSpPr>
+          <p:cNvPr id="2" name="Slide Image Placeholder 1"/>
+          <p:cNvSpPr>
+            <a:spLocks noGrp="1" noRot="1" noChangeAspect="1"/>
+          </p:cNvSpPr>
+          <p:nvPr>
+            <p:ph type="sldImg"/>
+          </p:nvPr>
+        </p:nvSpPr>
+        <p:spPr/>
+      </p:sp>
+      <p:sp>
+        <p:nvSpPr>
+          <p:cNvPr id="3" name="Notes Placeholder 2"/>
+          <p:cNvSpPr>
+            <a:spLocks noGrp="1"/>
+          </p:cNvSpPr>
+          <p:nvPr>
+            <p:ph type="body" idx="1"/>
+          </p:nvPr>
+        </p:nvSpPr>
+        <p:spPr/>
+        <p:txBody>
+          <a:bodyPr/>
+          <a:lstStyle/>
+          <a:p>
+            <a:r>
+              <a:rPr lang="en-US" dirty="0"/>
+              <a:t>Austin</a:t>
+            </a:r>
+          </a:p>
+        </p:txBody>
+      </p:sp>
+      <p:sp>
+        <p:nvSpPr>
+          <p:cNvPr id="4" name="Slide Number Placeholder 3"/>
+          <p:cNvSpPr>
+            <a:spLocks noGrp="1"/>
+          </p:cNvSpPr>
+          <p:nvPr>
+            <p:ph type="sldNum" sz="quarter" idx="5"/>
+          </p:nvPr>
+        </p:nvSpPr>
+        <p:spPr/>
+        <p:txBody>
+          <a:bodyPr/>
+          <a:lstStyle/>
+          <a:p>
+            <a:fld id="{63EBB350-F07C-4041-8E01-7690833135BA}" type="slidenum">
+              <a:rPr lang="en-US" smtClean="0"/>
+              <a:t>15</a:t>
+            </a:fld>
+            <a:endParaRPr lang="en-US"/>
+          </a:p>
+        </p:txBody>
+      </p:sp>
+    </p:spTree>
+    <p:extLst>
+      <p:ext uri="{BB962C8B-B14F-4D97-AF65-F5344CB8AC3E}">
+        <p14:creationId xmlns:p14="http://schemas.microsoft.com/office/powerpoint/2010/main" val="4093485138"/>
+      </p:ext>
+    </p:extLst>
+  </p:cSld>
+  <p:clrMapOvr>
+    <a:masterClrMapping/>
+  </p:clrMapOvr>
+</p:notes>
+</file>
+
+<file path=ppt/notesSlides/notesSlide16.xml><?xml version="1.0" encoding="utf-8"?>
+<p:notes xmlns:a="http://schemas.openxmlformats.org/drawingml/2006/main" xmlns:r="http://schemas.openxmlformats.org/officeDocument/2006/relationships" xmlns:p="http://schemas.openxmlformats.org/presentationml/2006/main">
+  <p:cSld>
+    <p:spTree>
+      <p:nvGrpSpPr>
+        <p:cNvPr id="1" name=""/>
+        <p:cNvGrpSpPr/>
+        <p:nvPr/>
+      </p:nvGrpSpPr>
+      <p:grpSpPr>
+        <a:xfrm>
+          <a:off x="0" y="0"/>
+          <a:ext cx="0" cy="0"/>
+          <a:chOff x="0" y="0"/>
+          <a:chExt cx="0" cy="0"/>
+        </a:xfrm>
+      </p:grpSpPr>
+      <p:sp>
+        <p:nvSpPr>
+          <p:cNvPr id="2" name="Slide Image Placeholder 1"/>
+          <p:cNvSpPr>
+            <a:spLocks noGrp="1" noRot="1" noChangeAspect="1"/>
+          </p:cNvSpPr>
+          <p:nvPr>
+            <p:ph type="sldImg"/>
+          </p:nvPr>
+        </p:nvSpPr>
+        <p:spPr/>
+      </p:sp>
+      <p:sp>
+        <p:nvSpPr>
+          <p:cNvPr id="3" name="Notes Placeholder 2"/>
+          <p:cNvSpPr>
+            <a:spLocks noGrp="1"/>
+          </p:cNvSpPr>
+          <p:nvPr>
+            <p:ph type="body" idx="1"/>
+          </p:nvPr>
+        </p:nvSpPr>
+        <p:spPr/>
+        <p:txBody>
+          <a:bodyPr/>
+          <a:lstStyle/>
+          <a:p>
+            <a:r>
+              <a:rPr lang="en-US" dirty="0"/>
+              <a:t>Austin</a:t>
+            </a:r>
+          </a:p>
+        </p:txBody>
+      </p:sp>
+      <p:sp>
+        <p:nvSpPr>
+          <p:cNvPr id="4" name="Slide Number Placeholder 3"/>
+          <p:cNvSpPr>
+            <a:spLocks noGrp="1"/>
+          </p:cNvSpPr>
+          <p:nvPr>
+            <p:ph type="sldNum" sz="quarter" idx="5"/>
+          </p:nvPr>
+        </p:nvSpPr>
+        <p:spPr/>
+        <p:txBody>
+          <a:bodyPr/>
+          <a:lstStyle/>
+          <a:p>
+            <a:fld id="{63EBB350-F07C-4041-8E01-7690833135BA}" type="slidenum">
+              <a:rPr lang="en-US" smtClean="0"/>
+              <a:t>16</a:t>
+            </a:fld>
+            <a:endParaRPr lang="en-US"/>
+          </a:p>
+        </p:txBody>
+      </p:sp>
+    </p:spTree>
+    <p:extLst>
+      <p:ext uri="{BB962C8B-B14F-4D97-AF65-F5344CB8AC3E}">
+        <p14:creationId xmlns:p14="http://schemas.microsoft.com/office/powerpoint/2010/main" val="1016567709"/>
+      </p:ext>
+    </p:extLst>
+  </p:cSld>
+  <p:clrMapOvr>
+    <a:masterClrMapping/>
+  </p:clrMapOvr>
+</p:notes>
+</file>
+
+<file path=ppt/notesSlides/notesSlide2.xml><?xml version="1.0" encoding="utf-8"?>
+<p:notes xmlns:a="http://schemas.openxmlformats.org/drawingml/2006/main" xmlns:r="http://schemas.openxmlformats.org/officeDocument/2006/relationships" xmlns:p="http://schemas.openxmlformats.org/presentationml/2006/main">
+  <p:cSld>
+    <p:spTree>
+      <p:nvGrpSpPr>
+        <p:cNvPr id="1" name=""/>
+        <p:cNvGrpSpPr/>
+        <p:nvPr/>
+      </p:nvGrpSpPr>
+      <p:grpSpPr>
+        <a:xfrm>
+          <a:off x="0" y="0"/>
+          <a:ext cx="0" cy="0"/>
+          <a:chOff x="0" y="0"/>
+          <a:chExt cx="0" cy="0"/>
+        </a:xfrm>
+      </p:grpSpPr>
+      <p:sp>
+        <p:nvSpPr>
+          <p:cNvPr id="2" name="Slide Image Placeholder 1"/>
+          <p:cNvSpPr>
+            <a:spLocks noGrp="1" noRot="1" noChangeAspect="1"/>
+          </p:cNvSpPr>
+          <p:nvPr>
+            <p:ph type="sldImg"/>
+          </p:nvPr>
+        </p:nvSpPr>
+        <p:spPr/>
+      </p:sp>
+      <p:sp>
+        <p:nvSpPr>
+          <p:cNvPr id="3" name="Notes Placeholder 2"/>
+          <p:cNvSpPr>
+            <a:spLocks noGrp="1"/>
+          </p:cNvSpPr>
+          <p:nvPr>
+            <p:ph type="body" idx="1"/>
+          </p:nvPr>
+        </p:nvSpPr>
+        <p:spPr/>
+        <p:txBody>
+          <a:bodyPr/>
+          <a:lstStyle/>
+          <a:p>
+            <a:r>
+              <a:rPr lang="en-US" dirty="0"/>
+              <a:t>Austin</a:t>
+            </a:r>
+          </a:p>
+        </p:txBody>
+      </p:sp>
+      <p:sp>
+        <p:nvSpPr>
+          <p:cNvPr id="4" name="Slide Number Placeholder 3"/>
+          <p:cNvSpPr>
+            <a:spLocks noGrp="1"/>
+          </p:cNvSpPr>
+          <p:nvPr>
+            <p:ph type="sldNum" sz="quarter" idx="5"/>
+          </p:nvPr>
+        </p:nvSpPr>
+        <p:spPr/>
+        <p:txBody>
+          <a:bodyPr/>
+          <a:lstStyle/>
+          <a:p>
+            <a:fld id="{63EBB350-F07C-4041-8E01-7690833135BA}" type="slidenum">
+              <a:rPr lang="en-US" smtClean="0"/>
+              <a:t>2</a:t>
+            </a:fld>
+            <a:endParaRPr lang="en-US"/>
+          </a:p>
+        </p:txBody>
+      </p:sp>
+    </p:spTree>
+    <p:extLst>
+      <p:ext uri="{BB962C8B-B14F-4D97-AF65-F5344CB8AC3E}">
+        <p14:creationId xmlns:p14="http://schemas.microsoft.com/office/powerpoint/2010/main" val="1163904313"/>
+      </p:ext>
+    </p:extLst>
+  </p:cSld>
+  <p:clrMapOvr>
+    <a:masterClrMapping/>
+  </p:clrMapOvr>
+</p:notes>
+</file>
+
+<file path=ppt/notesSlides/notesSlide3.xml><?xml version="1.0" encoding="utf-8"?>
+<p:notes xmlns:a="http://schemas.openxmlformats.org/drawingml/2006/main" xmlns:r="http://schemas.openxmlformats.org/officeDocument/2006/relationships" xmlns:p="http://schemas.openxmlformats.org/presentationml/2006/main">
+  <p:cSld>
+    <p:spTree>
+      <p:nvGrpSpPr>
+        <p:cNvPr id="1" name=""/>
+        <p:cNvGrpSpPr/>
+        <p:nvPr/>
+      </p:nvGrpSpPr>
+      <p:grpSpPr>
+        <a:xfrm>
+          <a:off x="0" y="0"/>
+          <a:ext cx="0" cy="0"/>
+          <a:chOff x="0" y="0"/>
+          <a:chExt cx="0" cy="0"/>
+        </a:xfrm>
+      </p:grpSpPr>
+      <p:sp>
+        <p:nvSpPr>
+          <p:cNvPr id="2" name="Slide Image Placeholder 1"/>
+          <p:cNvSpPr>
+            <a:spLocks noGrp="1" noRot="1" noChangeAspect="1"/>
+          </p:cNvSpPr>
+          <p:nvPr>
+            <p:ph type="sldImg"/>
+          </p:nvPr>
+        </p:nvSpPr>
+        <p:spPr/>
+      </p:sp>
+      <p:sp>
+        <p:nvSpPr>
+          <p:cNvPr id="3" name="Notes Placeholder 2"/>
+          <p:cNvSpPr>
+            <a:spLocks noGrp="1"/>
+          </p:cNvSpPr>
+          <p:nvPr>
+            <p:ph type="body" idx="1"/>
+          </p:nvPr>
+        </p:nvSpPr>
+        <p:spPr/>
+        <p:txBody>
+          <a:bodyPr/>
+          <a:lstStyle/>
+          <a:p>
+            <a:r>
+              <a:rPr lang="en-US" dirty="0" err="1"/>
+              <a:t>Luminda</a:t>
+            </a:r>
+            <a:endParaRPr lang="en-US" dirty="0"/>
+          </a:p>
+        </p:txBody>
+      </p:sp>
+      <p:sp>
+        <p:nvSpPr>
+          <p:cNvPr id="4" name="Slide Number Placeholder 3"/>
+          <p:cNvSpPr>
+            <a:spLocks noGrp="1"/>
+          </p:cNvSpPr>
+          <p:nvPr>
+            <p:ph type="sldNum" sz="quarter" idx="5"/>
+          </p:nvPr>
+        </p:nvSpPr>
+        <p:spPr/>
+        <p:txBody>
+          <a:bodyPr/>
+          <a:lstStyle/>
+          <a:p>
+            <a:fld id="{63EBB350-F07C-4041-8E01-7690833135BA}" type="slidenum">
+              <a:rPr lang="en-US" smtClean="0"/>
+              <a:t>3</a:t>
+            </a:fld>
+            <a:endParaRPr lang="en-US"/>
+          </a:p>
+        </p:txBody>
+      </p:sp>
+    </p:spTree>
+    <p:extLst>
+      <p:ext uri="{BB962C8B-B14F-4D97-AF65-F5344CB8AC3E}">
+        <p14:creationId xmlns:p14="http://schemas.microsoft.com/office/powerpoint/2010/main" val="1386659934"/>
+      </p:ext>
+    </p:extLst>
+  </p:cSld>
+  <p:clrMapOvr>
+    <a:masterClrMapping/>
+  </p:clrMapOvr>
+</p:notes>
+</file>
+
+<file path=ppt/notesSlides/notesSlide4.xml><?xml version="1.0" encoding="utf-8"?>
+<p:notes xmlns:a="http://schemas.openxmlformats.org/drawingml/2006/main" xmlns:r="http://schemas.openxmlformats.org/officeDocument/2006/relationships" xmlns:p="http://schemas.openxmlformats.org/presentationml/2006/main">
+  <p:cSld>
+    <p:spTree>
+      <p:nvGrpSpPr>
+        <p:cNvPr id="1" name=""/>
+        <p:cNvGrpSpPr/>
+        <p:nvPr/>
+      </p:nvGrpSpPr>
+      <p:grpSpPr>
+        <a:xfrm>
+          <a:off x="0" y="0"/>
+          <a:ext cx="0" cy="0"/>
+          <a:chOff x="0" y="0"/>
+          <a:chExt cx="0" cy="0"/>
+        </a:xfrm>
+      </p:grpSpPr>
+      <p:sp>
+        <p:nvSpPr>
+          <p:cNvPr id="2" name="Slide Image Placeholder 1"/>
+          <p:cNvSpPr>
+            <a:spLocks noGrp="1" noRot="1" noChangeAspect="1"/>
+          </p:cNvSpPr>
+          <p:nvPr>
+            <p:ph type="sldImg"/>
+          </p:nvPr>
+        </p:nvSpPr>
+        <p:spPr/>
+      </p:sp>
+      <p:sp>
+        <p:nvSpPr>
+          <p:cNvPr id="3" name="Notes Placeholder 2"/>
+          <p:cNvSpPr>
+            <a:spLocks noGrp="1"/>
+          </p:cNvSpPr>
+          <p:nvPr>
+            <p:ph type="body" idx="1"/>
+          </p:nvPr>
+        </p:nvSpPr>
+        <p:spPr/>
+        <p:txBody>
+          <a:bodyPr/>
+          <a:lstStyle/>
+          <a:p>
+            <a:r>
+              <a:rPr lang="en-US" dirty="0" err="1"/>
+              <a:t>Luminda</a:t>
+            </a:r>
+            <a:r>
+              <a:rPr lang="en-US" dirty="0"/>
+              <a:t> or Jayvis?</a:t>
+            </a:r>
+          </a:p>
+        </p:txBody>
+      </p:sp>
+      <p:sp>
+        <p:nvSpPr>
+          <p:cNvPr id="4" name="Slide Number Placeholder 3"/>
+          <p:cNvSpPr>
+            <a:spLocks noGrp="1"/>
+          </p:cNvSpPr>
+          <p:nvPr>
+            <p:ph type="sldNum" sz="quarter" idx="5"/>
+          </p:nvPr>
+        </p:nvSpPr>
+        <p:spPr/>
+        <p:txBody>
+          <a:bodyPr/>
+          <a:lstStyle/>
+          <a:p>
+            <a:fld id="{63EBB350-F07C-4041-8E01-7690833135BA}" type="slidenum">
+              <a:rPr lang="en-US" smtClean="0"/>
+              <a:t>4</a:t>
+            </a:fld>
+            <a:endParaRPr lang="en-US"/>
+          </a:p>
+        </p:txBody>
+      </p:sp>
+    </p:spTree>
+    <p:extLst>
+      <p:ext uri="{BB962C8B-B14F-4D97-AF65-F5344CB8AC3E}">
+        <p14:creationId xmlns:p14="http://schemas.microsoft.com/office/powerpoint/2010/main" val="612186692"/>
+      </p:ext>
+    </p:extLst>
+  </p:cSld>
+  <p:clrMapOvr>
+    <a:masterClrMapping/>
+  </p:clrMapOvr>
+</p:notes>
+</file>
+
+<file path=ppt/notesSlides/notesSlide5.xml><?xml version="1.0" encoding="utf-8"?>
+<p:notes xmlns:a="http://schemas.openxmlformats.org/drawingml/2006/main" xmlns:r="http://schemas.openxmlformats.org/officeDocument/2006/relationships" xmlns:p="http://schemas.openxmlformats.org/presentationml/2006/main">
+  <p:cSld>
+    <p:spTree>
+      <p:nvGrpSpPr>
+        <p:cNvPr id="1" name=""/>
+        <p:cNvGrpSpPr/>
+        <p:nvPr/>
+      </p:nvGrpSpPr>
+      <p:grpSpPr>
+        <a:xfrm>
+          <a:off x="0" y="0"/>
+          <a:ext cx="0" cy="0"/>
+          <a:chOff x="0" y="0"/>
+          <a:chExt cx="0" cy="0"/>
+        </a:xfrm>
+      </p:grpSpPr>
+      <p:sp>
+        <p:nvSpPr>
+          <p:cNvPr id="2" name="Slide Image Placeholder 1"/>
+          <p:cNvSpPr>
+            <a:spLocks noGrp="1" noRot="1" noChangeAspect="1"/>
+          </p:cNvSpPr>
+          <p:nvPr>
+            <p:ph type="sldImg"/>
+          </p:nvPr>
+        </p:nvSpPr>
+        <p:spPr/>
+      </p:sp>
+      <p:sp>
+        <p:nvSpPr>
+          <p:cNvPr id="3" name="Notes Placeholder 2"/>
+          <p:cNvSpPr>
+            <a:spLocks noGrp="1"/>
+          </p:cNvSpPr>
+          <p:nvPr>
+            <p:ph type="body" idx="1"/>
+          </p:nvPr>
+        </p:nvSpPr>
+        <p:spPr/>
+        <p:txBody>
+          <a:bodyPr/>
+          <a:lstStyle/>
+          <a:p>
+            <a:r>
+              <a:rPr lang="en-US" dirty="0" err="1"/>
+              <a:t>Luminda</a:t>
+            </a:r>
+            <a:endParaRPr lang="en-US" dirty="0"/>
+          </a:p>
+        </p:txBody>
+      </p:sp>
+      <p:sp>
+        <p:nvSpPr>
+          <p:cNvPr id="4" name="Slide Number Placeholder 3"/>
+          <p:cNvSpPr>
+            <a:spLocks noGrp="1"/>
+          </p:cNvSpPr>
+          <p:nvPr>
+            <p:ph type="sldNum" sz="quarter" idx="5"/>
+          </p:nvPr>
+        </p:nvSpPr>
+        <p:spPr/>
+        <p:txBody>
+          <a:bodyPr/>
+          <a:lstStyle/>
+          <a:p>
+            <a:fld id="{63EBB350-F07C-4041-8E01-7690833135BA}" type="slidenum">
+              <a:rPr lang="en-US" smtClean="0"/>
+              <a:t>5</a:t>
+            </a:fld>
+            <a:endParaRPr lang="en-US"/>
+          </a:p>
+        </p:txBody>
+      </p:sp>
+    </p:spTree>
+    <p:extLst>
+      <p:ext uri="{BB962C8B-B14F-4D97-AF65-F5344CB8AC3E}">
+        <p14:creationId xmlns:p14="http://schemas.microsoft.com/office/powerpoint/2010/main" val="3655690228"/>
+      </p:ext>
+    </p:extLst>
+  </p:cSld>
+  <p:clrMapOvr>
+    <a:masterClrMapping/>
+  </p:clrMapOvr>
+</p:notes>
+</file>
+
+<file path=ppt/notesSlides/notesSlide6.xml><?xml version="1.0" encoding="utf-8"?>
+<p:notes xmlns:a="http://schemas.openxmlformats.org/drawingml/2006/main" xmlns:r="http://schemas.openxmlformats.org/officeDocument/2006/relationships" xmlns:p="http://schemas.openxmlformats.org/presentationml/2006/main">
+  <p:cSld>
+    <p:spTree>
+      <p:nvGrpSpPr>
+        <p:cNvPr id="1" name=""/>
+        <p:cNvGrpSpPr/>
+        <p:nvPr/>
+      </p:nvGrpSpPr>
+      <p:grpSpPr>
+        <a:xfrm>
+          <a:off x="0" y="0"/>
+          <a:ext cx="0" cy="0"/>
+          <a:chOff x="0" y="0"/>
+          <a:chExt cx="0" cy="0"/>
+        </a:xfrm>
+      </p:grpSpPr>
+      <p:sp>
+        <p:nvSpPr>
+          <p:cNvPr id="2" name="Slide Image Placeholder 1"/>
+          <p:cNvSpPr>
+            <a:spLocks noGrp="1" noRot="1" noChangeAspect="1"/>
+          </p:cNvSpPr>
+          <p:nvPr>
+            <p:ph type="sldImg"/>
+          </p:nvPr>
+        </p:nvSpPr>
+        <p:spPr/>
+      </p:sp>
+      <p:sp>
+        <p:nvSpPr>
+          <p:cNvPr id="3" name="Notes Placeholder 2"/>
+          <p:cNvSpPr>
+            <a:spLocks noGrp="1"/>
+          </p:cNvSpPr>
+          <p:nvPr>
+            <p:ph type="body" idx="1"/>
+          </p:nvPr>
+        </p:nvSpPr>
+        <p:spPr/>
+        <p:txBody>
+          <a:bodyPr/>
+          <a:lstStyle/>
+          <a:p>
+            <a:r>
+              <a:rPr lang="en-US" dirty="0" err="1"/>
+              <a:t>Luminda</a:t>
+            </a:r>
+            <a:endParaRPr lang="en-US" dirty="0"/>
+          </a:p>
+        </p:txBody>
+      </p:sp>
+      <p:sp>
+        <p:nvSpPr>
+          <p:cNvPr id="4" name="Slide Number Placeholder 3"/>
+          <p:cNvSpPr>
+            <a:spLocks noGrp="1"/>
+          </p:cNvSpPr>
+          <p:nvPr>
+            <p:ph type="sldNum" sz="quarter" idx="5"/>
+          </p:nvPr>
+        </p:nvSpPr>
+        <p:spPr/>
+        <p:txBody>
+          <a:bodyPr/>
+          <a:lstStyle/>
+          <a:p>
+            <a:fld id="{63EBB350-F07C-4041-8E01-7690833135BA}" type="slidenum">
+              <a:rPr lang="en-US" smtClean="0"/>
+              <a:t>6</a:t>
+            </a:fld>
+            <a:endParaRPr lang="en-US"/>
+          </a:p>
+        </p:txBody>
+      </p:sp>
+    </p:spTree>
+    <p:extLst>
+      <p:ext uri="{BB962C8B-B14F-4D97-AF65-F5344CB8AC3E}">
+        <p14:creationId xmlns:p14="http://schemas.microsoft.com/office/powerpoint/2010/main" val="1270077097"/>
+      </p:ext>
+    </p:extLst>
+  </p:cSld>
+  <p:clrMapOvr>
+    <a:masterClrMapping/>
+  </p:clrMapOvr>
+</p:notes>
+</file>
+
+<file path=ppt/notesSlides/notesSlide7.xml><?xml version="1.0" encoding="utf-8"?>
+<p:notes xmlns:a="http://schemas.openxmlformats.org/drawingml/2006/main" xmlns:r="http://schemas.openxmlformats.org/officeDocument/2006/relationships" xmlns:p="http://schemas.openxmlformats.org/presentationml/2006/main">
+  <p:cSld>
+    <p:spTree>
+      <p:nvGrpSpPr>
+        <p:cNvPr id="1" name=""/>
+        <p:cNvGrpSpPr/>
+        <p:nvPr/>
+      </p:nvGrpSpPr>
+      <p:grpSpPr>
+        <a:xfrm>
+          <a:off x="0" y="0"/>
+          <a:ext cx="0" cy="0"/>
+          <a:chOff x="0" y="0"/>
+          <a:chExt cx="0" cy="0"/>
+        </a:xfrm>
+      </p:grpSpPr>
+      <p:sp>
+        <p:nvSpPr>
+          <p:cNvPr id="2" name="Slide Image Placeholder 1"/>
+          <p:cNvSpPr>
+            <a:spLocks noGrp="1" noRot="1" noChangeAspect="1"/>
+          </p:cNvSpPr>
+          <p:nvPr>
+            <p:ph type="sldImg"/>
+          </p:nvPr>
+        </p:nvSpPr>
+        <p:spPr/>
+      </p:sp>
+      <p:sp>
+        <p:nvSpPr>
+          <p:cNvPr id="3" name="Notes Placeholder 2"/>
+          <p:cNvSpPr>
+            <a:spLocks noGrp="1"/>
+          </p:cNvSpPr>
+          <p:nvPr>
+            <p:ph type="body" idx="1"/>
+          </p:nvPr>
+        </p:nvSpPr>
+        <p:spPr/>
+        <p:txBody>
+          <a:bodyPr/>
+          <a:lstStyle/>
+          <a:p>
+            <a:r>
+              <a:rPr lang="en-US" dirty="0" err="1"/>
+              <a:t>Luminda</a:t>
+            </a:r>
+            <a:endParaRPr lang="en-US" dirty="0"/>
+          </a:p>
+        </p:txBody>
+      </p:sp>
+      <p:sp>
+        <p:nvSpPr>
+          <p:cNvPr id="4" name="Slide Number Placeholder 3"/>
+          <p:cNvSpPr>
+            <a:spLocks noGrp="1"/>
+          </p:cNvSpPr>
+          <p:nvPr>
+            <p:ph type="sldNum" sz="quarter" idx="5"/>
+          </p:nvPr>
+        </p:nvSpPr>
+        <p:spPr/>
+        <p:txBody>
+          <a:bodyPr/>
+          <a:lstStyle/>
+          <a:p>
+            <a:fld id="{63EBB350-F07C-4041-8E01-7690833135BA}" type="slidenum">
+              <a:rPr lang="en-US" smtClean="0"/>
+              <a:t>7</a:t>
+            </a:fld>
+            <a:endParaRPr lang="en-US"/>
+          </a:p>
+        </p:txBody>
+      </p:sp>
+    </p:spTree>
+    <p:extLst>
+      <p:ext uri="{BB962C8B-B14F-4D97-AF65-F5344CB8AC3E}">
+        <p14:creationId xmlns:p14="http://schemas.microsoft.com/office/powerpoint/2010/main" val="4087847669"/>
+      </p:ext>
+    </p:extLst>
+  </p:cSld>
+  <p:clrMapOvr>
+    <a:masterClrMapping/>
+  </p:clrMapOvr>
+</p:notes>
+</file>
+
+<file path=ppt/notesSlides/notesSlide8.xml><?xml version="1.0" encoding="utf-8"?>
+<p:notes xmlns:a="http://schemas.openxmlformats.org/drawingml/2006/main" xmlns:r="http://schemas.openxmlformats.org/officeDocument/2006/relationships" xmlns:p="http://schemas.openxmlformats.org/presentationml/2006/main">
+  <p:cSld>
+    <p:spTree>
+      <p:nvGrpSpPr>
+        <p:cNvPr id="1" name=""/>
+        <p:cNvGrpSpPr/>
+        <p:nvPr/>
+      </p:nvGrpSpPr>
+      <p:grpSpPr>
+        <a:xfrm>
+          <a:off x="0" y="0"/>
+          <a:ext cx="0" cy="0"/>
+          <a:chOff x="0" y="0"/>
+          <a:chExt cx="0" cy="0"/>
+        </a:xfrm>
+      </p:grpSpPr>
+      <p:sp>
+        <p:nvSpPr>
+          <p:cNvPr id="2" name="Slide Image Placeholder 1"/>
+          <p:cNvSpPr>
+            <a:spLocks noGrp="1" noRot="1" noChangeAspect="1"/>
+          </p:cNvSpPr>
+          <p:nvPr>
+            <p:ph type="sldImg"/>
+          </p:nvPr>
+        </p:nvSpPr>
+        <p:spPr/>
+      </p:sp>
+      <p:sp>
+        <p:nvSpPr>
+          <p:cNvPr id="3" name="Notes Placeholder 2"/>
+          <p:cNvSpPr>
+            <a:spLocks noGrp="1"/>
+          </p:cNvSpPr>
+          <p:nvPr>
+            <p:ph type="body" idx="1"/>
+          </p:nvPr>
+        </p:nvSpPr>
+        <p:spPr/>
+        <p:txBody>
+          <a:bodyPr/>
+          <a:lstStyle/>
+          <a:p>
+            <a:r>
+              <a:rPr lang="en-US" dirty="0" err="1"/>
+              <a:t>Luminda</a:t>
+            </a:r>
+            <a:endParaRPr lang="en-US" dirty="0"/>
+          </a:p>
+        </p:txBody>
+      </p:sp>
+      <p:sp>
+        <p:nvSpPr>
+          <p:cNvPr id="4" name="Slide Number Placeholder 3"/>
+          <p:cNvSpPr>
+            <a:spLocks noGrp="1"/>
+          </p:cNvSpPr>
+          <p:nvPr>
+            <p:ph type="sldNum" sz="quarter" idx="5"/>
+          </p:nvPr>
+        </p:nvSpPr>
+        <p:spPr/>
+        <p:txBody>
+          <a:bodyPr/>
+          <a:lstStyle/>
+          <a:p>
+            <a:fld id="{63EBB350-F07C-4041-8E01-7690833135BA}" type="slidenum">
+              <a:rPr lang="en-US" smtClean="0"/>
+              <a:t>8</a:t>
+            </a:fld>
+            <a:endParaRPr lang="en-US"/>
+          </a:p>
+        </p:txBody>
+      </p:sp>
+    </p:spTree>
+    <p:extLst>
+      <p:ext uri="{BB962C8B-B14F-4D97-AF65-F5344CB8AC3E}">
+        <p14:creationId xmlns:p14="http://schemas.microsoft.com/office/powerpoint/2010/main" val="696750289"/>
+      </p:ext>
+    </p:extLst>
+  </p:cSld>
+  <p:clrMapOvr>
+    <a:masterClrMapping/>
+  </p:clrMapOvr>
+</p:notes>
+</file>
+
+<file path=ppt/notesSlides/notesSlide9.xml><?xml version="1.0" encoding="utf-8"?>
+<p:notes xmlns:a="http://schemas.openxmlformats.org/drawingml/2006/main" xmlns:r="http://schemas.openxmlformats.org/officeDocument/2006/relationships" xmlns:p="http://schemas.openxmlformats.org/presentationml/2006/main">
+  <p:cSld>
+    <p:spTree>
+      <p:nvGrpSpPr>
+        <p:cNvPr id="1" name=""/>
+        <p:cNvGrpSpPr/>
+        <p:nvPr/>
+      </p:nvGrpSpPr>
+      <p:grpSpPr>
+        <a:xfrm>
+          <a:off x="0" y="0"/>
+          <a:ext cx="0" cy="0"/>
+          <a:chOff x="0" y="0"/>
+          <a:chExt cx="0" cy="0"/>
+        </a:xfrm>
+      </p:grpSpPr>
+      <p:sp>
+        <p:nvSpPr>
+          <p:cNvPr id="2" name="Slide Image Placeholder 1"/>
+          <p:cNvSpPr>
+            <a:spLocks noGrp="1" noRot="1" noChangeAspect="1"/>
+          </p:cNvSpPr>
+          <p:nvPr>
+            <p:ph type="sldImg"/>
+          </p:nvPr>
+        </p:nvSpPr>
+        <p:spPr/>
+      </p:sp>
+      <p:sp>
+        <p:nvSpPr>
+          <p:cNvPr id="3" name="Notes Placeholder 2"/>
+          <p:cNvSpPr>
+            <a:spLocks noGrp="1"/>
+          </p:cNvSpPr>
+          <p:nvPr>
+            <p:ph type="body" idx="1"/>
+          </p:nvPr>
+        </p:nvSpPr>
+        <p:spPr/>
+        <p:txBody>
+          <a:bodyPr/>
+          <a:lstStyle/>
+          <a:p>
+            <a:r>
+              <a:rPr lang="en-US" dirty="0"/>
+              <a:t>Nic</a:t>
+            </a:r>
+          </a:p>
+        </p:txBody>
+      </p:sp>
+      <p:sp>
+        <p:nvSpPr>
+          <p:cNvPr id="4" name="Slide Number Placeholder 3"/>
+          <p:cNvSpPr>
+            <a:spLocks noGrp="1"/>
+          </p:cNvSpPr>
+          <p:nvPr>
+            <p:ph type="sldNum" sz="quarter" idx="5"/>
+          </p:nvPr>
+        </p:nvSpPr>
+        <p:spPr/>
+        <p:txBody>
+          <a:bodyPr/>
+          <a:lstStyle/>
+          <a:p>
+            <a:fld id="{63EBB350-F07C-4041-8E01-7690833135BA}" type="slidenum">
+              <a:rPr lang="en-US" smtClean="0"/>
+              <a:t>9</a:t>
+            </a:fld>
+            <a:endParaRPr lang="en-US"/>
+          </a:p>
+        </p:txBody>
+      </p:sp>
+    </p:spTree>
+    <p:extLst>
+      <p:ext uri="{BB962C8B-B14F-4D97-AF65-F5344CB8AC3E}">
+        <p14:creationId xmlns:p14="http://schemas.microsoft.com/office/powerpoint/2010/main" val="3342963135"/>
+      </p:ext>
+    </p:extLst>
+  </p:cSld>
+  <p:clrMapOvr>
+    <a:masterClrMapping/>
+  </p:clrMapOvr>
+</p:notes>
+</file>
+
 <file path=ppt/slideLayouts/slideLayout1.xml><?xml version="1.0" encoding="utf-8"?>
 <p:sldLayout xmlns:a="http://schemas.openxmlformats.org/drawingml/2006/main" xmlns:r="http://schemas.openxmlformats.org/officeDocument/2006/relationships" xmlns:p="http://schemas.openxmlformats.org/presentationml/2006/main" type="title" preserve="1">
   <p:cSld name="Title Slide">
@@ -279,7 +2029,7 @@
           <a:p>
             <a:fld id="{713C45DA-0A1B-4872-BE81-6AC069517B3B}" type="datetimeFigureOut">
               <a:rPr lang="en-US" smtClean="0"/>
-              <a:t>8/15/2020</a:t>
+              <a:t>8/16/2020</a:t>
             </a:fld>
             <a:endParaRPr lang="en-US"/>
           </a:p>
@@ -477,7 +2227,7 @@
           <a:p>
             <a:fld id="{713C45DA-0A1B-4872-BE81-6AC069517B3B}" type="datetimeFigureOut">
               <a:rPr lang="en-US" smtClean="0"/>
-              <a:t>8/15/2020</a:t>
+              <a:t>8/16/2020</a:t>
             </a:fld>
             <a:endParaRPr lang="en-US"/>
           </a:p>
@@ -685,7 +2435,7 @@
           <a:p>
             <a:fld id="{713C45DA-0A1B-4872-BE81-6AC069517B3B}" type="datetimeFigureOut">
               <a:rPr lang="en-US" smtClean="0"/>
-              <a:t>8/15/2020</a:t>
+              <a:t>8/16/2020</a:t>
             </a:fld>
             <a:endParaRPr lang="en-US"/>
           </a:p>
@@ -883,7 +2633,7 @@
           <a:p>
             <a:fld id="{713C45DA-0A1B-4872-BE81-6AC069517B3B}" type="datetimeFigureOut">
               <a:rPr lang="en-US" smtClean="0"/>
-              <a:t>8/15/2020</a:t>
+              <a:t>8/16/2020</a:t>
             </a:fld>
             <a:endParaRPr lang="en-US"/>
           </a:p>
@@ -1158,7 +2908,7 @@
           <a:p>
             <a:fld id="{713C45DA-0A1B-4872-BE81-6AC069517B3B}" type="datetimeFigureOut">
               <a:rPr lang="en-US" smtClean="0"/>
-              <a:t>8/15/2020</a:t>
+              <a:t>8/16/2020</a:t>
             </a:fld>
             <a:endParaRPr lang="en-US"/>
           </a:p>
@@ -1423,7 +3173,7 @@
           <a:p>
             <a:fld id="{713C45DA-0A1B-4872-BE81-6AC069517B3B}" type="datetimeFigureOut">
               <a:rPr lang="en-US" smtClean="0"/>
-              <a:t>8/15/2020</a:t>
+              <a:t>8/16/2020</a:t>
             </a:fld>
             <a:endParaRPr lang="en-US"/>
           </a:p>
@@ -1835,7 +3585,7 @@
           <a:p>
             <a:fld id="{713C45DA-0A1B-4872-BE81-6AC069517B3B}" type="datetimeFigureOut">
               <a:rPr lang="en-US" smtClean="0"/>
-              <a:t>8/15/2020</a:t>
+              <a:t>8/16/2020</a:t>
             </a:fld>
             <a:endParaRPr lang="en-US"/>
           </a:p>
@@ -1976,7 +3726,7 @@
           <a:p>
             <a:fld id="{713C45DA-0A1B-4872-BE81-6AC069517B3B}" type="datetimeFigureOut">
               <a:rPr lang="en-US" smtClean="0"/>
-              <a:t>8/15/2020</a:t>
+              <a:t>8/16/2020</a:t>
             </a:fld>
             <a:endParaRPr lang="en-US"/>
           </a:p>
@@ -2089,7 +3839,7 @@
           <a:p>
             <a:fld id="{713C45DA-0A1B-4872-BE81-6AC069517B3B}" type="datetimeFigureOut">
               <a:rPr lang="en-US" smtClean="0"/>
-              <a:t>8/15/2020</a:t>
+              <a:t>8/16/2020</a:t>
             </a:fld>
             <a:endParaRPr lang="en-US"/>
           </a:p>
@@ -2400,7 +4150,7 @@
           <a:p>
             <a:fld id="{713C45DA-0A1B-4872-BE81-6AC069517B3B}" type="datetimeFigureOut">
               <a:rPr lang="en-US" smtClean="0"/>
-              <a:t>8/15/2020</a:t>
+              <a:t>8/16/2020</a:t>
             </a:fld>
             <a:endParaRPr lang="en-US"/>
           </a:p>
@@ -2688,7 +4438,7 @@
           <a:p>
             <a:fld id="{713C45DA-0A1B-4872-BE81-6AC069517B3B}" type="datetimeFigureOut">
               <a:rPr lang="en-US" smtClean="0"/>
-              <a:t>8/15/2020</a:t>
+              <a:t>8/16/2020</a:t>
             </a:fld>
             <a:endParaRPr lang="en-US"/>
           </a:p>
@@ -2938,7 +4688,7 @@
           <a:p>
             <a:fld id="{713C45DA-0A1B-4872-BE81-6AC069517B3B}" type="datetimeFigureOut">
               <a:rPr lang="en-US" smtClean="0"/>
-              <a:t>8/15/2020</a:t>
+              <a:t>8/16/2020</a:t>
             </a:fld>
             <a:endParaRPr lang="en-US"/>
           </a:p>
@@ -3380,7 +5130,7 @@
             <a:schemeClr val="accent1">
               <a:lumMod val="20000"/>
               <a:lumOff val="80000"/>
-              <a:alpha val="64000"/>
+              <a:alpha val="63000"/>
             </a:schemeClr>
           </a:solidFill>
         </p:spPr>
@@ -3389,7 +5139,7 @@
           <a:lstStyle/>
           <a:p>
             <a:r>
-              <a:rPr lang="en-US" dirty="0"/>
+              <a:rPr lang="en-US" b="1" dirty="0"/>
               <a:t>Credit Card Fraud</a:t>
             </a:r>
           </a:p>
@@ -3430,7 +5180,7 @@
           <a:p>
             <a:r>
               <a:rPr lang="en-US" dirty="0"/>
-              <a:t>Austin Wen, Jayvis Hanna, Nic Colon, Shayon Keating, </a:t>
+              <a:t>Austin Wen, Jayvis Hanna, Nic Colón, Shayon Keating, </a:t>
             </a:r>
             <a:r>
               <a:rPr lang="en-US" dirty="0" err="1"/>
@@ -3501,28 +5251,44 @@
           <a:p>
             <a:r>
               <a:rPr lang="en-US" dirty="0"/>
-              <a:t>Deep Neural Network</a:t>
-            </a:r>
-          </a:p>
-        </p:txBody>
-      </p:sp>
-      <p:sp>
-        <p:nvSpPr>
-          <p:cNvPr id="3" name="Content Placeholder 2">
-            <a:extLst>
-              <a:ext uri="{FF2B5EF4-FFF2-40B4-BE49-F238E27FC236}">
-                <a16:creationId xmlns:a16="http://schemas.microsoft.com/office/drawing/2014/main" id="{29525243-0C3A-48C7-8A8D-2C4EE2065629}"/>
-              </a:ext>
-            </a:extLst>
-          </p:cNvPr>
-          <p:cNvSpPr>
-            <a:spLocks noGrp="1"/>
-          </p:cNvSpPr>
+              <a:t>Random Forest</a:t>
+            </a:r>
+          </a:p>
+        </p:txBody>
+      </p:sp>
+      <p:pic>
+        <p:nvPicPr>
+          <p:cNvPr id="5" name="Content Placeholder 4">
+            <a:extLst>
+              <a:ext uri="{FF2B5EF4-FFF2-40B4-BE49-F238E27FC236}">
+                <a16:creationId xmlns:a16="http://schemas.microsoft.com/office/drawing/2014/main" id="{CEE4B498-C7F4-4609-B3DC-F465AD5CC79D}"/>
+              </a:ext>
+            </a:extLst>
+          </p:cNvPr>
+          <p:cNvPicPr>
+            <a:picLocks noGrp="1" noChangeAspect="1"/>
+          </p:cNvPicPr>
           <p:nvPr>
             <p:ph idx="1"/>
           </p:nvPr>
-        </p:nvSpPr>
+        </p:nvPicPr>
+        <p:blipFill>
+          <a:blip r:embed="rId3">
+            <a:extLst>
+              <a:ext uri="{28A0092B-C50C-407E-A947-70E740481C1C}">
+                <a14:useLocalDpi xmlns:a14="http://schemas.microsoft.com/office/drawing/2010/main" val="0"/>
+              </a:ext>
+            </a:extLst>
+          </a:blip>
+          <a:stretch>
+            <a:fillRect/>
+          </a:stretch>
+        </p:blipFill>
         <p:spPr>
+          <a:xfrm>
+            <a:off x="968828" y="1404765"/>
+            <a:ext cx="6675521" cy="2632600"/>
+          </a:xfrm>
           <a:solidFill>
             <a:schemeClr val="accent5">
               <a:lumMod val="20000"/>
@@ -3531,21 +5297,83 @@
             </a:schemeClr>
           </a:solidFill>
         </p:spPr>
-        <p:txBody>
-          <a:bodyPr/>
-          <a:lstStyle/>
-          <a:p>
-            <a:pPr marL="0" indent="0">
-              <a:buNone/>
-            </a:pPr>
-            <a:endParaRPr lang="en-US" dirty="0"/>
-          </a:p>
-        </p:txBody>
-      </p:sp>
+      </p:pic>
+      <p:pic>
+        <p:nvPicPr>
+          <p:cNvPr id="9" name="Picture 8">
+            <a:extLst>
+              <a:ext uri="{FF2B5EF4-FFF2-40B4-BE49-F238E27FC236}">
+                <a16:creationId xmlns:a16="http://schemas.microsoft.com/office/drawing/2014/main" id="{D52C1D6B-32D3-4BAB-A760-5BFCF648E195}"/>
+              </a:ext>
+            </a:extLst>
+          </p:cNvPr>
+          <p:cNvPicPr>
+            <a:picLocks noChangeAspect="1"/>
+          </p:cNvPicPr>
+          <p:nvPr/>
+        </p:nvPicPr>
+        <p:blipFill>
+          <a:blip r:embed="rId4">
+            <a:extLst>
+              <a:ext uri="{28A0092B-C50C-407E-A947-70E740481C1C}">
+                <a14:useLocalDpi xmlns:a14="http://schemas.microsoft.com/office/drawing/2010/main" val="0"/>
+              </a:ext>
+            </a:extLst>
+          </a:blip>
+          <a:stretch>
+            <a:fillRect/>
+          </a:stretch>
+        </p:blipFill>
+        <p:spPr>
+          <a:xfrm>
+            <a:off x="8479972" y="1404765"/>
+            <a:ext cx="3341914" cy="2483679"/>
+          </a:xfrm>
+          <a:prstGeom prst="rect">
+            <a:avLst/>
+          </a:prstGeom>
+        </p:spPr>
+      </p:pic>
+      <p:pic>
+        <p:nvPicPr>
+          <p:cNvPr id="13" name="Picture 12">
+            <a:extLst>
+              <a:ext uri="{FF2B5EF4-FFF2-40B4-BE49-F238E27FC236}">
+                <a16:creationId xmlns:a16="http://schemas.microsoft.com/office/drawing/2014/main" id="{11C927E3-F357-49C9-98B0-92F8C5261A33}"/>
+              </a:ext>
+            </a:extLst>
+          </p:cNvPr>
+          <p:cNvPicPr>
+            <a:picLocks noChangeAspect="1"/>
+          </p:cNvPicPr>
+          <p:nvPr/>
+        </p:nvPicPr>
+        <p:blipFill>
+          <a:blip r:embed="rId5">
+            <a:extLst>
+              <a:ext uri="{28A0092B-C50C-407E-A947-70E740481C1C}">
+                <a14:useLocalDpi xmlns:a14="http://schemas.microsoft.com/office/drawing/2010/main" val="0"/>
+              </a:ext>
+            </a:extLst>
+          </a:blip>
+          <a:stretch>
+            <a:fillRect/>
+          </a:stretch>
+        </p:blipFill>
+        <p:spPr>
+          <a:xfrm>
+            <a:off x="968828" y="4348453"/>
+            <a:ext cx="5585349" cy="2509547"/>
+          </a:xfrm>
+          <a:prstGeom prst="rect">
+            <a:avLst/>
+          </a:prstGeom>
+        </p:spPr>
+      </p:pic>
     </p:spTree>
     <p:extLst>
       <p:ext uri="{BB962C8B-B14F-4D97-AF65-F5344CB8AC3E}">
-        <p14:creationId xmlns:p14="http://schemas.microsoft.com/office/powerpoint/2010/main" val="2548730304"/>
+        <p14:creationId xmlns:p14="http://schemas.microsoft.com/office/powerpoint/2010/main" val="3420219619"/>
       </p:ext>
     </p:extLst>
   </p:cSld>
@@ -3595,44 +5423,28 @@
           <a:p>
             <a:r>
               <a:rPr lang="en-US" dirty="0"/>
-              <a:t>Deep Neural Network</a:t>
-            </a:r>
-          </a:p>
-        </p:txBody>
-      </p:sp>
-      <p:pic>
-        <p:nvPicPr>
-          <p:cNvPr id="5" name="Content Placeholder 4">
-            <a:extLst>
-              <a:ext uri="{FF2B5EF4-FFF2-40B4-BE49-F238E27FC236}">
-                <a16:creationId xmlns:a16="http://schemas.microsoft.com/office/drawing/2014/main" id="{AE1A81D5-4EED-4715-9A0F-E7C5286091FC}"/>
-              </a:ext>
-            </a:extLst>
-          </p:cNvPr>
-          <p:cNvPicPr>
-            <a:picLocks noGrp="1" noChangeAspect="1"/>
-          </p:cNvPicPr>
+              <a:t>Support Vector Machines (SVM)</a:t>
+            </a:r>
+          </a:p>
+        </p:txBody>
+      </p:sp>
+      <p:sp>
+        <p:nvSpPr>
+          <p:cNvPr id="3" name="Content Placeholder 2">
+            <a:extLst>
+              <a:ext uri="{FF2B5EF4-FFF2-40B4-BE49-F238E27FC236}">
+                <a16:creationId xmlns:a16="http://schemas.microsoft.com/office/drawing/2014/main" id="{29525243-0C3A-48C7-8A8D-2C4EE2065629}"/>
+              </a:ext>
+            </a:extLst>
+          </p:cNvPr>
+          <p:cNvSpPr>
+            <a:spLocks noGrp="1"/>
+          </p:cNvSpPr>
           <p:nvPr>
             <p:ph idx="1"/>
           </p:nvPr>
-        </p:nvPicPr>
-        <p:blipFill>
-          <a:blip r:embed="rId2">
-            <a:extLst>
-              <a:ext uri="{28A0092B-C50C-407E-A947-70E740481C1C}">
-                <a14:useLocalDpi xmlns:a14="http://schemas.microsoft.com/office/drawing/2010/main" val="0"/>
-              </a:ext>
-            </a:extLst>
-          </a:blip>
-          <a:stretch>
-            <a:fillRect/>
-          </a:stretch>
-        </p:blipFill>
+        </p:nvSpPr>
         <p:spPr>
-          <a:xfrm>
-            <a:off x="838200" y="1690688"/>
-            <a:ext cx="5497286" cy="2678817"/>
-          </a:xfrm>
           <a:solidFill>
             <a:schemeClr val="accent5">
               <a:lumMod val="20000"/>
@@ -3641,54 +5453,21 @@
             </a:schemeClr>
           </a:solidFill>
         </p:spPr>
-      </p:pic>
-      <p:pic>
-        <p:nvPicPr>
-          <p:cNvPr id="7" name="Picture 6">
-            <a:extLst>
-              <a:ext uri="{FF2B5EF4-FFF2-40B4-BE49-F238E27FC236}">
-                <a16:creationId xmlns:a16="http://schemas.microsoft.com/office/drawing/2014/main" id="{74BB5310-E15A-40F6-8C21-C67F713BD202}"/>
-              </a:ext>
-            </a:extLst>
-          </p:cNvPr>
-          <p:cNvPicPr>
-            <a:picLocks noChangeAspect="1"/>
-          </p:cNvPicPr>
-          <p:nvPr/>
-        </p:nvPicPr>
-        <p:blipFill>
-          <a:blip r:embed="rId3">
-            <a:extLst>
-              <a:ext uri="{28A0092B-C50C-407E-A947-70E740481C1C}">
-                <a14:useLocalDpi xmlns:a14="http://schemas.microsoft.com/office/drawing/2010/main" val="0"/>
-              </a:ext>
-            </a:extLst>
-          </a:blip>
-          <a:stretch>
-            <a:fillRect/>
-          </a:stretch>
-        </p:blipFill>
-        <p:spPr>
-          <a:xfrm>
-            <a:off x="6517497" y="1545802"/>
-            <a:ext cx="4654292" cy="3766396"/>
-          </a:xfrm>
-          <a:prstGeom prst="rect">
-            <a:avLst/>
-          </a:prstGeom>
-          <a:solidFill>
-            <a:schemeClr val="accent5">
-              <a:lumMod val="20000"/>
-              <a:lumOff val="80000"/>
-              <a:alpha val="70000"/>
-            </a:schemeClr>
-          </a:solidFill>
-        </p:spPr>
-      </p:pic>
+        <p:txBody>
+          <a:bodyPr/>
+          <a:lstStyle/>
+          <a:p>
+            <a:pPr marL="0" indent="0">
+              <a:buNone/>
+            </a:pPr>
+            <a:endParaRPr lang="en-US" dirty="0"/>
+          </a:p>
+        </p:txBody>
+      </p:sp>
     </p:spTree>
     <p:extLst>
       <p:ext uri="{BB962C8B-B14F-4D97-AF65-F5344CB8AC3E}">
-        <p14:creationId xmlns:p14="http://schemas.microsoft.com/office/powerpoint/2010/main" val="955104347"/>
+        <p14:creationId xmlns:p14="http://schemas.microsoft.com/office/powerpoint/2010/main" val="3065878845"/>
       </p:ext>
     </p:extLst>
   </p:cSld>
@@ -3738,101 +5517,7 @@
           <a:p>
             <a:r>
               <a:rPr lang="en-US" dirty="0"/>
-              <a:t>Logistic</a:t>
-            </a:r>
-          </a:p>
-        </p:txBody>
-      </p:sp>
-      <p:sp>
-        <p:nvSpPr>
-          <p:cNvPr id="3" name="Content Placeholder 2">
-            <a:extLst>
-              <a:ext uri="{FF2B5EF4-FFF2-40B4-BE49-F238E27FC236}">
-                <a16:creationId xmlns:a16="http://schemas.microsoft.com/office/drawing/2014/main" id="{29525243-0C3A-48C7-8A8D-2C4EE2065629}"/>
-              </a:ext>
-            </a:extLst>
-          </p:cNvPr>
-          <p:cNvSpPr>
-            <a:spLocks noGrp="1"/>
-          </p:cNvSpPr>
-          <p:nvPr>
-            <p:ph idx="1"/>
-          </p:nvPr>
-        </p:nvSpPr>
-        <p:spPr>
-          <a:solidFill>
-            <a:schemeClr val="accent5">
-              <a:lumMod val="20000"/>
-              <a:lumOff val="80000"/>
-              <a:alpha val="70000"/>
-            </a:schemeClr>
-          </a:solidFill>
-        </p:spPr>
-        <p:txBody>
-          <a:bodyPr/>
-          <a:lstStyle/>
-          <a:p>
-            <a:pPr marL="0" indent="0">
-              <a:buNone/>
-            </a:pPr>
-            <a:endParaRPr lang="en-US" dirty="0"/>
-          </a:p>
-        </p:txBody>
-      </p:sp>
-    </p:spTree>
-    <p:extLst>
-      <p:ext uri="{BB962C8B-B14F-4D97-AF65-F5344CB8AC3E}">
-        <p14:creationId xmlns:p14="http://schemas.microsoft.com/office/powerpoint/2010/main" val="863709670"/>
-      </p:ext>
-    </p:extLst>
-  </p:cSld>
-  <p:clrMapOvr>
-    <a:masterClrMapping/>
-  </p:clrMapOvr>
-</p:sld>
-</file>
-
-<file path=ppt/slides/slide13.xml><?xml version="1.0" encoding="utf-8"?>
-<p:sld xmlns:a="http://schemas.openxmlformats.org/drawingml/2006/main" xmlns:r="http://schemas.openxmlformats.org/officeDocument/2006/relationships" xmlns:p="http://schemas.openxmlformats.org/presentationml/2006/main">
-  <p:cSld>
-    <p:spTree>
-      <p:nvGrpSpPr>
-        <p:cNvPr id="1" name=""/>
-        <p:cNvGrpSpPr/>
-        <p:nvPr/>
-      </p:nvGrpSpPr>
-      <p:grpSpPr>
-        <a:xfrm>
-          <a:off x="0" y="0"/>
-          <a:ext cx="0" cy="0"/>
-          <a:chOff x="0" y="0"/>
-          <a:chExt cx="0" cy="0"/>
-        </a:xfrm>
-      </p:grpSpPr>
-      <p:sp>
-        <p:nvSpPr>
-          <p:cNvPr id="2" name="Title 1">
-            <a:extLst>
-              <a:ext uri="{FF2B5EF4-FFF2-40B4-BE49-F238E27FC236}">
-                <a16:creationId xmlns:a16="http://schemas.microsoft.com/office/drawing/2014/main" id="{F7DC5BDF-E508-41BE-A6C3-ACDF034BD933}"/>
-              </a:ext>
-            </a:extLst>
-          </p:cNvPr>
-          <p:cNvSpPr>
-            <a:spLocks noGrp="1"/>
-          </p:cNvSpPr>
-          <p:nvPr>
-            <p:ph type="title"/>
-          </p:nvPr>
-        </p:nvSpPr>
-        <p:spPr/>
-        <p:txBody>
-          <a:bodyPr/>
-          <a:lstStyle/>
-          <a:p>
-            <a:r>
-              <a:rPr lang="en-US" dirty="0"/>
-              <a:t>Logistic</a:t>
+              <a:t>Support Vector Machines (SVM)</a:t>
             </a:r>
           </a:p>
         </p:txBody>
@@ -3842,7 +5527,7 @@
           <p:cNvPr id="5" name="Content Placeholder 4">
             <a:extLst>
               <a:ext uri="{FF2B5EF4-FFF2-40B4-BE49-F238E27FC236}">
-                <a16:creationId xmlns:a16="http://schemas.microsoft.com/office/drawing/2014/main" id="{6BC224F4-3CB4-4CED-975F-60EFBC342C3D}"/>
+                <a16:creationId xmlns:a16="http://schemas.microsoft.com/office/drawing/2014/main" id="{0A1B29B0-45F6-40CA-9752-40318FF1818C}"/>
               </a:ext>
             </a:extLst>
           </p:cNvPr>
@@ -3854,481 +5539,7 @@
           </p:nvPr>
         </p:nvPicPr>
         <p:blipFill>
-          <a:blip r:embed="rId2">
-            <a:extLst>
-              <a:ext uri="{28A0092B-C50C-407E-A947-70E740481C1C}">
-                <a14:useLocalDpi xmlns:a14="http://schemas.microsoft.com/office/drawing/2010/main" val="0"/>
-              </a:ext>
-            </a:extLst>
-          </a:blip>
-          <a:stretch>
-            <a:fillRect/>
-          </a:stretch>
-        </p:blipFill>
-        <p:spPr>
-          <a:xfrm>
-            <a:off x="838200" y="1690688"/>
-            <a:ext cx="5742214" cy="2613698"/>
-          </a:xfrm>
-          <a:solidFill>
-            <a:schemeClr val="accent5">
-              <a:lumMod val="20000"/>
-              <a:lumOff val="80000"/>
-              <a:alpha val="70000"/>
-            </a:schemeClr>
-          </a:solidFill>
-        </p:spPr>
-      </p:pic>
-      <p:pic>
-        <p:nvPicPr>
-          <p:cNvPr id="7" name="Picture 6">
-            <a:extLst>
-              <a:ext uri="{FF2B5EF4-FFF2-40B4-BE49-F238E27FC236}">
-                <a16:creationId xmlns:a16="http://schemas.microsoft.com/office/drawing/2014/main" id="{2995DDFB-089D-4A51-AAAA-69CB8B148C1A}"/>
-              </a:ext>
-            </a:extLst>
-          </p:cNvPr>
-          <p:cNvPicPr>
-            <a:picLocks noChangeAspect="1"/>
-          </p:cNvPicPr>
-          <p:nvPr/>
-        </p:nvPicPr>
-        <p:blipFill>
           <a:blip r:embed="rId3">
-            <a:extLst>
-              <a:ext uri="{28A0092B-C50C-407E-A947-70E740481C1C}">
-                <a14:useLocalDpi xmlns:a14="http://schemas.microsoft.com/office/drawing/2010/main" val="0"/>
-              </a:ext>
-            </a:extLst>
-          </a:blip>
-          <a:stretch>
-            <a:fillRect/>
-          </a:stretch>
-        </p:blipFill>
-        <p:spPr>
-          <a:xfrm>
-            <a:off x="7297573" y="1690688"/>
-            <a:ext cx="4126984" cy="3326984"/>
-          </a:xfrm>
-          <a:prstGeom prst="rect">
-            <a:avLst/>
-          </a:prstGeom>
-          <a:solidFill>
-            <a:schemeClr val="accent5">
-              <a:lumMod val="20000"/>
-              <a:lumOff val="80000"/>
-              <a:alpha val="70000"/>
-            </a:schemeClr>
-          </a:solidFill>
-        </p:spPr>
-      </p:pic>
-    </p:spTree>
-    <p:extLst>
-      <p:ext uri="{BB962C8B-B14F-4D97-AF65-F5344CB8AC3E}">
-        <p14:creationId xmlns:p14="http://schemas.microsoft.com/office/powerpoint/2010/main" val="2924759332"/>
-      </p:ext>
-    </p:extLst>
-  </p:cSld>
-  <p:clrMapOvr>
-    <a:masterClrMapping/>
-  </p:clrMapOvr>
-</p:sld>
-</file>
-
-<file path=ppt/slides/slide14.xml><?xml version="1.0" encoding="utf-8"?>
-<p:sld xmlns:a="http://schemas.openxmlformats.org/drawingml/2006/main" xmlns:r="http://schemas.openxmlformats.org/officeDocument/2006/relationships" xmlns:p="http://schemas.openxmlformats.org/presentationml/2006/main">
-  <p:cSld>
-    <p:spTree>
-      <p:nvGrpSpPr>
-        <p:cNvPr id="1" name=""/>
-        <p:cNvGrpSpPr/>
-        <p:nvPr/>
-      </p:nvGrpSpPr>
-      <p:grpSpPr>
-        <a:xfrm>
-          <a:off x="0" y="0"/>
-          <a:ext cx="0" cy="0"/>
-          <a:chOff x="0" y="0"/>
-          <a:chExt cx="0" cy="0"/>
-        </a:xfrm>
-      </p:grpSpPr>
-      <p:sp>
-        <p:nvSpPr>
-          <p:cNvPr id="2" name="Title 1">
-            <a:extLst>
-              <a:ext uri="{FF2B5EF4-FFF2-40B4-BE49-F238E27FC236}">
-                <a16:creationId xmlns:a16="http://schemas.microsoft.com/office/drawing/2014/main" id="{F7DC5BDF-E508-41BE-A6C3-ACDF034BD933}"/>
-              </a:ext>
-            </a:extLst>
-          </p:cNvPr>
-          <p:cNvSpPr>
-            <a:spLocks noGrp="1"/>
-          </p:cNvSpPr>
-          <p:nvPr>
-            <p:ph type="title"/>
-          </p:nvPr>
-        </p:nvSpPr>
-        <p:spPr/>
-        <p:txBody>
-          <a:bodyPr/>
-          <a:lstStyle/>
-          <a:p>
-            <a:r>
-              <a:rPr lang="en-US" dirty="0"/>
-              <a:t>Simple Neural Network</a:t>
-            </a:r>
-          </a:p>
-        </p:txBody>
-      </p:sp>
-      <p:sp>
-        <p:nvSpPr>
-          <p:cNvPr id="3" name="Content Placeholder 2">
-            <a:extLst>
-              <a:ext uri="{FF2B5EF4-FFF2-40B4-BE49-F238E27FC236}">
-                <a16:creationId xmlns:a16="http://schemas.microsoft.com/office/drawing/2014/main" id="{29525243-0C3A-48C7-8A8D-2C4EE2065629}"/>
-              </a:ext>
-            </a:extLst>
-          </p:cNvPr>
-          <p:cNvSpPr>
-            <a:spLocks noGrp="1"/>
-          </p:cNvSpPr>
-          <p:nvPr>
-            <p:ph idx="1"/>
-          </p:nvPr>
-        </p:nvSpPr>
-        <p:spPr>
-          <a:solidFill>
-            <a:schemeClr val="accent5">
-              <a:lumMod val="20000"/>
-              <a:lumOff val="80000"/>
-              <a:alpha val="70000"/>
-            </a:schemeClr>
-          </a:solidFill>
-        </p:spPr>
-        <p:txBody>
-          <a:bodyPr/>
-          <a:lstStyle/>
-          <a:p>
-            <a:pPr marL="0" indent="0">
-              <a:buNone/>
-            </a:pPr>
-            <a:endParaRPr lang="en-US" dirty="0"/>
-          </a:p>
-        </p:txBody>
-      </p:sp>
-    </p:spTree>
-    <p:extLst>
-      <p:ext uri="{BB962C8B-B14F-4D97-AF65-F5344CB8AC3E}">
-        <p14:creationId xmlns:p14="http://schemas.microsoft.com/office/powerpoint/2010/main" val="3472262329"/>
-      </p:ext>
-    </p:extLst>
-  </p:cSld>
-  <p:clrMapOvr>
-    <a:masterClrMapping/>
-  </p:clrMapOvr>
-</p:sld>
-</file>
-
-<file path=ppt/slides/slide15.xml><?xml version="1.0" encoding="utf-8"?>
-<p:sld xmlns:a="http://schemas.openxmlformats.org/drawingml/2006/main" xmlns:r="http://schemas.openxmlformats.org/officeDocument/2006/relationships" xmlns:p="http://schemas.openxmlformats.org/presentationml/2006/main">
-  <p:cSld>
-    <p:spTree>
-      <p:nvGrpSpPr>
-        <p:cNvPr id="1" name=""/>
-        <p:cNvGrpSpPr/>
-        <p:nvPr/>
-      </p:nvGrpSpPr>
-      <p:grpSpPr>
-        <a:xfrm>
-          <a:off x="0" y="0"/>
-          <a:ext cx="0" cy="0"/>
-          <a:chOff x="0" y="0"/>
-          <a:chExt cx="0" cy="0"/>
-        </a:xfrm>
-      </p:grpSpPr>
-      <p:sp>
-        <p:nvSpPr>
-          <p:cNvPr id="2" name="Title 1">
-            <a:extLst>
-              <a:ext uri="{FF2B5EF4-FFF2-40B4-BE49-F238E27FC236}">
-                <a16:creationId xmlns:a16="http://schemas.microsoft.com/office/drawing/2014/main" id="{F7DC5BDF-E508-41BE-A6C3-ACDF034BD933}"/>
-              </a:ext>
-            </a:extLst>
-          </p:cNvPr>
-          <p:cNvSpPr>
-            <a:spLocks noGrp="1"/>
-          </p:cNvSpPr>
-          <p:nvPr>
-            <p:ph type="title"/>
-          </p:nvPr>
-        </p:nvSpPr>
-        <p:spPr/>
-        <p:txBody>
-          <a:bodyPr/>
-          <a:lstStyle/>
-          <a:p>
-            <a:r>
-              <a:rPr lang="en-US" dirty="0"/>
-              <a:t>Simple Neural Network</a:t>
-            </a:r>
-          </a:p>
-        </p:txBody>
-      </p:sp>
-      <p:pic>
-        <p:nvPicPr>
-          <p:cNvPr id="5" name="Content Placeholder 4">
-            <a:extLst>
-              <a:ext uri="{FF2B5EF4-FFF2-40B4-BE49-F238E27FC236}">
-                <a16:creationId xmlns:a16="http://schemas.microsoft.com/office/drawing/2014/main" id="{EFA3FCCF-BCF3-47CB-AC59-2A5BDB1BB123}"/>
-              </a:ext>
-            </a:extLst>
-          </p:cNvPr>
-          <p:cNvPicPr>
-            <a:picLocks noGrp="1" noChangeAspect="1"/>
-          </p:cNvPicPr>
-          <p:nvPr>
-            <p:ph idx="1"/>
-          </p:nvPr>
-        </p:nvPicPr>
-        <p:blipFill>
-          <a:blip r:embed="rId2">
-            <a:extLst>
-              <a:ext uri="{28A0092B-C50C-407E-A947-70E740481C1C}">
-                <a14:useLocalDpi xmlns:a14="http://schemas.microsoft.com/office/drawing/2010/main" val="0"/>
-              </a:ext>
-            </a:extLst>
-          </a:blip>
-          <a:stretch>
-            <a:fillRect/>
-          </a:stretch>
-        </p:blipFill>
-        <p:spPr>
-          <a:xfrm>
-            <a:off x="838200" y="1690688"/>
-            <a:ext cx="6199414" cy="3021323"/>
-          </a:xfrm>
-          <a:solidFill>
-            <a:schemeClr val="accent5">
-              <a:lumMod val="20000"/>
-              <a:lumOff val="80000"/>
-              <a:alpha val="70000"/>
-            </a:schemeClr>
-          </a:solidFill>
-        </p:spPr>
-      </p:pic>
-      <p:pic>
-        <p:nvPicPr>
-          <p:cNvPr id="7" name="Picture 6">
-            <a:extLst>
-              <a:ext uri="{FF2B5EF4-FFF2-40B4-BE49-F238E27FC236}">
-                <a16:creationId xmlns:a16="http://schemas.microsoft.com/office/drawing/2014/main" id="{245E71F1-80A3-4F6F-B190-174632207FCB}"/>
-              </a:ext>
-            </a:extLst>
-          </p:cNvPr>
-          <p:cNvPicPr>
-            <a:picLocks noChangeAspect="1"/>
-          </p:cNvPicPr>
-          <p:nvPr/>
-        </p:nvPicPr>
-        <p:blipFill>
-          <a:blip r:embed="rId3">
-            <a:extLst>
-              <a:ext uri="{28A0092B-C50C-407E-A947-70E740481C1C}">
-                <a14:useLocalDpi xmlns:a14="http://schemas.microsoft.com/office/drawing/2010/main" val="0"/>
-              </a:ext>
-            </a:extLst>
-          </a:blip>
-          <a:stretch>
-            <a:fillRect/>
-          </a:stretch>
-        </p:blipFill>
-        <p:spPr>
-          <a:xfrm>
-            <a:off x="7477836" y="1690688"/>
-            <a:ext cx="4126984" cy="3339682"/>
-          </a:xfrm>
-          <a:prstGeom prst="rect">
-            <a:avLst/>
-          </a:prstGeom>
-          <a:solidFill>
-            <a:schemeClr val="accent5">
-              <a:lumMod val="20000"/>
-              <a:lumOff val="80000"/>
-              <a:alpha val="70000"/>
-            </a:schemeClr>
-          </a:solidFill>
-        </p:spPr>
-      </p:pic>
-    </p:spTree>
-    <p:extLst>
-      <p:ext uri="{BB962C8B-B14F-4D97-AF65-F5344CB8AC3E}">
-        <p14:creationId xmlns:p14="http://schemas.microsoft.com/office/powerpoint/2010/main" val="134951284"/>
-      </p:ext>
-    </p:extLst>
-  </p:cSld>
-  <p:clrMapOvr>
-    <a:masterClrMapping/>
-  </p:clrMapOvr>
-</p:sld>
-</file>
-
-<file path=ppt/slides/slide16.xml><?xml version="1.0" encoding="utf-8"?>
-<p:sld xmlns:a="http://schemas.openxmlformats.org/drawingml/2006/main" xmlns:r="http://schemas.openxmlformats.org/officeDocument/2006/relationships" xmlns:p="http://schemas.openxmlformats.org/presentationml/2006/main">
-  <p:cSld>
-    <p:spTree>
-      <p:nvGrpSpPr>
-        <p:cNvPr id="1" name=""/>
-        <p:cNvGrpSpPr/>
-        <p:nvPr/>
-      </p:nvGrpSpPr>
-      <p:grpSpPr>
-        <a:xfrm>
-          <a:off x="0" y="0"/>
-          <a:ext cx="0" cy="0"/>
-          <a:chOff x="0" y="0"/>
-          <a:chExt cx="0" cy="0"/>
-        </a:xfrm>
-      </p:grpSpPr>
-      <p:sp>
-        <p:nvSpPr>
-          <p:cNvPr id="2" name="Title 1">
-            <a:extLst>
-              <a:ext uri="{FF2B5EF4-FFF2-40B4-BE49-F238E27FC236}">
-                <a16:creationId xmlns:a16="http://schemas.microsoft.com/office/drawing/2014/main" id="{F7DC5BDF-E508-41BE-A6C3-ACDF034BD933}"/>
-              </a:ext>
-            </a:extLst>
-          </p:cNvPr>
-          <p:cNvSpPr>
-            <a:spLocks noGrp="1"/>
-          </p:cNvSpPr>
-          <p:nvPr>
-            <p:ph type="title"/>
-          </p:nvPr>
-        </p:nvSpPr>
-        <p:spPr/>
-        <p:txBody>
-          <a:bodyPr/>
-          <a:lstStyle/>
-          <a:p>
-            <a:r>
-              <a:rPr lang="en-US" dirty="0"/>
-              <a:t>Support Vector Machines (SVM)</a:t>
-            </a:r>
-          </a:p>
-        </p:txBody>
-      </p:sp>
-      <p:sp>
-        <p:nvSpPr>
-          <p:cNvPr id="3" name="Content Placeholder 2">
-            <a:extLst>
-              <a:ext uri="{FF2B5EF4-FFF2-40B4-BE49-F238E27FC236}">
-                <a16:creationId xmlns:a16="http://schemas.microsoft.com/office/drawing/2014/main" id="{29525243-0C3A-48C7-8A8D-2C4EE2065629}"/>
-              </a:ext>
-            </a:extLst>
-          </p:cNvPr>
-          <p:cNvSpPr>
-            <a:spLocks noGrp="1"/>
-          </p:cNvSpPr>
-          <p:nvPr>
-            <p:ph idx="1"/>
-          </p:nvPr>
-        </p:nvSpPr>
-        <p:spPr>
-          <a:solidFill>
-            <a:schemeClr val="accent5">
-              <a:lumMod val="20000"/>
-              <a:lumOff val="80000"/>
-              <a:alpha val="70000"/>
-            </a:schemeClr>
-          </a:solidFill>
-        </p:spPr>
-        <p:txBody>
-          <a:bodyPr/>
-          <a:lstStyle/>
-          <a:p>
-            <a:pPr marL="0" indent="0">
-              <a:buNone/>
-            </a:pPr>
-            <a:endParaRPr lang="en-US" dirty="0"/>
-          </a:p>
-        </p:txBody>
-      </p:sp>
-    </p:spTree>
-    <p:extLst>
-      <p:ext uri="{BB962C8B-B14F-4D97-AF65-F5344CB8AC3E}">
-        <p14:creationId xmlns:p14="http://schemas.microsoft.com/office/powerpoint/2010/main" val="3065878845"/>
-      </p:ext>
-    </p:extLst>
-  </p:cSld>
-  <p:clrMapOvr>
-    <a:masterClrMapping/>
-  </p:clrMapOvr>
-</p:sld>
-</file>
-
-<file path=ppt/slides/slide17.xml><?xml version="1.0" encoding="utf-8"?>
-<p:sld xmlns:a="http://schemas.openxmlformats.org/drawingml/2006/main" xmlns:r="http://schemas.openxmlformats.org/officeDocument/2006/relationships" xmlns:p="http://schemas.openxmlformats.org/presentationml/2006/main">
-  <p:cSld>
-    <p:spTree>
-      <p:nvGrpSpPr>
-        <p:cNvPr id="1" name=""/>
-        <p:cNvGrpSpPr/>
-        <p:nvPr/>
-      </p:nvGrpSpPr>
-      <p:grpSpPr>
-        <a:xfrm>
-          <a:off x="0" y="0"/>
-          <a:ext cx="0" cy="0"/>
-          <a:chOff x="0" y="0"/>
-          <a:chExt cx="0" cy="0"/>
-        </a:xfrm>
-      </p:grpSpPr>
-      <p:sp>
-        <p:nvSpPr>
-          <p:cNvPr id="2" name="Title 1">
-            <a:extLst>
-              <a:ext uri="{FF2B5EF4-FFF2-40B4-BE49-F238E27FC236}">
-                <a16:creationId xmlns:a16="http://schemas.microsoft.com/office/drawing/2014/main" id="{F7DC5BDF-E508-41BE-A6C3-ACDF034BD933}"/>
-              </a:ext>
-            </a:extLst>
-          </p:cNvPr>
-          <p:cNvSpPr>
-            <a:spLocks noGrp="1"/>
-          </p:cNvSpPr>
-          <p:nvPr>
-            <p:ph type="title"/>
-          </p:nvPr>
-        </p:nvSpPr>
-        <p:spPr/>
-        <p:txBody>
-          <a:bodyPr/>
-          <a:lstStyle/>
-          <a:p>
-            <a:r>
-              <a:rPr lang="en-US" dirty="0"/>
-              <a:t>Support Vector Machines (SVM)</a:t>
-            </a:r>
-          </a:p>
-        </p:txBody>
-      </p:sp>
-      <p:pic>
-        <p:nvPicPr>
-          <p:cNvPr id="5" name="Content Placeholder 4">
-            <a:extLst>
-              <a:ext uri="{FF2B5EF4-FFF2-40B4-BE49-F238E27FC236}">
-                <a16:creationId xmlns:a16="http://schemas.microsoft.com/office/drawing/2014/main" id="{0A1B29B0-45F6-40CA-9752-40318FF1818C}"/>
-              </a:ext>
-            </a:extLst>
-          </p:cNvPr>
-          <p:cNvPicPr>
-            <a:picLocks noGrp="1" noChangeAspect="1"/>
-          </p:cNvPicPr>
-          <p:nvPr>
-            <p:ph idx="1"/>
-          </p:nvPr>
-        </p:nvPicPr>
-        <p:blipFill>
-          <a:blip r:embed="rId2">
             <a:extLst>
               <a:ext uri="{28A0092B-C50C-407E-A947-70E740481C1C}">
                 <a14:useLocalDpi xmlns:a14="http://schemas.microsoft.com/office/drawing/2010/main" val="0"/>
@@ -4366,7 +5577,7 @@
 </p:sld>
 </file>
 
-<file path=ppt/slides/slide18.xml><?xml version="1.0" encoding="utf-8"?>
+<file path=ppt/slides/slide13.xml><?xml version="1.0" encoding="utf-8"?>
 <p:sld xmlns:a="http://schemas.openxmlformats.org/drawingml/2006/main" xmlns:r="http://schemas.openxmlformats.org/officeDocument/2006/relationships" xmlns:p="http://schemas.openxmlformats.org/presentationml/2006/main">
   <p:cSld>
     <p:spTree>
@@ -4428,7 +5639,7 @@
           </p:nvPr>
         </p:nvPicPr>
         <p:blipFill>
-          <a:blip r:embed="rId2">
+          <a:blip r:embed="rId3">
             <a:extLst>
               <a:ext uri="{28A0092B-C50C-407E-A947-70E740481C1C}">
                 <a14:useLocalDpi xmlns:a14="http://schemas.microsoft.com/office/drawing/2010/main" val="0"/>
@@ -4465,7 +5676,7 @@
 </p:sld>
 </file>
 
-<file path=ppt/slides/slide19.xml><?xml version="1.0" encoding="utf-8"?>
+<file path=ppt/slides/slide14.xml><?xml version="1.0" encoding="utf-8"?>
 <p:sld xmlns:a="http://schemas.openxmlformats.org/drawingml/2006/main" xmlns:r="http://schemas.openxmlformats.org/officeDocument/2006/relationships" xmlns:p="http://schemas.openxmlformats.org/presentationml/2006/main">
   <p:cSld>
     <p:spTree>
@@ -4505,7 +5716,2211 @@
           <a:p>
             <a:r>
               <a:rPr lang="en-US" dirty="0"/>
-              <a:t>Future Usage</a:t>
+              <a:t>Flowchart</a:t>
+            </a:r>
+          </a:p>
+        </p:txBody>
+      </p:sp>
+      <p:sp>
+        <p:nvSpPr>
+          <p:cNvPr id="3" name="Content Placeholder 2">
+            <a:extLst>
+              <a:ext uri="{FF2B5EF4-FFF2-40B4-BE49-F238E27FC236}">
+                <a16:creationId xmlns:a16="http://schemas.microsoft.com/office/drawing/2014/main" id="{29525243-0C3A-48C7-8A8D-2C4EE2065629}"/>
+              </a:ext>
+            </a:extLst>
+          </p:cNvPr>
+          <p:cNvSpPr>
+            <a:spLocks noGrp="1"/>
+          </p:cNvSpPr>
+          <p:nvPr>
+            <p:ph idx="1"/>
+          </p:nvPr>
+        </p:nvSpPr>
+        <p:spPr>
+          <a:xfrm>
+            <a:off x="838200" y="1834110"/>
+            <a:ext cx="10515600" cy="4351338"/>
+          </a:xfrm>
+          <a:solidFill>
+            <a:schemeClr val="accent5">
+              <a:lumMod val="20000"/>
+              <a:lumOff val="80000"/>
+              <a:alpha val="70000"/>
+            </a:schemeClr>
+          </a:solidFill>
+        </p:spPr>
+        <p:txBody>
+          <a:bodyPr/>
+          <a:lstStyle/>
+          <a:p>
+            <a:pPr marL="0" indent="0">
+              <a:buNone/>
+            </a:pPr>
+            <a:r>
+              <a:rPr lang="en-US" dirty="0"/>
+              <a:t> </a:t>
+            </a:r>
+          </a:p>
+        </p:txBody>
+      </p:sp>
+      <p:pic>
+        <p:nvPicPr>
+          <p:cNvPr id="6" name="Picture 5">
+            <a:extLst>
+              <a:ext uri="{FF2B5EF4-FFF2-40B4-BE49-F238E27FC236}">
+                <a16:creationId xmlns:a16="http://schemas.microsoft.com/office/drawing/2014/main" id="{F90037A6-A760-3A40-8195-4AF1E5D7969F}"/>
+              </a:ext>
+            </a:extLst>
+          </p:cNvPr>
+          <p:cNvPicPr>
+            <a:picLocks noChangeAspect="1"/>
+          </p:cNvPicPr>
+          <p:nvPr/>
+        </p:nvPicPr>
+        <p:blipFill>
+          <a:blip r:embed="rId3"/>
+          <a:stretch>
+            <a:fillRect/>
+          </a:stretch>
+        </p:blipFill>
+        <p:spPr>
+          <a:xfrm>
+            <a:off x="1918072" y="1932820"/>
+            <a:ext cx="1985074" cy="1335413"/>
+          </a:xfrm>
+          <a:prstGeom prst="rect">
+            <a:avLst/>
+          </a:prstGeom>
+        </p:spPr>
+      </p:pic>
+      <p:sp>
+        <p:nvSpPr>
+          <p:cNvPr id="7" name="Left-Right Arrow 14">
+            <a:extLst>
+              <a:ext uri="{FF2B5EF4-FFF2-40B4-BE49-F238E27FC236}">
+                <a16:creationId xmlns:a16="http://schemas.microsoft.com/office/drawing/2014/main" id="{C9EA9B5F-332F-A54C-909C-00ECF38C7453}"/>
+              </a:ext>
+            </a:extLst>
+          </p:cNvPr>
+          <p:cNvSpPr/>
+          <p:nvPr/>
+        </p:nvSpPr>
+        <p:spPr>
+          <a:xfrm rot="7324034">
+            <a:off x="1455696" y="3687600"/>
+            <a:ext cx="1425781" cy="688052"/>
+          </a:xfrm>
+          <a:prstGeom prst="leftRightArrow">
+            <a:avLst/>
+          </a:prstGeom>
+        </p:spPr>
+        <p:style>
+          <a:lnRef idx="2">
+            <a:schemeClr val="accent1">
+              <a:shade val="50000"/>
+            </a:schemeClr>
+          </a:lnRef>
+          <a:fillRef idx="1">
+            <a:schemeClr val="accent1"/>
+          </a:fillRef>
+          <a:effectRef idx="0">
+            <a:schemeClr val="accent1"/>
+          </a:effectRef>
+          <a:fontRef idx="minor">
+            <a:schemeClr val="lt1"/>
+          </a:fontRef>
+        </p:style>
+        <p:txBody>
+          <a:bodyPr rtlCol="0" anchor="ctr"/>
+          <a:lstStyle>
+            <a:defPPr>
+              <a:defRPr lang="en-US"/>
+            </a:defPPr>
+            <a:lvl1pPr marL="0" algn="l" defTabSz="914400" rtl="0" eaLnBrk="1" latinLnBrk="0" hangingPunct="1">
+              <a:defRPr sz="1800" kern="1200">
+                <a:solidFill>
+                  <a:schemeClr val="lt1"/>
+                </a:solidFill>
+                <a:latin typeface="+mn-lt"/>
+                <a:ea typeface="+mn-ea"/>
+                <a:cs typeface="+mn-cs"/>
+              </a:defRPr>
+            </a:lvl1pPr>
+            <a:lvl2pPr marL="457200" algn="l" defTabSz="914400" rtl="0" eaLnBrk="1" latinLnBrk="0" hangingPunct="1">
+              <a:defRPr sz="1800" kern="1200">
+                <a:solidFill>
+                  <a:schemeClr val="lt1"/>
+                </a:solidFill>
+                <a:latin typeface="+mn-lt"/>
+                <a:ea typeface="+mn-ea"/>
+                <a:cs typeface="+mn-cs"/>
+              </a:defRPr>
+            </a:lvl2pPr>
+            <a:lvl3pPr marL="914400" algn="l" defTabSz="914400" rtl="0" eaLnBrk="1" latinLnBrk="0" hangingPunct="1">
+              <a:defRPr sz="1800" kern="1200">
+                <a:solidFill>
+                  <a:schemeClr val="lt1"/>
+                </a:solidFill>
+                <a:latin typeface="+mn-lt"/>
+                <a:ea typeface="+mn-ea"/>
+                <a:cs typeface="+mn-cs"/>
+              </a:defRPr>
+            </a:lvl3pPr>
+            <a:lvl4pPr marL="1371600" algn="l" defTabSz="914400" rtl="0" eaLnBrk="1" latinLnBrk="0" hangingPunct="1">
+              <a:defRPr sz="1800" kern="1200">
+                <a:solidFill>
+                  <a:schemeClr val="lt1"/>
+                </a:solidFill>
+                <a:latin typeface="+mn-lt"/>
+                <a:ea typeface="+mn-ea"/>
+                <a:cs typeface="+mn-cs"/>
+              </a:defRPr>
+            </a:lvl4pPr>
+            <a:lvl5pPr marL="1828800" algn="l" defTabSz="914400" rtl="0" eaLnBrk="1" latinLnBrk="0" hangingPunct="1">
+              <a:defRPr sz="1800" kern="1200">
+                <a:solidFill>
+                  <a:schemeClr val="lt1"/>
+                </a:solidFill>
+                <a:latin typeface="+mn-lt"/>
+                <a:ea typeface="+mn-ea"/>
+                <a:cs typeface="+mn-cs"/>
+              </a:defRPr>
+            </a:lvl5pPr>
+            <a:lvl6pPr marL="2286000" algn="l" defTabSz="914400" rtl="0" eaLnBrk="1" latinLnBrk="0" hangingPunct="1">
+              <a:defRPr sz="1800" kern="1200">
+                <a:solidFill>
+                  <a:schemeClr val="lt1"/>
+                </a:solidFill>
+                <a:latin typeface="+mn-lt"/>
+                <a:ea typeface="+mn-ea"/>
+                <a:cs typeface="+mn-cs"/>
+              </a:defRPr>
+            </a:lvl6pPr>
+            <a:lvl7pPr marL="2743200" algn="l" defTabSz="914400" rtl="0" eaLnBrk="1" latinLnBrk="0" hangingPunct="1">
+              <a:defRPr sz="1800" kern="1200">
+                <a:solidFill>
+                  <a:schemeClr val="lt1"/>
+                </a:solidFill>
+                <a:latin typeface="+mn-lt"/>
+                <a:ea typeface="+mn-ea"/>
+                <a:cs typeface="+mn-cs"/>
+              </a:defRPr>
+            </a:lvl7pPr>
+            <a:lvl8pPr marL="3200400" algn="l" defTabSz="914400" rtl="0" eaLnBrk="1" latinLnBrk="0" hangingPunct="1">
+              <a:defRPr sz="1800" kern="1200">
+                <a:solidFill>
+                  <a:schemeClr val="lt1"/>
+                </a:solidFill>
+                <a:latin typeface="+mn-lt"/>
+                <a:ea typeface="+mn-ea"/>
+                <a:cs typeface="+mn-cs"/>
+              </a:defRPr>
+            </a:lvl8pPr>
+            <a:lvl9pPr marL="3657600" algn="l" defTabSz="914400" rtl="0" eaLnBrk="1" latinLnBrk="0" hangingPunct="1">
+              <a:defRPr sz="1800" kern="1200">
+                <a:solidFill>
+                  <a:schemeClr val="lt1"/>
+                </a:solidFill>
+                <a:latin typeface="+mn-lt"/>
+                <a:ea typeface="+mn-ea"/>
+                <a:cs typeface="+mn-cs"/>
+              </a:defRPr>
+            </a:lvl9pPr>
+          </a:lstStyle>
+          <a:p>
+            <a:pPr algn="ctr"/>
+            <a:endParaRPr lang="en-US" dirty="0"/>
+          </a:p>
+        </p:txBody>
+      </p:sp>
+      <p:sp>
+        <p:nvSpPr>
+          <p:cNvPr id="8" name="Rectangle 7">
+            <a:extLst>
+              <a:ext uri="{FF2B5EF4-FFF2-40B4-BE49-F238E27FC236}">
+                <a16:creationId xmlns:a16="http://schemas.microsoft.com/office/drawing/2014/main" id="{EB62FCB4-CB19-AD4F-8F7F-9DEE6C79F64C}"/>
+              </a:ext>
+            </a:extLst>
+          </p:cNvPr>
+          <p:cNvSpPr/>
+          <p:nvPr/>
+        </p:nvSpPr>
+        <p:spPr>
+          <a:xfrm>
+            <a:off x="1003300" y="4822401"/>
+            <a:ext cx="1540286" cy="1274586"/>
+          </a:xfrm>
+          <a:prstGeom prst="rect">
+            <a:avLst/>
+          </a:prstGeom>
+        </p:spPr>
+        <p:style>
+          <a:lnRef idx="2">
+            <a:schemeClr val="accent1">
+              <a:shade val="50000"/>
+            </a:schemeClr>
+          </a:lnRef>
+          <a:fillRef idx="1">
+            <a:schemeClr val="accent1"/>
+          </a:fillRef>
+          <a:effectRef idx="0">
+            <a:schemeClr val="accent1"/>
+          </a:effectRef>
+          <a:fontRef idx="minor">
+            <a:schemeClr val="lt1"/>
+          </a:fontRef>
+        </p:style>
+        <p:txBody>
+          <a:bodyPr rtlCol="0" anchor="ctr"/>
+          <a:lstStyle>
+            <a:defPPr>
+              <a:defRPr lang="en-US"/>
+            </a:defPPr>
+            <a:lvl1pPr marL="0" algn="l" defTabSz="914400" rtl="0" eaLnBrk="1" latinLnBrk="0" hangingPunct="1">
+              <a:defRPr sz="1800" kern="1200">
+                <a:solidFill>
+                  <a:schemeClr val="lt1"/>
+                </a:solidFill>
+                <a:latin typeface="+mn-lt"/>
+                <a:ea typeface="+mn-ea"/>
+                <a:cs typeface="+mn-cs"/>
+              </a:defRPr>
+            </a:lvl1pPr>
+            <a:lvl2pPr marL="457200" algn="l" defTabSz="914400" rtl="0" eaLnBrk="1" latinLnBrk="0" hangingPunct="1">
+              <a:defRPr sz="1800" kern="1200">
+                <a:solidFill>
+                  <a:schemeClr val="lt1"/>
+                </a:solidFill>
+                <a:latin typeface="+mn-lt"/>
+                <a:ea typeface="+mn-ea"/>
+                <a:cs typeface="+mn-cs"/>
+              </a:defRPr>
+            </a:lvl2pPr>
+            <a:lvl3pPr marL="914400" algn="l" defTabSz="914400" rtl="0" eaLnBrk="1" latinLnBrk="0" hangingPunct="1">
+              <a:defRPr sz="1800" kern="1200">
+                <a:solidFill>
+                  <a:schemeClr val="lt1"/>
+                </a:solidFill>
+                <a:latin typeface="+mn-lt"/>
+                <a:ea typeface="+mn-ea"/>
+                <a:cs typeface="+mn-cs"/>
+              </a:defRPr>
+            </a:lvl3pPr>
+            <a:lvl4pPr marL="1371600" algn="l" defTabSz="914400" rtl="0" eaLnBrk="1" latinLnBrk="0" hangingPunct="1">
+              <a:defRPr sz="1800" kern="1200">
+                <a:solidFill>
+                  <a:schemeClr val="lt1"/>
+                </a:solidFill>
+                <a:latin typeface="+mn-lt"/>
+                <a:ea typeface="+mn-ea"/>
+                <a:cs typeface="+mn-cs"/>
+              </a:defRPr>
+            </a:lvl4pPr>
+            <a:lvl5pPr marL="1828800" algn="l" defTabSz="914400" rtl="0" eaLnBrk="1" latinLnBrk="0" hangingPunct="1">
+              <a:defRPr sz="1800" kern="1200">
+                <a:solidFill>
+                  <a:schemeClr val="lt1"/>
+                </a:solidFill>
+                <a:latin typeface="+mn-lt"/>
+                <a:ea typeface="+mn-ea"/>
+                <a:cs typeface="+mn-cs"/>
+              </a:defRPr>
+            </a:lvl5pPr>
+            <a:lvl6pPr marL="2286000" algn="l" defTabSz="914400" rtl="0" eaLnBrk="1" latinLnBrk="0" hangingPunct="1">
+              <a:defRPr sz="1800" kern="1200">
+                <a:solidFill>
+                  <a:schemeClr val="lt1"/>
+                </a:solidFill>
+                <a:latin typeface="+mn-lt"/>
+                <a:ea typeface="+mn-ea"/>
+                <a:cs typeface="+mn-cs"/>
+              </a:defRPr>
+            </a:lvl6pPr>
+            <a:lvl7pPr marL="2743200" algn="l" defTabSz="914400" rtl="0" eaLnBrk="1" latinLnBrk="0" hangingPunct="1">
+              <a:defRPr sz="1800" kern="1200">
+                <a:solidFill>
+                  <a:schemeClr val="lt1"/>
+                </a:solidFill>
+                <a:latin typeface="+mn-lt"/>
+                <a:ea typeface="+mn-ea"/>
+                <a:cs typeface="+mn-cs"/>
+              </a:defRPr>
+            </a:lvl7pPr>
+            <a:lvl8pPr marL="3200400" algn="l" defTabSz="914400" rtl="0" eaLnBrk="1" latinLnBrk="0" hangingPunct="1">
+              <a:defRPr sz="1800" kern="1200">
+                <a:solidFill>
+                  <a:schemeClr val="lt1"/>
+                </a:solidFill>
+                <a:latin typeface="+mn-lt"/>
+                <a:ea typeface="+mn-ea"/>
+                <a:cs typeface="+mn-cs"/>
+              </a:defRPr>
+            </a:lvl8pPr>
+            <a:lvl9pPr marL="3657600" algn="l" defTabSz="914400" rtl="0" eaLnBrk="1" latinLnBrk="0" hangingPunct="1">
+              <a:defRPr sz="1800" kern="1200">
+                <a:solidFill>
+                  <a:schemeClr val="lt1"/>
+                </a:solidFill>
+                <a:latin typeface="+mn-lt"/>
+                <a:ea typeface="+mn-ea"/>
+                <a:cs typeface="+mn-cs"/>
+              </a:defRPr>
+            </a:lvl9pPr>
+          </a:lstStyle>
+          <a:p>
+            <a:pPr algn="ctr"/>
+            <a:r>
+              <a:rPr lang="en-US" sz="2000" dirty="0"/>
+              <a:t>ML Models</a:t>
+            </a:r>
+          </a:p>
+        </p:txBody>
+      </p:sp>
+      <p:sp>
+        <p:nvSpPr>
+          <p:cNvPr id="10" name="Left-Right Arrow 13">
+            <a:extLst>
+              <a:ext uri="{FF2B5EF4-FFF2-40B4-BE49-F238E27FC236}">
+                <a16:creationId xmlns:a16="http://schemas.microsoft.com/office/drawing/2014/main" id="{4C60A1E9-E035-FE49-84F6-D91AD2AD35BB}"/>
+              </a:ext>
+            </a:extLst>
+          </p:cNvPr>
+          <p:cNvSpPr/>
+          <p:nvPr/>
+        </p:nvSpPr>
+        <p:spPr>
+          <a:xfrm>
+            <a:off x="2708685" y="5040173"/>
+            <a:ext cx="2418759" cy="1047780"/>
+          </a:xfrm>
+          <a:prstGeom prst="leftRightArrow">
+            <a:avLst/>
+          </a:prstGeom>
+        </p:spPr>
+        <p:style>
+          <a:lnRef idx="2">
+            <a:schemeClr val="accent1">
+              <a:shade val="50000"/>
+            </a:schemeClr>
+          </a:lnRef>
+          <a:fillRef idx="1">
+            <a:schemeClr val="accent1"/>
+          </a:fillRef>
+          <a:effectRef idx="0">
+            <a:schemeClr val="accent1"/>
+          </a:effectRef>
+          <a:fontRef idx="minor">
+            <a:schemeClr val="lt1"/>
+          </a:fontRef>
+        </p:style>
+        <p:txBody>
+          <a:bodyPr rtlCol="0" anchor="ctr"/>
+          <a:lstStyle>
+            <a:defPPr>
+              <a:defRPr lang="en-US"/>
+            </a:defPPr>
+            <a:lvl1pPr marL="0" algn="l" defTabSz="914400" rtl="0" eaLnBrk="1" latinLnBrk="0" hangingPunct="1">
+              <a:defRPr sz="1800" kern="1200">
+                <a:solidFill>
+                  <a:schemeClr val="lt1"/>
+                </a:solidFill>
+                <a:latin typeface="+mn-lt"/>
+                <a:ea typeface="+mn-ea"/>
+                <a:cs typeface="+mn-cs"/>
+              </a:defRPr>
+            </a:lvl1pPr>
+            <a:lvl2pPr marL="457200" algn="l" defTabSz="914400" rtl="0" eaLnBrk="1" latinLnBrk="0" hangingPunct="1">
+              <a:defRPr sz="1800" kern="1200">
+                <a:solidFill>
+                  <a:schemeClr val="lt1"/>
+                </a:solidFill>
+                <a:latin typeface="+mn-lt"/>
+                <a:ea typeface="+mn-ea"/>
+                <a:cs typeface="+mn-cs"/>
+              </a:defRPr>
+            </a:lvl2pPr>
+            <a:lvl3pPr marL="914400" algn="l" defTabSz="914400" rtl="0" eaLnBrk="1" latinLnBrk="0" hangingPunct="1">
+              <a:defRPr sz="1800" kern="1200">
+                <a:solidFill>
+                  <a:schemeClr val="lt1"/>
+                </a:solidFill>
+                <a:latin typeface="+mn-lt"/>
+                <a:ea typeface="+mn-ea"/>
+                <a:cs typeface="+mn-cs"/>
+              </a:defRPr>
+            </a:lvl3pPr>
+            <a:lvl4pPr marL="1371600" algn="l" defTabSz="914400" rtl="0" eaLnBrk="1" latinLnBrk="0" hangingPunct="1">
+              <a:defRPr sz="1800" kern="1200">
+                <a:solidFill>
+                  <a:schemeClr val="lt1"/>
+                </a:solidFill>
+                <a:latin typeface="+mn-lt"/>
+                <a:ea typeface="+mn-ea"/>
+                <a:cs typeface="+mn-cs"/>
+              </a:defRPr>
+            </a:lvl4pPr>
+            <a:lvl5pPr marL="1828800" algn="l" defTabSz="914400" rtl="0" eaLnBrk="1" latinLnBrk="0" hangingPunct="1">
+              <a:defRPr sz="1800" kern="1200">
+                <a:solidFill>
+                  <a:schemeClr val="lt1"/>
+                </a:solidFill>
+                <a:latin typeface="+mn-lt"/>
+                <a:ea typeface="+mn-ea"/>
+                <a:cs typeface="+mn-cs"/>
+              </a:defRPr>
+            </a:lvl5pPr>
+            <a:lvl6pPr marL="2286000" algn="l" defTabSz="914400" rtl="0" eaLnBrk="1" latinLnBrk="0" hangingPunct="1">
+              <a:defRPr sz="1800" kern="1200">
+                <a:solidFill>
+                  <a:schemeClr val="lt1"/>
+                </a:solidFill>
+                <a:latin typeface="+mn-lt"/>
+                <a:ea typeface="+mn-ea"/>
+                <a:cs typeface="+mn-cs"/>
+              </a:defRPr>
+            </a:lvl6pPr>
+            <a:lvl7pPr marL="2743200" algn="l" defTabSz="914400" rtl="0" eaLnBrk="1" latinLnBrk="0" hangingPunct="1">
+              <a:defRPr sz="1800" kern="1200">
+                <a:solidFill>
+                  <a:schemeClr val="lt1"/>
+                </a:solidFill>
+                <a:latin typeface="+mn-lt"/>
+                <a:ea typeface="+mn-ea"/>
+                <a:cs typeface="+mn-cs"/>
+              </a:defRPr>
+            </a:lvl7pPr>
+            <a:lvl8pPr marL="3200400" algn="l" defTabSz="914400" rtl="0" eaLnBrk="1" latinLnBrk="0" hangingPunct="1">
+              <a:defRPr sz="1800" kern="1200">
+                <a:solidFill>
+                  <a:schemeClr val="lt1"/>
+                </a:solidFill>
+                <a:latin typeface="+mn-lt"/>
+                <a:ea typeface="+mn-ea"/>
+                <a:cs typeface="+mn-cs"/>
+              </a:defRPr>
+            </a:lvl8pPr>
+            <a:lvl9pPr marL="3657600" algn="l" defTabSz="914400" rtl="0" eaLnBrk="1" latinLnBrk="0" hangingPunct="1">
+              <a:defRPr sz="1800" kern="1200">
+                <a:solidFill>
+                  <a:schemeClr val="lt1"/>
+                </a:solidFill>
+                <a:latin typeface="+mn-lt"/>
+                <a:ea typeface="+mn-ea"/>
+                <a:cs typeface="+mn-cs"/>
+              </a:defRPr>
+            </a:lvl9pPr>
+          </a:lstStyle>
+          <a:p>
+            <a:pPr algn="ctr"/>
+            <a:r>
+              <a:rPr lang="en-US" dirty="0" err="1"/>
+              <a:t>Sklearn</a:t>
+            </a:r>
+            <a:endParaRPr lang="en-US" dirty="0"/>
+          </a:p>
+          <a:p>
+            <a:pPr algn="ctr"/>
+            <a:r>
+              <a:rPr lang="en-US" dirty="0"/>
+              <a:t>TensorFlow/</a:t>
+            </a:r>
+            <a:r>
+              <a:rPr lang="en-US" dirty="0" err="1"/>
+              <a:t>Keras</a:t>
+            </a:r>
+            <a:endParaRPr lang="en-US" dirty="0"/>
+          </a:p>
+        </p:txBody>
+      </p:sp>
+      <p:pic>
+        <p:nvPicPr>
+          <p:cNvPr id="11" name="Picture 10">
+            <a:extLst>
+              <a:ext uri="{FF2B5EF4-FFF2-40B4-BE49-F238E27FC236}">
+                <a16:creationId xmlns:a16="http://schemas.microsoft.com/office/drawing/2014/main" id="{E507D1A3-B85A-4B46-887D-3FBC327ADBC9}"/>
+              </a:ext>
+            </a:extLst>
+          </p:cNvPr>
+          <p:cNvPicPr>
+            <a:picLocks noChangeAspect="1"/>
+          </p:cNvPicPr>
+          <p:nvPr/>
+        </p:nvPicPr>
+        <p:blipFill>
+          <a:blip r:embed="rId4"/>
+          <a:stretch>
+            <a:fillRect/>
+          </a:stretch>
+        </p:blipFill>
+        <p:spPr>
+          <a:xfrm>
+            <a:off x="5418682" y="4306286"/>
+            <a:ext cx="1841500" cy="1790700"/>
+          </a:xfrm>
+          <a:prstGeom prst="rect">
+            <a:avLst/>
+          </a:prstGeom>
+        </p:spPr>
+      </p:pic>
+      <p:sp>
+        <p:nvSpPr>
+          <p:cNvPr id="12" name="Left-Right Arrow 16">
+            <a:extLst>
+              <a:ext uri="{FF2B5EF4-FFF2-40B4-BE49-F238E27FC236}">
+                <a16:creationId xmlns:a16="http://schemas.microsoft.com/office/drawing/2014/main" id="{54B8916D-5A06-8B46-B9C6-961F8C7A5A7B}"/>
+              </a:ext>
+            </a:extLst>
+          </p:cNvPr>
+          <p:cNvSpPr/>
+          <p:nvPr/>
+        </p:nvSpPr>
+        <p:spPr>
+          <a:xfrm>
+            <a:off x="7551419" y="5002539"/>
+            <a:ext cx="1985074" cy="1047780"/>
+          </a:xfrm>
+          <a:prstGeom prst="leftRightArrow">
+            <a:avLst/>
+          </a:prstGeom>
+        </p:spPr>
+        <p:style>
+          <a:lnRef idx="2">
+            <a:schemeClr val="accent1">
+              <a:shade val="50000"/>
+            </a:schemeClr>
+          </a:lnRef>
+          <a:fillRef idx="1">
+            <a:schemeClr val="accent1"/>
+          </a:fillRef>
+          <a:effectRef idx="0">
+            <a:schemeClr val="accent1"/>
+          </a:effectRef>
+          <a:fontRef idx="minor">
+            <a:schemeClr val="lt1"/>
+          </a:fontRef>
+        </p:style>
+        <p:txBody>
+          <a:bodyPr rtlCol="0" anchor="ctr"/>
+          <a:lstStyle>
+            <a:defPPr>
+              <a:defRPr lang="en-US"/>
+            </a:defPPr>
+            <a:lvl1pPr marL="0" algn="l" defTabSz="914400" rtl="0" eaLnBrk="1" latinLnBrk="0" hangingPunct="1">
+              <a:defRPr sz="1800" kern="1200">
+                <a:solidFill>
+                  <a:schemeClr val="lt1"/>
+                </a:solidFill>
+                <a:latin typeface="+mn-lt"/>
+                <a:ea typeface="+mn-ea"/>
+                <a:cs typeface="+mn-cs"/>
+              </a:defRPr>
+            </a:lvl1pPr>
+            <a:lvl2pPr marL="457200" algn="l" defTabSz="914400" rtl="0" eaLnBrk="1" latinLnBrk="0" hangingPunct="1">
+              <a:defRPr sz="1800" kern="1200">
+                <a:solidFill>
+                  <a:schemeClr val="lt1"/>
+                </a:solidFill>
+                <a:latin typeface="+mn-lt"/>
+                <a:ea typeface="+mn-ea"/>
+                <a:cs typeface="+mn-cs"/>
+              </a:defRPr>
+            </a:lvl2pPr>
+            <a:lvl3pPr marL="914400" algn="l" defTabSz="914400" rtl="0" eaLnBrk="1" latinLnBrk="0" hangingPunct="1">
+              <a:defRPr sz="1800" kern="1200">
+                <a:solidFill>
+                  <a:schemeClr val="lt1"/>
+                </a:solidFill>
+                <a:latin typeface="+mn-lt"/>
+                <a:ea typeface="+mn-ea"/>
+                <a:cs typeface="+mn-cs"/>
+              </a:defRPr>
+            </a:lvl3pPr>
+            <a:lvl4pPr marL="1371600" algn="l" defTabSz="914400" rtl="0" eaLnBrk="1" latinLnBrk="0" hangingPunct="1">
+              <a:defRPr sz="1800" kern="1200">
+                <a:solidFill>
+                  <a:schemeClr val="lt1"/>
+                </a:solidFill>
+                <a:latin typeface="+mn-lt"/>
+                <a:ea typeface="+mn-ea"/>
+                <a:cs typeface="+mn-cs"/>
+              </a:defRPr>
+            </a:lvl4pPr>
+            <a:lvl5pPr marL="1828800" algn="l" defTabSz="914400" rtl="0" eaLnBrk="1" latinLnBrk="0" hangingPunct="1">
+              <a:defRPr sz="1800" kern="1200">
+                <a:solidFill>
+                  <a:schemeClr val="lt1"/>
+                </a:solidFill>
+                <a:latin typeface="+mn-lt"/>
+                <a:ea typeface="+mn-ea"/>
+                <a:cs typeface="+mn-cs"/>
+              </a:defRPr>
+            </a:lvl5pPr>
+            <a:lvl6pPr marL="2286000" algn="l" defTabSz="914400" rtl="0" eaLnBrk="1" latinLnBrk="0" hangingPunct="1">
+              <a:defRPr sz="1800" kern="1200">
+                <a:solidFill>
+                  <a:schemeClr val="lt1"/>
+                </a:solidFill>
+                <a:latin typeface="+mn-lt"/>
+                <a:ea typeface="+mn-ea"/>
+                <a:cs typeface="+mn-cs"/>
+              </a:defRPr>
+            </a:lvl6pPr>
+            <a:lvl7pPr marL="2743200" algn="l" defTabSz="914400" rtl="0" eaLnBrk="1" latinLnBrk="0" hangingPunct="1">
+              <a:defRPr sz="1800" kern="1200">
+                <a:solidFill>
+                  <a:schemeClr val="lt1"/>
+                </a:solidFill>
+                <a:latin typeface="+mn-lt"/>
+                <a:ea typeface="+mn-ea"/>
+                <a:cs typeface="+mn-cs"/>
+              </a:defRPr>
+            </a:lvl7pPr>
+            <a:lvl8pPr marL="3200400" algn="l" defTabSz="914400" rtl="0" eaLnBrk="1" latinLnBrk="0" hangingPunct="1">
+              <a:defRPr sz="1800" kern="1200">
+                <a:solidFill>
+                  <a:schemeClr val="lt1"/>
+                </a:solidFill>
+                <a:latin typeface="+mn-lt"/>
+                <a:ea typeface="+mn-ea"/>
+                <a:cs typeface="+mn-cs"/>
+              </a:defRPr>
+            </a:lvl8pPr>
+            <a:lvl9pPr marL="3657600" algn="l" defTabSz="914400" rtl="0" eaLnBrk="1" latinLnBrk="0" hangingPunct="1">
+              <a:defRPr sz="1800" kern="1200">
+                <a:solidFill>
+                  <a:schemeClr val="lt1"/>
+                </a:solidFill>
+                <a:latin typeface="+mn-lt"/>
+                <a:ea typeface="+mn-ea"/>
+                <a:cs typeface="+mn-cs"/>
+              </a:defRPr>
+            </a:lvl9pPr>
+          </a:lstStyle>
+          <a:p>
+            <a:pPr algn="ctr"/>
+            <a:r>
+              <a:rPr lang="en-US" dirty="0"/>
+              <a:t>HTML</a:t>
+            </a:r>
+          </a:p>
+          <a:p>
+            <a:pPr algn="ctr"/>
+            <a:r>
+              <a:rPr lang="en-US" dirty="0"/>
+              <a:t>CSS/JS</a:t>
+            </a:r>
+          </a:p>
+        </p:txBody>
+      </p:sp>
+      <p:sp>
+        <p:nvSpPr>
+          <p:cNvPr id="13" name="Rectangle 12">
+            <a:extLst>
+              <a:ext uri="{FF2B5EF4-FFF2-40B4-BE49-F238E27FC236}">
+                <a16:creationId xmlns:a16="http://schemas.microsoft.com/office/drawing/2014/main" id="{028D7A78-7452-D248-A001-C0ABFF5D3B6D}"/>
+              </a:ext>
+            </a:extLst>
+          </p:cNvPr>
+          <p:cNvSpPr/>
+          <p:nvPr/>
+        </p:nvSpPr>
+        <p:spPr>
+          <a:xfrm>
+            <a:off x="9648415" y="4508799"/>
+            <a:ext cx="1540285" cy="1588187"/>
+          </a:xfrm>
+          <a:prstGeom prst="rect">
+            <a:avLst/>
+          </a:prstGeom>
+        </p:spPr>
+        <p:style>
+          <a:lnRef idx="2">
+            <a:schemeClr val="accent1">
+              <a:shade val="50000"/>
+            </a:schemeClr>
+          </a:lnRef>
+          <a:fillRef idx="1">
+            <a:schemeClr val="accent1"/>
+          </a:fillRef>
+          <a:effectRef idx="0">
+            <a:schemeClr val="accent1"/>
+          </a:effectRef>
+          <a:fontRef idx="minor">
+            <a:schemeClr val="lt1"/>
+          </a:fontRef>
+        </p:style>
+        <p:txBody>
+          <a:bodyPr rtlCol="0" anchor="ctr"/>
+          <a:lstStyle>
+            <a:defPPr>
+              <a:defRPr lang="en-US"/>
+            </a:defPPr>
+            <a:lvl1pPr marL="0" algn="l" defTabSz="914400" rtl="0" eaLnBrk="1" latinLnBrk="0" hangingPunct="1">
+              <a:defRPr sz="1800" kern="1200">
+                <a:solidFill>
+                  <a:schemeClr val="lt1"/>
+                </a:solidFill>
+                <a:latin typeface="+mn-lt"/>
+                <a:ea typeface="+mn-ea"/>
+                <a:cs typeface="+mn-cs"/>
+              </a:defRPr>
+            </a:lvl1pPr>
+            <a:lvl2pPr marL="457200" algn="l" defTabSz="914400" rtl="0" eaLnBrk="1" latinLnBrk="0" hangingPunct="1">
+              <a:defRPr sz="1800" kern="1200">
+                <a:solidFill>
+                  <a:schemeClr val="lt1"/>
+                </a:solidFill>
+                <a:latin typeface="+mn-lt"/>
+                <a:ea typeface="+mn-ea"/>
+                <a:cs typeface="+mn-cs"/>
+              </a:defRPr>
+            </a:lvl2pPr>
+            <a:lvl3pPr marL="914400" algn="l" defTabSz="914400" rtl="0" eaLnBrk="1" latinLnBrk="0" hangingPunct="1">
+              <a:defRPr sz="1800" kern="1200">
+                <a:solidFill>
+                  <a:schemeClr val="lt1"/>
+                </a:solidFill>
+                <a:latin typeface="+mn-lt"/>
+                <a:ea typeface="+mn-ea"/>
+                <a:cs typeface="+mn-cs"/>
+              </a:defRPr>
+            </a:lvl3pPr>
+            <a:lvl4pPr marL="1371600" algn="l" defTabSz="914400" rtl="0" eaLnBrk="1" latinLnBrk="0" hangingPunct="1">
+              <a:defRPr sz="1800" kern="1200">
+                <a:solidFill>
+                  <a:schemeClr val="lt1"/>
+                </a:solidFill>
+                <a:latin typeface="+mn-lt"/>
+                <a:ea typeface="+mn-ea"/>
+                <a:cs typeface="+mn-cs"/>
+              </a:defRPr>
+            </a:lvl4pPr>
+            <a:lvl5pPr marL="1828800" algn="l" defTabSz="914400" rtl="0" eaLnBrk="1" latinLnBrk="0" hangingPunct="1">
+              <a:defRPr sz="1800" kern="1200">
+                <a:solidFill>
+                  <a:schemeClr val="lt1"/>
+                </a:solidFill>
+                <a:latin typeface="+mn-lt"/>
+                <a:ea typeface="+mn-ea"/>
+                <a:cs typeface="+mn-cs"/>
+              </a:defRPr>
+            </a:lvl5pPr>
+            <a:lvl6pPr marL="2286000" algn="l" defTabSz="914400" rtl="0" eaLnBrk="1" latinLnBrk="0" hangingPunct="1">
+              <a:defRPr sz="1800" kern="1200">
+                <a:solidFill>
+                  <a:schemeClr val="lt1"/>
+                </a:solidFill>
+                <a:latin typeface="+mn-lt"/>
+                <a:ea typeface="+mn-ea"/>
+                <a:cs typeface="+mn-cs"/>
+              </a:defRPr>
+            </a:lvl6pPr>
+            <a:lvl7pPr marL="2743200" algn="l" defTabSz="914400" rtl="0" eaLnBrk="1" latinLnBrk="0" hangingPunct="1">
+              <a:defRPr sz="1800" kern="1200">
+                <a:solidFill>
+                  <a:schemeClr val="lt1"/>
+                </a:solidFill>
+                <a:latin typeface="+mn-lt"/>
+                <a:ea typeface="+mn-ea"/>
+                <a:cs typeface="+mn-cs"/>
+              </a:defRPr>
+            </a:lvl7pPr>
+            <a:lvl8pPr marL="3200400" algn="l" defTabSz="914400" rtl="0" eaLnBrk="1" latinLnBrk="0" hangingPunct="1">
+              <a:defRPr sz="1800" kern="1200">
+                <a:solidFill>
+                  <a:schemeClr val="lt1"/>
+                </a:solidFill>
+                <a:latin typeface="+mn-lt"/>
+                <a:ea typeface="+mn-ea"/>
+                <a:cs typeface="+mn-cs"/>
+              </a:defRPr>
+            </a:lvl8pPr>
+            <a:lvl9pPr marL="3657600" algn="l" defTabSz="914400" rtl="0" eaLnBrk="1" latinLnBrk="0" hangingPunct="1">
+              <a:defRPr sz="1800" kern="1200">
+                <a:solidFill>
+                  <a:schemeClr val="lt1"/>
+                </a:solidFill>
+                <a:latin typeface="+mn-lt"/>
+                <a:ea typeface="+mn-ea"/>
+                <a:cs typeface="+mn-cs"/>
+              </a:defRPr>
+            </a:lvl9pPr>
+          </a:lstStyle>
+          <a:p>
+            <a:pPr algn="ctr"/>
+            <a:endParaRPr lang="en-US" dirty="0"/>
+          </a:p>
+          <a:p>
+            <a:pPr algn="ctr"/>
+            <a:r>
+              <a:rPr lang="en-US" dirty="0"/>
+              <a:t>Visualization</a:t>
+            </a:r>
+          </a:p>
+          <a:p>
+            <a:pPr algn="ctr"/>
+            <a:endParaRPr lang="en-US" dirty="0"/>
+          </a:p>
+        </p:txBody>
+      </p:sp>
+      <p:sp>
+        <p:nvSpPr>
+          <p:cNvPr id="14" name="Left-Right Arrow 11">
+            <a:extLst>
+              <a:ext uri="{FF2B5EF4-FFF2-40B4-BE49-F238E27FC236}">
+                <a16:creationId xmlns:a16="http://schemas.microsoft.com/office/drawing/2014/main" id="{57AB7B6F-CB64-D741-8E35-3C623464DBF6}"/>
+              </a:ext>
+            </a:extLst>
+          </p:cNvPr>
+          <p:cNvSpPr/>
+          <p:nvPr/>
+        </p:nvSpPr>
+        <p:spPr>
+          <a:xfrm rot="2250699">
+            <a:off x="3722944" y="3651771"/>
+            <a:ext cx="1502862" cy="716017"/>
+          </a:xfrm>
+          <a:prstGeom prst="leftRightArrow">
+            <a:avLst/>
+          </a:prstGeom>
+        </p:spPr>
+        <p:style>
+          <a:lnRef idx="2">
+            <a:schemeClr val="accent1">
+              <a:shade val="50000"/>
+            </a:schemeClr>
+          </a:lnRef>
+          <a:fillRef idx="1">
+            <a:schemeClr val="accent1"/>
+          </a:fillRef>
+          <a:effectRef idx="0">
+            <a:schemeClr val="accent1"/>
+          </a:effectRef>
+          <a:fontRef idx="minor">
+            <a:schemeClr val="lt1"/>
+          </a:fontRef>
+        </p:style>
+        <p:txBody>
+          <a:bodyPr rtlCol="0" anchor="ctr"/>
+          <a:lstStyle>
+            <a:defPPr>
+              <a:defRPr lang="en-US"/>
+            </a:defPPr>
+            <a:lvl1pPr marL="0" algn="l" defTabSz="914400" rtl="0" eaLnBrk="1" latinLnBrk="0" hangingPunct="1">
+              <a:defRPr sz="1800" kern="1200">
+                <a:solidFill>
+                  <a:schemeClr val="lt1"/>
+                </a:solidFill>
+                <a:latin typeface="+mn-lt"/>
+                <a:ea typeface="+mn-ea"/>
+                <a:cs typeface="+mn-cs"/>
+              </a:defRPr>
+            </a:lvl1pPr>
+            <a:lvl2pPr marL="457200" algn="l" defTabSz="914400" rtl="0" eaLnBrk="1" latinLnBrk="0" hangingPunct="1">
+              <a:defRPr sz="1800" kern="1200">
+                <a:solidFill>
+                  <a:schemeClr val="lt1"/>
+                </a:solidFill>
+                <a:latin typeface="+mn-lt"/>
+                <a:ea typeface="+mn-ea"/>
+                <a:cs typeface="+mn-cs"/>
+              </a:defRPr>
+            </a:lvl2pPr>
+            <a:lvl3pPr marL="914400" algn="l" defTabSz="914400" rtl="0" eaLnBrk="1" latinLnBrk="0" hangingPunct="1">
+              <a:defRPr sz="1800" kern="1200">
+                <a:solidFill>
+                  <a:schemeClr val="lt1"/>
+                </a:solidFill>
+                <a:latin typeface="+mn-lt"/>
+                <a:ea typeface="+mn-ea"/>
+                <a:cs typeface="+mn-cs"/>
+              </a:defRPr>
+            </a:lvl3pPr>
+            <a:lvl4pPr marL="1371600" algn="l" defTabSz="914400" rtl="0" eaLnBrk="1" latinLnBrk="0" hangingPunct="1">
+              <a:defRPr sz="1800" kern="1200">
+                <a:solidFill>
+                  <a:schemeClr val="lt1"/>
+                </a:solidFill>
+                <a:latin typeface="+mn-lt"/>
+                <a:ea typeface="+mn-ea"/>
+                <a:cs typeface="+mn-cs"/>
+              </a:defRPr>
+            </a:lvl4pPr>
+            <a:lvl5pPr marL="1828800" algn="l" defTabSz="914400" rtl="0" eaLnBrk="1" latinLnBrk="0" hangingPunct="1">
+              <a:defRPr sz="1800" kern="1200">
+                <a:solidFill>
+                  <a:schemeClr val="lt1"/>
+                </a:solidFill>
+                <a:latin typeface="+mn-lt"/>
+                <a:ea typeface="+mn-ea"/>
+                <a:cs typeface="+mn-cs"/>
+              </a:defRPr>
+            </a:lvl5pPr>
+            <a:lvl6pPr marL="2286000" algn="l" defTabSz="914400" rtl="0" eaLnBrk="1" latinLnBrk="0" hangingPunct="1">
+              <a:defRPr sz="1800" kern="1200">
+                <a:solidFill>
+                  <a:schemeClr val="lt1"/>
+                </a:solidFill>
+                <a:latin typeface="+mn-lt"/>
+                <a:ea typeface="+mn-ea"/>
+                <a:cs typeface="+mn-cs"/>
+              </a:defRPr>
+            </a:lvl6pPr>
+            <a:lvl7pPr marL="2743200" algn="l" defTabSz="914400" rtl="0" eaLnBrk="1" latinLnBrk="0" hangingPunct="1">
+              <a:defRPr sz="1800" kern="1200">
+                <a:solidFill>
+                  <a:schemeClr val="lt1"/>
+                </a:solidFill>
+                <a:latin typeface="+mn-lt"/>
+                <a:ea typeface="+mn-ea"/>
+                <a:cs typeface="+mn-cs"/>
+              </a:defRPr>
+            </a:lvl7pPr>
+            <a:lvl8pPr marL="3200400" algn="l" defTabSz="914400" rtl="0" eaLnBrk="1" latinLnBrk="0" hangingPunct="1">
+              <a:defRPr sz="1800" kern="1200">
+                <a:solidFill>
+                  <a:schemeClr val="lt1"/>
+                </a:solidFill>
+                <a:latin typeface="+mn-lt"/>
+                <a:ea typeface="+mn-ea"/>
+                <a:cs typeface="+mn-cs"/>
+              </a:defRPr>
+            </a:lvl8pPr>
+            <a:lvl9pPr marL="3657600" algn="l" defTabSz="914400" rtl="0" eaLnBrk="1" latinLnBrk="0" hangingPunct="1">
+              <a:defRPr sz="1800" kern="1200">
+                <a:solidFill>
+                  <a:schemeClr val="lt1"/>
+                </a:solidFill>
+                <a:latin typeface="+mn-lt"/>
+                <a:ea typeface="+mn-ea"/>
+                <a:cs typeface="+mn-cs"/>
+              </a:defRPr>
+            </a:lvl9pPr>
+          </a:lstStyle>
+          <a:p>
+            <a:pPr algn="ctr"/>
+            <a:endParaRPr lang="en-US" dirty="0"/>
+          </a:p>
+        </p:txBody>
+      </p:sp>
+      <p:sp>
+        <p:nvSpPr>
+          <p:cNvPr id="15" name="Left-Right Arrow 9">
+            <a:extLst>
+              <a:ext uri="{FF2B5EF4-FFF2-40B4-BE49-F238E27FC236}">
+                <a16:creationId xmlns:a16="http://schemas.microsoft.com/office/drawing/2014/main" id="{E982ADAE-D23D-1F47-9768-0B4067F5FAC0}"/>
+              </a:ext>
+            </a:extLst>
+          </p:cNvPr>
+          <p:cNvSpPr/>
+          <p:nvPr/>
+        </p:nvSpPr>
+        <p:spPr>
+          <a:xfrm>
+            <a:off x="4451497" y="2132811"/>
+            <a:ext cx="3437914" cy="1290390"/>
+          </a:xfrm>
+          <a:prstGeom prst="leftRightArrow">
+            <a:avLst/>
+          </a:prstGeom>
+        </p:spPr>
+        <p:style>
+          <a:lnRef idx="2">
+            <a:schemeClr val="accent1">
+              <a:shade val="50000"/>
+            </a:schemeClr>
+          </a:lnRef>
+          <a:fillRef idx="1">
+            <a:schemeClr val="accent1"/>
+          </a:fillRef>
+          <a:effectRef idx="0">
+            <a:schemeClr val="accent1"/>
+          </a:effectRef>
+          <a:fontRef idx="minor">
+            <a:schemeClr val="lt1"/>
+          </a:fontRef>
+        </p:style>
+        <p:txBody>
+          <a:bodyPr rtlCol="0" anchor="ctr"/>
+          <a:lstStyle>
+            <a:defPPr>
+              <a:defRPr lang="en-US"/>
+            </a:defPPr>
+            <a:lvl1pPr marL="0" algn="l" defTabSz="914400" rtl="0" eaLnBrk="1" latinLnBrk="0" hangingPunct="1">
+              <a:defRPr sz="1800" kern="1200">
+                <a:solidFill>
+                  <a:schemeClr val="lt1"/>
+                </a:solidFill>
+                <a:latin typeface="+mn-lt"/>
+                <a:ea typeface="+mn-ea"/>
+                <a:cs typeface="+mn-cs"/>
+              </a:defRPr>
+            </a:lvl1pPr>
+            <a:lvl2pPr marL="457200" algn="l" defTabSz="914400" rtl="0" eaLnBrk="1" latinLnBrk="0" hangingPunct="1">
+              <a:defRPr sz="1800" kern="1200">
+                <a:solidFill>
+                  <a:schemeClr val="lt1"/>
+                </a:solidFill>
+                <a:latin typeface="+mn-lt"/>
+                <a:ea typeface="+mn-ea"/>
+                <a:cs typeface="+mn-cs"/>
+              </a:defRPr>
+            </a:lvl2pPr>
+            <a:lvl3pPr marL="914400" algn="l" defTabSz="914400" rtl="0" eaLnBrk="1" latinLnBrk="0" hangingPunct="1">
+              <a:defRPr sz="1800" kern="1200">
+                <a:solidFill>
+                  <a:schemeClr val="lt1"/>
+                </a:solidFill>
+                <a:latin typeface="+mn-lt"/>
+                <a:ea typeface="+mn-ea"/>
+                <a:cs typeface="+mn-cs"/>
+              </a:defRPr>
+            </a:lvl3pPr>
+            <a:lvl4pPr marL="1371600" algn="l" defTabSz="914400" rtl="0" eaLnBrk="1" latinLnBrk="0" hangingPunct="1">
+              <a:defRPr sz="1800" kern="1200">
+                <a:solidFill>
+                  <a:schemeClr val="lt1"/>
+                </a:solidFill>
+                <a:latin typeface="+mn-lt"/>
+                <a:ea typeface="+mn-ea"/>
+                <a:cs typeface="+mn-cs"/>
+              </a:defRPr>
+            </a:lvl4pPr>
+            <a:lvl5pPr marL="1828800" algn="l" defTabSz="914400" rtl="0" eaLnBrk="1" latinLnBrk="0" hangingPunct="1">
+              <a:defRPr sz="1800" kern="1200">
+                <a:solidFill>
+                  <a:schemeClr val="lt1"/>
+                </a:solidFill>
+                <a:latin typeface="+mn-lt"/>
+                <a:ea typeface="+mn-ea"/>
+                <a:cs typeface="+mn-cs"/>
+              </a:defRPr>
+            </a:lvl5pPr>
+            <a:lvl6pPr marL="2286000" algn="l" defTabSz="914400" rtl="0" eaLnBrk="1" latinLnBrk="0" hangingPunct="1">
+              <a:defRPr sz="1800" kern="1200">
+                <a:solidFill>
+                  <a:schemeClr val="lt1"/>
+                </a:solidFill>
+                <a:latin typeface="+mn-lt"/>
+                <a:ea typeface="+mn-ea"/>
+                <a:cs typeface="+mn-cs"/>
+              </a:defRPr>
+            </a:lvl6pPr>
+            <a:lvl7pPr marL="2743200" algn="l" defTabSz="914400" rtl="0" eaLnBrk="1" latinLnBrk="0" hangingPunct="1">
+              <a:defRPr sz="1800" kern="1200">
+                <a:solidFill>
+                  <a:schemeClr val="lt1"/>
+                </a:solidFill>
+                <a:latin typeface="+mn-lt"/>
+                <a:ea typeface="+mn-ea"/>
+                <a:cs typeface="+mn-cs"/>
+              </a:defRPr>
+            </a:lvl7pPr>
+            <a:lvl8pPr marL="3200400" algn="l" defTabSz="914400" rtl="0" eaLnBrk="1" latinLnBrk="0" hangingPunct="1">
+              <a:defRPr sz="1800" kern="1200">
+                <a:solidFill>
+                  <a:schemeClr val="lt1"/>
+                </a:solidFill>
+                <a:latin typeface="+mn-lt"/>
+                <a:ea typeface="+mn-ea"/>
+                <a:cs typeface="+mn-cs"/>
+              </a:defRPr>
+            </a:lvl8pPr>
+            <a:lvl9pPr marL="3657600" algn="l" defTabSz="914400" rtl="0" eaLnBrk="1" latinLnBrk="0" hangingPunct="1">
+              <a:defRPr sz="1800" kern="1200">
+                <a:solidFill>
+                  <a:schemeClr val="lt1"/>
+                </a:solidFill>
+                <a:latin typeface="+mn-lt"/>
+                <a:ea typeface="+mn-ea"/>
+                <a:cs typeface="+mn-cs"/>
+              </a:defRPr>
+            </a:lvl9pPr>
+          </a:lstStyle>
+          <a:p>
+            <a:pPr algn="ctr"/>
+            <a:r>
+              <a:rPr lang="en-US" sz="2800" dirty="0" err="1"/>
+              <a:t>PySpark</a:t>
+            </a:r>
+            <a:endParaRPr lang="en-US" sz="2800" dirty="0"/>
+          </a:p>
+        </p:txBody>
+      </p:sp>
+      <p:pic>
+        <p:nvPicPr>
+          <p:cNvPr id="16" name="Picture 15">
+            <a:extLst>
+              <a:ext uri="{FF2B5EF4-FFF2-40B4-BE49-F238E27FC236}">
+                <a16:creationId xmlns:a16="http://schemas.microsoft.com/office/drawing/2014/main" id="{765E2A9C-9048-EE46-B6B5-5E89323DD22F}"/>
+              </a:ext>
+            </a:extLst>
+          </p:cNvPr>
+          <p:cNvPicPr>
+            <a:picLocks noChangeAspect="1"/>
+          </p:cNvPicPr>
+          <p:nvPr/>
+        </p:nvPicPr>
+        <p:blipFill>
+          <a:blip r:embed="rId5"/>
+          <a:stretch>
+            <a:fillRect/>
+          </a:stretch>
+        </p:blipFill>
+        <p:spPr>
+          <a:xfrm>
+            <a:off x="8288855" y="1997974"/>
+            <a:ext cx="1985073" cy="1335413"/>
+          </a:xfrm>
+          <a:prstGeom prst="rect">
+            <a:avLst/>
+          </a:prstGeom>
+        </p:spPr>
+      </p:pic>
+      <p:sp>
+        <p:nvSpPr>
+          <p:cNvPr id="17" name="Left-Right Arrow 10">
+            <a:extLst>
+              <a:ext uri="{FF2B5EF4-FFF2-40B4-BE49-F238E27FC236}">
+                <a16:creationId xmlns:a16="http://schemas.microsoft.com/office/drawing/2014/main" id="{16BF52ED-1320-DD49-9584-5A284E32953D}"/>
+              </a:ext>
+            </a:extLst>
+          </p:cNvPr>
+          <p:cNvSpPr/>
+          <p:nvPr/>
+        </p:nvSpPr>
+        <p:spPr>
+          <a:xfrm rot="18734310">
+            <a:off x="7425950" y="3811924"/>
+            <a:ext cx="1790334" cy="619711"/>
+          </a:xfrm>
+          <a:prstGeom prst="leftRightArrow">
+            <a:avLst/>
+          </a:prstGeom>
+        </p:spPr>
+        <p:style>
+          <a:lnRef idx="2">
+            <a:schemeClr val="accent1">
+              <a:shade val="50000"/>
+            </a:schemeClr>
+          </a:lnRef>
+          <a:fillRef idx="1">
+            <a:schemeClr val="accent1"/>
+          </a:fillRef>
+          <a:effectRef idx="0">
+            <a:schemeClr val="accent1"/>
+          </a:effectRef>
+          <a:fontRef idx="minor">
+            <a:schemeClr val="lt1"/>
+          </a:fontRef>
+        </p:style>
+        <p:txBody>
+          <a:bodyPr rtlCol="0" anchor="ctr"/>
+          <a:lstStyle>
+            <a:defPPr>
+              <a:defRPr lang="en-US"/>
+            </a:defPPr>
+            <a:lvl1pPr marL="0" algn="l" defTabSz="914400" rtl="0" eaLnBrk="1" latinLnBrk="0" hangingPunct="1">
+              <a:defRPr sz="1800" kern="1200">
+                <a:solidFill>
+                  <a:schemeClr val="lt1"/>
+                </a:solidFill>
+                <a:latin typeface="+mn-lt"/>
+                <a:ea typeface="+mn-ea"/>
+                <a:cs typeface="+mn-cs"/>
+              </a:defRPr>
+            </a:lvl1pPr>
+            <a:lvl2pPr marL="457200" algn="l" defTabSz="914400" rtl="0" eaLnBrk="1" latinLnBrk="0" hangingPunct="1">
+              <a:defRPr sz="1800" kern="1200">
+                <a:solidFill>
+                  <a:schemeClr val="lt1"/>
+                </a:solidFill>
+                <a:latin typeface="+mn-lt"/>
+                <a:ea typeface="+mn-ea"/>
+                <a:cs typeface="+mn-cs"/>
+              </a:defRPr>
+            </a:lvl2pPr>
+            <a:lvl3pPr marL="914400" algn="l" defTabSz="914400" rtl="0" eaLnBrk="1" latinLnBrk="0" hangingPunct="1">
+              <a:defRPr sz="1800" kern="1200">
+                <a:solidFill>
+                  <a:schemeClr val="lt1"/>
+                </a:solidFill>
+                <a:latin typeface="+mn-lt"/>
+                <a:ea typeface="+mn-ea"/>
+                <a:cs typeface="+mn-cs"/>
+              </a:defRPr>
+            </a:lvl3pPr>
+            <a:lvl4pPr marL="1371600" algn="l" defTabSz="914400" rtl="0" eaLnBrk="1" latinLnBrk="0" hangingPunct="1">
+              <a:defRPr sz="1800" kern="1200">
+                <a:solidFill>
+                  <a:schemeClr val="lt1"/>
+                </a:solidFill>
+                <a:latin typeface="+mn-lt"/>
+                <a:ea typeface="+mn-ea"/>
+                <a:cs typeface="+mn-cs"/>
+              </a:defRPr>
+            </a:lvl4pPr>
+            <a:lvl5pPr marL="1828800" algn="l" defTabSz="914400" rtl="0" eaLnBrk="1" latinLnBrk="0" hangingPunct="1">
+              <a:defRPr sz="1800" kern="1200">
+                <a:solidFill>
+                  <a:schemeClr val="lt1"/>
+                </a:solidFill>
+                <a:latin typeface="+mn-lt"/>
+                <a:ea typeface="+mn-ea"/>
+                <a:cs typeface="+mn-cs"/>
+              </a:defRPr>
+            </a:lvl5pPr>
+            <a:lvl6pPr marL="2286000" algn="l" defTabSz="914400" rtl="0" eaLnBrk="1" latinLnBrk="0" hangingPunct="1">
+              <a:defRPr sz="1800" kern="1200">
+                <a:solidFill>
+                  <a:schemeClr val="lt1"/>
+                </a:solidFill>
+                <a:latin typeface="+mn-lt"/>
+                <a:ea typeface="+mn-ea"/>
+                <a:cs typeface="+mn-cs"/>
+              </a:defRPr>
+            </a:lvl6pPr>
+            <a:lvl7pPr marL="2743200" algn="l" defTabSz="914400" rtl="0" eaLnBrk="1" latinLnBrk="0" hangingPunct="1">
+              <a:defRPr sz="1800" kern="1200">
+                <a:solidFill>
+                  <a:schemeClr val="lt1"/>
+                </a:solidFill>
+                <a:latin typeface="+mn-lt"/>
+                <a:ea typeface="+mn-ea"/>
+                <a:cs typeface="+mn-cs"/>
+              </a:defRPr>
+            </a:lvl7pPr>
+            <a:lvl8pPr marL="3200400" algn="l" defTabSz="914400" rtl="0" eaLnBrk="1" latinLnBrk="0" hangingPunct="1">
+              <a:defRPr sz="1800" kern="1200">
+                <a:solidFill>
+                  <a:schemeClr val="lt1"/>
+                </a:solidFill>
+                <a:latin typeface="+mn-lt"/>
+                <a:ea typeface="+mn-ea"/>
+                <a:cs typeface="+mn-cs"/>
+              </a:defRPr>
+            </a:lvl8pPr>
+            <a:lvl9pPr marL="3657600" algn="l" defTabSz="914400" rtl="0" eaLnBrk="1" latinLnBrk="0" hangingPunct="1">
+              <a:defRPr sz="1800" kern="1200">
+                <a:solidFill>
+                  <a:schemeClr val="lt1"/>
+                </a:solidFill>
+                <a:latin typeface="+mn-lt"/>
+                <a:ea typeface="+mn-ea"/>
+                <a:cs typeface="+mn-cs"/>
+              </a:defRPr>
+            </a:lvl9pPr>
+          </a:lstStyle>
+          <a:p>
+            <a:pPr algn="ctr"/>
+            <a:r>
+              <a:rPr lang="en-US" dirty="0"/>
+              <a:t>PostgreSQL</a:t>
+            </a:r>
+          </a:p>
+        </p:txBody>
+      </p:sp>
+    </p:spTree>
+    <p:extLst>
+      <p:ext uri="{BB962C8B-B14F-4D97-AF65-F5344CB8AC3E}">
+        <p14:creationId xmlns:p14="http://schemas.microsoft.com/office/powerpoint/2010/main" val="779013617"/>
+      </p:ext>
+    </p:extLst>
+  </p:cSld>
+  <p:clrMapOvr>
+    <a:masterClrMapping/>
+  </p:clrMapOvr>
+</p:sld>
+</file>
+
+<file path=ppt/slides/slide15.xml><?xml version="1.0" encoding="utf-8"?>
+<p:sld xmlns:a="http://schemas.openxmlformats.org/drawingml/2006/main" xmlns:r="http://schemas.openxmlformats.org/officeDocument/2006/relationships" xmlns:p="http://schemas.openxmlformats.org/presentationml/2006/main">
+  <p:cSld>
+    <p:spTree>
+      <p:nvGrpSpPr>
+        <p:cNvPr id="1" name=""/>
+        <p:cNvGrpSpPr/>
+        <p:nvPr/>
+      </p:nvGrpSpPr>
+      <p:grpSpPr>
+        <a:xfrm>
+          <a:off x="0" y="0"/>
+          <a:ext cx="0" cy="0"/>
+          <a:chOff x="0" y="0"/>
+          <a:chExt cx="0" cy="0"/>
+        </a:xfrm>
+      </p:grpSpPr>
+      <p:sp>
+        <p:nvSpPr>
+          <p:cNvPr id="2" name="Title 1">
+            <a:extLst>
+              <a:ext uri="{FF2B5EF4-FFF2-40B4-BE49-F238E27FC236}">
+                <a16:creationId xmlns:a16="http://schemas.microsoft.com/office/drawing/2014/main" id="{F7DC5BDF-E508-41BE-A6C3-ACDF034BD933}"/>
+              </a:ext>
+            </a:extLst>
+          </p:cNvPr>
+          <p:cNvSpPr>
+            <a:spLocks noGrp="1"/>
+          </p:cNvSpPr>
+          <p:nvPr>
+            <p:ph type="title"/>
+          </p:nvPr>
+        </p:nvSpPr>
+        <p:spPr/>
+        <p:txBody>
+          <a:bodyPr/>
+          <a:lstStyle/>
+          <a:p>
+            <a:r>
+              <a:rPr lang="en-US" dirty="0"/>
+              <a:t>Application</a:t>
+            </a:r>
+          </a:p>
+        </p:txBody>
+      </p:sp>
+      <p:sp>
+        <p:nvSpPr>
+          <p:cNvPr id="4" name="Content Placeholder 2">
+            <a:extLst>
+              <a:ext uri="{FF2B5EF4-FFF2-40B4-BE49-F238E27FC236}">
+                <a16:creationId xmlns:a16="http://schemas.microsoft.com/office/drawing/2014/main" id="{9BF789BD-66CD-4AAC-8467-F2810492F6AE}"/>
+              </a:ext>
+            </a:extLst>
+          </p:cNvPr>
+          <p:cNvSpPr>
+            <a:spLocks noGrp="1"/>
+          </p:cNvSpPr>
+          <p:nvPr>
+            <p:ph idx="1"/>
+          </p:nvPr>
+        </p:nvSpPr>
+        <p:spPr>
+          <a:xfrm>
+            <a:off x="838200" y="1825625"/>
+            <a:ext cx="10515600" cy="4351338"/>
+          </a:xfrm>
+          <a:solidFill>
+            <a:schemeClr val="accent5">
+              <a:lumMod val="20000"/>
+              <a:lumOff val="80000"/>
+              <a:alpha val="70000"/>
+            </a:schemeClr>
+          </a:solidFill>
+        </p:spPr>
+        <p:txBody>
+          <a:bodyPr>
+            <a:normAutofit/>
+          </a:bodyPr>
+          <a:lstStyle/>
+          <a:p>
+            <a:r>
+              <a:rPr lang="en-US" sz="1800" dirty="0"/>
+              <a:t>Real-time Fraud Detection</a:t>
+            </a:r>
+          </a:p>
+          <a:p>
+            <a:endParaRPr lang="en-US" sz="1800" dirty="0"/>
+          </a:p>
+          <a:p>
+            <a:endParaRPr lang="en-US" sz="1800" dirty="0"/>
+          </a:p>
+          <a:p>
+            <a:endParaRPr lang="en-US" sz="1800" dirty="0"/>
+          </a:p>
+          <a:p>
+            <a:pPr marL="0" indent="0">
+              <a:buNone/>
+            </a:pPr>
+            <a:endParaRPr lang="en-US" sz="1800" dirty="0"/>
+          </a:p>
+          <a:p>
+            <a:pPr marL="0" indent="0">
+              <a:buNone/>
+            </a:pPr>
+            <a:endParaRPr lang="en-US" sz="1800" dirty="0"/>
+          </a:p>
+          <a:p>
+            <a:pPr marL="0" indent="0">
+              <a:buNone/>
+            </a:pPr>
+            <a:endParaRPr lang="en-US" sz="800" dirty="0"/>
+          </a:p>
+          <a:p>
+            <a:pPr marL="0" indent="0">
+              <a:buNone/>
+            </a:pPr>
+            <a:r>
+              <a:rPr lang="en-US" sz="800" dirty="0"/>
+              <a:t> </a:t>
+            </a:r>
+          </a:p>
+          <a:p>
+            <a:pPr marL="0" indent="0">
+              <a:buNone/>
+            </a:pPr>
+            <a:endParaRPr lang="en-US" sz="800" dirty="0"/>
+          </a:p>
+          <a:p>
+            <a:pPr marL="0" indent="0">
+              <a:buNone/>
+            </a:pPr>
+            <a:endParaRPr lang="en-US" sz="800" dirty="0"/>
+          </a:p>
+          <a:p>
+            <a:pPr marL="0" indent="0">
+              <a:buNone/>
+            </a:pPr>
+            <a:endParaRPr lang="en-US" sz="800" dirty="0"/>
+          </a:p>
+          <a:p>
+            <a:pPr marL="0" indent="0">
+              <a:buNone/>
+            </a:pPr>
+            <a:endParaRPr lang="en-US" sz="800" dirty="0"/>
+          </a:p>
+          <a:p>
+            <a:pPr marL="0" indent="0">
+              <a:buNone/>
+            </a:pPr>
+            <a:endParaRPr lang="en-US" sz="1800" dirty="0"/>
+          </a:p>
+          <a:p>
+            <a:pPr marL="0" indent="0">
+              <a:buNone/>
+            </a:pPr>
+            <a:r>
+              <a:rPr lang="en-US" sz="1600" dirty="0"/>
+              <a:t>*</a:t>
+            </a:r>
+            <a:r>
+              <a:rPr lang="en-US" sz="1200" dirty="0"/>
+              <a:t>workpaper: </a:t>
+            </a:r>
+            <a:r>
+              <a:rPr lang="en-US" sz="1200" dirty="0" err="1"/>
+              <a:t>recall_model.ipynb</a:t>
+            </a:r>
+            <a:endParaRPr lang="en-US" sz="1200" dirty="0"/>
+          </a:p>
+        </p:txBody>
+      </p:sp>
+      <p:sp>
+        <p:nvSpPr>
+          <p:cNvPr id="6" name="Rectangle: Rounded Corners 5">
+            <a:extLst>
+              <a:ext uri="{FF2B5EF4-FFF2-40B4-BE49-F238E27FC236}">
+                <a16:creationId xmlns:a16="http://schemas.microsoft.com/office/drawing/2014/main" id="{4E2A0D6B-AD9D-4685-8AD8-A6743382D3CA}"/>
+              </a:ext>
+            </a:extLst>
+          </p:cNvPr>
+          <p:cNvSpPr/>
+          <p:nvPr/>
+        </p:nvSpPr>
+        <p:spPr>
+          <a:xfrm>
+            <a:off x="1451727" y="2584350"/>
+            <a:ext cx="2279357" cy="2038525"/>
+          </a:xfrm>
+          <a:prstGeom prst="roundRect">
+            <a:avLst/>
+          </a:prstGeom>
+        </p:spPr>
+        <p:style>
+          <a:lnRef idx="2">
+            <a:schemeClr val="accent1">
+              <a:shade val="50000"/>
+            </a:schemeClr>
+          </a:lnRef>
+          <a:fillRef idx="1">
+            <a:schemeClr val="accent1"/>
+          </a:fillRef>
+          <a:effectRef idx="0">
+            <a:schemeClr val="accent1"/>
+          </a:effectRef>
+          <a:fontRef idx="minor">
+            <a:schemeClr val="lt1"/>
+          </a:fontRef>
+        </p:style>
+        <p:txBody>
+          <a:bodyPr rtlCol="0" anchor="ctr"/>
+          <a:lstStyle/>
+          <a:p>
+            <a:pPr algn="ctr"/>
+            <a:r>
+              <a:rPr lang="en-US" dirty="0"/>
+              <a:t>Transaction Data</a:t>
+            </a:r>
+          </a:p>
+        </p:txBody>
+      </p:sp>
+      <p:sp>
+        <p:nvSpPr>
+          <p:cNvPr id="8" name="Arrow: Right 7">
+            <a:extLst>
+              <a:ext uri="{FF2B5EF4-FFF2-40B4-BE49-F238E27FC236}">
+                <a16:creationId xmlns:a16="http://schemas.microsoft.com/office/drawing/2014/main" id="{3229C2B5-0DD9-4A54-AC2F-3B21A296A397}"/>
+              </a:ext>
+            </a:extLst>
+          </p:cNvPr>
+          <p:cNvSpPr/>
+          <p:nvPr/>
+        </p:nvSpPr>
+        <p:spPr>
+          <a:xfrm>
+            <a:off x="4063218" y="3296481"/>
+            <a:ext cx="620786" cy="553673"/>
+          </a:xfrm>
+          <a:prstGeom prst="rightArrow">
+            <a:avLst/>
+          </a:prstGeom>
+        </p:spPr>
+        <p:style>
+          <a:lnRef idx="2">
+            <a:schemeClr val="accent3">
+              <a:shade val="50000"/>
+            </a:schemeClr>
+          </a:lnRef>
+          <a:fillRef idx="1">
+            <a:schemeClr val="accent3"/>
+          </a:fillRef>
+          <a:effectRef idx="0">
+            <a:schemeClr val="accent3"/>
+          </a:effectRef>
+          <a:fontRef idx="minor">
+            <a:schemeClr val="lt1"/>
+          </a:fontRef>
+        </p:style>
+        <p:txBody>
+          <a:bodyPr rtlCol="0" anchor="ctr"/>
+          <a:lstStyle/>
+          <a:p>
+            <a:pPr algn="ctr"/>
+            <a:endParaRPr lang="en-US"/>
+          </a:p>
+        </p:txBody>
+      </p:sp>
+      <p:sp>
+        <p:nvSpPr>
+          <p:cNvPr id="10" name="Rectangle: Rounded Corners 9">
+            <a:extLst>
+              <a:ext uri="{FF2B5EF4-FFF2-40B4-BE49-F238E27FC236}">
+                <a16:creationId xmlns:a16="http://schemas.microsoft.com/office/drawing/2014/main" id="{B25F3CD4-9EAA-40FB-92AD-1A84CE7435E7}"/>
+              </a:ext>
+            </a:extLst>
+          </p:cNvPr>
+          <p:cNvSpPr/>
+          <p:nvPr/>
+        </p:nvSpPr>
+        <p:spPr>
+          <a:xfrm>
+            <a:off x="5016138" y="2584350"/>
+            <a:ext cx="2279357" cy="2038525"/>
+          </a:xfrm>
+          <a:prstGeom prst="roundRect">
+            <a:avLst/>
+          </a:prstGeom>
+        </p:spPr>
+        <p:style>
+          <a:lnRef idx="2">
+            <a:schemeClr val="accent1">
+              <a:shade val="50000"/>
+            </a:schemeClr>
+          </a:lnRef>
+          <a:fillRef idx="1">
+            <a:schemeClr val="accent1"/>
+          </a:fillRef>
+          <a:effectRef idx="0">
+            <a:schemeClr val="accent1"/>
+          </a:effectRef>
+          <a:fontRef idx="minor">
+            <a:schemeClr val="lt1"/>
+          </a:fontRef>
+        </p:style>
+        <p:txBody>
+          <a:bodyPr rtlCol="0" anchor="ctr"/>
+          <a:lstStyle/>
+          <a:p>
+            <a:pPr algn="ctr"/>
+            <a:r>
+              <a:rPr lang="en-US" dirty="0"/>
+              <a:t>Machine Learning Models*</a:t>
+            </a:r>
+          </a:p>
+        </p:txBody>
+      </p:sp>
+      <p:sp>
+        <p:nvSpPr>
+          <p:cNvPr id="12" name="Arrow: Right 11">
+            <a:extLst>
+              <a:ext uri="{FF2B5EF4-FFF2-40B4-BE49-F238E27FC236}">
+                <a16:creationId xmlns:a16="http://schemas.microsoft.com/office/drawing/2014/main" id="{B0D9BFDE-99CA-44D7-9232-17875F78CF79}"/>
+              </a:ext>
+            </a:extLst>
+          </p:cNvPr>
+          <p:cNvSpPr/>
+          <p:nvPr/>
+        </p:nvSpPr>
+        <p:spPr>
+          <a:xfrm>
+            <a:off x="7610937" y="3296481"/>
+            <a:ext cx="620786" cy="553673"/>
+          </a:xfrm>
+          <a:prstGeom prst="rightArrow">
+            <a:avLst/>
+          </a:prstGeom>
+        </p:spPr>
+        <p:style>
+          <a:lnRef idx="2">
+            <a:schemeClr val="accent3">
+              <a:shade val="50000"/>
+            </a:schemeClr>
+          </a:lnRef>
+          <a:fillRef idx="1">
+            <a:schemeClr val="accent3"/>
+          </a:fillRef>
+          <a:effectRef idx="0">
+            <a:schemeClr val="accent3"/>
+          </a:effectRef>
+          <a:fontRef idx="minor">
+            <a:schemeClr val="lt1"/>
+          </a:fontRef>
+        </p:style>
+        <p:txBody>
+          <a:bodyPr rtlCol="0" anchor="ctr"/>
+          <a:lstStyle/>
+          <a:p>
+            <a:pPr algn="ctr"/>
+            <a:endParaRPr lang="en-US"/>
+          </a:p>
+        </p:txBody>
+      </p:sp>
+      <p:sp>
+        <p:nvSpPr>
+          <p:cNvPr id="14" name="Rectangle: Rounded Corners 13">
+            <a:extLst>
+              <a:ext uri="{FF2B5EF4-FFF2-40B4-BE49-F238E27FC236}">
+                <a16:creationId xmlns:a16="http://schemas.microsoft.com/office/drawing/2014/main" id="{FFFCB91F-59DF-40F6-B096-87B329D9A000}"/>
+              </a:ext>
+            </a:extLst>
+          </p:cNvPr>
+          <p:cNvSpPr/>
+          <p:nvPr/>
+        </p:nvSpPr>
+        <p:spPr>
+          <a:xfrm>
+            <a:off x="8460918" y="2554056"/>
+            <a:ext cx="2279357" cy="2099111"/>
+          </a:xfrm>
+          <a:prstGeom prst="roundRect">
+            <a:avLst/>
+          </a:prstGeom>
+        </p:spPr>
+        <p:style>
+          <a:lnRef idx="2">
+            <a:schemeClr val="accent1">
+              <a:shade val="50000"/>
+            </a:schemeClr>
+          </a:lnRef>
+          <a:fillRef idx="1">
+            <a:schemeClr val="accent1"/>
+          </a:fillRef>
+          <a:effectRef idx="0">
+            <a:schemeClr val="accent1"/>
+          </a:effectRef>
+          <a:fontRef idx="minor">
+            <a:schemeClr val="lt1"/>
+          </a:fontRef>
+        </p:style>
+        <p:txBody>
+          <a:bodyPr rtlCol="0" anchor="ctr"/>
+          <a:lstStyle/>
+          <a:p>
+            <a:pPr algn="ctr"/>
+            <a:r>
+              <a:rPr lang="en-US" dirty="0"/>
+              <a:t>Alert</a:t>
+            </a:r>
+          </a:p>
+        </p:txBody>
+      </p:sp>
+    </p:spTree>
+    <p:extLst>
+      <p:ext uri="{BB962C8B-B14F-4D97-AF65-F5344CB8AC3E}">
+        <p14:creationId xmlns:p14="http://schemas.microsoft.com/office/powerpoint/2010/main" val="957222120"/>
+      </p:ext>
+    </p:extLst>
+  </p:cSld>
+  <p:clrMapOvr>
+    <a:masterClrMapping/>
+  </p:clrMapOvr>
+</p:sld>
+</file>
+
+<file path=ppt/slides/slide16.xml><?xml version="1.0" encoding="utf-8"?>
+<p:sld xmlns:a="http://schemas.openxmlformats.org/drawingml/2006/main" xmlns:r="http://schemas.openxmlformats.org/officeDocument/2006/relationships" xmlns:p="http://schemas.openxmlformats.org/presentationml/2006/main">
+  <p:cSld>
+    <p:spTree>
+      <p:nvGrpSpPr>
+        <p:cNvPr id="1" name=""/>
+        <p:cNvGrpSpPr/>
+        <p:nvPr/>
+      </p:nvGrpSpPr>
+      <p:grpSpPr>
+        <a:xfrm>
+          <a:off x="0" y="0"/>
+          <a:ext cx="0" cy="0"/>
+          <a:chOff x="0" y="0"/>
+          <a:chExt cx="0" cy="0"/>
+        </a:xfrm>
+      </p:grpSpPr>
+      <p:sp>
+        <p:nvSpPr>
+          <p:cNvPr id="2" name="Title 1">
+            <a:extLst>
+              <a:ext uri="{FF2B5EF4-FFF2-40B4-BE49-F238E27FC236}">
+                <a16:creationId xmlns:a16="http://schemas.microsoft.com/office/drawing/2014/main" id="{F7DC5BDF-E508-41BE-A6C3-ACDF034BD933}"/>
+              </a:ext>
+            </a:extLst>
+          </p:cNvPr>
+          <p:cNvSpPr>
+            <a:spLocks noGrp="1"/>
+          </p:cNvSpPr>
+          <p:nvPr>
+            <p:ph type="title"/>
+          </p:nvPr>
+        </p:nvSpPr>
+        <p:spPr/>
+        <p:txBody>
+          <a:bodyPr/>
+          <a:lstStyle/>
+          <a:p>
+            <a:r>
+              <a:rPr lang="en-US" dirty="0"/>
+              <a:t>Overnight Re-ETL and Re-Train</a:t>
+            </a:r>
+          </a:p>
+        </p:txBody>
+      </p:sp>
+      <p:sp>
+        <p:nvSpPr>
+          <p:cNvPr id="9" name="Content Placeholder 2">
+            <a:extLst>
+              <a:ext uri="{FF2B5EF4-FFF2-40B4-BE49-F238E27FC236}">
+                <a16:creationId xmlns:a16="http://schemas.microsoft.com/office/drawing/2014/main" id="{454D02A6-8794-46F8-A7E3-427012A801A9}"/>
+              </a:ext>
+            </a:extLst>
+          </p:cNvPr>
+          <p:cNvSpPr txBox="1">
+            <a:spLocks/>
+          </p:cNvSpPr>
+          <p:nvPr/>
+        </p:nvSpPr>
+        <p:spPr>
+          <a:xfrm>
+            <a:off x="838200" y="1690688"/>
+            <a:ext cx="10515600" cy="4351338"/>
+          </a:xfrm>
+          <a:prstGeom prst="rect">
+            <a:avLst/>
+          </a:prstGeom>
+          <a:solidFill>
+            <a:schemeClr val="accent5">
+              <a:lumMod val="20000"/>
+              <a:lumOff val="80000"/>
+              <a:alpha val="70000"/>
+            </a:schemeClr>
+          </a:solidFill>
+        </p:spPr>
+        <p:txBody>
+          <a:bodyPr vert="horz" lIns="91440" tIns="45720" rIns="91440" bIns="45720" rtlCol="0">
+            <a:normAutofit lnSpcReduction="10000"/>
+          </a:bodyPr>
+          <a:lstStyle>
+            <a:lvl1pPr marL="228600" indent="-228600" algn="l" defTabSz="914400" rtl="0" eaLnBrk="1" latinLnBrk="0" hangingPunct="1">
+              <a:lnSpc>
+                <a:spcPct val="90000"/>
+              </a:lnSpc>
+              <a:spcBef>
+                <a:spcPts val="1000"/>
+              </a:spcBef>
+              <a:buFont typeface="Arial" panose="020B0604020202020204" pitchFamily="34" charset="0"/>
+              <a:buChar char="•"/>
+              <a:defRPr sz="2800" kern="1200">
+                <a:solidFill>
+                  <a:schemeClr val="tx1"/>
+                </a:solidFill>
+                <a:latin typeface="+mn-lt"/>
+                <a:ea typeface="+mn-ea"/>
+                <a:cs typeface="+mn-cs"/>
+              </a:defRPr>
+            </a:lvl1pPr>
+            <a:lvl2pPr marL="685800" indent="-228600" algn="l" defTabSz="914400" rtl="0" eaLnBrk="1" latinLnBrk="0" hangingPunct="1">
+              <a:lnSpc>
+                <a:spcPct val="90000"/>
+              </a:lnSpc>
+              <a:spcBef>
+                <a:spcPts val="500"/>
+              </a:spcBef>
+              <a:buFont typeface="Arial" panose="020B0604020202020204" pitchFamily="34" charset="0"/>
+              <a:buChar char="•"/>
+              <a:defRPr sz="2400" kern="1200">
+                <a:solidFill>
+                  <a:schemeClr val="tx1"/>
+                </a:solidFill>
+                <a:latin typeface="+mn-lt"/>
+                <a:ea typeface="+mn-ea"/>
+                <a:cs typeface="+mn-cs"/>
+              </a:defRPr>
+            </a:lvl2pPr>
+            <a:lvl3pPr marL="1143000" indent="-228600" algn="l" defTabSz="914400" rtl="0" eaLnBrk="1" latinLnBrk="0" hangingPunct="1">
+              <a:lnSpc>
+                <a:spcPct val="90000"/>
+              </a:lnSpc>
+              <a:spcBef>
+                <a:spcPts val="500"/>
+              </a:spcBef>
+              <a:buFont typeface="Arial" panose="020B0604020202020204" pitchFamily="34" charset="0"/>
+              <a:buChar char="•"/>
+              <a:defRPr sz="2000" kern="1200">
+                <a:solidFill>
+                  <a:schemeClr val="tx1"/>
+                </a:solidFill>
+                <a:latin typeface="+mn-lt"/>
+                <a:ea typeface="+mn-ea"/>
+                <a:cs typeface="+mn-cs"/>
+              </a:defRPr>
+            </a:lvl3pPr>
+            <a:lvl4pPr marL="1600200" indent="-228600" algn="l" defTabSz="914400" rtl="0" eaLnBrk="1" latinLnBrk="0" hangingPunct="1">
+              <a:lnSpc>
+                <a:spcPct val="90000"/>
+              </a:lnSpc>
+              <a:spcBef>
+                <a:spcPts val="500"/>
+              </a:spcBef>
+              <a:buFont typeface="Arial" panose="020B0604020202020204" pitchFamily="34" charset="0"/>
+              <a:buChar char="•"/>
+              <a:defRPr sz="1800" kern="1200">
+                <a:solidFill>
+                  <a:schemeClr val="tx1"/>
+                </a:solidFill>
+                <a:latin typeface="+mn-lt"/>
+                <a:ea typeface="+mn-ea"/>
+                <a:cs typeface="+mn-cs"/>
+              </a:defRPr>
+            </a:lvl4pPr>
+            <a:lvl5pPr marL="2057400" indent="-228600" algn="l" defTabSz="914400" rtl="0" eaLnBrk="1" latinLnBrk="0" hangingPunct="1">
+              <a:lnSpc>
+                <a:spcPct val="90000"/>
+              </a:lnSpc>
+              <a:spcBef>
+                <a:spcPts val="500"/>
+              </a:spcBef>
+              <a:buFont typeface="Arial" panose="020B0604020202020204" pitchFamily="34" charset="0"/>
+              <a:buChar char="•"/>
+              <a:defRPr sz="1800" kern="1200">
+                <a:solidFill>
+                  <a:schemeClr val="tx1"/>
+                </a:solidFill>
+                <a:latin typeface="+mn-lt"/>
+                <a:ea typeface="+mn-ea"/>
+                <a:cs typeface="+mn-cs"/>
+              </a:defRPr>
+            </a:lvl5pPr>
+            <a:lvl6pPr marL="2514600" indent="-228600" algn="l" defTabSz="914400" rtl="0" eaLnBrk="1" latinLnBrk="0" hangingPunct="1">
+              <a:lnSpc>
+                <a:spcPct val="90000"/>
+              </a:lnSpc>
+              <a:spcBef>
+                <a:spcPts val="500"/>
+              </a:spcBef>
+              <a:buFont typeface="Arial" panose="020B0604020202020204" pitchFamily="34" charset="0"/>
+              <a:buChar char="•"/>
+              <a:defRPr sz="1800" kern="1200">
+                <a:solidFill>
+                  <a:schemeClr val="tx1"/>
+                </a:solidFill>
+                <a:latin typeface="+mn-lt"/>
+                <a:ea typeface="+mn-ea"/>
+                <a:cs typeface="+mn-cs"/>
+              </a:defRPr>
+            </a:lvl6pPr>
+            <a:lvl7pPr marL="2971800" indent="-228600" algn="l" defTabSz="914400" rtl="0" eaLnBrk="1" latinLnBrk="0" hangingPunct="1">
+              <a:lnSpc>
+                <a:spcPct val="90000"/>
+              </a:lnSpc>
+              <a:spcBef>
+                <a:spcPts val="500"/>
+              </a:spcBef>
+              <a:buFont typeface="Arial" panose="020B0604020202020204" pitchFamily="34" charset="0"/>
+              <a:buChar char="•"/>
+              <a:defRPr sz="1800" kern="1200">
+                <a:solidFill>
+                  <a:schemeClr val="tx1"/>
+                </a:solidFill>
+                <a:latin typeface="+mn-lt"/>
+                <a:ea typeface="+mn-ea"/>
+                <a:cs typeface="+mn-cs"/>
+              </a:defRPr>
+            </a:lvl7pPr>
+            <a:lvl8pPr marL="3429000" indent="-228600" algn="l" defTabSz="914400" rtl="0" eaLnBrk="1" latinLnBrk="0" hangingPunct="1">
+              <a:lnSpc>
+                <a:spcPct val="90000"/>
+              </a:lnSpc>
+              <a:spcBef>
+                <a:spcPts val="500"/>
+              </a:spcBef>
+              <a:buFont typeface="Arial" panose="020B0604020202020204" pitchFamily="34" charset="0"/>
+              <a:buChar char="•"/>
+              <a:defRPr sz="1800" kern="1200">
+                <a:solidFill>
+                  <a:schemeClr val="tx1"/>
+                </a:solidFill>
+                <a:latin typeface="+mn-lt"/>
+                <a:ea typeface="+mn-ea"/>
+                <a:cs typeface="+mn-cs"/>
+              </a:defRPr>
+            </a:lvl8pPr>
+            <a:lvl9pPr marL="3886200" indent="-228600" algn="l" defTabSz="914400" rtl="0" eaLnBrk="1" latinLnBrk="0" hangingPunct="1">
+              <a:lnSpc>
+                <a:spcPct val="90000"/>
+              </a:lnSpc>
+              <a:spcBef>
+                <a:spcPts val="500"/>
+              </a:spcBef>
+              <a:buFont typeface="Arial" panose="020B0604020202020204" pitchFamily="34" charset="0"/>
+              <a:buChar char="•"/>
+              <a:defRPr sz="1800" kern="1200">
+                <a:solidFill>
+                  <a:schemeClr val="tx1"/>
+                </a:solidFill>
+                <a:latin typeface="+mn-lt"/>
+                <a:ea typeface="+mn-ea"/>
+                <a:cs typeface="+mn-cs"/>
+              </a:defRPr>
+            </a:lvl9pPr>
+          </a:lstStyle>
+          <a:p>
+            <a:endParaRPr lang="en-US" dirty="0"/>
+          </a:p>
+          <a:p>
+            <a:endParaRPr lang="en-US" dirty="0"/>
+          </a:p>
+          <a:p>
+            <a:endParaRPr lang="en-US" dirty="0"/>
+          </a:p>
+          <a:p>
+            <a:endParaRPr lang="en-US" dirty="0"/>
+          </a:p>
+          <a:p>
+            <a:endParaRPr lang="en-US" dirty="0"/>
+          </a:p>
+          <a:p>
+            <a:endParaRPr lang="en-US" dirty="0"/>
+          </a:p>
+          <a:p>
+            <a:pPr marL="0" indent="0">
+              <a:buFont typeface="Arial" panose="020B0604020202020204" pitchFamily="34" charset="0"/>
+              <a:buNone/>
+            </a:pPr>
+            <a:r>
+              <a:rPr lang="en-US" dirty="0"/>
+              <a:t>               Task Scheduler                                   re-ETL and re-Train</a:t>
+            </a:r>
+          </a:p>
+          <a:p>
+            <a:pPr marL="0" indent="0">
+              <a:buFont typeface="Arial" panose="020B0604020202020204" pitchFamily="34" charset="0"/>
+              <a:buNone/>
+            </a:pPr>
+            <a:endParaRPr lang="en-US" sz="1200" dirty="0"/>
+          </a:p>
+          <a:p>
+            <a:pPr marL="0" indent="0">
+              <a:buFont typeface="Arial" panose="020B0604020202020204" pitchFamily="34" charset="0"/>
+              <a:buNone/>
+            </a:pPr>
+            <a:endParaRPr lang="en-US" sz="1200" dirty="0"/>
+          </a:p>
+          <a:p>
+            <a:pPr marL="0" indent="0">
+              <a:buFont typeface="Arial" panose="020B0604020202020204" pitchFamily="34" charset="0"/>
+              <a:buNone/>
+            </a:pPr>
+            <a:endParaRPr lang="en-US" sz="1200" dirty="0"/>
+          </a:p>
+          <a:p>
+            <a:pPr marL="0" indent="0">
+              <a:buFont typeface="Arial" panose="020B0604020202020204" pitchFamily="34" charset="0"/>
+              <a:buNone/>
+            </a:pPr>
+            <a:r>
+              <a:rPr lang="en-US" sz="1200" dirty="0"/>
+              <a:t>*workpaper: overnight_process.py</a:t>
+            </a:r>
+          </a:p>
+        </p:txBody>
+      </p:sp>
+      <p:pic>
+        <p:nvPicPr>
+          <p:cNvPr id="7" name="Picture 6">
+            <a:extLst>
+              <a:ext uri="{FF2B5EF4-FFF2-40B4-BE49-F238E27FC236}">
+                <a16:creationId xmlns:a16="http://schemas.microsoft.com/office/drawing/2014/main" id="{DC9727C8-C6EF-4855-B0D9-56A1DFE1B205}"/>
+              </a:ext>
+            </a:extLst>
+          </p:cNvPr>
+          <p:cNvPicPr>
+            <a:picLocks noChangeAspect="1"/>
+          </p:cNvPicPr>
+          <p:nvPr/>
+        </p:nvPicPr>
+        <p:blipFill>
+          <a:blip r:embed="rId3"/>
+          <a:stretch>
+            <a:fillRect/>
+          </a:stretch>
+        </p:blipFill>
+        <p:spPr>
+          <a:xfrm>
+            <a:off x="2280138" y="2438400"/>
+            <a:ext cx="1981200" cy="1981200"/>
+          </a:xfrm>
+          <a:prstGeom prst="rect">
+            <a:avLst/>
+          </a:prstGeom>
+        </p:spPr>
+      </p:pic>
+      <p:pic>
+        <p:nvPicPr>
+          <p:cNvPr id="11" name="Picture 10">
+            <a:extLst>
+              <a:ext uri="{FF2B5EF4-FFF2-40B4-BE49-F238E27FC236}">
+                <a16:creationId xmlns:a16="http://schemas.microsoft.com/office/drawing/2014/main" id="{FD0ED48A-ACEE-4D54-8BA0-DC27F2210B4F}"/>
+              </a:ext>
+            </a:extLst>
+          </p:cNvPr>
+          <p:cNvPicPr>
+            <a:picLocks noChangeAspect="1"/>
+          </p:cNvPicPr>
+          <p:nvPr/>
+        </p:nvPicPr>
+        <p:blipFill>
+          <a:blip r:embed="rId4"/>
+          <a:stretch>
+            <a:fillRect/>
+          </a:stretch>
+        </p:blipFill>
+        <p:spPr>
+          <a:xfrm>
+            <a:off x="7292477" y="2324100"/>
+            <a:ext cx="2181225" cy="2095500"/>
+          </a:xfrm>
+          <a:prstGeom prst="rect">
+            <a:avLst/>
+          </a:prstGeom>
+        </p:spPr>
+      </p:pic>
+      <p:sp>
+        <p:nvSpPr>
+          <p:cNvPr id="17" name="Arrow: Right 16">
+            <a:extLst>
+              <a:ext uri="{FF2B5EF4-FFF2-40B4-BE49-F238E27FC236}">
+                <a16:creationId xmlns:a16="http://schemas.microsoft.com/office/drawing/2014/main" id="{4BF4A607-B9A6-4F29-AA21-D0A3FEC4C0E8}"/>
+              </a:ext>
+            </a:extLst>
+          </p:cNvPr>
+          <p:cNvSpPr/>
+          <p:nvPr/>
+        </p:nvSpPr>
+        <p:spPr>
+          <a:xfrm>
+            <a:off x="5164014" y="3083168"/>
+            <a:ext cx="1078523" cy="949569"/>
+          </a:xfrm>
+          <a:prstGeom prst="rightArrow">
+            <a:avLst/>
+          </a:prstGeom>
+        </p:spPr>
+        <p:style>
+          <a:lnRef idx="2">
+            <a:schemeClr val="accent3">
+              <a:shade val="50000"/>
+            </a:schemeClr>
+          </a:lnRef>
+          <a:fillRef idx="1">
+            <a:schemeClr val="accent3"/>
+          </a:fillRef>
+          <a:effectRef idx="0">
+            <a:schemeClr val="accent3"/>
+          </a:effectRef>
+          <a:fontRef idx="minor">
+            <a:schemeClr val="lt1"/>
+          </a:fontRef>
+        </p:style>
+        <p:txBody>
+          <a:bodyPr rtlCol="0" anchor="ctr"/>
+          <a:lstStyle/>
+          <a:p>
+            <a:pPr algn="ctr"/>
+            <a:endParaRPr lang="en-US"/>
+          </a:p>
+        </p:txBody>
+      </p:sp>
+    </p:spTree>
+    <p:extLst>
+      <p:ext uri="{BB962C8B-B14F-4D97-AF65-F5344CB8AC3E}">
+        <p14:creationId xmlns:p14="http://schemas.microsoft.com/office/powerpoint/2010/main" val="2877315877"/>
+      </p:ext>
+    </p:extLst>
+  </p:cSld>
+  <p:clrMapOvr>
+    <a:masterClrMapping/>
+  </p:clrMapOvr>
+</p:sld>
+</file>
+
+<file path=ppt/slides/slide17.xml><?xml version="1.0" encoding="utf-8"?>
+<p:sld xmlns:a="http://schemas.openxmlformats.org/drawingml/2006/main" xmlns:r="http://schemas.openxmlformats.org/officeDocument/2006/relationships" xmlns:p="http://schemas.openxmlformats.org/presentationml/2006/main">
+  <p:cSld>
+    <p:spTree>
+      <p:nvGrpSpPr>
+        <p:cNvPr id="1" name=""/>
+        <p:cNvGrpSpPr/>
+        <p:nvPr/>
+      </p:nvGrpSpPr>
+      <p:grpSpPr>
+        <a:xfrm>
+          <a:off x="0" y="0"/>
+          <a:ext cx="0" cy="0"/>
+          <a:chOff x="0" y="0"/>
+          <a:chExt cx="0" cy="0"/>
+        </a:xfrm>
+      </p:grpSpPr>
+      <p:sp>
+        <p:nvSpPr>
+          <p:cNvPr id="2" name="Title 1">
+            <a:extLst>
+              <a:ext uri="{FF2B5EF4-FFF2-40B4-BE49-F238E27FC236}">
+                <a16:creationId xmlns:a16="http://schemas.microsoft.com/office/drawing/2014/main" id="{F7DC5BDF-E508-41BE-A6C3-ACDF034BD933}"/>
+              </a:ext>
+            </a:extLst>
+          </p:cNvPr>
+          <p:cNvSpPr>
+            <a:spLocks noGrp="1"/>
+          </p:cNvSpPr>
+          <p:nvPr>
+            <p:ph type="title"/>
+          </p:nvPr>
+        </p:nvSpPr>
+        <p:spPr/>
+        <p:txBody>
+          <a:bodyPr/>
+          <a:lstStyle/>
+          <a:p>
+            <a:r>
+              <a:rPr lang="en-US" dirty="0"/>
+              <a:t>Conclusion</a:t>
             </a:r>
           </a:p>
         </p:txBody>
@@ -4549,7 +7964,7 @@
     </p:spTree>
     <p:extLst>
       <p:ext uri="{BB962C8B-B14F-4D97-AF65-F5344CB8AC3E}">
-        <p14:creationId xmlns:p14="http://schemas.microsoft.com/office/powerpoint/2010/main" val="957222120"/>
+        <p14:creationId xmlns:p14="http://schemas.microsoft.com/office/powerpoint/2010/main" val="1556006228"/>
       </p:ext>
     </p:extLst>
   </p:cSld>
@@ -4599,17 +8014,17 @@
           <a:p>
             <a:r>
               <a:rPr lang="en-US" dirty="0"/>
-              <a:t>Intro</a:t>
-            </a:r>
-          </a:p>
-        </p:txBody>
-      </p:sp>
-      <p:sp>
-        <p:nvSpPr>
-          <p:cNvPr id="3" name="Content Placeholder 2">
-            <a:extLst>
-              <a:ext uri="{FF2B5EF4-FFF2-40B4-BE49-F238E27FC236}">
-                <a16:creationId xmlns:a16="http://schemas.microsoft.com/office/drawing/2014/main" id="{29525243-0C3A-48C7-8A8D-2C4EE2065629}"/>
+              <a:t>Initial ETL Process</a:t>
+            </a:r>
+          </a:p>
+        </p:txBody>
+      </p:sp>
+      <p:sp>
+        <p:nvSpPr>
+          <p:cNvPr id="4" name="Content Placeholder 2">
+            <a:extLst>
+              <a:ext uri="{FF2B5EF4-FFF2-40B4-BE49-F238E27FC236}">
+                <a16:creationId xmlns:a16="http://schemas.microsoft.com/office/drawing/2014/main" id="{3BCA2736-C4AD-4858-AD18-BA4D90BE0FB6}"/>
               </a:ext>
             </a:extLst>
           </p:cNvPr>
@@ -4621,6 +8036,10 @@
           </p:nvPr>
         </p:nvSpPr>
         <p:spPr>
+          <a:xfrm>
+            <a:off x="838200" y="1825625"/>
+            <a:ext cx="10515600" cy="4351338"/>
+          </a:xfrm>
           <a:solidFill>
             <a:schemeClr val="accent5">
               <a:lumMod val="20000"/>
@@ -4630,220 +8049,308 @@
           </a:solidFill>
         </p:spPr>
         <p:txBody>
-          <a:bodyPr/>
-          <a:lstStyle/>
+          <a:bodyPr>
+            <a:normAutofit lnSpcReduction="10000"/>
+          </a:bodyPr>
+          <a:lstStyle/>
+          <a:p>
+            <a:endParaRPr lang="en-US" dirty="0"/>
+          </a:p>
+          <a:p>
+            <a:endParaRPr lang="en-US" dirty="0"/>
+          </a:p>
+          <a:p>
+            <a:endParaRPr lang="en-US" dirty="0"/>
+          </a:p>
+          <a:p>
+            <a:endParaRPr lang="en-US" dirty="0"/>
+          </a:p>
+          <a:p>
+            <a:endParaRPr lang="en-US" dirty="0"/>
+          </a:p>
+          <a:p>
+            <a:endParaRPr lang="en-US" dirty="0"/>
+          </a:p>
           <a:p>
             <a:pPr marL="0" indent="0">
               <a:buNone/>
             </a:pPr>
             <a:r>
               <a:rPr lang="en-US" dirty="0"/>
-              <a:t>Credit card fraud is a persistent issue and one that credit card companies and banks constantly need to consider. Many banks and credit card companies offer free monitoring and alerts in an attempt to identify potentially fraudulent activity as soon as possible. With the standard practice of reimbursing customers for fraudulent charges on their credit cards and accounts, it is in the best interest of credit card companies and banks to identify, stop and prevent fraudulent activity. </a:t>
-            </a:r>
-          </a:p>
-          <a:p>
-            <a:endParaRPr lang="en-US" dirty="0"/>
-          </a:p>
-        </p:txBody>
-      </p:sp>
-    </p:spTree>
-    <p:extLst>
-      <p:ext uri="{BB962C8B-B14F-4D97-AF65-F5344CB8AC3E}">
-        <p14:creationId xmlns:p14="http://schemas.microsoft.com/office/powerpoint/2010/main" val="66133344"/>
-      </p:ext>
-    </p:extLst>
-  </p:cSld>
-  <p:clrMapOvr>
-    <a:masterClrMapping/>
-  </p:clrMapOvr>
-</p:sld>
-</file>
-
-<file path=ppt/slides/slide20.xml><?xml version="1.0" encoding="utf-8"?>
-<p:sld xmlns:a="http://schemas.openxmlformats.org/drawingml/2006/main" xmlns:r="http://schemas.openxmlformats.org/officeDocument/2006/relationships" xmlns:p="http://schemas.openxmlformats.org/presentationml/2006/main">
-  <p:cSld>
-    <p:spTree>
-      <p:nvGrpSpPr>
-        <p:cNvPr id="1" name=""/>
-        <p:cNvGrpSpPr/>
-        <p:nvPr/>
-      </p:nvGrpSpPr>
-      <p:grpSpPr>
-        <a:xfrm>
-          <a:off x="0" y="0"/>
-          <a:ext cx="0" cy="0"/>
-          <a:chOff x="0" y="0"/>
-          <a:chExt cx="0" cy="0"/>
-        </a:xfrm>
-      </p:grpSpPr>
-      <p:sp>
-        <p:nvSpPr>
-          <p:cNvPr id="2" name="Title 1">
-            <a:extLst>
-              <a:ext uri="{FF2B5EF4-FFF2-40B4-BE49-F238E27FC236}">
-                <a16:creationId xmlns:a16="http://schemas.microsoft.com/office/drawing/2014/main" id="{F7DC5BDF-E508-41BE-A6C3-ACDF034BD933}"/>
-              </a:ext>
-            </a:extLst>
-          </p:cNvPr>
-          <p:cNvSpPr>
-            <a:spLocks noGrp="1"/>
-          </p:cNvSpPr>
-          <p:nvPr>
-            <p:ph type="title"/>
-          </p:nvPr>
-        </p:nvSpPr>
-        <p:spPr/>
-        <p:txBody>
-          <a:bodyPr/>
-          <a:lstStyle/>
-          <a:p>
-            <a:r>
-              <a:rPr lang="en-US" dirty="0"/>
-              <a:t>Flowchart</a:t>
-            </a:r>
+              <a:t>               Extract                              Transform                            Load</a:t>
+            </a:r>
+          </a:p>
+          <a:p>
+            <a:pPr marL="0" indent="0">
+              <a:buNone/>
+            </a:pPr>
+            <a:endParaRPr lang="en-US" sz="1200" dirty="0"/>
+          </a:p>
+          <a:p>
+            <a:pPr marL="0" indent="0">
+              <a:buNone/>
+            </a:pPr>
+            <a:endParaRPr lang="en-US" sz="1200" dirty="0"/>
+          </a:p>
+          <a:p>
+            <a:pPr marL="0" indent="0">
+              <a:buNone/>
+            </a:pPr>
+            <a:endParaRPr lang="en-US" sz="1200" dirty="0"/>
+          </a:p>
+          <a:p>
+            <a:pPr marL="0" indent="0">
+              <a:buNone/>
+            </a:pPr>
+            <a:r>
+              <a:rPr lang="en-US" sz="1200" dirty="0"/>
+              <a:t>*workpaper: </a:t>
+            </a:r>
+            <a:r>
+              <a:rPr lang="en-US" sz="1200" dirty="0" err="1"/>
+              <a:t>CreditCardFraud_cloud_ETF.ipynb</a:t>
+            </a:r>
+            <a:endParaRPr lang="en-US" sz="1200" dirty="0"/>
           </a:p>
         </p:txBody>
       </p:sp>
       <p:pic>
         <p:nvPicPr>
-          <p:cNvPr id="5" name="Content Placeholder 4">
-            <a:extLst>
-              <a:ext uri="{FF2B5EF4-FFF2-40B4-BE49-F238E27FC236}">
-                <a16:creationId xmlns:a16="http://schemas.microsoft.com/office/drawing/2014/main" id="{D8499455-3283-41C5-A934-D54DE0B9B5FA}"/>
+          <p:cNvPr id="6" name="Picture 10" descr="kaggle-logo-transparent-300 - Analytics Vidhya">
+            <a:extLst>
+              <a:ext uri="{FF2B5EF4-FFF2-40B4-BE49-F238E27FC236}">
+                <a16:creationId xmlns:a16="http://schemas.microsoft.com/office/drawing/2014/main" id="{71A89A84-1BE3-4D0D-B92B-5B64BD256B38}"/>
               </a:ext>
             </a:extLst>
           </p:cNvPr>
           <p:cNvPicPr>
-            <a:picLocks noGrp="1" noChangeAspect="1"/>
+            <a:picLocks noChangeAspect="1" noChangeArrowheads="1"/>
           </p:cNvPicPr>
-          <p:nvPr>
-            <p:ph idx="1"/>
-          </p:nvPr>
+          <p:nvPr/>
         </p:nvPicPr>
         <p:blipFill>
-          <a:blip r:embed="rId2">
+          <a:blip r:embed="rId3">
             <a:extLst>
               <a:ext uri="{28A0092B-C50C-407E-A947-70E740481C1C}">
                 <a14:useLocalDpi xmlns:a14="http://schemas.microsoft.com/office/drawing/2010/main" val="0"/>
               </a:ext>
             </a:extLst>
           </a:blip>
+          <a:srcRect/>
           <a:stretch>
             <a:fillRect/>
           </a:stretch>
         </p:blipFill>
+        <p:spPr bwMode="auto">
+          <a:xfrm>
+            <a:off x="972766" y="2960264"/>
+            <a:ext cx="3119335" cy="1417879"/>
+          </a:xfrm>
+          <a:prstGeom prst="rect">
+            <a:avLst/>
+          </a:prstGeom>
+          <a:noFill/>
+          <a:extLst>
+            <a:ext uri="{909E8E84-426E-40DD-AFC4-6F175D3DCCD1}">
+              <a14:hiddenFill xmlns:a14="http://schemas.microsoft.com/office/drawing/2010/main">
+                <a:solidFill>
+                  <a:srgbClr val="FFFFFF"/>
+                </a:solidFill>
+              </a14:hiddenFill>
+            </a:ext>
+          </a:extLst>
+        </p:spPr>
+      </p:pic>
+      <p:sp>
+        <p:nvSpPr>
+          <p:cNvPr id="8" name="Arrow: Right 7">
+            <a:extLst>
+              <a:ext uri="{FF2B5EF4-FFF2-40B4-BE49-F238E27FC236}">
+                <a16:creationId xmlns:a16="http://schemas.microsoft.com/office/drawing/2014/main" id="{C45F2EE3-F26E-4514-A6E6-3FE40FA21428}"/>
+              </a:ext>
+            </a:extLst>
+          </p:cNvPr>
+          <p:cNvSpPr/>
+          <p:nvPr/>
+        </p:nvSpPr>
         <p:spPr>
           <a:xfrm>
-            <a:off x="2382893" y="1396773"/>
-            <a:ext cx="7799825" cy="4802187"/>
+            <a:off x="4083589" y="3371377"/>
+            <a:ext cx="885217" cy="710119"/>
           </a:xfrm>
-          <a:solidFill>
+          <a:prstGeom prst="rightArrow">
+            <a:avLst/>
+          </a:prstGeom>
+        </p:spPr>
+        <p:style>
+          <a:lnRef idx="2">
             <a:schemeClr val="accent1">
-              <a:lumMod val="20000"/>
-              <a:lumOff val="80000"/>
-              <a:alpha val="70000"/>
+              <a:shade val="50000"/>
             </a:schemeClr>
-          </a:solidFill>
+          </a:lnRef>
+          <a:fillRef idx="1">
+            <a:schemeClr val="accent1"/>
+          </a:fillRef>
+          <a:effectRef idx="0">
+            <a:schemeClr val="accent1"/>
+          </a:effectRef>
+          <a:fontRef idx="minor">
+            <a:schemeClr val="lt1"/>
+          </a:fontRef>
+        </p:style>
+        <p:txBody>
+          <a:bodyPr rtlCol="0" anchor="ctr"/>
+          <a:lstStyle/>
+          <a:p>
+            <a:pPr algn="ctr"/>
+            <a:endParaRPr lang="en-US"/>
+          </a:p>
+        </p:txBody>
+      </p:sp>
+      <p:pic>
+        <p:nvPicPr>
+          <p:cNvPr id="10" name="Picture 16" descr="Colab Tricks | Rohit Midha">
+            <a:extLst>
+              <a:ext uri="{FF2B5EF4-FFF2-40B4-BE49-F238E27FC236}">
+                <a16:creationId xmlns:a16="http://schemas.microsoft.com/office/drawing/2014/main" id="{19496962-B590-47A1-B8EE-B61D6CE4DD67}"/>
+              </a:ext>
+            </a:extLst>
+          </p:cNvPr>
+          <p:cNvPicPr>
+            <a:picLocks noChangeAspect="1" noChangeArrowheads="1"/>
+          </p:cNvPicPr>
+          <p:nvPr/>
+        </p:nvPicPr>
+        <p:blipFill>
+          <a:blip r:embed="rId4">
+            <a:extLst>
+              <a:ext uri="{28A0092B-C50C-407E-A947-70E740481C1C}">
+                <a14:useLocalDpi xmlns:a14="http://schemas.microsoft.com/office/drawing/2010/main" val="0"/>
+              </a:ext>
+            </a:extLst>
+          </a:blip>
+          <a:srcRect/>
+          <a:stretch>
+            <a:fillRect/>
+          </a:stretch>
+        </p:blipFill>
+        <p:spPr bwMode="auto">
+          <a:xfrm>
+            <a:off x="5087566" y="3016825"/>
+            <a:ext cx="2285188" cy="1419222"/>
+          </a:xfrm>
+          <a:prstGeom prst="rect">
+            <a:avLst/>
+          </a:prstGeom>
+          <a:noFill/>
+          <a:extLst>
+            <a:ext uri="{909E8E84-426E-40DD-AFC4-6F175D3DCCD1}">
+              <a14:hiddenFill xmlns:a14="http://schemas.microsoft.com/office/drawing/2010/main">
+                <a:solidFill>
+                  <a:srgbClr val="FFFFFF"/>
+                </a:solidFill>
+              </a14:hiddenFill>
+            </a:ext>
+          </a:extLst>
+        </p:spPr>
+      </p:pic>
+      <p:sp>
+        <p:nvSpPr>
+          <p:cNvPr id="12" name="Arrow: Right 11">
+            <a:extLst>
+              <a:ext uri="{FF2B5EF4-FFF2-40B4-BE49-F238E27FC236}">
+                <a16:creationId xmlns:a16="http://schemas.microsoft.com/office/drawing/2014/main" id="{E4817F06-3E8D-4212-AF51-ABAD6EE240E3}"/>
+              </a:ext>
+            </a:extLst>
+          </p:cNvPr>
+          <p:cNvSpPr/>
+          <p:nvPr/>
+        </p:nvSpPr>
+        <p:spPr>
+          <a:xfrm>
+            <a:off x="7491514" y="3389879"/>
+            <a:ext cx="885217" cy="710119"/>
+          </a:xfrm>
+          <a:prstGeom prst="rightArrow">
+            <a:avLst/>
+          </a:prstGeom>
+        </p:spPr>
+        <p:style>
+          <a:lnRef idx="2">
+            <a:schemeClr val="accent1">
+              <a:shade val="50000"/>
+            </a:schemeClr>
+          </a:lnRef>
+          <a:fillRef idx="1">
+            <a:schemeClr val="accent1"/>
+          </a:fillRef>
+          <a:effectRef idx="0">
+            <a:schemeClr val="accent1"/>
+          </a:effectRef>
+          <a:fontRef idx="minor">
+            <a:schemeClr val="lt1"/>
+          </a:fontRef>
+        </p:style>
+        <p:txBody>
+          <a:bodyPr rtlCol="0" anchor="ctr"/>
+          <a:lstStyle/>
+          <a:p>
+            <a:pPr algn="ctr"/>
+            <a:endParaRPr lang="en-US"/>
+          </a:p>
+        </p:txBody>
+      </p:sp>
+      <p:pic>
+        <p:nvPicPr>
+          <p:cNvPr id="14" name="Picture 18" descr="RDS, Redshift, DynamoDB and Aurora Compared">
+            <a:extLst>
+              <a:ext uri="{FF2B5EF4-FFF2-40B4-BE49-F238E27FC236}">
+                <a16:creationId xmlns:a16="http://schemas.microsoft.com/office/drawing/2014/main" id="{916BBC8E-E467-4D46-A336-231E24342E57}"/>
+              </a:ext>
+            </a:extLst>
+          </p:cNvPr>
+          <p:cNvPicPr>
+            <a:picLocks noChangeAspect="1" noChangeArrowheads="1"/>
+          </p:cNvPicPr>
+          <p:nvPr/>
+        </p:nvPicPr>
+        <p:blipFill>
+          <a:blip r:embed="rId5">
+            <a:extLst>
+              <a:ext uri="{28A0092B-C50C-407E-A947-70E740481C1C}">
+                <a14:useLocalDpi xmlns:a14="http://schemas.microsoft.com/office/drawing/2010/main" val="0"/>
+              </a:ext>
+            </a:extLst>
+          </a:blip>
+          <a:srcRect/>
+          <a:stretch>
+            <a:fillRect/>
+          </a:stretch>
+        </p:blipFill>
+        <p:spPr bwMode="auto">
+          <a:xfrm>
+            <a:off x="8495491" y="3032828"/>
+            <a:ext cx="2285188" cy="1424219"/>
+          </a:xfrm>
+          <a:prstGeom prst="rect">
+            <a:avLst/>
+          </a:prstGeom>
+          <a:noFill/>
+          <a:extLst>
+            <a:ext uri="{909E8E84-426E-40DD-AFC4-6F175D3DCCD1}">
+              <a14:hiddenFill xmlns:a14="http://schemas.microsoft.com/office/drawing/2010/main">
+                <a:solidFill>
+                  <a:srgbClr val="FFFFFF"/>
+                </a:solidFill>
+              </a14:hiddenFill>
+            </a:ext>
+          </a:extLst>
         </p:spPr>
       </p:pic>
     </p:spTree>
     <p:extLst>
       <p:ext uri="{BB962C8B-B14F-4D97-AF65-F5344CB8AC3E}">
-        <p14:creationId xmlns:p14="http://schemas.microsoft.com/office/powerpoint/2010/main" val="957763540"/>
-      </p:ext>
-    </p:extLst>
-  </p:cSld>
-  <p:clrMapOvr>
-    <a:masterClrMapping/>
-  </p:clrMapOvr>
-</p:sld>
-</file>
-
-<file path=ppt/slides/slide21.xml><?xml version="1.0" encoding="utf-8"?>
-<p:sld xmlns:a="http://schemas.openxmlformats.org/drawingml/2006/main" xmlns:r="http://schemas.openxmlformats.org/officeDocument/2006/relationships" xmlns:p="http://schemas.openxmlformats.org/presentationml/2006/main">
-  <p:cSld>
-    <p:spTree>
-      <p:nvGrpSpPr>
-        <p:cNvPr id="1" name=""/>
-        <p:cNvGrpSpPr/>
-        <p:nvPr/>
-      </p:nvGrpSpPr>
-      <p:grpSpPr>
-        <a:xfrm>
-          <a:off x="0" y="0"/>
-          <a:ext cx="0" cy="0"/>
-          <a:chOff x="0" y="0"/>
-          <a:chExt cx="0" cy="0"/>
-        </a:xfrm>
-      </p:grpSpPr>
-      <p:sp>
-        <p:nvSpPr>
-          <p:cNvPr id="2" name="Title 1">
-            <a:extLst>
-              <a:ext uri="{FF2B5EF4-FFF2-40B4-BE49-F238E27FC236}">
-                <a16:creationId xmlns:a16="http://schemas.microsoft.com/office/drawing/2014/main" id="{F7DC5BDF-E508-41BE-A6C3-ACDF034BD933}"/>
-              </a:ext>
-            </a:extLst>
-          </p:cNvPr>
-          <p:cNvSpPr>
-            <a:spLocks noGrp="1"/>
-          </p:cNvSpPr>
-          <p:nvPr>
-            <p:ph type="title"/>
-          </p:nvPr>
-        </p:nvSpPr>
-        <p:spPr/>
-        <p:txBody>
-          <a:bodyPr/>
-          <a:lstStyle/>
-          <a:p>
-            <a:r>
-              <a:rPr lang="en-US" dirty="0"/>
-              <a:t>Conclusion</a:t>
-            </a:r>
-          </a:p>
-        </p:txBody>
-      </p:sp>
-      <p:sp>
-        <p:nvSpPr>
-          <p:cNvPr id="3" name="Content Placeholder 2">
-            <a:extLst>
-              <a:ext uri="{FF2B5EF4-FFF2-40B4-BE49-F238E27FC236}">
-                <a16:creationId xmlns:a16="http://schemas.microsoft.com/office/drawing/2014/main" id="{29525243-0C3A-48C7-8A8D-2C4EE2065629}"/>
-              </a:ext>
-            </a:extLst>
-          </p:cNvPr>
-          <p:cNvSpPr>
-            <a:spLocks noGrp="1"/>
-          </p:cNvSpPr>
-          <p:nvPr>
-            <p:ph idx="1"/>
-          </p:nvPr>
-        </p:nvSpPr>
-        <p:spPr>
-          <a:solidFill>
-            <a:schemeClr val="accent5">
-              <a:lumMod val="20000"/>
-              <a:lumOff val="80000"/>
-              <a:alpha val="70000"/>
-            </a:schemeClr>
-          </a:solidFill>
-        </p:spPr>
-        <p:txBody>
-          <a:bodyPr/>
-          <a:lstStyle/>
-          <a:p>
-            <a:pPr marL="0" indent="0">
-              <a:buNone/>
-            </a:pPr>
-            <a:endParaRPr lang="en-US" dirty="0"/>
-          </a:p>
-        </p:txBody>
-      </p:sp>
-    </p:spTree>
-    <p:extLst>
-      <p:ext uri="{BB962C8B-B14F-4D97-AF65-F5344CB8AC3E}">
-        <p14:creationId xmlns:p14="http://schemas.microsoft.com/office/powerpoint/2010/main" val="779013617"/>
+        <p14:creationId xmlns:p14="http://schemas.microsoft.com/office/powerpoint/2010/main" val="3875579885"/>
       </p:ext>
     </p:extLst>
   </p:cSld>
@@ -4893,7 +8400,7 @@
           <a:p>
             <a:r>
               <a:rPr lang="en-US" dirty="0"/>
-              <a:t>ETL</a:t>
+              <a:t>Resampling</a:t>
             </a:r>
           </a:p>
         </p:txBody>
@@ -4924,17 +8431,116 @@
           </a:solidFill>
         </p:spPr>
         <p:txBody>
-          <a:bodyPr/>
-          <a:lstStyle/>
-          <a:p>
+          <a:bodyPr>
+            <a:normAutofit fontScale="92500" lnSpcReduction="20000"/>
+          </a:bodyPr>
+          <a:lstStyle/>
+          <a:p>
+            <a:pPr marL="0" indent="0">
+              <a:buNone/>
+            </a:pPr>
+            <a:r>
+              <a:rPr lang="en-US" dirty="0"/>
+              <a:t>Data Set:</a:t>
+            </a:r>
+          </a:p>
+          <a:p>
+            <a:pPr>
+              <a:buFont typeface="Wingdings" pitchFamily="2" charset="2"/>
+              <a:buChar char="Ø"/>
+            </a:pPr>
+            <a:r>
+              <a:rPr lang="en-US" dirty="0"/>
+              <a:t>Total transactions: 284,807</a:t>
+            </a:r>
+          </a:p>
+          <a:p>
+            <a:pPr>
+              <a:buFont typeface="Wingdings" pitchFamily="2" charset="2"/>
+              <a:buChar char="Ø"/>
+            </a:pPr>
+            <a:r>
+              <a:rPr lang="en-US" dirty="0"/>
+              <a:t>Fraud-transactions: 492 (0.17%)</a:t>
+            </a:r>
+          </a:p>
+          <a:p>
+            <a:pPr marL="0" indent="0">
+              <a:buNone/>
+            </a:pPr>
+            <a:r>
+              <a:rPr lang="en-US" dirty="0"/>
+              <a:t>Problem: </a:t>
+            </a:r>
+          </a:p>
+          <a:p>
+            <a:pPr marL="0" indent="0">
+              <a:buNone/>
+            </a:pPr>
+            <a:r>
+              <a:rPr lang="en-US" dirty="0"/>
+              <a:t>Any model that always predicts ‘0’ will be accurate 99.83% of the time.</a:t>
+            </a:r>
+          </a:p>
+          <a:p>
+            <a:pPr marL="0" indent="0">
+              <a:buNone/>
+            </a:pPr>
             <a:endParaRPr lang="en-US" dirty="0"/>
+          </a:p>
+          <a:p>
+            <a:pPr marL="0" indent="0">
+              <a:buNone/>
+            </a:pPr>
+            <a:r>
+              <a:rPr lang="en-US" dirty="0"/>
+              <a:t>Solutions: </a:t>
+            </a:r>
+          </a:p>
+          <a:p>
+            <a:pPr>
+              <a:buFont typeface="Wingdings" pitchFamily="2" charset="2"/>
+              <a:buChar char="Ø"/>
+            </a:pPr>
+            <a:r>
+              <a:rPr lang="en-US" dirty="0"/>
+              <a:t>Use precision/recall values and confusion matrix to compare models</a:t>
+            </a:r>
+          </a:p>
+          <a:p>
+            <a:pPr>
+              <a:buFont typeface="Wingdings" pitchFamily="2" charset="2"/>
+              <a:buChar char="Ø"/>
+            </a:pPr>
+            <a:r>
+              <a:rPr lang="en-US" dirty="0"/>
+              <a:t>Try different models (six models), </a:t>
+            </a:r>
+          </a:p>
+          <a:p>
+            <a:pPr>
+              <a:buFont typeface="Wingdings" pitchFamily="2" charset="2"/>
+              <a:buChar char="Ø"/>
+            </a:pPr>
+            <a:r>
+              <a:rPr lang="en-US" dirty="0"/>
+              <a:t>Resample the training data (used ‘resample’ module in ’</a:t>
+            </a:r>
+            <a:r>
+              <a:rPr lang="en-US" dirty="0" err="1"/>
+              <a:t>sklearn</a:t>
+            </a:r>
+            <a:r>
+              <a:rPr lang="en-US" dirty="0"/>
+              <a:t>’)</a:t>
+            </a:r>
           </a:p>
         </p:txBody>
       </p:sp>
     </p:spTree>
     <p:extLst>
       <p:ext uri="{BB962C8B-B14F-4D97-AF65-F5344CB8AC3E}">
-        <p14:creationId xmlns:p14="http://schemas.microsoft.com/office/powerpoint/2010/main" val="3875579885"/>
+        <p14:creationId xmlns:p14="http://schemas.microsoft.com/office/powerpoint/2010/main" val="670538133"/>
       </p:ext>
     </p:extLst>
   </p:cSld>
@@ -4984,7 +8590,7 @@
           <a:p>
             <a:r>
               <a:rPr lang="en-US" dirty="0"/>
-              <a:t>Resampling</a:t>
+              <a:t>Models</a:t>
             </a:r>
           </a:p>
         </p:txBody>
@@ -5015,34 +8621,85 @@
           </a:solidFill>
         </p:spPr>
         <p:txBody>
-          <a:bodyPr/>
+          <a:bodyPr>
+            <a:normAutofit/>
+          </a:bodyPr>
           <a:lstStyle/>
           <a:p>
             <a:pPr marL="0" indent="0">
               <a:buNone/>
             </a:pPr>
             <a:r>
-              <a:rPr lang="en-US" dirty="0"/>
-              <a:t>The data set contains 284,807 credit card transactions. Only 492 (0.17%) of them are fraud transactions. The ‘class’ variable is ‘0’ for non-fraud and ‘1’ for fraud truncations. In this situation, any model that always predicts ‘0’ will be accurate 99.83% of the time. The ‘accuracy’ of the model would be misleading. The ‘resample’ module in ‘</a:t>
-            </a:r>
-            <a:r>
-              <a:rPr lang="en-US" dirty="0" err="1"/>
-              <a:t>sklearn</a:t>
-            </a:r>
-            <a:r>
-              <a:rPr lang="en-US" dirty="0"/>
-              <a:t>’ helps to account for this data imbalance by oversample the fraud data in the training sample. The Re-sampled training data set contains an equal number of fraud and non-fraud transactions. We then used the confusion matrix to evaluate and compare our results.</a:t>
-            </a:r>
-          </a:p>
-          <a:p>
-            <a:endParaRPr lang="en-US" dirty="0"/>
+              <a:rPr lang="en-US" sz="2600" dirty="0"/>
+              <a:t>We have trained the following classification models:</a:t>
+            </a:r>
+          </a:p>
+          <a:p>
+            <a:pPr>
+              <a:buFont typeface="Wingdings" panose="05000000000000000000" pitchFamily="2" charset="2"/>
+              <a:buChar char="Ø"/>
+            </a:pPr>
+            <a:r>
+              <a:rPr lang="en-US" sz="2600" dirty="0"/>
+              <a:t>K-Nearest Neighbor (KNN)</a:t>
+            </a:r>
+          </a:p>
+          <a:p>
+            <a:pPr>
+              <a:buFont typeface="Wingdings" panose="05000000000000000000" pitchFamily="2" charset="2"/>
+              <a:buChar char="Ø"/>
+            </a:pPr>
+            <a:r>
+              <a:rPr lang="en-US" sz="2600" dirty="0"/>
+              <a:t>Logistic</a:t>
+            </a:r>
+          </a:p>
+          <a:p>
+            <a:pPr>
+              <a:buFont typeface="Wingdings" panose="05000000000000000000" pitchFamily="2" charset="2"/>
+              <a:buChar char="Ø"/>
+            </a:pPr>
+            <a:r>
+              <a:rPr lang="en-US" sz="2600" dirty="0"/>
+              <a:t>Simple Neural Network</a:t>
+            </a:r>
+          </a:p>
+          <a:p>
+            <a:pPr>
+              <a:buFont typeface="Wingdings" panose="05000000000000000000" pitchFamily="2" charset="2"/>
+              <a:buChar char="Ø"/>
+            </a:pPr>
+            <a:r>
+              <a:rPr lang="en-US" sz="2600" dirty="0"/>
+              <a:t>Deep Neural Network (with 2-hidden layers)</a:t>
+            </a:r>
+          </a:p>
+          <a:p>
+            <a:pPr>
+              <a:buFont typeface="Wingdings" panose="05000000000000000000" pitchFamily="2" charset="2"/>
+              <a:buChar char="Ø"/>
+            </a:pPr>
+            <a:r>
+              <a:rPr lang="en-US" sz="2600" dirty="0"/>
+              <a:t>Random Forest</a:t>
+            </a:r>
+          </a:p>
+          <a:p>
+            <a:pPr>
+              <a:buFont typeface="Wingdings" panose="05000000000000000000" pitchFamily="2" charset="2"/>
+              <a:buChar char="Ø"/>
+            </a:pPr>
+            <a:r>
+              <a:rPr lang="en-US" sz="2600" dirty="0"/>
+              <a:t>Support Vector Machines (SVM)</a:t>
+            </a:r>
           </a:p>
         </p:txBody>
       </p:sp>
     </p:spTree>
     <p:extLst>
       <p:ext uri="{BB962C8B-B14F-4D97-AF65-F5344CB8AC3E}">
-        <p14:creationId xmlns:p14="http://schemas.microsoft.com/office/powerpoint/2010/main" val="670538133"/>
+        <p14:creationId xmlns:p14="http://schemas.microsoft.com/office/powerpoint/2010/main" val="2330097770"/>
       </p:ext>
     </p:extLst>
   </p:cSld>
@@ -5092,7 +8749,7 @@
           <a:p>
             <a:r>
               <a:rPr lang="en-US" dirty="0"/>
-              <a:t>Models</a:t>
+              <a:t>K-Nearest Neighbor (KNN)</a:t>
             </a:r>
           </a:p>
         </p:txBody>
@@ -5114,6 +8771,10 @@
           </p:nvPr>
         </p:nvSpPr>
         <p:spPr>
+          <a:xfrm>
+            <a:off x="838200" y="1840373"/>
+            <a:ext cx="10515600" cy="4351338"/>
+          </a:xfrm>
           <a:solidFill>
             <a:schemeClr val="accent5">
               <a:lumMod val="20000"/>
@@ -5124,7 +8785,7 @@
         </p:spPr>
         <p:txBody>
           <a:bodyPr>
-            <a:normAutofit/>
+            <a:normAutofit lnSpcReduction="10000"/>
           </a:bodyPr>
           <a:lstStyle/>
           <a:p>
@@ -5132,69 +8793,24 @@
               <a:buNone/>
             </a:pPr>
             <a:r>
-              <a:rPr lang="en-US" dirty="0"/>
-              <a:t>We have trained the following classification models:</a:t>
-            </a:r>
-          </a:p>
-          <a:p>
-            <a:pPr>
-              <a:buFont typeface="Wingdings" panose="05000000000000000000" pitchFamily="2" charset="2"/>
-              <a:buChar char="Ø"/>
+              <a:rPr lang="en-US" sz="2600" dirty="0"/>
+              <a:t>K=1 provides the best model</a:t>
+            </a:r>
+          </a:p>
+          <a:p>
+            <a:pPr marL="0" indent="0">
+              <a:buNone/>
             </a:pPr>
             <a:r>
-              <a:rPr lang="en-US" dirty="0"/>
-              <a:t>K-Nearest Neighbor (KNN)</a:t>
-            </a:r>
-          </a:p>
-          <a:p>
-            <a:pPr>
-              <a:buFont typeface="Wingdings" panose="05000000000000000000" pitchFamily="2" charset="2"/>
-              <a:buChar char="Ø"/>
+              <a:rPr lang="en-US" sz="2600" dirty="0"/>
+              <a:t>Training time is about 3 hours</a:t>
+            </a:r>
+          </a:p>
+          <a:p>
+            <a:pPr marL="0" indent="0">
+              <a:buNone/>
             </a:pPr>
-            <a:r>
-              <a:rPr lang="en-US" dirty="0"/>
-              <a:t>Random Forest</a:t>
-            </a:r>
-          </a:p>
-          <a:p>
-            <a:pPr>
-              <a:buFont typeface="Wingdings" panose="05000000000000000000" pitchFamily="2" charset="2"/>
-              <a:buChar char="Ø"/>
-            </a:pPr>
-            <a:r>
-              <a:rPr lang="en-US" dirty="0"/>
-              <a:t>Deep Neural Network (with 2-hidden layers)</a:t>
-            </a:r>
-          </a:p>
-          <a:p>
-            <a:pPr>
-              <a:buFont typeface="Wingdings" panose="05000000000000000000" pitchFamily="2" charset="2"/>
-              <a:buChar char="Ø"/>
-            </a:pPr>
-            <a:r>
-              <a:rPr lang="en-US" dirty="0"/>
-              <a:t>Logistic</a:t>
-            </a:r>
-          </a:p>
-          <a:p>
-            <a:pPr>
-              <a:buFont typeface="Wingdings" panose="05000000000000000000" pitchFamily="2" charset="2"/>
-              <a:buChar char="Ø"/>
-            </a:pPr>
-            <a:r>
-              <a:rPr lang="en-US" dirty="0"/>
-              <a:t>Simple Neural Network</a:t>
-            </a:r>
-          </a:p>
-          <a:p>
-            <a:pPr>
-              <a:buFont typeface="Wingdings" panose="05000000000000000000" pitchFamily="2" charset="2"/>
-              <a:buChar char="Ø"/>
-            </a:pPr>
-            <a:r>
-              <a:rPr lang="en-US" dirty="0"/>
-              <a:t>Support Vector Machines (SVM)</a:t>
-            </a:r>
+            <a:endParaRPr lang="en-US" sz="2600" dirty="0"/>
           </a:p>
           <a:p>
             <a:pPr marL="0" indent="0">
@@ -5202,12 +8818,124 @@
             </a:pPr>
             <a:endParaRPr lang="en-US" dirty="0"/>
           </a:p>
-        </p:txBody>
-      </p:sp>
+          <a:p>
+            <a:pPr marL="0" indent="0">
+              <a:buNone/>
+            </a:pPr>
+            <a:endParaRPr lang="en-US" dirty="0"/>
+          </a:p>
+          <a:p>
+            <a:pPr marL="0" indent="0">
+              <a:buNone/>
+            </a:pPr>
+            <a:endParaRPr lang="en-US" dirty="0"/>
+          </a:p>
+          <a:p>
+            <a:pPr marL="0" indent="0">
+              <a:buNone/>
+            </a:pPr>
+            <a:endParaRPr lang="en-US" dirty="0"/>
+          </a:p>
+          <a:p>
+            <a:pPr marL="0" indent="0">
+              <a:buNone/>
+            </a:pPr>
+            <a:endParaRPr lang="en-US" dirty="0"/>
+          </a:p>
+          <a:p>
+            <a:pPr marL="0" indent="0">
+              <a:buNone/>
+            </a:pPr>
+            <a:r>
+              <a:rPr lang="en-US" sz="2600" dirty="0"/>
+              <a:t>Model works reasonably well.</a:t>
+            </a:r>
+          </a:p>
+        </p:txBody>
+      </p:sp>
+      <p:pic>
+        <p:nvPicPr>
+          <p:cNvPr id="4" name="Content Placeholder 10">
+            <a:extLst>
+              <a:ext uri="{FF2B5EF4-FFF2-40B4-BE49-F238E27FC236}">
+                <a16:creationId xmlns:a16="http://schemas.microsoft.com/office/drawing/2014/main" id="{977407BF-E6BE-D347-A7DB-F28AA1375E73}"/>
+              </a:ext>
+            </a:extLst>
+          </p:cNvPr>
+          <p:cNvPicPr>
+            <a:picLocks noChangeAspect="1"/>
+          </p:cNvPicPr>
+          <p:nvPr/>
+        </p:nvPicPr>
+        <p:blipFill>
+          <a:blip r:embed="rId3">
+            <a:extLst>
+              <a:ext uri="{28A0092B-C50C-407E-A947-70E740481C1C}">
+                <a14:useLocalDpi xmlns:a14="http://schemas.microsoft.com/office/drawing/2010/main" val="0"/>
+              </a:ext>
+            </a:extLst>
+          </a:blip>
+          <a:stretch>
+            <a:fillRect/>
+          </a:stretch>
+        </p:blipFill>
+        <p:spPr>
+          <a:xfrm>
+            <a:off x="1022963" y="2898342"/>
+            <a:ext cx="5333591" cy="2381511"/>
+          </a:xfrm>
+          <a:prstGeom prst="rect">
+            <a:avLst/>
+          </a:prstGeom>
+        </p:spPr>
+      </p:pic>
+      <p:pic>
+        <p:nvPicPr>
+          <p:cNvPr id="5" name="Picture 4">
+            <a:extLst>
+              <a:ext uri="{FF2B5EF4-FFF2-40B4-BE49-F238E27FC236}">
+                <a16:creationId xmlns:a16="http://schemas.microsoft.com/office/drawing/2014/main" id="{C84BBC81-2088-8A44-B53B-76EC99628621}"/>
+              </a:ext>
+            </a:extLst>
+          </p:cNvPr>
+          <p:cNvPicPr>
+            <a:picLocks noChangeAspect="1"/>
+          </p:cNvPicPr>
+          <p:nvPr/>
+        </p:nvPicPr>
+        <p:blipFill>
+          <a:blip r:embed="rId4">
+            <a:extLst>
+              <a:ext uri="{28A0092B-C50C-407E-A947-70E740481C1C}">
+                <a14:useLocalDpi xmlns:a14="http://schemas.microsoft.com/office/drawing/2010/main" val="0"/>
+              </a:ext>
+            </a:extLst>
+          </a:blip>
+          <a:stretch>
+            <a:fillRect/>
+          </a:stretch>
+        </p:blipFill>
+        <p:spPr>
+          <a:xfrm>
+            <a:off x="6650253" y="2061968"/>
+            <a:ext cx="4204560" cy="3402460"/>
+          </a:xfrm>
+          <a:prstGeom prst="rect">
+            <a:avLst/>
+          </a:prstGeom>
+          <a:solidFill>
+            <a:schemeClr val="accent1">
+              <a:lumMod val="20000"/>
+              <a:lumOff val="80000"/>
+              <a:alpha val="70000"/>
+            </a:schemeClr>
+          </a:solidFill>
+        </p:spPr>
+      </p:pic>
     </p:spTree>
     <p:extLst>
       <p:ext uri="{BB962C8B-B14F-4D97-AF65-F5344CB8AC3E}">
-        <p14:creationId xmlns:p14="http://schemas.microsoft.com/office/powerpoint/2010/main" val="2330097770"/>
+        <p14:creationId xmlns:p14="http://schemas.microsoft.com/office/powerpoint/2010/main" val="1822825228"/>
       </p:ext>
     </p:extLst>
   </p:cSld>
@@ -5257,7 +8985,7 @@
           <a:p>
             <a:r>
               <a:rPr lang="en-US" dirty="0"/>
-              <a:t>KNN</a:t>
+              <a:t>Logistic</a:t>
             </a:r>
           </a:p>
         </p:txBody>
@@ -5294,14 +9022,148 @@
             <a:pPr marL="0" indent="0">
               <a:buNone/>
             </a:pPr>
+            <a:r>
+              <a:rPr lang="en-US" dirty="0"/>
+              <a:t>Faster, ~30 min.</a:t>
+            </a:r>
+          </a:p>
+          <a:p>
+            <a:pPr marL="0" indent="0">
+              <a:buNone/>
+            </a:pPr>
             <a:endParaRPr lang="en-US" dirty="0"/>
           </a:p>
-        </p:txBody>
-      </p:sp>
+          <a:p>
+            <a:pPr marL="0" indent="0">
+              <a:buNone/>
+            </a:pPr>
+            <a:endParaRPr lang="en-US" dirty="0"/>
+          </a:p>
+          <a:p>
+            <a:pPr marL="0" indent="0">
+              <a:buNone/>
+            </a:pPr>
+            <a:endParaRPr lang="en-US" dirty="0"/>
+          </a:p>
+          <a:p>
+            <a:pPr marL="0" indent="0">
+              <a:buNone/>
+            </a:pPr>
+            <a:endParaRPr lang="en-US" dirty="0"/>
+          </a:p>
+          <a:p>
+            <a:pPr marL="0" indent="0">
+              <a:buNone/>
+            </a:pPr>
+            <a:endParaRPr lang="en-US" dirty="0"/>
+          </a:p>
+          <a:p>
+            <a:pPr marL="0" indent="0">
+              <a:buNone/>
+            </a:pPr>
+            <a:endParaRPr lang="en-US" dirty="0"/>
+          </a:p>
+          <a:p>
+            <a:pPr marL="0" indent="0">
+              <a:buNone/>
+            </a:pPr>
+            <a:r>
+              <a:rPr lang="en-US" dirty="0"/>
+              <a:t>High number of wrong fraud predictions.</a:t>
+            </a:r>
+          </a:p>
+        </p:txBody>
+      </p:sp>
+      <p:pic>
+        <p:nvPicPr>
+          <p:cNvPr id="4" name="Content Placeholder 4">
+            <a:extLst>
+              <a:ext uri="{FF2B5EF4-FFF2-40B4-BE49-F238E27FC236}">
+                <a16:creationId xmlns:a16="http://schemas.microsoft.com/office/drawing/2014/main" id="{BA2F629E-3DFF-2542-A591-608E43FA52A3}"/>
+              </a:ext>
+            </a:extLst>
+          </p:cNvPr>
+          <p:cNvPicPr>
+            <a:picLocks noChangeAspect="1"/>
+          </p:cNvPicPr>
+          <p:nvPr/>
+        </p:nvPicPr>
+        <p:blipFill>
+          <a:blip r:embed="rId3">
+            <a:extLst>
+              <a:ext uri="{28A0092B-C50C-407E-A947-70E740481C1C}">
+                <a14:useLocalDpi xmlns:a14="http://schemas.microsoft.com/office/drawing/2010/main" val="0"/>
+              </a:ext>
+            </a:extLst>
+          </a:blip>
+          <a:stretch>
+            <a:fillRect/>
+          </a:stretch>
+        </p:blipFill>
+        <p:spPr>
+          <a:xfrm>
+            <a:off x="1022847" y="2569371"/>
+            <a:ext cx="5377953" cy="2447897"/>
+          </a:xfrm>
+          <a:prstGeom prst="rect">
+            <a:avLst/>
+          </a:prstGeom>
+          <a:solidFill>
+            <a:schemeClr val="accent5">
+              <a:lumMod val="20000"/>
+              <a:lumOff val="80000"/>
+              <a:alpha val="70000"/>
+            </a:schemeClr>
+          </a:solidFill>
+        </p:spPr>
+      </p:pic>
+      <p:pic>
+        <p:nvPicPr>
+          <p:cNvPr id="5" name="Picture 4">
+            <a:extLst>
+              <a:ext uri="{FF2B5EF4-FFF2-40B4-BE49-F238E27FC236}">
+                <a16:creationId xmlns:a16="http://schemas.microsoft.com/office/drawing/2014/main" id="{F56AFA2A-A30E-6443-A5D3-AF250363F4FA}"/>
+              </a:ext>
+            </a:extLst>
+          </p:cNvPr>
+          <p:cNvPicPr>
+            <a:picLocks noChangeAspect="1"/>
+          </p:cNvPicPr>
+          <p:nvPr/>
+        </p:nvPicPr>
+        <p:blipFill>
+          <a:blip r:embed="rId4">
+            <a:extLst>
+              <a:ext uri="{28A0092B-C50C-407E-A947-70E740481C1C}">
+                <a14:useLocalDpi xmlns:a14="http://schemas.microsoft.com/office/drawing/2010/main" val="0"/>
+              </a:ext>
+            </a:extLst>
+          </a:blip>
+          <a:stretch>
+            <a:fillRect/>
+          </a:stretch>
+        </p:blipFill>
+        <p:spPr>
+          <a:xfrm>
+            <a:off x="6735261" y="2066507"/>
+            <a:ext cx="4284078" cy="3453627"/>
+          </a:xfrm>
+          <a:prstGeom prst="rect">
+            <a:avLst/>
+          </a:prstGeom>
+          <a:solidFill>
+            <a:schemeClr val="accent5">
+              <a:lumMod val="20000"/>
+              <a:lumOff val="80000"/>
+              <a:alpha val="70000"/>
+            </a:schemeClr>
+          </a:solidFill>
+        </p:spPr>
+      </p:pic>
     </p:spTree>
     <p:extLst>
       <p:ext uri="{BB962C8B-B14F-4D97-AF65-F5344CB8AC3E}">
-        <p14:creationId xmlns:p14="http://schemas.microsoft.com/office/powerpoint/2010/main" val="1822825228"/>
+        <p14:creationId xmlns:p14="http://schemas.microsoft.com/office/powerpoint/2010/main" val="863709670"/>
       </p:ext>
     </p:extLst>
   </p:cSld>
@@ -5351,29 +9213,137 @@
           <a:p>
             <a:r>
               <a:rPr lang="en-US" dirty="0"/>
-              <a:t>KNN</a:t>
+              <a:t>Simple Neural Network</a:t>
+            </a:r>
+          </a:p>
+        </p:txBody>
+      </p:sp>
+      <p:sp>
+        <p:nvSpPr>
+          <p:cNvPr id="3" name="Content Placeholder 2">
+            <a:extLst>
+              <a:ext uri="{FF2B5EF4-FFF2-40B4-BE49-F238E27FC236}">
+                <a16:creationId xmlns:a16="http://schemas.microsoft.com/office/drawing/2014/main" id="{29525243-0C3A-48C7-8A8D-2C4EE2065629}"/>
+              </a:ext>
+            </a:extLst>
+          </p:cNvPr>
+          <p:cNvSpPr>
+            <a:spLocks noGrp="1"/>
+          </p:cNvSpPr>
+          <p:nvPr>
+            <p:ph idx="1"/>
+          </p:nvPr>
+        </p:nvSpPr>
+        <p:spPr>
+          <a:solidFill>
+            <a:schemeClr val="accent5">
+              <a:lumMod val="20000"/>
+              <a:lumOff val="80000"/>
+              <a:alpha val="70000"/>
+            </a:schemeClr>
+          </a:solidFill>
+        </p:spPr>
+        <p:txBody>
+          <a:bodyPr>
+            <a:normAutofit fontScale="92500" lnSpcReduction="10000"/>
+          </a:bodyPr>
+          <a:lstStyle/>
+          <a:p>
+            <a:pPr marL="0" indent="0">
+              <a:buNone/>
+            </a:pPr>
+            <a:r>
+              <a:rPr lang="en-US" dirty="0"/>
+              <a:t>1 deep layer. </a:t>
+            </a:r>
+          </a:p>
+          <a:p>
+            <a:pPr marL="0" indent="0">
+              <a:buNone/>
+            </a:pPr>
+            <a:r>
+              <a:rPr lang="en-US" dirty="0"/>
+              <a:t>29 input and two output nodes. Middle layer has 58 nodes.</a:t>
+            </a:r>
+          </a:p>
+          <a:p>
+            <a:pPr marL="0" indent="0">
+              <a:buNone/>
+            </a:pPr>
+            <a:r>
+              <a:rPr lang="en-US" dirty="0"/>
+              <a:t>200 epochs, ~4 hours</a:t>
+            </a:r>
+          </a:p>
+          <a:p>
+            <a:pPr marL="0" indent="0">
+              <a:buNone/>
+            </a:pPr>
+            <a:endParaRPr lang="en-US" sz="1900" dirty="0"/>
+          </a:p>
+          <a:p>
+            <a:pPr marL="0" indent="0">
+              <a:buNone/>
+            </a:pPr>
+            <a:endParaRPr lang="en-US" sz="1900" dirty="0"/>
+          </a:p>
+          <a:p>
+            <a:pPr marL="0" indent="0">
+              <a:buNone/>
+            </a:pPr>
+            <a:endParaRPr lang="en-US" sz="1900" dirty="0"/>
+          </a:p>
+          <a:p>
+            <a:pPr marL="0" indent="0">
+              <a:buNone/>
+            </a:pPr>
+            <a:endParaRPr lang="en-US" sz="1900" dirty="0"/>
+          </a:p>
+          <a:p>
+            <a:pPr marL="0" indent="0">
+              <a:buNone/>
+            </a:pPr>
+            <a:endParaRPr lang="en-US" sz="1900" dirty="0"/>
+          </a:p>
+          <a:p>
+            <a:pPr marL="0" indent="0">
+              <a:buNone/>
+            </a:pPr>
+            <a:endParaRPr lang="en-US" sz="1900" dirty="0"/>
+          </a:p>
+          <a:p>
+            <a:pPr marL="0" indent="0">
+              <a:buNone/>
+            </a:pPr>
+            <a:endParaRPr lang="en-US" dirty="0"/>
+          </a:p>
+          <a:p>
+            <a:pPr marL="0" indent="0">
+              <a:buNone/>
+            </a:pPr>
+            <a:r>
+              <a:rPr lang="en-US" dirty="0"/>
+              <a:t>Low precision on predicting fraud transactions</a:t>
             </a:r>
           </a:p>
         </p:txBody>
       </p:sp>
       <p:pic>
         <p:nvPicPr>
-          <p:cNvPr id="11" name="Content Placeholder 10">
-            <a:extLst>
-              <a:ext uri="{FF2B5EF4-FFF2-40B4-BE49-F238E27FC236}">
-                <a16:creationId xmlns:a16="http://schemas.microsoft.com/office/drawing/2014/main" id="{067E1A8F-3A78-41CB-BE25-7123C534F79A}"/>
+          <p:cNvPr id="4" name="Content Placeholder 4">
+            <a:extLst>
+              <a:ext uri="{FF2B5EF4-FFF2-40B4-BE49-F238E27FC236}">
+                <a16:creationId xmlns:a16="http://schemas.microsoft.com/office/drawing/2014/main" id="{1E1568E9-8381-E548-9BA0-5C1B6A95118E}"/>
               </a:ext>
             </a:extLst>
           </p:cNvPr>
           <p:cNvPicPr>
             <a:picLocks noGrp="1" noChangeAspect="1"/>
           </p:cNvPicPr>
-          <p:nvPr>
-            <p:ph idx="1"/>
-          </p:nvPr>
+          <p:nvPr/>
         </p:nvPicPr>
         <p:blipFill>
-          <a:blip r:embed="rId2">
+          <a:blip r:embed="rId3">
             <a:extLst>
               <a:ext uri="{28A0092B-C50C-407E-A947-70E740481C1C}">
                 <a14:useLocalDpi xmlns:a14="http://schemas.microsoft.com/office/drawing/2010/main" val="0"/>
@@ -5386,17 +9356,27 @@
         </p:blipFill>
         <p:spPr>
           <a:xfrm>
-            <a:off x="838200" y="1880362"/>
-            <a:ext cx="4940300" cy="2205902"/>
+            <a:off x="991112" y="3192891"/>
+            <a:ext cx="4893494" cy="2390370"/>
           </a:xfrm>
+          <a:prstGeom prst="rect">
+            <a:avLst/>
+          </a:prstGeom>
+          <a:solidFill>
+            <a:schemeClr val="accent5">
+              <a:lumMod val="20000"/>
+              <a:lumOff val="80000"/>
+              <a:alpha val="70000"/>
+            </a:schemeClr>
+          </a:solidFill>
         </p:spPr>
       </p:pic>
       <p:pic>
         <p:nvPicPr>
-          <p:cNvPr id="15" name="Picture 14">
-            <a:extLst>
-              <a:ext uri="{FF2B5EF4-FFF2-40B4-BE49-F238E27FC236}">
-                <a16:creationId xmlns:a16="http://schemas.microsoft.com/office/drawing/2014/main" id="{15BA6188-AA3B-4E56-B646-946F7EB96E2A}"/>
+          <p:cNvPr id="5" name="Picture 4">
+            <a:extLst>
+              <a:ext uri="{FF2B5EF4-FFF2-40B4-BE49-F238E27FC236}">
+                <a16:creationId xmlns:a16="http://schemas.microsoft.com/office/drawing/2014/main" id="{978638A5-E4DF-4E4C-9D55-DFD63DE3E9B2}"/>
               </a:ext>
             </a:extLst>
           </p:cNvPr>
@@ -5406,7 +9386,7 @@
           <p:nvPr/>
         </p:nvPicPr>
         <p:blipFill>
-          <a:blip r:embed="rId3">
+          <a:blip r:embed="rId4">
             <a:extLst>
               <a:ext uri="{28A0092B-C50C-407E-A947-70E740481C1C}">
                 <a14:useLocalDpi xmlns:a14="http://schemas.microsoft.com/office/drawing/2010/main" val="0"/>
@@ -5419,14 +9399,14 @@
         </p:blipFill>
         <p:spPr>
           <a:xfrm>
-            <a:off x="6685118" y="1690688"/>
-            <a:ext cx="4668682" cy="3778041"/>
+            <a:off x="7058151" y="2606365"/>
+            <a:ext cx="3678674" cy="2976896"/>
           </a:xfrm>
           <a:prstGeom prst="rect">
             <a:avLst/>
           </a:prstGeom>
           <a:solidFill>
-            <a:schemeClr val="accent1">
+            <a:schemeClr val="accent5">
               <a:lumMod val="20000"/>
               <a:lumOff val="80000"/>
               <a:alpha val="70000"/>
@@ -5437,7 +9417,7 @@
     </p:spTree>
     <p:extLst>
       <p:ext uri="{BB962C8B-B14F-4D97-AF65-F5344CB8AC3E}">
-        <p14:creationId xmlns:p14="http://schemas.microsoft.com/office/powerpoint/2010/main" val="1558750315"/>
+        <p14:creationId xmlns:p14="http://schemas.microsoft.com/office/powerpoint/2010/main" val="3472262329"/>
       </p:ext>
     </p:extLst>
   </p:cSld>
@@ -5487,7 +9467,7 @@
           <a:p>
             <a:r>
               <a:rPr lang="en-US" dirty="0"/>
-              <a:t>Random Forest</a:t>
+              <a:t>Deep Neural Network</a:t>
             </a:r>
           </a:p>
         </p:txBody>
@@ -5509,6 +9489,10 @@
           </p:nvPr>
         </p:nvSpPr>
         <p:spPr>
+          <a:xfrm>
+            <a:off x="838200" y="1825625"/>
+            <a:ext cx="10515600" cy="4351338"/>
+          </a:xfrm>
           <a:solidFill>
             <a:schemeClr val="accent5">
               <a:lumMod val="20000"/>
@@ -5518,20 +9502,168 @@
           </a:solidFill>
         </p:spPr>
         <p:txBody>
-          <a:bodyPr/>
-          <a:lstStyle/>
+          <a:bodyPr>
+            <a:normAutofit fontScale="92500" lnSpcReduction="10000"/>
+          </a:bodyPr>
+          <a:lstStyle/>
+          <a:p>
+            <a:pPr marL="0" indent="0">
+              <a:buNone/>
+            </a:pPr>
+            <a:r>
+              <a:rPr lang="en-US" dirty="0"/>
+              <a:t>2 deep layers. </a:t>
+            </a:r>
+          </a:p>
+          <a:p>
+            <a:pPr marL="0" indent="0">
+              <a:buNone/>
+            </a:pPr>
+            <a:r>
+              <a:rPr lang="en-US" dirty="0"/>
+              <a:t>29 input and two output nodes. Middle layers have 58 nodes each.</a:t>
+            </a:r>
+          </a:p>
+          <a:p>
+            <a:pPr marL="0" indent="0">
+              <a:buNone/>
+            </a:pPr>
+            <a:r>
+              <a:rPr lang="en-US" dirty="0"/>
+              <a:t>200 epochs, ~3 hours</a:t>
+            </a:r>
+          </a:p>
           <a:p>
             <a:pPr marL="0" indent="0">
               <a:buNone/>
             </a:pPr>
             <a:endParaRPr lang="en-US" dirty="0"/>
           </a:p>
-        </p:txBody>
-      </p:sp>
+          <a:p>
+            <a:pPr marL="0" indent="0">
+              <a:buNone/>
+            </a:pPr>
+            <a:endParaRPr lang="en-US" dirty="0"/>
+          </a:p>
+          <a:p>
+            <a:pPr marL="0" indent="0">
+              <a:buNone/>
+            </a:pPr>
+            <a:endParaRPr lang="en-US" dirty="0"/>
+          </a:p>
+          <a:p>
+            <a:pPr marL="0" indent="0">
+              <a:buNone/>
+            </a:pPr>
+            <a:endParaRPr lang="en-US" dirty="0"/>
+          </a:p>
+          <a:p>
+            <a:pPr marL="0" indent="0">
+              <a:buNone/>
+            </a:pPr>
+            <a:endParaRPr lang="en-US" dirty="0"/>
+          </a:p>
+          <a:p>
+            <a:pPr marL="0" indent="0">
+              <a:buNone/>
+            </a:pPr>
+            <a:r>
+              <a:rPr lang="en-US" dirty="0"/>
+              <a:t>Not a bad model. Poor precision for 1 is due to 61 incorrectly predicted 1’s. There is space for improvement.</a:t>
+            </a:r>
+          </a:p>
+        </p:txBody>
+      </p:sp>
+      <p:pic>
+        <p:nvPicPr>
+          <p:cNvPr id="4" name="Content Placeholder 4">
+            <a:extLst>
+              <a:ext uri="{FF2B5EF4-FFF2-40B4-BE49-F238E27FC236}">
+                <a16:creationId xmlns:a16="http://schemas.microsoft.com/office/drawing/2014/main" id="{89907D22-69F7-3142-ACC2-92C97A684F40}"/>
+              </a:ext>
+            </a:extLst>
+          </p:cNvPr>
+          <p:cNvPicPr>
+            <a:picLocks noChangeAspect="1"/>
+          </p:cNvPicPr>
+          <p:nvPr/>
+        </p:nvPicPr>
+        <p:blipFill>
+          <a:blip r:embed="rId3">
+            <a:extLst>
+              <a:ext uri="{28A0092B-C50C-407E-A947-70E740481C1C}">
+                <a14:useLocalDpi xmlns:a14="http://schemas.microsoft.com/office/drawing/2010/main" val="0"/>
+              </a:ext>
+            </a:extLst>
+          </a:blip>
+          <a:stretch>
+            <a:fillRect/>
+          </a:stretch>
+        </p:blipFill>
+        <p:spPr>
+          <a:xfrm>
+            <a:off x="1030856" y="3045567"/>
+            <a:ext cx="4750512" cy="2314915"/>
+          </a:xfrm>
+          <a:prstGeom prst="rect">
+            <a:avLst/>
+          </a:prstGeom>
+          <a:solidFill>
+            <a:schemeClr val="accent5">
+              <a:lumMod val="20000"/>
+              <a:lumOff val="80000"/>
+              <a:alpha val="70000"/>
+            </a:schemeClr>
+          </a:solidFill>
+        </p:spPr>
+      </p:pic>
+      <p:pic>
+        <p:nvPicPr>
+          <p:cNvPr id="5" name="Picture 4">
+            <a:extLst>
+              <a:ext uri="{FF2B5EF4-FFF2-40B4-BE49-F238E27FC236}">
+                <a16:creationId xmlns:a16="http://schemas.microsoft.com/office/drawing/2014/main" id="{4767594D-1F75-0543-A860-E832BF466C23}"/>
+              </a:ext>
+            </a:extLst>
+          </p:cNvPr>
+          <p:cNvPicPr>
+            <a:picLocks noChangeAspect="1"/>
+          </p:cNvPicPr>
+          <p:nvPr/>
+        </p:nvPicPr>
+        <p:blipFill>
+          <a:blip r:embed="rId4">
+            <a:extLst>
+              <a:ext uri="{28A0092B-C50C-407E-A947-70E740481C1C}">
+                <a14:useLocalDpi xmlns:a14="http://schemas.microsoft.com/office/drawing/2010/main" val="0"/>
+              </a:ext>
+            </a:extLst>
+          </a:blip>
+          <a:stretch>
+            <a:fillRect/>
+          </a:stretch>
+        </p:blipFill>
+        <p:spPr>
+          <a:xfrm>
+            <a:off x="7224039" y="2661044"/>
+            <a:ext cx="3335807" cy="2699438"/>
+          </a:xfrm>
+          <a:prstGeom prst="rect">
+            <a:avLst/>
+          </a:prstGeom>
+          <a:solidFill>
+            <a:schemeClr val="accent5">
+              <a:lumMod val="20000"/>
+              <a:lumOff val="80000"/>
+              <a:alpha val="70000"/>
+            </a:schemeClr>
+          </a:solidFill>
+        </p:spPr>
+      </p:pic>
     </p:spTree>
     <p:extLst>
       <p:ext uri="{BB962C8B-B14F-4D97-AF65-F5344CB8AC3E}">
-        <p14:creationId xmlns:p14="http://schemas.microsoft.com/office/powerpoint/2010/main" val="2842197219"/>
+        <p14:creationId xmlns:p14="http://schemas.microsoft.com/office/powerpoint/2010/main" val="2548730304"/>
       </p:ext>
     </p:extLst>
   </p:cSld>
@@ -5586,39 +9718,23 @@
           </a:p>
         </p:txBody>
       </p:sp>
-      <p:pic>
-        <p:nvPicPr>
-          <p:cNvPr id="5" name="Content Placeholder 4">
-            <a:extLst>
-              <a:ext uri="{FF2B5EF4-FFF2-40B4-BE49-F238E27FC236}">
-                <a16:creationId xmlns:a16="http://schemas.microsoft.com/office/drawing/2014/main" id="{CEE4B498-C7F4-4609-B3DC-F465AD5CC79D}"/>
-              </a:ext>
-            </a:extLst>
-          </p:cNvPr>
-          <p:cNvPicPr>
-            <a:picLocks noGrp="1" noChangeAspect="1"/>
-          </p:cNvPicPr>
+      <p:sp>
+        <p:nvSpPr>
+          <p:cNvPr id="3" name="Content Placeholder 2">
+            <a:extLst>
+              <a:ext uri="{FF2B5EF4-FFF2-40B4-BE49-F238E27FC236}">
+                <a16:creationId xmlns:a16="http://schemas.microsoft.com/office/drawing/2014/main" id="{29525243-0C3A-48C7-8A8D-2C4EE2065629}"/>
+              </a:ext>
+            </a:extLst>
+          </p:cNvPr>
+          <p:cNvSpPr>
+            <a:spLocks noGrp="1"/>
+          </p:cNvSpPr>
           <p:nvPr>
             <p:ph idx="1"/>
           </p:nvPr>
-        </p:nvPicPr>
-        <p:blipFill>
-          <a:blip r:embed="rId2">
-            <a:extLst>
-              <a:ext uri="{28A0092B-C50C-407E-A947-70E740481C1C}">
-                <a14:useLocalDpi xmlns:a14="http://schemas.microsoft.com/office/drawing/2010/main" val="0"/>
-              </a:ext>
-            </a:extLst>
-          </a:blip>
-          <a:stretch>
-            <a:fillRect/>
-          </a:stretch>
-        </p:blipFill>
+        </p:nvSpPr>
         <p:spPr>
-          <a:xfrm>
-            <a:off x="968828" y="1404765"/>
-            <a:ext cx="6675521" cy="2632600"/>
-          </a:xfrm>
           <a:solidFill>
             <a:schemeClr val="accent5">
               <a:lumMod val="20000"/>
@@ -5627,83 +9743,21 @@
             </a:schemeClr>
           </a:solidFill>
         </p:spPr>
-      </p:pic>
-      <p:pic>
-        <p:nvPicPr>
-          <p:cNvPr id="9" name="Picture 8">
-            <a:extLst>
-              <a:ext uri="{FF2B5EF4-FFF2-40B4-BE49-F238E27FC236}">
-                <a16:creationId xmlns:a16="http://schemas.microsoft.com/office/drawing/2014/main" id="{D52C1D6B-32D3-4BAB-A760-5BFCF648E195}"/>
-              </a:ext>
-            </a:extLst>
-          </p:cNvPr>
-          <p:cNvPicPr>
-            <a:picLocks noChangeAspect="1"/>
-          </p:cNvPicPr>
-          <p:nvPr/>
-        </p:nvPicPr>
-        <p:blipFill>
-          <a:blip r:embed="rId3">
-            <a:extLst>
-              <a:ext uri="{28A0092B-C50C-407E-A947-70E740481C1C}">
-                <a14:useLocalDpi xmlns:a14="http://schemas.microsoft.com/office/drawing/2010/main" val="0"/>
-              </a:ext>
-            </a:extLst>
-          </a:blip>
-          <a:stretch>
-            <a:fillRect/>
-          </a:stretch>
-        </p:blipFill>
-        <p:spPr>
-          <a:xfrm>
-            <a:off x="8479972" y="1404765"/>
-            <a:ext cx="3341914" cy="2483679"/>
-          </a:xfrm>
-          <a:prstGeom prst="rect">
-            <a:avLst/>
-          </a:prstGeom>
-        </p:spPr>
-      </p:pic>
-      <p:pic>
-        <p:nvPicPr>
-          <p:cNvPr id="13" name="Picture 12">
-            <a:extLst>
-              <a:ext uri="{FF2B5EF4-FFF2-40B4-BE49-F238E27FC236}">
-                <a16:creationId xmlns:a16="http://schemas.microsoft.com/office/drawing/2014/main" id="{11C927E3-F357-49C9-98B0-92F8C5261A33}"/>
-              </a:ext>
-            </a:extLst>
-          </p:cNvPr>
-          <p:cNvPicPr>
-            <a:picLocks noChangeAspect="1"/>
-          </p:cNvPicPr>
-          <p:nvPr/>
-        </p:nvPicPr>
-        <p:blipFill>
-          <a:blip r:embed="rId4">
-            <a:extLst>
-              <a:ext uri="{28A0092B-C50C-407E-A947-70E740481C1C}">
-                <a14:useLocalDpi xmlns:a14="http://schemas.microsoft.com/office/drawing/2010/main" val="0"/>
-              </a:ext>
-            </a:extLst>
-          </a:blip>
-          <a:stretch>
-            <a:fillRect/>
-          </a:stretch>
-        </p:blipFill>
-        <p:spPr>
-          <a:xfrm>
-            <a:off x="968828" y="4348453"/>
-            <a:ext cx="5585349" cy="2509547"/>
-          </a:xfrm>
-          <a:prstGeom prst="rect">
-            <a:avLst/>
-          </a:prstGeom>
-        </p:spPr>
-      </p:pic>
+        <p:txBody>
+          <a:bodyPr/>
+          <a:lstStyle/>
+          <a:p>
+            <a:pPr marL="0" indent="0">
+              <a:buNone/>
+            </a:pPr>
+            <a:endParaRPr lang="en-US" dirty="0"/>
+          </a:p>
+        </p:txBody>
+      </p:sp>
     </p:spTree>
     <p:extLst>
       <p:ext uri="{BB962C8B-B14F-4D97-AF65-F5344CB8AC3E}">
-        <p14:creationId xmlns:p14="http://schemas.microsoft.com/office/powerpoint/2010/main" val="3420219619"/>
+        <p14:creationId xmlns:p14="http://schemas.microsoft.com/office/powerpoint/2010/main" val="2842197219"/>
       </p:ext>
     </p:extLst>
   </p:cSld>
@@ -6006,4 +10060,299 @@
     </a:ext>
   </a:extLst>
 </a:theme>
+</file>
+
+<file path=ppt/theme/theme2.xml><?xml version="1.0" encoding="utf-8"?>
+<a:theme xmlns:a="http://schemas.openxmlformats.org/drawingml/2006/main" name="Office Theme">
+  <a:themeElements>
+    <a:clrScheme name="Office">
+      <a:dk1>
+        <a:sysClr val="windowText" lastClr="000000"/>
+      </a:dk1>
+      <a:lt1>
+        <a:sysClr val="window" lastClr="FFFFFF"/>
+      </a:lt1>
+      <a:dk2>
+        <a:srgbClr val="44546A"/>
+      </a:dk2>
+      <a:lt2>
+        <a:srgbClr val="E7E6E6"/>
+      </a:lt2>
+      <a:accent1>
+        <a:srgbClr val="4472C4"/>
+      </a:accent1>
+      <a:accent2>
+        <a:srgbClr val="ED7D31"/>
+      </a:accent2>
+      <a:accent3>
+        <a:srgbClr val="A5A5A5"/>
+      </a:accent3>
+      <a:accent4>
+        <a:srgbClr val="FFC000"/>
+      </a:accent4>
+      <a:accent5>
+        <a:srgbClr val="5B9BD5"/>
+      </a:accent5>
+      <a:accent6>
+        <a:srgbClr val="70AD47"/>
+      </a:accent6>
+      <a:hlink>
+        <a:srgbClr val="0563C1"/>
+      </a:hlink>
+      <a:folHlink>
+        <a:srgbClr val="954F72"/>
+      </a:folHlink>
+    </a:clrScheme>
+    <a:fontScheme name="Office">
+      <a:majorFont>
+        <a:latin typeface="Calibri Light" panose="020F0302020204030204"/>
+        <a:ea typeface=""/>
+        <a:cs typeface=""/>
+        <a:font script="Jpan" typeface="游ゴシック Light"/>
+        <a:font script="Hang" typeface="맑은 고딕"/>
+        <a:font script="Hans" typeface="等线 Light"/>
+        <a:font script="Hant" typeface="新細明體"/>
+        <a:font script="Arab" typeface="Times New Roman"/>
+        <a:font script="Hebr" typeface="Times New Roman"/>
+        <a:font script="Thai" typeface="Angsana New"/>
+        <a:font script="Ethi" typeface="Nyala"/>
+        <a:font script="Beng" typeface="Vrinda"/>
+        <a:font script="Gujr" typeface="Shruti"/>
+        <a:font script="Khmr" typeface="MoolBoran"/>
+        <a:font script="Knda" typeface="Tunga"/>
+        <a:font script="Guru" typeface="Raavi"/>
+        <a:font script="Cans" typeface="Euphemia"/>
+        <a:font script="Cher" typeface="Plantagenet Cherokee"/>
+        <a:font script="Yiii" typeface="Microsoft Yi Baiti"/>
+        <a:font script="Tibt" typeface="Microsoft Himalaya"/>
+        <a:font script="Thaa" typeface="MV Boli"/>
+        <a:font script="Deva" typeface="Mangal"/>
+        <a:font script="Telu" typeface="Gautami"/>
+        <a:font script="Taml" typeface="Latha"/>
+        <a:font script="Syrc" typeface="Estrangelo Edessa"/>
+        <a:font script="Orya" typeface="Kalinga"/>
+        <a:font script="Mlym" typeface="Kartika"/>
+        <a:font script="Laoo" typeface="DokChampa"/>
+        <a:font script="Sinh" typeface="Iskoola Pota"/>
+        <a:font script="Mong" typeface="Mongolian Baiti"/>
+        <a:font script="Viet" typeface="Times New Roman"/>
+        <a:font script="Uigh" typeface="Microsoft Uighur"/>
+        <a:font script="Geor" typeface="Sylfaen"/>
+        <a:font script="Armn" typeface="Arial"/>
+        <a:font script="Bugi" typeface="Leelawadee UI"/>
+        <a:font script="Bopo" typeface="Microsoft JhengHei"/>
+        <a:font script="Java" typeface="Javanese Text"/>
+        <a:font script="Lisu" typeface="Segoe UI"/>
+        <a:font script="Mymr" typeface="Myanmar Text"/>
+        <a:font script="Nkoo" typeface="Ebrima"/>
+        <a:font script="Olck" typeface="Nirmala UI"/>
+        <a:font script="Osma" typeface="Ebrima"/>
+        <a:font script="Phag" typeface="Phagspa"/>
+        <a:font script="Syrn" typeface="Estrangelo Edessa"/>
+        <a:font script="Syrj" typeface="Estrangelo Edessa"/>
+        <a:font script="Syre" typeface="Estrangelo Edessa"/>
+        <a:font script="Sora" typeface="Nirmala UI"/>
+        <a:font script="Tale" typeface="Microsoft Tai Le"/>
+        <a:font script="Talu" typeface="Microsoft New Tai Lue"/>
+        <a:font script="Tfng" typeface="Ebrima"/>
+      </a:majorFont>
+      <a:minorFont>
+        <a:latin typeface="Calibri" panose="020F0502020204030204"/>
+        <a:ea typeface=""/>
+        <a:cs typeface=""/>
+        <a:font script="Jpan" typeface="游ゴシック"/>
+        <a:font script="Hang" typeface="맑은 고딕"/>
+        <a:font script="Hans" typeface="等线"/>
+        <a:font script="Hant" typeface="新細明體"/>
+        <a:font script="Arab" typeface="Arial"/>
+        <a:font script="Hebr" typeface="Arial"/>
+        <a:font script="Thai" typeface="Cordia New"/>
+        <a:font script="Ethi" typeface="Nyala"/>
+        <a:font script="Beng" typeface="Vrinda"/>
+        <a:font script="Gujr" typeface="Shruti"/>
+        <a:font script="Khmr" typeface="DaunPenh"/>
+        <a:font script="Knda" typeface="Tunga"/>
+        <a:font script="Guru" typeface="Raavi"/>
+        <a:font script="Cans" typeface="Euphemia"/>
+        <a:font script="Cher" typeface="Plantagenet Cherokee"/>
+        <a:font script="Yiii" typeface="Microsoft Yi Baiti"/>
+        <a:font script="Tibt" typeface="Microsoft Himalaya"/>
+        <a:font script="Thaa" typeface="MV Boli"/>
+        <a:font script="Deva" typeface="Mangal"/>
+        <a:font script="Telu" typeface="Gautami"/>
+        <a:font script="Taml" typeface="Latha"/>
+        <a:font script="Syrc" typeface="Estrangelo Edessa"/>
+        <a:font script="Orya" typeface="Kalinga"/>
+        <a:font script="Mlym" typeface="Kartika"/>
+        <a:font script="Laoo" typeface="DokChampa"/>
+        <a:font script="Sinh" typeface="Iskoola Pota"/>
+        <a:font script="Mong" typeface="Mongolian Baiti"/>
+        <a:font script="Viet" typeface="Arial"/>
+        <a:font script="Uigh" typeface="Microsoft Uighur"/>
+        <a:font script="Geor" typeface="Sylfaen"/>
+        <a:font script="Armn" typeface="Arial"/>
+        <a:font script="Bugi" typeface="Leelawadee UI"/>
+        <a:font script="Bopo" typeface="Microsoft JhengHei"/>
+        <a:font script="Java" typeface="Javanese Text"/>
+        <a:font script="Lisu" typeface="Segoe UI"/>
+        <a:font script="Mymr" typeface="Myanmar Text"/>
+        <a:font script="Nkoo" typeface="Ebrima"/>
+        <a:font script="Olck" typeface="Nirmala UI"/>
+        <a:font script="Osma" typeface="Ebrima"/>
+        <a:font script="Phag" typeface="Phagspa"/>
+        <a:font script="Syrn" typeface="Estrangelo Edessa"/>
+        <a:font script="Syrj" typeface="Estrangelo Edessa"/>
+        <a:font script="Syre" typeface="Estrangelo Edessa"/>
+        <a:font script="Sora" typeface="Nirmala UI"/>
+        <a:font script="Tale" typeface="Microsoft Tai Le"/>
+        <a:font script="Talu" typeface="Microsoft New Tai Lue"/>
+        <a:font script="Tfng" typeface="Ebrima"/>
+      </a:minorFont>
+    </a:fontScheme>
+    <a:fmtScheme name="Office">
+      <a:fillStyleLst>
+        <a:solidFill>
+          <a:schemeClr val="phClr"/>
+        </a:solidFill>
+        <a:gradFill rotWithShape="1">
+          <a:gsLst>
+            <a:gs pos="0">
+              <a:schemeClr val="phClr">
+                <a:lumMod val="110000"/>
+                <a:satMod val="105000"/>
+                <a:tint val="67000"/>
+              </a:schemeClr>
+            </a:gs>
+            <a:gs pos="50000">
+              <a:schemeClr val="phClr">
+                <a:lumMod val="105000"/>
+                <a:satMod val="103000"/>
+                <a:tint val="73000"/>
+              </a:schemeClr>
+            </a:gs>
+            <a:gs pos="100000">
+              <a:schemeClr val="phClr">
+                <a:lumMod val="105000"/>
+                <a:satMod val="109000"/>
+                <a:tint val="81000"/>
+              </a:schemeClr>
+            </a:gs>
+          </a:gsLst>
+          <a:lin ang="5400000" scaled="0"/>
+        </a:gradFill>
+        <a:gradFill rotWithShape="1">
+          <a:gsLst>
+            <a:gs pos="0">
+              <a:schemeClr val="phClr">
+                <a:satMod val="103000"/>
+                <a:lumMod val="102000"/>
+                <a:tint val="94000"/>
+              </a:schemeClr>
+            </a:gs>
+            <a:gs pos="50000">
+              <a:schemeClr val="phClr">
+                <a:satMod val="110000"/>
+                <a:lumMod val="100000"/>
+                <a:shade val="100000"/>
+              </a:schemeClr>
+            </a:gs>
+            <a:gs pos="100000">
+              <a:schemeClr val="phClr">
+                <a:lumMod val="99000"/>
+                <a:satMod val="120000"/>
+                <a:shade val="78000"/>
+              </a:schemeClr>
+            </a:gs>
+          </a:gsLst>
+          <a:lin ang="5400000" scaled="0"/>
+        </a:gradFill>
+      </a:fillStyleLst>
+      <a:lnStyleLst>
+        <a:ln w="6350" cap="flat" cmpd="sng" algn="ctr">
+          <a:solidFill>
+            <a:schemeClr val="phClr"/>
+          </a:solidFill>
+          <a:prstDash val="solid"/>
+          <a:miter lim="800000"/>
+        </a:ln>
+        <a:ln w="12700" cap="flat" cmpd="sng" algn="ctr">
+          <a:solidFill>
+            <a:schemeClr val="phClr"/>
+          </a:solidFill>
+          <a:prstDash val="solid"/>
+          <a:miter lim="800000"/>
+        </a:ln>
+        <a:ln w="19050" cap="flat" cmpd="sng" algn="ctr">
+          <a:solidFill>
+            <a:schemeClr val="phClr"/>
+          </a:solidFill>
+          <a:prstDash val="solid"/>
+          <a:miter lim="800000"/>
+        </a:ln>
+      </a:lnStyleLst>
+      <a:effectStyleLst>
+        <a:effectStyle>
+          <a:effectLst/>
+        </a:effectStyle>
+        <a:effectStyle>
+          <a:effectLst/>
+        </a:effectStyle>
+        <a:effectStyle>
+          <a:effectLst>
+            <a:outerShdw blurRad="57150" dist="19050" dir="5400000" algn="ctr" rotWithShape="0">
+              <a:srgbClr val="000000">
+                <a:alpha val="63000"/>
+              </a:srgbClr>
+            </a:outerShdw>
+          </a:effectLst>
+        </a:effectStyle>
+      </a:effectStyleLst>
+      <a:bgFillStyleLst>
+        <a:solidFill>
+          <a:schemeClr val="phClr"/>
+        </a:solidFill>
+        <a:solidFill>
+          <a:schemeClr val="phClr">
+            <a:tint val="95000"/>
+            <a:satMod val="170000"/>
+          </a:schemeClr>
+        </a:solidFill>
+        <a:gradFill rotWithShape="1">
+          <a:gsLst>
+            <a:gs pos="0">
+              <a:schemeClr val="phClr">
+                <a:tint val="93000"/>
+                <a:satMod val="150000"/>
+                <a:shade val="98000"/>
+                <a:lumMod val="102000"/>
+              </a:schemeClr>
+            </a:gs>
+            <a:gs pos="50000">
+              <a:schemeClr val="phClr">
+                <a:tint val="98000"/>
+                <a:satMod val="130000"/>
+                <a:shade val="90000"/>
+                <a:lumMod val="103000"/>
+              </a:schemeClr>
+            </a:gs>
+            <a:gs pos="100000">
+              <a:schemeClr val="phClr">
+                <a:shade val="63000"/>
+                <a:satMod val="120000"/>
+              </a:schemeClr>
+            </a:gs>
+          </a:gsLst>
+          <a:lin ang="5400000" scaled="0"/>
+        </a:gradFill>
+      </a:bgFillStyleLst>
+    </a:fmtScheme>
+  </a:themeElements>
+  <a:objectDefaults/>
+  <a:extraClrSchemeLst/>
+  <a:extLst>
+    <a:ext uri="{05A4C25C-085E-4340-85A3-A5531E510DB2}">
+      <thm15:themeFamily xmlns:thm15="http://schemas.microsoft.com/office/thememl/2012/main" name="Office Theme" id="{62F939B6-93AF-4DB8-9C6B-D6C7DFDC589F}" vid="{4A3C46E8-61CC-4603-A589-7422A47A8E4A}"/>
+    </a:ext>
+  </a:extLst>
+</a:theme>
 </file>
--- a/Credit_Card_Fraud_Presentation.pptx
+++ b/Credit_Card_Fraud_Presentation.pptx
@@ -5,26 +5,24 @@
     <p:sldMasterId id="2147483648" r:id="rId1"/>
   </p:sldMasterIdLst>
   <p:notesMasterIdLst>
-    <p:notesMasterId r:id="rId19"/>
+    <p:notesMasterId r:id="rId17"/>
   </p:notesMasterIdLst>
   <p:sldIdLst>
     <p:sldId id="256" r:id="rId2"/>
     <p:sldId id="261" r:id="rId3"/>
-    <p:sldId id="262" r:id="rId4"/>
-    <p:sldId id="263" r:id="rId5"/>
-    <p:sldId id="264" r:id="rId6"/>
-    <p:sldId id="267" r:id="rId7"/>
-    <p:sldId id="268" r:id="rId8"/>
-    <p:sldId id="266" r:id="rId9"/>
-    <p:sldId id="265" r:id="rId10"/>
-    <p:sldId id="275" r:id="rId11"/>
-    <p:sldId id="273" r:id="rId12"/>
-    <p:sldId id="279" r:id="rId13"/>
-    <p:sldId id="269" r:id="rId14"/>
-    <p:sldId id="272" r:id="rId15"/>
-    <p:sldId id="270" r:id="rId16"/>
-    <p:sldId id="280" r:id="rId17"/>
-    <p:sldId id="281" r:id="rId18"/>
+    <p:sldId id="272" r:id="rId4"/>
+    <p:sldId id="262" r:id="rId5"/>
+    <p:sldId id="263" r:id="rId6"/>
+    <p:sldId id="264" r:id="rId7"/>
+    <p:sldId id="267" r:id="rId8"/>
+    <p:sldId id="268" r:id="rId9"/>
+    <p:sldId id="266" r:id="rId10"/>
+    <p:sldId id="279" r:id="rId11"/>
+    <p:sldId id="275" r:id="rId12"/>
+    <p:sldId id="269" r:id="rId13"/>
+    <p:sldId id="270" r:id="rId14"/>
+    <p:sldId id="280" r:id="rId15"/>
+    <p:sldId id="282" r:id="rId16"/>
   </p:sldIdLst>
   <p:sldSz cx="12192000" cy="6858000"/>
   <p:notesSz cx="6858000" cy="9144000"/>
@@ -131,6 +129,1249 @@
 </p:presentation>
 </file>
 
+<file path=ppt/charts/chart1.xml><?xml version="1.0" encoding="utf-8"?>
+<c:chartSpace xmlns:c="http://schemas.openxmlformats.org/drawingml/2006/chart" xmlns:a="http://schemas.openxmlformats.org/drawingml/2006/main" xmlns:r="http://schemas.openxmlformats.org/officeDocument/2006/relationships" xmlns:c16r2="http://schemas.microsoft.com/office/drawing/2015/06/chart">
+  <c:date1904 val="0"/>
+  <c:lang val="en-US"/>
+  <c:roundedCorners val="0"/>
+  <mc:AlternateContent xmlns:mc="http://schemas.openxmlformats.org/markup-compatibility/2006">
+    <mc:Choice xmlns:c14="http://schemas.microsoft.com/office/drawing/2007/8/2/chart" Requires="c14">
+      <c14:style val="102"/>
+    </mc:Choice>
+    <mc:Fallback>
+      <c:style val="2"/>
+    </mc:Fallback>
+  </mc:AlternateContent>
+  <c:chart>
+    <c:title>
+      <c:tx>
+        <c:rich>
+          <a:bodyPr rot="0" spcFirstLastPara="1" vertOverflow="ellipsis" vert="horz" wrap="square" anchor="ctr" anchorCtr="1"/>
+          <a:lstStyle/>
+          <a:p>
+            <a:pPr>
+              <a:defRPr sz="1400" b="0" i="0" u="none" strike="noStrike" kern="1200" spc="0" baseline="0">
+                <a:solidFill>
+                  <a:schemeClr val="tx1">
+                    <a:lumMod val="65000"/>
+                    <a:lumOff val="35000"/>
+                  </a:schemeClr>
+                </a:solidFill>
+                <a:latin typeface="+mn-lt"/>
+                <a:ea typeface="+mn-ea"/>
+                <a:cs typeface="+mn-cs"/>
+              </a:defRPr>
+            </a:pPr>
+            <a:r>
+              <a:rPr lang="en-US"/>
+              <a:t>Classificatior Report Comparison</a:t>
+            </a:r>
+          </a:p>
+        </c:rich>
+      </c:tx>
+      <c:overlay val="0"/>
+      <c:spPr>
+        <a:noFill/>
+        <a:ln>
+          <a:noFill/>
+        </a:ln>
+        <a:effectLst/>
+      </c:spPr>
+      <c:txPr>
+        <a:bodyPr rot="0" spcFirstLastPara="1" vertOverflow="ellipsis" vert="horz" wrap="square" anchor="ctr" anchorCtr="1"/>
+        <a:lstStyle/>
+        <a:p>
+          <a:pPr>
+            <a:defRPr sz="1400" b="0" i="0" u="none" strike="noStrike" kern="1200" spc="0" baseline="0">
+              <a:solidFill>
+                <a:schemeClr val="tx1">
+                  <a:lumMod val="65000"/>
+                  <a:lumOff val="35000"/>
+                </a:schemeClr>
+              </a:solidFill>
+              <a:latin typeface="+mn-lt"/>
+              <a:ea typeface="+mn-ea"/>
+              <a:cs typeface="+mn-cs"/>
+            </a:defRPr>
+          </a:pPr>
+          <a:endParaRPr lang="en-US"/>
+        </a:p>
+      </c:txPr>
+    </c:title>
+    <c:autoTitleDeleted val="0"/>
+    <c:plotArea>
+      <c:layout/>
+      <c:barChart>
+        <c:barDir val="col"/>
+        <c:grouping val="clustered"/>
+        <c:varyColors val="0"/>
+        <c:ser>
+          <c:idx val="0"/>
+          <c:order val="0"/>
+          <c:tx>
+            <c:strRef>
+              <c:f>Sheet1!$B$1</c:f>
+              <c:strCache>
+                <c:ptCount val="1"/>
+                <c:pt idx="0">
+                  <c:v>Precision</c:v>
+                </c:pt>
+              </c:strCache>
+            </c:strRef>
+          </c:tx>
+          <c:spPr>
+            <a:solidFill>
+              <a:schemeClr val="accent6"/>
+            </a:solidFill>
+            <a:ln>
+              <a:noFill/>
+            </a:ln>
+            <a:effectLst/>
+          </c:spPr>
+          <c:invertIfNegative val="0"/>
+          <c:dLbls>
+            <c:spPr>
+              <a:noFill/>
+              <a:ln>
+                <a:noFill/>
+              </a:ln>
+              <a:effectLst/>
+            </c:spPr>
+            <c:txPr>
+              <a:bodyPr rot="0" spcFirstLastPara="1" vertOverflow="ellipsis" vert="horz" wrap="square" lIns="38100" tIns="19050" rIns="38100" bIns="19050" anchor="ctr" anchorCtr="1">
+                <a:spAutoFit/>
+              </a:bodyPr>
+              <a:lstStyle/>
+              <a:p>
+                <a:pPr>
+                  <a:defRPr sz="900" b="0" i="0" u="none" strike="noStrike" kern="1200" baseline="0">
+                    <a:solidFill>
+                      <a:schemeClr val="tx1">
+                        <a:lumMod val="75000"/>
+                        <a:lumOff val="25000"/>
+                      </a:schemeClr>
+                    </a:solidFill>
+                    <a:latin typeface="+mn-lt"/>
+                    <a:ea typeface="+mn-ea"/>
+                    <a:cs typeface="+mn-cs"/>
+                  </a:defRPr>
+                </a:pPr>
+                <a:endParaRPr lang="en-US"/>
+              </a:p>
+            </c:txPr>
+            <c:dLblPos val="outEnd"/>
+            <c:showLegendKey val="0"/>
+            <c:showVal val="1"/>
+            <c:showCatName val="0"/>
+            <c:showSerName val="0"/>
+            <c:showPercent val="0"/>
+            <c:showBubbleSize val="0"/>
+            <c:showLeaderLines val="0"/>
+            <c:extLst>
+              <c:ext xmlns:c15="http://schemas.microsoft.com/office/drawing/2012/chart" uri="{CE6537A1-D6FC-4f65-9D91-7224C49458BB}">
+                <c15:showLeaderLines val="1"/>
+                <c15:leaderLines>
+                  <c:spPr>
+                    <a:ln w="9525" cap="flat" cmpd="sng" algn="ctr">
+                      <a:solidFill>
+                        <a:schemeClr val="tx1">
+                          <a:lumMod val="35000"/>
+                          <a:lumOff val="65000"/>
+                        </a:schemeClr>
+                      </a:solidFill>
+                      <a:round/>
+                    </a:ln>
+                    <a:effectLst/>
+                  </c:spPr>
+                </c15:leaderLines>
+              </c:ext>
+            </c:extLst>
+          </c:dLbls>
+          <c:cat>
+            <c:strRef>
+              <c:f>Sheet1!$A$2:$A$7</c:f>
+              <c:strCache>
+                <c:ptCount val="6"/>
+                <c:pt idx="0">
+                  <c:v>Neural Network</c:v>
+                </c:pt>
+                <c:pt idx="1">
+                  <c:v>Deep Neural Network</c:v>
+                </c:pt>
+                <c:pt idx="2">
+                  <c:v>KNN</c:v>
+                </c:pt>
+                <c:pt idx="3">
+                  <c:v>Logistic Regression</c:v>
+                </c:pt>
+                <c:pt idx="4">
+                  <c:v>SVM</c:v>
+                </c:pt>
+                <c:pt idx="5">
+                  <c:v>Random Forest</c:v>
+                </c:pt>
+              </c:strCache>
+            </c:strRef>
+          </c:cat>
+          <c:val>
+            <c:numRef>
+              <c:f>Sheet1!$B$2:$B$7</c:f>
+              <c:numCache>
+                <c:formatCode>General</c:formatCode>
+                <c:ptCount val="6"/>
+                <c:pt idx="0">
+                  <c:v>0.11</c:v>
+                </c:pt>
+                <c:pt idx="1">
+                  <c:v>0.57999999999999996</c:v>
+                </c:pt>
+                <c:pt idx="2">
+                  <c:v>0.86</c:v>
+                </c:pt>
+                <c:pt idx="3">
+                  <c:v>0.08</c:v>
+                </c:pt>
+                <c:pt idx="4">
+                  <c:v>0.09</c:v>
+                </c:pt>
+                <c:pt idx="5">
+                  <c:v>0.94</c:v>
+                </c:pt>
+              </c:numCache>
+            </c:numRef>
+          </c:val>
+          <c:extLst>
+            <c:ext xmlns:c16="http://schemas.microsoft.com/office/drawing/2014/chart" uri="{C3380CC4-5D6E-409C-BE32-E72D297353CC}">
+              <c16:uniqueId val="{00000000-7E29-4FA2-AB12-34A7B23888CF}"/>
+            </c:ext>
+          </c:extLst>
+        </c:ser>
+        <c:ser>
+          <c:idx val="1"/>
+          <c:order val="1"/>
+          <c:tx>
+            <c:strRef>
+              <c:f>Sheet1!$C$1</c:f>
+              <c:strCache>
+                <c:ptCount val="1"/>
+                <c:pt idx="0">
+                  <c:v>Recall</c:v>
+                </c:pt>
+              </c:strCache>
+            </c:strRef>
+          </c:tx>
+          <c:spPr>
+            <a:solidFill>
+              <a:schemeClr val="accent5"/>
+            </a:solidFill>
+            <a:ln>
+              <a:noFill/>
+            </a:ln>
+            <a:effectLst/>
+          </c:spPr>
+          <c:invertIfNegative val="0"/>
+          <c:dLbls>
+            <c:spPr>
+              <a:noFill/>
+              <a:ln>
+                <a:noFill/>
+              </a:ln>
+              <a:effectLst/>
+            </c:spPr>
+            <c:txPr>
+              <a:bodyPr rot="0" spcFirstLastPara="1" vertOverflow="ellipsis" vert="horz" wrap="square" lIns="38100" tIns="19050" rIns="38100" bIns="19050" anchor="ctr" anchorCtr="1">
+                <a:spAutoFit/>
+              </a:bodyPr>
+              <a:lstStyle/>
+              <a:p>
+                <a:pPr>
+                  <a:defRPr sz="900" b="0" i="0" u="none" strike="noStrike" kern="1200" baseline="0">
+                    <a:solidFill>
+                      <a:schemeClr val="tx1">
+                        <a:lumMod val="75000"/>
+                        <a:lumOff val="25000"/>
+                      </a:schemeClr>
+                    </a:solidFill>
+                    <a:latin typeface="+mn-lt"/>
+                    <a:ea typeface="+mn-ea"/>
+                    <a:cs typeface="+mn-cs"/>
+                  </a:defRPr>
+                </a:pPr>
+                <a:endParaRPr lang="en-US"/>
+              </a:p>
+            </c:txPr>
+            <c:dLblPos val="outEnd"/>
+            <c:showLegendKey val="0"/>
+            <c:showVal val="1"/>
+            <c:showCatName val="0"/>
+            <c:showSerName val="0"/>
+            <c:showPercent val="0"/>
+            <c:showBubbleSize val="0"/>
+            <c:showLeaderLines val="0"/>
+            <c:extLst>
+              <c:ext xmlns:c15="http://schemas.microsoft.com/office/drawing/2012/chart" uri="{CE6537A1-D6FC-4f65-9D91-7224C49458BB}">
+                <c15:showLeaderLines val="1"/>
+                <c15:leaderLines>
+                  <c:spPr>
+                    <a:ln w="9525" cap="flat" cmpd="sng" algn="ctr">
+                      <a:solidFill>
+                        <a:schemeClr val="tx1">
+                          <a:lumMod val="35000"/>
+                          <a:lumOff val="65000"/>
+                        </a:schemeClr>
+                      </a:solidFill>
+                      <a:round/>
+                    </a:ln>
+                    <a:effectLst/>
+                  </c:spPr>
+                </c15:leaderLines>
+              </c:ext>
+            </c:extLst>
+          </c:dLbls>
+          <c:cat>
+            <c:strRef>
+              <c:f>Sheet1!$A$2:$A$7</c:f>
+              <c:strCache>
+                <c:ptCount val="6"/>
+                <c:pt idx="0">
+                  <c:v>Neural Network</c:v>
+                </c:pt>
+                <c:pt idx="1">
+                  <c:v>Deep Neural Network</c:v>
+                </c:pt>
+                <c:pt idx="2">
+                  <c:v>KNN</c:v>
+                </c:pt>
+                <c:pt idx="3">
+                  <c:v>Logistic Regression</c:v>
+                </c:pt>
+                <c:pt idx="4">
+                  <c:v>SVM</c:v>
+                </c:pt>
+                <c:pt idx="5">
+                  <c:v>Random Forest</c:v>
+                </c:pt>
+              </c:strCache>
+            </c:strRef>
+          </c:cat>
+          <c:val>
+            <c:numRef>
+              <c:f>Sheet1!$C$2:$C$7</c:f>
+              <c:numCache>
+                <c:formatCode>General</c:formatCode>
+                <c:ptCount val="6"/>
+                <c:pt idx="0">
+                  <c:v>0.84</c:v>
+                </c:pt>
+                <c:pt idx="1">
+                  <c:v>0.76</c:v>
+                </c:pt>
+                <c:pt idx="2">
+                  <c:v>0.76</c:v>
+                </c:pt>
+                <c:pt idx="3">
+                  <c:v>0.86</c:v>
+                </c:pt>
+                <c:pt idx="4">
+                  <c:v>0.85</c:v>
+                </c:pt>
+                <c:pt idx="5">
+                  <c:v>0.77</c:v>
+                </c:pt>
+              </c:numCache>
+            </c:numRef>
+          </c:val>
+          <c:extLst>
+            <c:ext xmlns:c16="http://schemas.microsoft.com/office/drawing/2014/chart" uri="{C3380CC4-5D6E-409C-BE32-E72D297353CC}">
+              <c16:uniqueId val="{00000001-7E29-4FA2-AB12-34A7B23888CF}"/>
+            </c:ext>
+          </c:extLst>
+        </c:ser>
+        <c:ser>
+          <c:idx val="2"/>
+          <c:order val="2"/>
+          <c:tx>
+            <c:strRef>
+              <c:f>Sheet1!$D$1</c:f>
+              <c:strCache>
+                <c:ptCount val="1"/>
+                <c:pt idx="0">
+                  <c:v>f1</c:v>
+                </c:pt>
+              </c:strCache>
+            </c:strRef>
+          </c:tx>
+          <c:spPr>
+            <a:solidFill>
+              <a:schemeClr val="accent4"/>
+            </a:solidFill>
+            <a:ln>
+              <a:noFill/>
+            </a:ln>
+            <a:effectLst/>
+          </c:spPr>
+          <c:invertIfNegative val="0"/>
+          <c:dLbls>
+            <c:spPr>
+              <a:noFill/>
+              <a:ln>
+                <a:noFill/>
+              </a:ln>
+              <a:effectLst/>
+            </c:spPr>
+            <c:txPr>
+              <a:bodyPr rot="0" spcFirstLastPara="1" vertOverflow="ellipsis" vert="horz" wrap="square" lIns="38100" tIns="19050" rIns="38100" bIns="19050" anchor="ctr" anchorCtr="1">
+                <a:spAutoFit/>
+              </a:bodyPr>
+              <a:lstStyle/>
+              <a:p>
+                <a:pPr>
+                  <a:defRPr sz="900" b="0" i="0" u="none" strike="noStrike" kern="1200" baseline="0">
+                    <a:solidFill>
+                      <a:schemeClr val="tx1">
+                        <a:lumMod val="75000"/>
+                        <a:lumOff val="25000"/>
+                      </a:schemeClr>
+                    </a:solidFill>
+                    <a:latin typeface="+mn-lt"/>
+                    <a:ea typeface="+mn-ea"/>
+                    <a:cs typeface="+mn-cs"/>
+                  </a:defRPr>
+                </a:pPr>
+                <a:endParaRPr lang="en-US"/>
+              </a:p>
+            </c:txPr>
+            <c:dLblPos val="outEnd"/>
+            <c:showLegendKey val="0"/>
+            <c:showVal val="1"/>
+            <c:showCatName val="0"/>
+            <c:showSerName val="0"/>
+            <c:showPercent val="0"/>
+            <c:showBubbleSize val="0"/>
+            <c:showLeaderLines val="0"/>
+            <c:extLst>
+              <c:ext xmlns:c15="http://schemas.microsoft.com/office/drawing/2012/chart" uri="{CE6537A1-D6FC-4f65-9D91-7224C49458BB}">
+                <c15:showLeaderLines val="1"/>
+                <c15:leaderLines>
+                  <c:spPr>
+                    <a:ln w="9525" cap="flat" cmpd="sng" algn="ctr">
+                      <a:solidFill>
+                        <a:schemeClr val="tx1">
+                          <a:lumMod val="35000"/>
+                          <a:lumOff val="65000"/>
+                        </a:schemeClr>
+                      </a:solidFill>
+                      <a:round/>
+                    </a:ln>
+                    <a:effectLst/>
+                  </c:spPr>
+                </c15:leaderLines>
+              </c:ext>
+            </c:extLst>
+          </c:dLbls>
+          <c:cat>
+            <c:strRef>
+              <c:f>Sheet1!$A$2:$A$7</c:f>
+              <c:strCache>
+                <c:ptCount val="6"/>
+                <c:pt idx="0">
+                  <c:v>Neural Network</c:v>
+                </c:pt>
+                <c:pt idx="1">
+                  <c:v>Deep Neural Network</c:v>
+                </c:pt>
+                <c:pt idx="2">
+                  <c:v>KNN</c:v>
+                </c:pt>
+                <c:pt idx="3">
+                  <c:v>Logistic Regression</c:v>
+                </c:pt>
+                <c:pt idx="4">
+                  <c:v>SVM</c:v>
+                </c:pt>
+                <c:pt idx="5">
+                  <c:v>Random Forest</c:v>
+                </c:pt>
+              </c:strCache>
+            </c:strRef>
+          </c:cat>
+          <c:val>
+            <c:numRef>
+              <c:f>Sheet1!$D$2:$D$7</c:f>
+              <c:numCache>
+                <c:formatCode>General</c:formatCode>
+                <c:ptCount val="6"/>
+                <c:pt idx="0">
+                  <c:v>0.2</c:v>
+                </c:pt>
+                <c:pt idx="1">
+                  <c:v>0.66</c:v>
+                </c:pt>
+                <c:pt idx="2">
+                  <c:v>0.8</c:v>
+                </c:pt>
+                <c:pt idx="3">
+                  <c:v>0.14000000000000001</c:v>
+                </c:pt>
+                <c:pt idx="4">
+                  <c:v>0.15</c:v>
+                </c:pt>
+                <c:pt idx="5">
+                  <c:v>0.85</c:v>
+                </c:pt>
+              </c:numCache>
+            </c:numRef>
+          </c:val>
+          <c:extLst>
+            <c:ext xmlns:c16="http://schemas.microsoft.com/office/drawing/2014/chart" uri="{C3380CC4-5D6E-409C-BE32-E72D297353CC}">
+              <c16:uniqueId val="{00000002-7E29-4FA2-AB12-34A7B23888CF}"/>
+            </c:ext>
+          </c:extLst>
+        </c:ser>
+        <c:dLbls>
+          <c:dLblPos val="outEnd"/>
+          <c:showLegendKey val="0"/>
+          <c:showVal val="1"/>
+          <c:showCatName val="0"/>
+          <c:showSerName val="0"/>
+          <c:showPercent val="0"/>
+          <c:showBubbleSize val="0"/>
+        </c:dLbls>
+        <c:gapWidth val="219"/>
+        <c:overlap val="-27"/>
+        <c:axId val="53393552"/>
+        <c:axId val="38576944"/>
+      </c:barChart>
+      <c:catAx>
+        <c:axId val="53393552"/>
+        <c:scaling>
+          <c:orientation val="minMax"/>
+        </c:scaling>
+        <c:delete val="0"/>
+        <c:axPos val="b"/>
+        <c:numFmt formatCode="General" sourceLinked="1"/>
+        <c:majorTickMark val="none"/>
+        <c:minorTickMark val="none"/>
+        <c:tickLblPos val="nextTo"/>
+        <c:spPr>
+          <a:noFill/>
+          <a:ln w="9525" cap="flat" cmpd="sng" algn="ctr">
+            <a:solidFill>
+              <a:schemeClr val="tx1">
+                <a:lumMod val="15000"/>
+                <a:lumOff val="85000"/>
+              </a:schemeClr>
+            </a:solidFill>
+            <a:round/>
+          </a:ln>
+          <a:effectLst/>
+        </c:spPr>
+        <c:txPr>
+          <a:bodyPr rot="-60000000" spcFirstLastPara="1" vertOverflow="ellipsis" vert="horz" wrap="square" anchor="ctr" anchorCtr="1"/>
+          <a:lstStyle/>
+          <a:p>
+            <a:pPr>
+              <a:defRPr sz="900" b="0" i="0" u="none" strike="noStrike" kern="1200" baseline="0">
+                <a:solidFill>
+                  <a:schemeClr val="tx1">
+                    <a:lumMod val="65000"/>
+                    <a:lumOff val="35000"/>
+                  </a:schemeClr>
+                </a:solidFill>
+                <a:latin typeface="+mn-lt"/>
+                <a:ea typeface="+mn-ea"/>
+                <a:cs typeface="+mn-cs"/>
+              </a:defRPr>
+            </a:pPr>
+            <a:endParaRPr lang="en-US"/>
+          </a:p>
+        </c:txPr>
+        <c:crossAx val="38576944"/>
+        <c:crosses val="autoZero"/>
+        <c:auto val="1"/>
+        <c:lblAlgn val="ctr"/>
+        <c:lblOffset val="100"/>
+        <c:noMultiLvlLbl val="0"/>
+      </c:catAx>
+      <c:valAx>
+        <c:axId val="38576944"/>
+        <c:scaling>
+          <c:orientation val="minMax"/>
+        </c:scaling>
+        <c:delete val="0"/>
+        <c:axPos val="l"/>
+        <c:majorGridlines>
+          <c:spPr>
+            <a:ln w="9525" cap="flat" cmpd="sng" algn="ctr">
+              <a:solidFill>
+                <a:schemeClr val="tx1">
+                  <a:lumMod val="15000"/>
+                  <a:lumOff val="85000"/>
+                </a:schemeClr>
+              </a:solidFill>
+              <a:round/>
+            </a:ln>
+            <a:effectLst/>
+          </c:spPr>
+        </c:majorGridlines>
+        <c:numFmt formatCode="General" sourceLinked="1"/>
+        <c:majorTickMark val="none"/>
+        <c:minorTickMark val="none"/>
+        <c:tickLblPos val="nextTo"/>
+        <c:spPr>
+          <a:noFill/>
+          <a:ln>
+            <a:noFill/>
+          </a:ln>
+          <a:effectLst/>
+        </c:spPr>
+        <c:txPr>
+          <a:bodyPr rot="-60000000" spcFirstLastPara="1" vertOverflow="ellipsis" vert="horz" wrap="square" anchor="ctr" anchorCtr="1"/>
+          <a:lstStyle/>
+          <a:p>
+            <a:pPr>
+              <a:defRPr sz="900" b="0" i="0" u="none" strike="noStrike" kern="1200" baseline="0">
+                <a:solidFill>
+                  <a:schemeClr val="tx1">
+                    <a:lumMod val="65000"/>
+                    <a:lumOff val="35000"/>
+                  </a:schemeClr>
+                </a:solidFill>
+                <a:latin typeface="+mn-lt"/>
+                <a:ea typeface="+mn-ea"/>
+                <a:cs typeface="+mn-cs"/>
+              </a:defRPr>
+            </a:pPr>
+            <a:endParaRPr lang="en-US"/>
+          </a:p>
+        </c:txPr>
+        <c:crossAx val="53393552"/>
+        <c:crosses val="autoZero"/>
+        <c:crossBetween val="between"/>
+      </c:valAx>
+      <c:spPr>
+        <a:noFill/>
+        <a:ln>
+          <a:noFill/>
+        </a:ln>
+        <a:effectLst/>
+      </c:spPr>
+    </c:plotArea>
+    <c:legend>
+      <c:legendPos val="b"/>
+      <c:overlay val="0"/>
+      <c:spPr>
+        <a:noFill/>
+        <a:ln>
+          <a:noFill/>
+        </a:ln>
+        <a:effectLst/>
+      </c:spPr>
+      <c:txPr>
+        <a:bodyPr rot="0" spcFirstLastPara="1" vertOverflow="ellipsis" vert="horz" wrap="square" anchor="ctr" anchorCtr="1"/>
+        <a:lstStyle/>
+        <a:p>
+          <a:pPr>
+            <a:defRPr sz="900" b="0" i="0" u="none" strike="noStrike" kern="1200" baseline="0">
+              <a:solidFill>
+                <a:schemeClr val="tx1">
+                  <a:lumMod val="65000"/>
+                  <a:lumOff val="35000"/>
+                </a:schemeClr>
+              </a:solidFill>
+              <a:latin typeface="+mn-lt"/>
+              <a:ea typeface="+mn-ea"/>
+              <a:cs typeface="+mn-cs"/>
+            </a:defRPr>
+          </a:pPr>
+          <a:endParaRPr lang="en-US"/>
+        </a:p>
+      </c:txPr>
+    </c:legend>
+    <c:plotVisOnly val="1"/>
+    <c:dispBlanksAs val="gap"/>
+    <c:extLst>
+      <c:ext xmlns:c16r3="http://schemas.microsoft.com/office/drawing/2017/03/chart" uri="{56B9EC1D-385E-4148-901F-78D8002777C0}">
+        <c16r3:dataDisplayOptions16>
+          <c16r3:dispNaAsBlank val="1"/>
+        </c16r3:dataDisplayOptions16>
+      </c:ext>
+    </c:extLst>
+    <c:showDLblsOverMax val="0"/>
+  </c:chart>
+  <c:spPr>
+    <a:solidFill>
+      <a:schemeClr val="bg1">
+        <a:lumMod val="95000"/>
+      </a:schemeClr>
+    </a:solidFill>
+    <a:ln w="9525" cap="flat" cmpd="sng" algn="ctr">
+      <a:solidFill>
+        <a:schemeClr val="tx1">
+          <a:lumMod val="15000"/>
+          <a:lumOff val="85000"/>
+        </a:schemeClr>
+      </a:solidFill>
+      <a:round/>
+    </a:ln>
+    <a:effectLst/>
+  </c:spPr>
+  <c:txPr>
+    <a:bodyPr/>
+    <a:lstStyle/>
+    <a:p>
+      <a:pPr>
+        <a:defRPr/>
+      </a:pPr>
+      <a:endParaRPr lang="en-US"/>
+    </a:p>
+  </c:txPr>
+  <c:externalData r:id="rId3">
+    <c:autoUpdate val="0"/>
+  </c:externalData>
+</c:chartSpace>
+</file>
+
+<file path=ppt/charts/colors1.xml><?xml version="1.0" encoding="utf-8"?>
+<cs:colorStyle xmlns:cs="http://schemas.microsoft.com/office/drawing/2012/chartStyle" xmlns:a="http://schemas.openxmlformats.org/drawingml/2006/main" meth="cycle" id="13">
+  <a:schemeClr val="accent6"/>
+  <a:schemeClr val="accent5"/>
+  <a:schemeClr val="accent4"/>
+  <cs:variation/>
+  <cs:variation>
+    <a:lumMod val="60000"/>
+  </cs:variation>
+  <cs:variation>
+    <a:lumMod val="80000"/>
+    <a:lumOff val="20000"/>
+  </cs:variation>
+  <cs:variation>
+    <a:lumMod val="80000"/>
+  </cs:variation>
+  <cs:variation>
+    <a:lumMod val="60000"/>
+    <a:lumOff val="40000"/>
+  </cs:variation>
+  <cs:variation>
+    <a:lumMod val="50000"/>
+  </cs:variation>
+  <cs:variation>
+    <a:lumMod val="70000"/>
+    <a:lumOff val="30000"/>
+  </cs:variation>
+  <cs:variation>
+    <a:lumMod val="70000"/>
+  </cs:variation>
+  <cs:variation>
+    <a:lumMod val="50000"/>
+    <a:lumOff val="50000"/>
+  </cs:variation>
+</cs:colorStyle>
+</file>
+
+<file path=ppt/charts/style1.xml><?xml version="1.0" encoding="utf-8"?>
+<cs:chartStyle xmlns:cs="http://schemas.microsoft.com/office/drawing/2012/chartStyle" xmlns:a="http://schemas.openxmlformats.org/drawingml/2006/main" id="201">
+  <cs:axisTitle>
+    <cs:lnRef idx="0"/>
+    <cs:fillRef idx="0"/>
+    <cs:effectRef idx="0"/>
+    <cs:fontRef idx="minor">
+      <a:schemeClr val="tx1">
+        <a:lumMod val="65000"/>
+        <a:lumOff val="35000"/>
+      </a:schemeClr>
+    </cs:fontRef>
+    <cs:defRPr sz="1000" kern="1200"/>
+  </cs:axisTitle>
+  <cs:categoryAxis>
+    <cs:lnRef idx="0"/>
+    <cs:fillRef idx="0"/>
+    <cs:effectRef idx="0"/>
+    <cs:fontRef idx="minor">
+      <a:schemeClr val="tx1">
+        <a:lumMod val="65000"/>
+        <a:lumOff val="35000"/>
+      </a:schemeClr>
+    </cs:fontRef>
+    <cs:spPr>
+      <a:ln w="9525" cap="flat" cmpd="sng" algn="ctr">
+        <a:solidFill>
+          <a:schemeClr val="tx1">
+            <a:lumMod val="15000"/>
+            <a:lumOff val="85000"/>
+          </a:schemeClr>
+        </a:solidFill>
+        <a:round/>
+      </a:ln>
+    </cs:spPr>
+    <cs:defRPr sz="900" kern="1200"/>
+  </cs:categoryAxis>
+  <cs:chartArea mods="allowNoFillOverride allowNoLineOverride">
+    <cs:lnRef idx="0"/>
+    <cs:fillRef idx="0"/>
+    <cs:effectRef idx="0"/>
+    <cs:fontRef idx="minor">
+      <a:schemeClr val="tx1"/>
+    </cs:fontRef>
+    <cs:spPr>
+      <a:solidFill>
+        <a:schemeClr val="bg1"/>
+      </a:solidFill>
+      <a:ln w="9525" cap="flat" cmpd="sng" algn="ctr">
+        <a:solidFill>
+          <a:schemeClr val="tx1">
+            <a:lumMod val="15000"/>
+            <a:lumOff val="85000"/>
+          </a:schemeClr>
+        </a:solidFill>
+        <a:round/>
+      </a:ln>
+    </cs:spPr>
+    <cs:defRPr sz="1000" kern="1200"/>
+  </cs:chartArea>
+  <cs:dataLabel>
+    <cs:lnRef idx="0"/>
+    <cs:fillRef idx="0"/>
+    <cs:effectRef idx="0"/>
+    <cs:fontRef idx="minor">
+      <a:schemeClr val="tx1">
+        <a:lumMod val="75000"/>
+        <a:lumOff val="25000"/>
+      </a:schemeClr>
+    </cs:fontRef>
+    <cs:defRPr sz="900" kern="1200"/>
+  </cs:dataLabel>
+  <cs:dataLabelCallout>
+    <cs:lnRef idx="0"/>
+    <cs:fillRef idx="0"/>
+    <cs:effectRef idx="0"/>
+    <cs:fontRef idx="minor">
+      <a:schemeClr val="dk1">
+        <a:lumMod val="65000"/>
+        <a:lumOff val="35000"/>
+      </a:schemeClr>
+    </cs:fontRef>
+    <cs:spPr>
+      <a:solidFill>
+        <a:schemeClr val="lt1"/>
+      </a:solidFill>
+      <a:ln>
+        <a:solidFill>
+          <a:schemeClr val="dk1">
+            <a:lumMod val="25000"/>
+            <a:lumOff val="75000"/>
+          </a:schemeClr>
+        </a:solidFill>
+      </a:ln>
+    </cs:spPr>
+    <cs:defRPr sz="900" kern="1200"/>
+    <cs:bodyPr rot="0" spcFirstLastPara="1" vertOverflow="clip" horzOverflow="clip" vert="horz" wrap="square" lIns="36576" tIns="18288" rIns="36576" bIns="18288" anchor="ctr" anchorCtr="1">
+      <a:spAutoFit/>
+    </cs:bodyPr>
+  </cs:dataLabelCallout>
+  <cs:dataPoint>
+    <cs:lnRef idx="0"/>
+    <cs:fillRef idx="1">
+      <cs:styleClr val="auto"/>
+    </cs:fillRef>
+    <cs:effectRef idx="0"/>
+    <cs:fontRef idx="minor">
+      <a:schemeClr val="tx1"/>
+    </cs:fontRef>
+  </cs:dataPoint>
+  <cs:dataPoint3D>
+    <cs:lnRef idx="0"/>
+    <cs:fillRef idx="1">
+      <cs:styleClr val="auto"/>
+    </cs:fillRef>
+    <cs:effectRef idx="0"/>
+    <cs:fontRef idx="minor">
+      <a:schemeClr val="tx1"/>
+    </cs:fontRef>
+  </cs:dataPoint3D>
+  <cs:dataPointLine>
+    <cs:lnRef idx="0">
+      <cs:styleClr val="auto"/>
+    </cs:lnRef>
+    <cs:fillRef idx="1"/>
+    <cs:effectRef idx="0"/>
+    <cs:fontRef idx="minor">
+      <a:schemeClr val="tx1"/>
+    </cs:fontRef>
+    <cs:spPr>
+      <a:ln w="28575" cap="rnd">
+        <a:solidFill>
+          <a:schemeClr val="phClr"/>
+        </a:solidFill>
+        <a:round/>
+      </a:ln>
+    </cs:spPr>
+  </cs:dataPointLine>
+  <cs:dataPointMarker>
+    <cs:lnRef idx="0">
+      <cs:styleClr val="auto"/>
+    </cs:lnRef>
+    <cs:fillRef idx="1">
+      <cs:styleClr val="auto"/>
+    </cs:fillRef>
+    <cs:effectRef idx="0"/>
+    <cs:fontRef idx="minor">
+      <a:schemeClr val="tx1"/>
+    </cs:fontRef>
+    <cs:spPr>
+      <a:ln w="9525">
+        <a:solidFill>
+          <a:schemeClr val="phClr"/>
+        </a:solidFill>
+      </a:ln>
+    </cs:spPr>
+  </cs:dataPointMarker>
+  <cs:dataPointMarkerLayout symbol="circle" size="5"/>
+  <cs:dataPointWireframe>
+    <cs:lnRef idx="0">
+      <cs:styleClr val="auto"/>
+    </cs:lnRef>
+    <cs:fillRef idx="1"/>
+    <cs:effectRef idx="0"/>
+    <cs:fontRef idx="minor">
+      <a:schemeClr val="tx1"/>
+    </cs:fontRef>
+    <cs:spPr>
+      <a:ln w="9525" cap="rnd">
+        <a:solidFill>
+          <a:schemeClr val="phClr"/>
+        </a:solidFill>
+        <a:round/>
+      </a:ln>
+    </cs:spPr>
+  </cs:dataPointWireframe>
+  <cs:dataTable>
+    <cs:lnRef idx="0"/>
+    <cs:fillRef idx="0"/>
+    <cs:effectRef idx="0"/>
+    <cs:fontRef idx="minor">
+      <a:schemeClr val="tx1">
+        <a:lumMod val="65000"/>
+        <a:lumOff val="35000"/>
+      </a:schemeClr>
+    </cs:fontRef>
+    <cs:spPr>
+      <a:noFill/>
+      <a:ln w="9525" cap="flat" cmpd="sng" algn="ctr">
+        <a:solidFill>
+          <a:schemeClr val="tx1">
+            <a:lumMod val="15000"/>
+            <a:lumOff val="85000"/>
+          </a:schemeClr>
+        </a:solidFill>
+        <a:round/>
+      </a:ln>
+    </cs:spPr>
+    <cs:defRPr sz="900" kern="1200"/>
+  </cs:dataTable>
+  <cs:downBar>
+    <cs:lnRef idx="0"/>
+    <cs:fillRef idx="0"/>
+    <cs:effectRef idx="0"/>
+    <cs:fontRef idx="minor">
+      <a:schemeClr val="dk1"/>
+    </cs:fontRef>
+    <cs:spPr>
+      <a:solidFill>
+        <a:schemeClr val="dk1">
+          <a:lumMod val="65000"/>
+          <a:lumOff val="35000"/>
+        </a:schemeClr>
+      </a:solidFill>
+      <a:ln w="9525">
+        <a:solidFill>
+          <a:schemeClr val="tx1">
+            <a:lumMod val="65000"/>
+            <a:lumOff val="35000"/>
+          </a:schemeClr>
+        </a:solidFill>
+      </a:ln>
+    </cs:spPr>
+  </cs:downBar>
+  <cs:dropLine>
+    <cs:lnRef idx="0"/>
+    <cs:fillRef idx="0"/>
+    <cs:effectRef idx="0"/>
+    <cs:fontRef idx="minor">
+      <a:schemeClr val="tx1"/>
+    </cs:fontRef>
+    <cs:spPr>
+      <a:ln w="9525" cap="flat" cmpd="sng" algn="ctr">
+        <a:solidFill>
+          <a:schemeClr val="tx1">
+            <a:lumMod val="35000"/>
+            <a:lumOff val="65000"/>
+          </a:schemeClr>
+        </a:solidFill>
+        <a:round/>
+      </a:ln>
+    </cs:spPr>
+  </cs:dropLine>
+  <cs:errorBar>
+    <cs:lnRef idx="0"/>
+    <cs:fillRef idx="0"/>
+    <cs:effectRef idx="0"/>
+    <cs:fontRef idx="minor">
+      <a:schemeClr val="tx1"/>
+    </cs:fontRef>
+    <cs:spPr>
+      <a:ln w="9525" cap="flat" cmpd="sng" algn="ctr">
+        <a:solidFill>
+          <a:schemeClr val="tx1">
+            <a:lumMod val="65000"/>
+            <a:lumOff val="35000"/>
+          </a:schemeClr>
+        </a:solidFill>
+        <a:round/>
+      </a:ln>
+    </cs:spPr>
+  </cs:errorBar>
+  <cs:floor>
+    <cs:lnRef idx="0"/>
+    <cs:fillRef idx="0"/>
+    <cs:effectRef idx="0"/>
+    <cs:fontRef idx="minor">
+      <a:schemeClr val="tx1"/>
+    </cs:fontRef>
+    <cs:spPr>
+      <a:noFill/>
+      <a:ln>
+        <a:noFill/>
+      </a:ln>
+    </cs:spPr>
+  </cs:floor>
+  <cs:gridlineMajor>
+    <cs:lnRef idx="0"/>
+    <cs:fillRef idx="0"/>
+    <cs:effectRef idx="0"/>
+    <cs:fontRef idx="minor">
+      <a:schemeClr val="tx1"/>
+    </cs:fontRef>
+    <cs:spPr>
+      <a:ln w="9525" cap="flat" cmpd="sng" algn="ctr">
+        <a:solidFill>
+          <a:schemeClr val="tx1">
+            <a:lumMod val="15000"/>
+            <a:lumOff val="85000"/>
+          </a:schemeClr>
+        </a:solidFill>
+        <a:round/>
+      </a:ln>
+    </cs:spPr>
+  </cs:gridlineMajor>
+  <cs:gridlineMinor>
+    <cs:lnRef idx="0"/>
+    <cs:fillRef idx="0"/>
+    <cs:effectRef idx="0"/>
+    <cs:fontRef idx="minor">
+      <a:schemeClr val="tx1"/>
+    </cs:fontRef>
+    <cs:spPr>
+      <a:ln w="9525" cap="flat" cmpd="sng" algn="ctr">
+        <a:solidFill>
+          <a:schemeClr val="tx1">
+            <a:lumMod val="5000"/>
+            <a:lumOff val="95000"/>
+          </a:schemeClr>
+        </a:solidFill>
+        <a:round/>
+      </a:ln>
+    </cs:spPr>
+  </cs:gridlineMinor>
+  <cs:hiLoLine>
+    <cs:lnRef idx="0"/>
+    <cs:fillRef idx="0"/>
+    <cs:effectRef idx="0"/>
+    <cs:fontRef idx="minor">
+      <a:schemeClr val="tx1"/>
+    </cs:fontRef>
+    <cs:spPr>
+      <a:ln w="9525" cap="flat" cmpd="sng" algn="ctr">
+        <a:solidFill>
+          <a:schemeClr val="tx1">
+            <a:lumMod val="75000"/>
+            <a:lumOff val="25000"/>
+          </a:schemeClr>
+        </a:solidFill>
+        <a:round/>
+      </a:ln>
+    </cs:spPr>
+  </cs:hiLoLine>
+  <cs:leaderLine>
+    <cs:lnRef idx="0"/>
+    <cs:fillRef idx="0"/>
+    <cs:effectRef idx="0"/>
+    <cs:fontRef idx="minor">
+      <a:schemeClr val="tx1"/>
+    </cs:fontRef>
+    <cs:spPr>
+      <a:ln w="9525" cap="flat" cmpd="sng" algn="ctr">
+        <a:solidFill>
+          <a:schemeClr val="tx1">
+            <a:lumMod val="35000"/>
+            <a:lumOff val="65000"/>
+          </a:schemeClr>
+        </a:solidFill>
+        <a:round/>
+      </a:ln>
+    </cs:spPr>
+  </cs:leaderLine>
+  <cs:legend>
+    <cs:lnRef idx="0"/>
+    <cs:fillRef idx="0"/>
+    <cs:effectRef idx="0"/>
+    <cs:fontRef idx="minor">
+      <a:schemeClr val="tx1">
+        <a:lumMod val="65000"/>
+        <a:lumOff val="35000"/>
+      </a:schemeClr>
+    </cs:fontRef>
+    <cs:defRPr sz="900" kern="1200"/>
+  </cs:legend>
+  <cs:plotArea mods="allowNoFillOverride allowNoLineOverride">
+    <cs:lnRef idx="0"/>
+    <cs:fillRef idx="0"/>
+    <cs:effectRef idx="0"/>
+    <cs:fontRef idx="minor">
+      <a:schemeClr val="tx1"/>
+    </cs:fontRef>
+  </cs:plotArea>
+  <cs:plotArea3D mods="allowNoFillOverride allowNoLineOverride">
+    <cs:lnRef idx="0"/>
+    <cs:fillRef idx="0"/>
+    <cs:effectRef idx="0"/>
+    <cs:fontRef idx="minor">
+      <a:schemeClr val="tx1"/>
+    </cs:fontRef>
+  </cs:plotArea3D>
+  <cs:seriesAxis>
+    <cs:lnRef idx="0"/>
+    <cs:fillRef idx="0"/>
+    <cs:effectRef idx="0"/>
+    <cs:fontRef idx="minor">
+      <a:schemeClr val="tx1">
+        <a:lumMod val="65000"/>
+        <a:lumOff val="35000"/>
+      </a:schemeClr>
+    </cs:fontRef>
+    <cs:defRPr sz="900" kern="1200"/>
+  </cs:seriesAxis>
+  <cs:seriesLine>
+    <cs:lnRef idx="0"/>
+    <cs:fillRef idx="0"/>
+    <cs:effectRef idx="0"/>
+    <cs:fontRef idx="minor">
+      <a:schemeClr val="tx1"/>
+    </cs:fontRef>
+    <cs:spPr>
+      <a:ln w="9525" cap="flat" cmpd="sng" algn="ctr">
+        <a:solidFill>
+          <a:schemeClr val="tx1">
+            <a:lumMod val="35000"/>
+            <a:lumOff val="65000"/>
+          </a:schemeClr>
+        </a:solidFill>
+        <a:round/>
+      </a:ln>
+    </cs:spPr>
+  </cs:seriesLine>
+  <cs:title>
+    <cs:lnRef idx="0"/>
+    <cs:fillRef idx="0"/>
+    <cs:effectRef idx="0"/>
+    <cs:fontRef idx="minor">
+      <a:schemeClr val="tx1">
+        <a:lumMod val="65000"/>
+        <a:lumOff val="35000"/>
+      </a:schemeClr>
+    </cs:fontRef>
+    <cs:defRPr sz="1400" b="0" kern="1200" spc="0" baseline="0"/>
+  </cs:title>
+  <cs:trendline>
+    <cs:lnRef idx="0">
+      <cs:styleClr val="auto"/>
+    </cs:lnRef>
+    <cs:fillRef idx="0"/>
+    <cs:effectRef idx="0"/>
+    <cs:fontRef idx="minor">
+      <a:schemeClr val="tx1"/>
+    </cs:fontRef>
+    <cs:spPr>
+      <a:ln w="19050" cap="rnd">
+        <a:solidFill>
+          <a:schemeClr val="phClr"/>
+        </a:solidFill>
+        <a:prstDash val="sysDot"/>
+      </a:ln>
+    </cs:spPr>
+  </cs:trendline>
+  <cs:trendlineLabel>
+    <cs:lnRef idx="0"/>
+    <cs:fillRef idx="0"/>
+    <cs:effectRef idx="0"/>
+    <cs:fontRef idx="minor">
+      <a:schemeClr val="tx1">
+        <a:lumMod val="65000"/>
+        <a:lumOff val="35000"/>
+      </a:schemeClr>
+    </cs:fontRef>
+    <cs:defRPr sz="900" kern="1200"/>
+  </cs:trendlineLabel>
+  <cs:upBar>
+    <cs:lnRef idx="0"/>
+    <cs:fillRef idx="0"/>
+    <cs:effectRef idx="0"/>
+    <cs:fontRef idx="minor">
+      <a:schemeClr val="dk1"/>
+    </cs:fontRef>
+    <cs:spPr>
+      <a:solidFill>
+        <a:schemeClr val="lt1"/>
+      </a:solidFill>
+      <a:ln w="9525">
+        <a:solidFill>
+          <a:schemeClr val="tx1">
+            <a:lumMod val="15000"/>
+            <a:lumOff val="85000"/>
+          </a:schemeClr>
+        </a:solidFill>
+      </a:ln>
+    </cs:spPr>
+  </cs:upBar>
+  <cs:valueAxis>
+    <cs:lnRef idx="0"/>
+    <cs:fillRef idx="0"/>
+    <cs:effectRef idx="0"/>
+    <cs:fontRef idx="minor">
+      <a:schemeClr val="tx1">
+        <a:lumMod val="65000"/>
+        <a:lumOff val="35000"/>
+      </a:schemeClr>
+    </cs:fontRef>
+    <cs:defRPr sz="900" kern="1200"/>
+  </cs:valueAxis>
+  <cs:wall>
+    <cs:lnRef idx="0"/>
+    <cs:fillRef idx="0"/>
+    <cs:effectRef idx="0"/>
+    <cs:fontRef idx="minor">
+      <a:schemeClr val="tx1"/>
+    </cs:fontRef>
+    <cs:spPr>
+      <a:noFill/>
+      <a:ln>
+        <a:noFill/>
+      </a:ln>
+    </cs:spPr>
+  </cs:wall>
+</cs:chartStyle>
+</file>
+
 <file path=ppt/notesMasters/notesMaster1.xml><?xml version="1.0" encoding="utf-8"?>
 <p:notesMaster xmlns:a="http://schemas.openxmlformats.org/drawingml/2006/main" xmlns:r="http://schemas.openxmlformats.org/officeDocument/2006/relationships" xmlns:p="http://schemas.openxmlformats.org/presentationml/2006/main">
   <p:cSld>
@@ -213,7 +1454,7 @@
           <a:p>
             <a:fld id="{85E8BFE0-8317-40B5-88D8-F083C3915B0E}" type="datetimeFigureOut">
               <a:rPr lang="en-US" smtClean="0"/>
-              <a:t>8/16/2020</a:t>
+              <a:t>8/18/2020</a:t>
             </a:fld>
             <a:endParaRPr lang="en-US"/>
           </a:p>
@@ -644,7 +1885,7 @@
     </p:spTree>
     <p:extLst>
       <p:ext uri="{BB962C8B-B14F-4D97-AF65-F5344CB8AC3E}">
-        <p14:creationId xmlns:p14="http://schemas.microsoft.com/office/powerpoint/2010/main" val="2098571881"/>
+        <p14:creationId xmlns:p14="http://schemas.microsoft.com/office/powerpoint/2010/main" val="1714010795"/>
       </p:ext>
     </p:extLst>
   </p:cSld>
@@ -731,7 +1972,7 @@
     </p:spTree>
     <p:extLst>
       <p:ext uri="{BB962C8B-B14F-4D97-AF65-F5344CB8AC3E}">
-        <p14:creationId xmlns:p14="http://schemas.microsoft.com/office/powerpoint/2010/main" val="3559435471"/>
+        <p14:creationId xmlns:p14="http://schemas.microsoft.com/office/powerpoint/2010/main" val="2098571881"/>
       </p:ext>
     </p:extLst>
   </p:cSld>
@@ -818,7 +2059,7 @@
     </p:spTree>
     <p:extLst>
       <p:ext uri="{BB962C8B-B14F-4D97-AF65-F5344CB8AC3E}">
-        <p14:creationId xmlns:p14="http://schemas.microsoft.com/office/powerpoint/2010/main" val="1714010795"/>
+        <p14:creationId xmlns:p14="http://schemas.microsoft.com/office/powerpoint/2010/main" val="1664722029"/>
       </p:ext>
     </p:extLst>
   </p:cSld>
@@ -874,7 +2115,7 @@
           <a:p>
             <a:r>
               <a:rPr lang="en-US" dirty="0"/>
-              <a:t>Nic</a:t>
+              <a:t>Austin</a:t>
             </a:r>
           </a:p>
         </p:txBody>
@@ -905,7 +2146,7 @@
     </p:spTree>
     <p:extLst>
       <p:ext uri="{BB962C8B-B14F-4D97-AF65-F5344CB8AC3E}">
-        <p14:creationId xmlns:p14="http://schemas.microsoft.com/office/powerpoint/2010/main" val="1664722029"/>
+        <p14:creationId xmlns:p14="http://schemas.microsoft.com/office/powerpoint/2010/main" val="4093485138"/>
       </p:ext>
     </p:extLst>
   </p:cSld>
@@ -960,10 +2201,9 @@
           <a:lstStyle/>
           <a:p>
             <a:r>
-              <a:rPr lang="en-US" dirty="0" err="1"/>
-              <a:t>Luminda</a:t>
-            </a:r>
-            <a:endParaRPr lang="en-US" dirty="0"/>
+              <a:rPr lang="en-US" dirty="0"/>
+              <a:t>Austin</a:t>
+            </a:r>
           </a:p>
         </p:txBody>
       </p:sp>
@@ -993,7 +2233,7 @@
     </p:spTree>
     <p:extLst>
       <p:ext uri="{BB962C8B-B14F-4D97-AF65-F5344CB8AC3E}">
-        <p14:creationId xmlns:p14="http://schemas.microsoft.com/office/powerpoint/2010/main" val="1459720351"/>
+        <p14:creationId xmlns:p14="http://schemas.microsoft.com/office/powerpoint/2010/main" val="1016567709"/>
       </p:ext>
     </p:extLst>
   </p:cSld>
@@ -1049,7 +2289,7 @@
           <a:p>
             <a:r>
               <a:rPr lang="en-US" dirty="0"/>
-              <a:t>Austin</a:t>
+              <a:t>Shayon</a:t>
             </a:r>
           </a:p>
         </p:txBody>
@@ -1080,94 +2320,7 @@
     </p:spTree>
     <p:extLst>
       <p:ext uri="{BB962C8B-B14F-4D97-AF65-F5344CB8AC3E}">
-        <p14:creationId xmlns:p14="http://schemas.microsoft.com/office/powerpoint/2010/main" val="4093485138"/>
-      </p:ext>
-    </p:extLst>
-  </p:cSld>
-  <p:clrMapOvr>
-    <a:masterClrMapping/>
-  </p:clrMapOvr>
-</p:notes>
-</file>
-
-<file path=ppt/notesSlides/notesSlide16.xml><?xml version="1.0" encoding="utf-8"?>
-<p:notes xmlns:a="http://schemas.openxmlformats.org/drawingml/2006/main" xmlns:r="http://schemas.openxmlformats.org/officeDocument/2006/relationships" xmlns:p="http://schemas.openxmlformats.org/presentationml/2006/main">
-  <p:cSld>
-    <p:spTree>
-      <p:nvGrpSpPr>
-        <p:cNvPr id="1" name=""/>
-        <p:cNvGrpSpPr/>
-        <p:nvPr/>
-      </p:nvGrpSpPr>
-      <p:grpSpPr>
-        <a:xfrm>
-          <a:off x="0" y="0"/>
-          <a:ext cx="0" cy="0"/>
-          <a:chOff x="0" y="0"/>
-          <a:chExt cx="0" cy="0"/>
-        </a:xfrm>
-      </p:grpSpPr>
-      <p:sp>
-        <p:nvSpPr>
-          <p:cNvPr id="2" name="Slide Image Placeholder 1"/>
-          <p:cNvSpPr>
-            <a:spLocks noGrp="1" noRot="1" noChangeAspect="1"/>
-          </p:cNvSpPr>
-          <p:nvPr>
-            <p:ph type="sldImg"/>
-          </p:nvPr>
-        </p:nvSpPr>
-        <p:spPr/>
-      </p:sp>
-      <p:sp>
-        <p:nvSpPr>
-          <p:cNvPr id="3" name="Notes Placeholder 2"/>
-          <p:cNvSpPr>
-            <a:spLocks noGrp="1"/>
-          </p:cNvSpPr>
-          <p:nvPr>
-            <p:ph type="body" idx="1"/>
-          </p:nvPr>
-        </p:nvSpPr>
-        <p:spPr/>
-        <p:txBody>
-          <a:bodyPr/>
-          <a:lstStyle/>
-          <a:p>
-            <a:r>
-              <a:rPr lang="en-US" dirty="0"/>
-              <a:t>Austin</a:t>
-            </a:r>
-          </a:p>
-        </p:txBody>
-      </p:sp>
-      <p:sp>
-        <p:nvSpPr>
-          <p:cNvPr id="4" name="Slide Number Placeholder 3"/>
-          <p:cNvSpPr>
-            <a:spLocks noGrp="1"/>
-          </p:cNvSpPr>
-          <p:nvPr>
-            <p:ph type="sldNum" sz="quarter" idx="5"/>
-          </p:nvPr>
-        </p:nvSpPr>
-        <p:spPr/>
-        <p:txBody>
-          <a:bodyPr/>
-          <a:lstStyle/>
-          <a:p>
-            <a:fld id="{63EBB350-F07C-4041-8E01-7690833135BA}" type="slidenum">
-              <a:rPr lang="en-US" smtClean="0"/>
-              <a:t>16</a:t>
-            </a:fld>
-            <a:endParaRPr lang="en-US"/>
-          </a:p>
-        </p:txBody>
-      </p:sp>
-    </p:spTree>
-    <p:extLst>
-      <p:ext uri="{BB962C8B-B14F-4D97-AF65-F5344CB8AC3E}">
-        <p14:creationId xmlns:p14="http://schemas.microsoft.com/office/powerpoint/2010/main" val="1016567709"/>
+        <p14:creationId xmlns:p14="http://schemas.microsoft.com/office/powerpoint/2010/main" val="286280522"/>
       </p:ext>
     </p:extLst>
   </p:cSld>
@@ -1309,10 +2462,9 @@
           <a:lstStyle/>
           <a:p>
             <a:r>
-              <a:rPr lang="en-US" dirty="0" err="1"/>
-              <a:t>Luminda</a:t>
-            </a:r>
-            <a:endParaRPr lang="en-US" dirty="0"/>
+              <a:rPr lang="en-US" dirty="0"/>
+              <a:t>Austin</a:t>
+            </a:r>
           </a:p>
         </p:txBody>
       </p:sp>
@@ -1342,7 +2494,7 @@
     </p:spTree>
     <p:extLst>
       <p:ext uri="{BB962C8B-B14F-4D97-AF65-F5344CB8AC3E}">
-        <p14:creationId xmlns:p14="http://schemas.microsoft.com/office/powerpoint/2010/main" val="1386659934"/>
+        <p14:creationId xmlns:p14="http://schemas.microsoft.com/office/powerpoint/2010/main" val="1459720351"/>
       </p:ext>
     </p:extLst>
   </p:cSld>
@@ -1400,10 +2552,7 @@
               <a:rPr lang="en-US" dirty="0" err="1"/>
               <a:t>Luminda</a:t>
             </a:r>
-            <a:r>
-              <a:rPr lang="en-US" dirty="0"/>
-              <a:t> or Jayvis?</a:t>
-            </a:r>
+            <a:endParaRPr lang="en-US" dirty="0"/>
           </a:p>
         </p:txBody>
       </p:sp>
@@ -1433,7 +2582,7 @@
     </p:spTree>
     <p:extLst>
       <p:ext uri="{BB962C8B-B14F-4D97-AF65-F5344CB8AC3E}">
-        <p14:creationId xmlns:p14="http://schemas.microsoft.com/office/powerpoint/2010/main" val="612186692"/>
+        <p14:creationId xmlns:p14="http://schemas.microsoft.com/office/powerpoint/2010/main" val="1386659934"/>
       </p:ext>
     </p:extLst>
   </p:cSld>
@@ -1488,10 +2637,9 @@
           <a:lstStyle/>
           <a:p>
             <a:r>
-              <a:rPr lang="en-US" dirty="0" err="1"/>
-              <a:t>Luminda</a:t>
-            </a:r>
-            <a:endParaRPr lang="en-US" dirty="0"/>
+              <a:rPr lang="en-US" dirty="0"/>
+              <a:t>Jayvis</a:t>
+            </a:r>
           </a:p>
         </p:txBody>
       </p:sp>
@@ -1521,7 +2669,7 @@
     </p:spTree>
     <p:extLst>
       <p:ext uri="{BB962C8B-B14F-4D97-AF65-F5344CB8AC3E}">
-        <p14:creationId xmlns:p14="http://schemas.microsoft.com/office/powerpoint/2010/main" val="3655690228"/>
+        <p14:creationId xmlns:p14="http://schemas.microsoft.com/office/powerpoint/2010/main" val="612186692"/>
       </p:ext>
     </p:extLst>
   </p:cSld>
@@ -1609,7 +2757,7 @@
     </p:spTree>
     <p:extLst>
       <p:ext uri="{BB962C8B-B14F-4D97-AF65-F5344CB8AC3E}">
-        <p14:creationId xmlns:p14="http://schemas.microsoft.com/office/powerpoint/2010/main" val="1270077097"/>
+        <p14:creationId xmlns:p14="http://schemas.microsoft.com/office/powerpoint/2010/main" val="3655690228"/>
       </p:ext>
     </p:extLst>
   </p:cSld>
@@ -1697,7 +2845,7 @@
     </p:spTree>
     <p:extLst>
       <p:ext uri="{BB962C8B-B14F-4D97-AF65-F5344CB8AC3E}">
-        <p14:creationId xmlns:p14="http://schemas.microsoft.com/office/powerpoint/2010/main" val="4087847669"/>
+        <p14:creationId xmlns:p14="http://schemas.microsoft.com/office/powerpoint/2010/main" val="1270077097"/>
       </p:ext>
     </p:extLst>
   </p:cSld>
@@ -1785,7 +2933,7 @@
     </p:spTree>
     <p:extLst>
       <p:ext uri="{BB962C8B-B14F-4D97-AF65-F5344CB8AC3E}">
-        <p14:creationId xmlns:p14="http://schemas.microsoft.com/office/powerpoint/2010/main" val="696750289"/>
+        <p14:creationId xmlns:p14="http://schemas.microsoft.com/office/powerpoint/2010/main" val="4087847669"/>
       </p:ext>
     </p:extLst>
   </p:cSld>
@@ -1840,9 +2988,10 @@
           <a:lstStyle/>
           <a:p>
             <a:r>
-              <a:rPr lang="en-US" dirty="0"/>
-              <a:t>Nic</a:t>
-            </a:r>
+              <a:rPr lang="en-US" dirty="0" err="1"/>
+              <a:t>Luminda</a:t>
+            </a:r>
+            <a:endParaRPr lang="en-US" dirty="0"/>
           </a:p>
         </p:txBody>
       </p:sp>
@@ -1872,7 +3021,7 @@
     </p:spTree>
     <p:extLst>
       <p:ext uri="{BB962C8B-B14F-4D97-AF65-F5344CB8AC3E}">
-        <p14:creationId xmlns:p14="http://schemas.microsoft.com/office/powerpoint/2010/main" val="3342963135"/>
+        <p14:creationId xmlns:p14="http://schemas.microsoft.com/office/powerpoint/2010/main" val="696750289"/>
       </p:ext>
     </p:extLst>
   </p:cSld>
@@ -2029,7 +3178,7 @@
           <a:p>
             <a:fld id="{713C45DA-0A1B-4872-BE81-6AC069517B3B}" type="datetimeFigureOut">
               <a:rPr lang="en-US" smtClean="0"/>
-              <a:t>8/16/2020</a:t>
+              <a:t>8/18/2020</a:t>
             </a:fld>
             <a:endParaRPr lang="en-US"/>
           </a:p>
@@ -2227,7 +3376,7 @@
           <a:p>
             <a:fld id="{713C45DA-0A1B-4872-BE81-6AC069517B3B}" type="datetimeFigureOut">
               <a:rPr lang="en-US" smtClean="0"/>
-              <a:t>8/16/2020</a:t>
+              <a:t>8/18/2020</a:t>
             </a:fld>
             <a:endParaRPr lang="en-US"/>
           </a:p>
@@ -2435,7 +3584,7 @@
           <a:p>
             <a:fld id="{713C45DA-0A1B-4872-BE81-6AC069517B3B}" type="datetimeFigureOut">
               <a:rPr lang="en-US" smtClean="0"/>
-              <a:t>8/16/2020</a:t>
+              <a:t>8/18/2020</a:t>
             </a:fld>
             <a:endParaRPr lang="en-US"/>
           </a:p>
@@ -2633,7 +3782,7 @@
           <a:p>
             <a:fld id="{713C45DA-0A1B-4872-BE81-6AC069517B3B}" type="datetimeFigureOut">
               <a:rPr lang="en-US" smtClean="0"/>
-              <a:t>8/16/2020</a:t>
+              <a:t>8/18/2020</a:t>
             </a:fld>
             <a:endParaRPr lang="en-US"/>
           </a:p>
@@ -2908,7 +4057,7 @@
           <a:p>
             <a:fld id="{713C45DA-0A1B-4872-BE81-6AC069517B3B}" type="datetimeFigureOut">
               <a:rPr lang="en-US" smtClean="0"/>
-              <a:t>8/16/2020</a:t>
+              <a:t>8/18/2020</a:t>
             </a:fld>
             <a:endParaRPr lang="en-US"/>
           </a:p>
@@ -3173,7 +4322,7 @@
           <a:p>
             <a:fld id="{713C45DA-0A1B-4872-BE81-6AC069517B3B}" type="datetimeFigureOut">
               <a:rPr lang="en-US" smtClean="0"/>
-              <a:t>8/16/2020</a:t>
+              <a:t>8/18/2020</a:t>
             </a:fld>
             <a:endParaRPr lang="en-US"/>
           </a:p>
@@ -3585,7 +4734,7 @@
           <a:p>
             <a:fld id="{713C45DA-0A1B-4872-BE81-6AC069517B3B}" type="datetimeFigureOut">
               <a:rPr lang="en-US" smtClean="0"/>
-              <a:t>8/16/2020</a:t>
+              <a:t>8/18/2020</a:t>
             </a:fld>
             <a:endParaRPr lang="en-US"/>
           </a:p>
@@ -3726,7 +4875,7 @@
           <a:p>
             <a:fld id="{713C45DA-0A1B-4872-BE81-6AC069517B3B}" type="datetimeFigureOut">
               <a:rPr lang="en-US" smtClean="0"/>
-              <a:t>8/16/2020</a:t>
+              <a:t>8/18/2020</a:t>
             </a:fld>
             <a:endParaRPr lang="en-US"/>
           </a:p>
@@ -3839,7 +4988,7 @@
           <a:p>
             <a:fld id="{713C45DA-0A1B-4872-BE81-6AC069517B3B}" type="datetimeFigureOut">
               <a:rPr lang="en-US" smtClean="0"/>
-              <a:t>8/16/2020</a:t>
+              <a:t>8/18/2020</a:t>
             </a:fld>
             <a:endParaRPr lang="en-US"/>
           </a:p>
@@ -4150,7 +5299,7 @@
           <a:p>
             <a:fld id="{713C45DA-0A1B-4872-BE81-6AC069517B3B}" type="datetimeFigureOut">
               <a:rPr lang="en-US" smtClean="0"/>
-              <a:t>8/16/2020</a:t>
+              <a:t>8/18/2020</a:t>
             </a:fld>
             <a:endParaRPr lang="en-US"/>
           </a:p>
@@ -4438,7 +5587,7 @@
           <a:p>
             <a:fld id="{713C45DA-0A1B-4872-BE81-6AC069517B3B}" type="datetimeFigureOut">
               <a:rPr lang="en-US" smtClean="0"/>
-              <a:t>8/16/2020</a:t>
+              <a:t>8/18/2020</a:t>
             </a:fld>
             <a:endParaRPr lang="en-US"/>
           </a:p>
@@ -4688,7 +5837,7 @@
           <a:p>
             <a:fld id="{713C45DA-0A1B-4872-BE81-6AC069517B3B}" type="datetimeFigureOut">
               <a:rPr lang="en-US" smtClean="0"/>
-              <a:t>8/16/2020</a:t>
+              <a:t>8/18/2020</a:t>
             </a:fld>
             <a:endParaRPr lang="en-US"/>
           </a:p>
@@ -5251,26 +6400,117 @@
           <a:p>
             <a:r>
               <a:rPr lang="en-US" dirty="0"/>
-              <a:t>Random Forest</a:t>
-            </a:r>
+              <a:t>Support Vector Machine (SVM)</a:t>
+            </a:r>
+          </a:p>
+        </p:txBody>
+      </p:sp>
+      <p:sp>
+        <p:nvSpPr>
+          <p:cNvPr id="6" name="TextBox 5">
+            <a:extLst>
+              <a:ext uri="{FF2B5EF4-FFF2-40B4-BE49-F238E27FC236}">
+                <a16:creationId xmlns:a16="http://schemas.microsoft.com/office/drawing/2014/main" id="{0AD3FD94-131B-485E-AB6F-F24CBD76E335}"/>
+              </a:ext>
+            </a:extLst>
+          </p:cNvPr>
+          <p:cNvSpPr txBox="1"/>
+          <p:nvPr/>
+        </p:nvSpPr>
+        <p:spPr>
+          <a:xfrm>
+            <a:off x="407650" y="1690688"/>
+            <a:ext cx="11645922" cy="4770537"/>
+          </a:xfrm>
+          <a:prstGeom prst="rect">
+            <a:avLst/>
+          </a:prstGeom>
+          <a:solidFill>
+            <a:schemeClr val="accent1">
+              <a:lumMod val="20000"/>
+              <a:lumOff val="80000"/>
+              <a:alpha val="70000"/>
+            </a:schemeClr>
+          </a:solidFill>
+        </p:spPr>
+        <p:txBody>
+          <a:bodyPr wrap="square" rtlCol="0">
+            <a:spAutoFit/>
+          </a:bodyPr>
+          <a:lstStyle/>
+          <a:p>
+            <a:r>
+              <a:rPr lang="en-US" sz="2600" dirty="0"/>
+              <a:t>Training time ~2 hours</a:t>
+            </a:r>
+          </a:p>
+          <a:p>
+            <a:r>
+              <a:rPr lang="en-US" sz="2600" dirty="0"/>
+              <a:t>Similar performance to Logistic Regression model</a:t>
+            </a:r>
+            <a:r>
+              <a:rPr lang="en-US" dirty="0"/>
+              <a:t>.</a:t>
+            </a:r>
+          </a:p>
+          <a:p>
+            <a:endParaRPr lang="en-US" dirty="0"/>
+          </a:p>
+          <a:p>
+            <a:endParaRPr lang="en-US" dirty="0"/>
+          </a:p>
+          <a:p>
+            <a:endParaRPr lang="en-US" dirty="0"/>
+          </a:p>
+          <a:p>
+            <a:endParaRPr lang="en-US" dirty="0"/>
+          </a:p>
+          <a:p>
+            <a:endParaRPr lang="en-US" dirty="0"/>
+          </a:p>
+          <a:p>
+            <a:endParaRPr lang="en-US" dirty="0"/>
+          </a:p>
+          <a:p>
+            <a:endParaRPr lang="en-US" dirty="0"/>
+          </a:p>
+          <a:p>
+            <a:endParaRPr lang="en-US" dirty="0"/>
+          </a:p>
+          <a:p>
+            <a:endParaRPr lang="en-US" dirty="0"/>
+          </a:p>
+          <a:p>
+            <a:endParaRPr lang="en-US" dirty="0"/>
+          </a:p>
+          <a:p>
+            <a:endParaRPr lang="en-US" dirty="0"/>
+          </a:p>
+          <a:p>
+            <a:endParaRPr lang="en-US" dirty="0"/>
+          </a:p>
+          <a:p>
+            <a:endParaRPr lang="en-US" dirty="0"/>
+          </a:p>
+          <a:p>
+            <a:endParaRPr lang="en-US" dirty="0"/>
           </a:p>
         </p:txBody>
       </p:sp>
       <p:pic>
         <p:nvPicPr>
-          <p:cNvPr id="5" name="Content Placeholder 4">
-            <a:extLst>
-              <a:ext uri="{FF2B5EF4-FFF2-40B4-BE49-F238E27FC236}">
-                <a16:creationId xmlns:a16="http://schemas.microsoft.com/office/drawing/2014/main" id="{CEE4B498-C7F4-4609-B3DC-F465AD5CC79D}"/>
+          <p:cNvPr id="3" name="Content Placeholder 4" descr="A screenshot of a cell phone&#10;&#10;Description automatically generated">
+            <a:extLst>
+              <a:ext uri="{FF2B5EF4-FFF2-40B4-BE49-F238E27FC236}">
+                <a16:creationId xmlns:a16="http://schemas.microsoft.com/office/drawing/2014/main" id="{8E3B2D02-3415-4C2F-9C14-4411615C0238}"/>
               </a:ext>
             </a:extLst>
           </p:cNvPr>
           <p:cNvPicPr>
-            <a:picLocks noGrp="1" noChangeAspect="1"/>
+            <a:picLocks noChangeAspect="1"/>
           </p:cNvPicPr>
-          <p:nvPr>
-            <p:ph idx="1"/>
-          </p:nvPr>
+          <p:nvPr/>
         </p:nvPicPr>
         <p:blipFill>
           <a:blip r:embed="rId3">
@@ -5286,9 +6526,12 @@
         </p:blipFill>
         <p:spPr>
           <a:xfrm>
-            <a:off x="968828" y="1404765"/>
-            <a:ext cx="6675521" cy="2632600"/>
+            <a:off x="7529745" y="2629263"/>
+            <a:ext cx="4398984" cy="3614876"/>
           </a:xfrm>
+          <a:prstGeom prst="rect">
+            <a:avLst/>
+          </a:prstGeom>
           <a:solidFill>
             <a:schemeClr val="accent5">
               <a:lumMod val="20000"/>
@@ -5300,17 +6543,19 @@
       </p:pic>
       <p:pic>
         <p:nvPicPr>
-          <p:cNvPr id="9" name="Picture 8">
-            <a:extLst>
-              <a:ext uri="{FF2B5EF4-FFF2-40B4-BE49-F238E27FC236}">
-                <a16:creationId xmlns:a16="http://schemas.microsoft.com/office/drawing/2014/main" id="{D52C1D6B-32D3-4BAB-A760-5BFCF648E195}"/>
+          <p:cNvPr id="10" name="Content Placeholder 4">
+            <a:extLst>
+              <a:ext uri="{FF2B5EF4-FFF2-40B4-BE49-F238E27FC236}">
+                <a16:creationId xmlns:a16="http://schemas.microsoft.com/office/drawing/2014/main" id="{1DA2D478-52A5-4B61-B90B-FD1CBC109F05}"/>
               </a:ext>
             </a:extLst>
           </p:cNvPr>
           <p:cNvPicPr>
-            <a:picLocks noChangeAspect="1"/>
+            <a:picLocks noGrp="1" noChangeAspect="1"/>
           </p:cNvPicPr>
-          <p:nvPr/>
+          <p:nvPr>
+            <p:ph idx="1"/>
+          </p:nvPr>
         </p:nvPicPr>
         <p:blipFill>
           <a:blip r:embed="rId4">
@@ -5326,54 +6571,22 @@
         </p:blipFill>
         <p:spPr>
           <a:xfrm>
-            <a:off x="8479972" y="1404765"/>
-            <a:ext cx="3341914" cy="2483679"/>
+            <a:off x="552029" y="3172326"/>
+            <a:ext cx="6345298" cy="2767013"/>
           </a:xfrm>
-          <a:prstGeom prst="rect">
-            <a:avLst/>
-          </a:prstGeom>
-        </p:spPr>
-      </p:pic>
-      <p:pic>
-        <p:nvPicPr>
-          <p:cNvPr id="13" name="Picture 12">
-            <a:extLst>
-              <a:ext uri="{FF2B5EF4-FFF2-40B4-BE49-F238E27FC236}">
-                <a16:creationId xmlns:a16="http://schemas.microsoft.com/office/drawing/2014/main" id="{11C927E3-F357-49C9-98B0-92F8C5261A33}"/>
-              </a:ext>
-            </a:extLst>
-          </p:cNvPr>
-          <p:cNvPicPr>
-            <a:picLocks noChangeAspect="1"/>
-          </p:cNvPicPr>
-          <p:nvPr/>
-        </p:nvPicPr>
-        <p:blipFill>
-          <a:blip r:embed="rId5">
-            <a:extLst>
-              <a:ext uri="{28A0092B-C50C-407E-A947-70E740481C1C}">
-                <a14:useLocalDpi xmlns:a14="http://schemas.microsoft.com/office/drawing/2010/main" val="0"/>
-              </a:ext>
-            </a:extLst>
-          </a:blip>
-          <a:stretch>
-            <a:fillRect/>
-          </a:stretch>
-        </p:blipFill>
-        <p:spPr>
-          <a:xfrm>
-            <a:off x="968828" y="4348453"/>
-            <a:ext cx="5585349" cy="2509547"/>
-          </a:xfrm>
-          <a:prstGeom prst="rect">
-            <a:avLst/>
-          </a:prstGeom>
+          <a:solidFill>
+            <a:schemeClr val="accent5">
+              <a:lumMod val="20000"/>
+              <a:lumOff val="80000"/>
+              <a:alpha val="70000"/>
+            </a:schemeClr>
+          </a:solidFill>
         </p:spPr>
       </p:pic>
     </p:spTree>
     <p:extLst>
       <p:ext uri="{BB962C8B-B14F-4D97-AF65-F5344CB8AC3E}">
-        <p14:creationId xmlns:p14="http://schemas.microsoft.com/office/powerpoint/2010/main" val="3420219619"/>
+        <p14:creationId xmlns:p14="http://schemas.microsoft.com/office/powerpoint/2010/main" val="3985353681"/>
       </p:ext>
     </p:extLst>
   </p:cSld>
@@ -5423,28 +6636,31 @@
           <a:p>
             <a:r>
               <a:rPr lang="en-US" dirty="0"/>
-              <a:t>Support Vector Machines (SVM)</a:t>
-            </a:r>
-          </a:p>
-        </p:txBody>
-      </p:sp>
-      <p:sp>
-        <p:nvSpPr>
-          <p:cNvPr id="3" name="Content Placeholder 2">
-            <a:extLst>
-              <a:ext uri="{FF2B5EF4-FFF2-40B4-BE49-F238E27FC236}">
-                <a16:creationId xmlns:a16="http://schemas.microsoft.com/office/drawing/2014/main" id="{29525243-0C3A-48C7-8A8D-2C4EE2065629}"/>
-              </a:ext>
-            </a:extLst>
-          </p:cNvPr>
-          <p:cNvSpPr>
-            <a:spLocks noGrp="1"/>
-          </p:cNvSpPr>
-          <p:nvPr>
-            <p:ph idx="1"/>
-          </p:nvPr>
+              <a:t>Random Forest</a:t>
+            </a:r>
+          </a:p>
+        </p:txBody>
+      </p:sp>
+      <p:sp>
+        <p:nvSpPr>
+          <p:cNvPr id="10" name="TextBox 9">
+            <a:extLst>
+              <a:ext uri="{FF2B5EF4-FFF2-40B4-BE49-F238E27FC236}">
+                <a16:creationId xmlns:a16="http://schemas.microsoft.com/office/drawing/2014/main" id="{C4A0BF27-3CA7-416D-9672-6FD2CE29A030}"/>
+              </a:ext>
+            </a:extLst>
+          </p:cNvPr>
+          <p:cNvSpPr txBox="1"/>
+          <p:nvPr/>
         </p:nvSpPr>
         <p:spPr>
+          <a:xfrm>
+            <a:off x="343306" y="1690688"/>
+            <a:ext cx="11624105" cy="4893647"/>
+          </a:xfrm>
+          <a:prstGeom prst="rect">
+            <a:avLst/>
+          </a:prstGeom>
           <a:solidFill>
             <a:schemeClr val="accent5">
               <a:lumMod val="20000"/>
@@ -5454,20 +6670,168 @@
           </a:solidFill>
         </p:spPr>
         <p:txBody>
-          <a:bodyPr/>
+          <a:bodyPr wrap="square" rtlCol="0">
+            <a:spAutoFit/>
+          </a:bodyPr>
           <a:lstStyle/>
           <a:p>
             <a:pPr marL="0" indent="0">
               <a:buNone/>
             </a:pPr>
-            <a:endParaRPr lang="en-US" dirty="0"/>
-          </a:p>
-        </p:txBody>
-      </p:sp>
+            <a:r>
+              <a:rPr lang="en-US" sz="2600" dirty="0"/>
+              <a:t>Potentially the fastest to train at 15-20 min.</a:t>
+            </a:r>
+          </a:p>
+          <a:p>
+            <a:pPr marL="0" indent="0">
+              <a:buNone/>
+            </a:pPr>
+            <a:r>
+              <a:rPr lang="en-US" sz="2600" dirty="0"/>
+              <a:t>Best performing model.</a:t>
+            </a:r>
+          </a:p>
+          <a:p>
+            <a:pPr marL="0" indent="0">
+              <a:buNone/>
+            </a:pPr>
+            <a:r>
+              <a:rPr lang="en-US" sz="2600" dirty="0"/>
+              <a:t>Hyperparameter tuning was mostly unnecessary.</a:t>
+            </a:r>
+          </a:p>
+          <a:p>
+            <a:pPr marL="0" indent="0">
+              <a:buNone/>
+            </a:pPr>
+            <a:endParaRPr lang="en-US" sz="2600" dirty="0"/>
+          </a:p>
+          <a:p>
+            <a:pPr marL="0" indent="0">
+              <a:buNone/>
+            </a:pPr>
+            <a:endParaRPr lang="en-US" sz="2600" dirty="0"/>
+          </a:p>
+          <a:p>
+            <a:pPr marL="0" indent="0">
+              <a:buNone/>
+            </a:pPr>
+            <a:endParaRPr lang="en-US" sz="2600" dirty="0"/>
+          </a:p>
+          <a:p>
+            <a:pPr marL="0" indent="0">
+              <a:buNone/>
+            </a:pPr>
+            <a:endParaRPr lang="en-US" sz="2600" dirty="0"/>
+          </a:p>
+          <a:p>
+            <a:pPr marL="0" indent="0">
+              <a:buNone/>
+            </a:pPr>
+            <a:endParaRPr lang="en-US" sz="2600" dirty="0"/>
+          </a:p>
+          <a:p>
+            <a:pPr marL="0" indent="0">
+              <a:buNone/>
+            </a:pPr>
+            <a:endParaRPr lang="en-US" sz="2600" dirty="0"/>
+          </a:p>
+          <a:p>
+            <a:pPr marL="0" indent="0">
+              <a:buNone/>
+            </a:pPr>
+            <a:endParaRPr lang="en-US" sz="2600" dirty="0"/>
+          </a:p>
+          <a:p>
+            <a:pPr marL="0" indent="0">
+              <a:buNone/>
+            </a:pPr>
+            <a:endParaRPr lang="en-US" sz="2600" dirty="0"/>
+          </a:p>
+          <a:p>
+            <a:pPr marL="0" indent="0">
+              <a:buNone/>
+            </a:pPr>
+            <a:endParaRPr lang="en-US" sz="2600" dirty="0"/>
+          </a:p>
+        </p:txBody>
+      </p:sp>
+      <p:pic>
+        <p:nvPicPr>
+          <p:cNvPr id="3" name="Picture 2">
+            <a:extLst>
+              <a:ext uri="{FF2B5EF4-FFF2-40B4-BE49-F238E27FC236}">
+                <a16:creationId xmlns:a16="http://schemas.microsoft.com/office/drawing/2014/main" id="{E82ED957-C374-4C3B-8890-DC1620ACDDD0}"/>
+              </a:ext>
+            </a:extLst>
+          </p:cNvPr>
+          <p:cNvPicPr>
+            <a:picLocks noChangeAspect="1"/>
+          </p:cNvPicPr>
+          <p:nvPr/>
+        </p:nvPicPr>
+        <p:blipFill>
+          <a:blip r:embed="rId3">
+            <a:extLst>
+              <a:ext uri="{28A0092B-C50C-407E-A947-70E740481C1C}">
+                <a14:useLocalDpi xmlns:a14="http://schemas.microsoft.com/office/drawing/2010/main" val="0"/>
+              </a:ext>
+            </a:extLst>
+          </a:blip>
+          <a:stretch>
+            <a:fillRect/>
+          </a:stretch>
+        </p:blipFill>
+        <p:spPr>
+          <a:xfrm>
+            <a:off x="799076" y="3429001"/>
+            <a:ext cx="6078598" cy="2731168"/>
+          </a:xfrm>
+          <a:prstGeom prst="rect">
+            <a:avLst/>
+          </a:prstGeom>
+        </p:spPr>
+      </p:pic>
+      <p:pic>
+        <p:nvPicPr>
+          <p:cNvPr id="11" name="Content Placeholder 6" descr="A screenshot of a cell phone&#10;&#10;Description automatically generated">
+            <a:extLst>
+              <a:ext uri="{FF2B5EF4-FFF2-40B4-BE49-F238E27FC236}">
+                <a16:creationId xmlns:a16="http://schemas.microsoft.com/office/drawing/2014/main" id="{3DC179A2-5720-46E3-ADEE-E339E1EB5D5D}"/>
+              </a:ext>
+            </a:extLst>
+          </p:cNvPr>
+          <p:cNvPicPr>
+            <a:picLocks noGrp="1" noChangeAspect="1"/>
+          </p:cNvPicPr>
+          <p:nvPr>
+            <p:ph idx="1"/>
+          </p:nvPr>
+        </p:nvPicPr>
+        <p:blipFill>
+          <a:blip r:embed="rId4">
+            <a:extLst>
+              <a:ext uri="{28A0092B-C50C-407E-A947-70E740481C1C}">
+                <a14:useLocalDpi xmlns:a14="http://schemas.microsoft.com/office/drawing/2010/main" val="0"/>
+              </a:ext>
+            </a:extLst>
+          </a:blip>
+          <a:stretch>
+            <a:fillRect/>
+          </a:stretch>
+        </p:blipFill>
+        <p:spPr>
+          <a:xfrm>
+            <a:off x="7581079" y="2871537"/>
+            <a:ext cx="4267615" cy="3481136"/>
+          </a:xfrm>
+        </p:spPr>
+      </p:pic>
     </p:spTree>
     <p:extLst>
       <p:ext uri="{BB962C8B-B14F-4D97-AF65-F5344CB8AC3E}">
-        <p14:creationId xmlns:p14="http://schemas.microsoft.com/office/powerpoint/2010/main" val="3065878845"/>
+        <p14:creationId xmlns:p14="http://schemas.microsoft.com/office/powerpoint/2010/main" val="3420219619"/>
       </p:ext>
     </p:extLst>
   </p:cSld>
@@ -5517,57 +6881,46 @@
           <a:p>
             <a:r>
               <a:rPr lang="en-US" dirty="0"/>
-              <a:t>Support Vector Machines (SVM)</a:t>
-            </a:r>
-          </a:p>
-        </p:txBody>
-      </p:sp>
-      <p:pic>
-        <p:nvPicPr>
-          <p:cNvPr id="5" name="Content Placeholder 4">
-            <a:extLst>
-              <a:ext uri="{FF2B5EF4-FFF2-40B4-BE49-F238E27FC236}">
-                <a16:creationId xmlns:a16="http://schemas.microsoft.com/office/drawing/2014/main" id="{0A1B29B0-45F6-40CA-9752-40318FF1818C}"/>
-              </a:ext>
-            </a:extLst>
-          </p:cNvPr>
-          <p:cNvPicPr>
-            <a:picLocks noGrp="1" noChangeAspect="1"/>
-          </p:cNvPicPr>
+              <a:t>Model Comparison</a:t>
+            </a:r>
+          </a:p>
+        </p:txBody>
+      </p:sp>
+      <p:graphicFrame>
+        <p:nvGraphicFramePr>
+          <p:cNvPr id="8" name="Content Placeholder 7">
+            <a:extLst>
+              <a:ext uri="{FF2B5EF4-FFF2-40B4-BE49-F238E27FC236}">
+                <a16:creationId xmlns:a16="http://schemas.microsoft.com/office/drawing/2014/main" id="{725EDE80-C2B8-4DD4-8D7E-E9C3F4BAA613}"/>
+              </a:ext>
+            </a:extLst>
+          </p:cNvPr>
+          <p:cNvGraphicFramePr>
+            <a:graphicFrameLocks noGrp="1"/>
+          </p:cNvGraphicFramePr>
           <p:nvPr>
             <p:ph idx="1"/>
-          </p:nvPr>
-        </p:nvPicPr>
-        <p:blipFill>
-          <a:blip r:embed="rId3">
-            <a:extLst>
-              <a:ext uri="{28A0092B-C50C-407E-A947-70E740481C1C}">
-                <a14:useLocalDpi xmlns:a14="http://schemas.microsoft.com/office/drawing/2010/main" val="0"/>
-              </a:ext>
-            </a:extLst>
-          </a:blip>
-          <a:stretch>
-            <a:fillRect/>
-          </a:stretch>
-        </p:blipFill>
-        <p:spPr>
-          <a:xfrm>
-            <a:off x="838200" y="1690687"/>
-            <a:ext cx="6345298" cy="2767013"/>
-          </a:xfrm>
-          <a:solidFill>
-            <a:schemeClr val="accent5">
-              <a:lumMod val="20000"/>
-              <a:lumOff val="80000"/>
-              <a:alpha val="70000"/>
-            </a:schemeClr>
-          </a:solidFill>
-        </p:spPr>
-      </p:pic>
+            <p:extLst>
+              <p:ext uri="{D42A27DB-BD31-4B8C-83A1-F6EECF244321}">
+                <p14:modId xmlns:p14="http://schemas.microsoft.com/office/powerpoint/2010/main" val="427668962"/>
+              </p:ext>
+            </p:extLst>
+          </p:nvPr>
+        </p:nvGraphicFramePr>
+        <p:xfrm>
+          <a:off x="838200" y="1825625"/>
+          <a:ext cx="10515600" cy="4351338"/>
+        </p:xfrm>
+        <a:graphic>
+          <a:graphicData uri="http://schemas.openxmlformats.org/drawingml/2006/chart">
+            <c:chart xmlns:c="http://schemas.openxmlformats.org/drawingml/2006/chart" xmlns:r="http://schemas.openxmlformats.org/officeDocument/2006/relationships" r:id="rId3"/>
+          </a:graphicData>
+        </a:graphic>
+      </p:graphicFrame>
     </p:spTree>
     <p:extLst>
       <p:ext uri="{BB962C8B-B14F-4D97-AF65-F5344CB8AC3E}">
-        <p14:creationId xmlns:p14="http://schemas.microsoft.com/office/powerpoint/2010/main" val="3985353681"/>
+        <p14:creationId xmlns:p14="http://schemas.microsoft.com/office/powerpoint/2010/main" val="1877253987"/>
       </p:ext>
     </p:extLst>
   </p:cSld>
@@ -5617,1463 +6970,6 @@
           <a:p>
             <a:r>
               <a:rPr lang="en-US" dirty="0"/>
-              <a:t>Model Comparison</a:t>
-            </a:r>
-          </a:p>
-        </p:txBody>
-      </p:sp>
-      <p:pic>
-        <p:nvPicPr>
-          <p:cNvPr id="5" name="Content Placeholder 4">
-            <a:extLst>
-              <a:ext uri="{FF2B5EF4-FFF2-40B4-BE49-F238E27FC236}">
-                <a16:creationId xmlns:a16="http://schemas.microsoft.com/office/drawing/2014/main" id="{4872C4ED-939A-4FB0-8E21-48F606C11C45}"/>
-              </a:ext>
-            </a:extLst>
-          </p:cNvPr>
-          <p:cNvPicPr>
-            <a:picLocks noGrp="1" noChangeAspect="1"/>
-          </p:cNvPicPr>
-          <p:nvPr>
-            <p:ph idx="1"/>
-          </p:nvPr>
-        </p:nvPicPr>
-        <p:blipFill>
-          <a:blip r:embed="rId3">
-            <a:extLst>
-              <a:ext uri="{28A0092B-C50C-407E-A947-70E740481C1C}">
-                <a14:useLocalDpi xmlns:a14="http://schemas.microsoft.com/office/drawing/2010/main" val="0"/>
-              </a:ext>
-            </a:extLst>
-          </a:blip>
-          <a:stretch>
-            <a:fillRect/>
-          </a:stretch>
-        </p:blipFill>
-        <p:spPr>
-          <a:xfrm>
-            <a:off x="2441122" y="1445533"/>
-            <a:ext cx="7571014" cy="5047342"/>
-          </a:xfrm>
-          <a:solidFill>
-            <a:schemeClr val="accent1">
-              <a:lumMod val="20000"/>
-              <a:lumOff val="80000"/>
-            </a:schemeClr>
-          </a:solidFill>
-        </p:spPr>
-      </p:pic>
-    </p:spTree>
-    <p:extLst>
-      <p:ext uri="{BB962C8B-B14F-4D97-AF65-F5344CB8AC3E}">
-        <p14:creationId xmlns:p14="http://schemas.microsoft.com/office/powerpoint/2010/main" val="1877253987"/>
-      </p:ext>
-    </p:extLst>
-  </p:cSld>
-  <p:clrMapOvr>
-    <a:masterClrMapping/>
-  </p:clrMapOvr>
-</p:sld>
-</file>
-
-<file path=ppt/slides/slide14.xml><?xml version="1.0" encoding="utf-8"?>
-<p:sld xmlns:a="http://schemas.openxmlformats.org/drawingml/2006/main" xmlns:r="http://schemas.openxmlformats.org/officeDocument/2006/relationships" xmlns:p="http://schemas.openxmlformats.org/presentationml/2006/main">
-  <p:cSld>
-    <p:spTree>
-      <p:nvGrpSpPr>
-        <p:cNvPr id="1" name=""/>
-        <p:cNvGrpSpPr/>
-        <p:nvPr/>
-      </p:nvGrpSpPr>
-      <p:grpSpPr>
-        <a:xfrm>
-          <a:off x="0" y="0"/>
-          <a:ext cx="0" cy="0"/>
-          <a:chOff x="0" y="0"/>
-          <a:chExt cx="0" cy="0"/>
-        </a:xfrm>
-      </p:grpSpPr>
-      <p:sp>
-        <p:nvSpPr>
-          <p:cNvPr id="2" name="Title 1">
-            <a:extLst>
-              <a:ext uri="{FF2B5EF4-FFF2-40B4-BE49-F238E27FC236}">
-                <a16:creationId xmlns:a16="http://schemas.microsoft.com/office/drawing/2014/main" id="{F7DC5BDF-E508-41BE-A6C3-ACDF034BD933}"/>
-              </a:ext>
-            </a:extLst>
-          </p:cNvPr>
-          <p:cNvSpPr>
-            <a:spLocks noGrp="1"/>
-          </p:cNvSpPr>
-          <p:nvPr>
-            <p:ph type="title"/>
-          </p:nvPr>
-        </p:nvSpPr>
-        <p:spPr/>
-        <p:txBody>
-          <a:bodyPr/>
-          <a:lstStyle/>
-          <a:p>
-            <a:r>
-              <a:rPr lang="en-US" dirty="0"/>
-              <a:t>Flowchart</a:t>
-            </a:r>
-          </a:p>
-        </p:txBody>
-      </p:sp>
-      <p:sp>
-        <p:nvSpPr>
-          <p:cNvPr id="3" name="Content Placeholder 2">
-            <a:extLst>
-              <a:ext uri="{FF2B5EF4-FFF2-40B4-BE49-F238E27FC236}">
-                <a16:creationId xmlns:a16="http://schemas.microsoft.com/office/drawing/2014/main" id="{29525243-0C3A-48C7-8A8D-2C4EE2065629}"/>
-              </a:ext>
-            </a:extLst>
-          </p:cNvPr>
-          <p:cNvSpPr>
-            <a:spLocks noGrp="1"/>
-          </p:cNvSpPr>
-          <p:nvPr>
-            <p:ph idx="1"/>
-          </p:nvPr>
-        </p:nvSpPr>
-        <p:spPr>
-          <a:xfrm>
-            <a:off x="838200" y="1834110"/>
-            <a:ext cx="10515600" cy="4351338"/>
-          </a:xfrm>
-          <a:solidFill>
-            <a:schemeClr val="accent5">
-              <a:lumMod val="20000"/>
-              <a:lumOff val="80000"/>
-              <a:alpha val="70000"/>
-            </a:schemeClr>
-          </a:solidFill>
-        </p:spPr>
-        <p:txBody>
-          <a:bodyPr/>
-          <a:lstStyle/>
-          <a:p>
-            <a:pPr marL="0" indent="0">
-              <a:buNone/>
-            </a:pPr>
-            <a:r>
-              <a:rPr lang="en-US" dirty="0"/>
-              <a:t> </a:t>
-            </a:r>
-          </a:p>
-        </p:txBody>
-      </p:sp>
-      <p:pic>
-        <p:nvPicPr>
-          <p:cNvPr id="6" name="Picture 5">
-            <a:extLst>
-              <a:ext uri="{FF2B5EF4-FFF2-40B4-BE49-F238E27FC236}">
-                <a16:creationId xmlns:a16="http://schemas.microsoft.com/office/drawing/2014/main" id="{F90037A6-A760-3A40-8195-4AF1E5D7969F}"/>
-              </a:ext>
-            </a:extLst>
-          </p:cNvPr>
-          <p:cNvPicPr>
-            <a:picLocks noChangeAspect="1"/>
-          </p:cNvPicPr>
-          <p:nvPr/>
-        </p:nvPicPr>
-        <p:blipFill>
-          <a:blip r:embed="rId3"/>
-          <a:stretch>
-            <a:fillRect/>
-          </a:stretch>
-        </p:blipFill>
-        <p:spPr>
-          <a:xfrm>
-            <a:off x="1918072" y="1932820"/>
-            <a:ext cx="1985074" cy="1335413"/>
-          </a:xfrm>
-          <a:prstGeom prst="rect">
-            <a:avLst/>
-          </a:prstGeom>
-        </p:spPr>
-      </p:pic>
-      <p:sp>
-        <p:nvSpPr>
-          <p:cNvPr id="7" name="Left-Right Arrow 14">
-            <a:extLst>
-              <a:ext uri="{FF2B5EF4-FFF2-40B4-BE49-F238E27FC236}">
-                <a16:creationId xmlns:a16="http://schemas.microsoft.com/office/drawing/2014/main" id="{C9EA9B5F-332F-A54C-909C-00ECF38C7453}"/>
-              </a:ext>
-            </a:extLst>
-          </p:cNvPr>
-          <p:cNvSpPr/>
-          <p:nvPr/>
-        </p:nvSpPr>
-        <p:spPr>
-          <a:xfrm rot="7324034">
-            <a:off x="1455696" y="3687600"/>
-            <a:ext cx="1425781" cy="688052"/>
-          </a:xfrm>
-          <a:prstGeom prst="leftRightArrow">
-            <a:avLst/>
-          </a:prstGeom>
-        </p:spPr>
-        <p:style>
-          <a:lnRef idx="2">
-            <a:schemeClr val="accent1">
-              <a:shade val="50000"/>
-            </a:schemeClr>
-          </a:lnRef>
-          <a:fillRef idx="1">
-            <a:schemeClr val="accent1"/>
-          </a:fillRef>
-          <a:effectRef idx="0">
-            <a:schemeClr val="accent1"/>
-          </a:effectRef>
-          <a:fontRef idx="minor">
-            <a:schemeClr val="lt1"/>
-          </a:fontRef>
-        </p:style>
-        <p:txBody>
-          <a:bodyPr rtlCol="0" anchor="ctr"/>
-          <a:lstStyle>
-            <a:defPPr>
-              <a:defRPr lang="en-US"/>
-            </a:defPPr>
-            <a:lvl1pPr marL="0" algn="l" defTabSz="914400" rtl="0" eaLnBrk="1" latinLnBrk="0" hangingPunct="1">
-              <a:defRPr sz="1800" kern="1200">
-                <a:solidFill>
-                  <a:schemeClr val="lt1"/>
-                </a:solidFill>
-                <a:latin typeface="+mn-lt"/>
-                <a:ea typeface="+mn-ea"/>
-                <a:cs typeface="+mn-cs"/>
-              </a:defRPr>
-            </a:lvl1pPr>
-            <a:lvl2pPr marL="457200" algn="l" defTabSz="914400" rtl="0" eaLnBrk="1" latinLnBrk="0" hangingPunct="1">
-              <a:defRPr sz="1800" kern="1200">
-                <a:solidFill>
-                  <a:schemeClr val="lt1"/>
-                </a:solidFill>
-                <a:latin typeface="+mn-lt"/>
-                <a:ea typeface="+mn-ea"/>
-                <a:cs typeface="+mn-cs"/>
-              </a:defRPr>
-            </a:lvl2pPr>
-            <a:lvl3pPr marL="914400" algn="l" defTabSz="914400" rtl="0" eaLnBrk="1" latinLnBrk="0" hangingPunct="1">
-              <a:defRPr sz="1800" kern="1200">
-                <a:solidFill>
-                  <a:schemeClr val="lt1"/>
-                </a:solidFill>
-                <a:latin typeface="+mn-lt"/>
-                <a:ea typeface="+mn-ea"/>
-                <a:cs typeface="+mn-cs"/>
-              </a:defRPr>
-            </a:lvl3pPr>
-            <a:lvl4pPr marL="1371600" algn="l" defTabSz="914400" rtl="0" eaLnBrk="1" latinLnBrk="0" hangingPunct="1">
-              <a:defRPr sz="1800" kern="1200">
-                <a:solidFill>
-                  <a:schemeClr val="lt1"/>
-                </a:solidFill>
-                <a:latin typeface="+mn-lt"/>
-                <a:ea typeface="+mn-ea"/>
-                <a:cs typeface="+mn-cs"/>
-              </a:defRPr>
-            </a:lvl4pPr>
-            <a:lvl5pPr marL="1828800" algn="l" defTabSz="914400" rtl="0" eaLnBrk="1" latinLnBrk="0" hangingPunct="1">
-              <a:defRPr sz="1800" kern="1200">
-                <a:solidFill>
-                  <a:schemeClr val="lt1"/>
-                </a:solidFill>
-                <a:latin typeface="+mn-lt"/>
-                <a:ea typeface="+mn-ea"/>
-                <a:cs typeface="+mn-cs"/>
-              </a:defRPr>
-            </a:lvl5pPr>
-            <a:lvl6pPr marL="2286000" algn="l" defTabSz="914400" rtl="0" eaLnBrk="1" latinLnBrk="0" hangingPunct="1">
-              <a:defRPr sz="1800" kern="1200">
-                <a:solidFill>
-                  <a:schemeClr val="lt1"/>
-                </a:solidFill>
-                <a:latin typeface="+mn-lt"/>
-                <a:ea typeface="+mn-ea"/>
-                <a:cs typeface="+mn-cs"/>
-              </a:defRPr>
-            </a:lvl6pPr>
-            <a:lvl7pPr marL="2743200" algn="l" defTabSz="914400" rtl="0" eaLnBrk="1" latinLnBrk="0" hangingPunct="1">
-              <a:defRPr sz="1800" kern="1200">
-                <a:solidFill>
-                  <a:schemeClr val="lt1"/>
-                </a:solidFill>
-                <a:latin typeface="+mn-lt"/>
-                <a:ea typeface="+mn-ea"/>
-                <a:cs typeface="+mn-cs"/>
-              </a:defRPr>
-            </a:lvl7pPr>
-            <a:lvl8pPr marL="3200400" algn="l" defTabSz="914400" rtl="0" eaLnBrk="1" latinLnBrk="0" hangingPunct="1">
-              <a:defRPr sz="1800" kern="1200">
-                <a:solidFill>
-                  <a:schemeClr val="lt1"/>
-                </a:solidFill>
-                <a:latin typeface="+mn-lt"/>
-                <a:ea typeface="+mn-ea"/>
-                <a:cs typeface="+mn-cs"/>
-              </a:defRPr>
-            </a:lvl8pPr>
-            <a:lvl9pPr marL="3657600" algn="l" defTabSz="914400" rtl="0" eaLnBrk="1" latinLnBrk="0" hangingPunct="1">
-              <a:defRPr sz="1800" kern="1200">
-                <a:solidFill>
-                  <a:schemeClr val="lt1"/>
-                </a:solidFill>
-                <a:latin typeface="+mn-lt"/>
-                <a:ea typeface="+mn-ea"/>
-                <a:cs typeface="+mn-cs"/>
-              </a:defRPr>
-            </a:lvl9pPr>
-          </a:lstStyle>
-          <a:p>
-            <a:pPr algn="ctr"/>
-            <a:endParaRPr lang="en-US" dirty="0"/>
-          </a:p>
-        </p:txBody>
-      </p:sp>
-      <p:sp>
-        <p:nvSpPr>
-          <p:cNvPr id="8" name="Rectangle 7">
-            <a:extLst>
-              <a:ext uri="{FF2B5EF4-FFF2-40B4-BE49-F238E27FC236}">
-                <a16:creationId xmlns:a16="http://schemas.microsoft.com/office/drawing/2014/main" id="{EB62FCB4-CB19-AD4F-8F7F-9DEE6C79F64C}"/>
-              </a:ext>
-            </a:extLst>
-          </p:cNvPr>
-          <p:cNvSpPr/>
-          <p:nvPr/>
-        </p:nvSpPr>
-        <p:spPr>
-          <a:xfrm>
-            <a:off x="1003300" y="4822401"/>
-            <a:ext cx="1540286" cy="1274586"/>
-          </a:xfrm>
-          <a:prstGeom prst="rect">
-            <a:avLst/>
-          </a:prstGeom>
-        </p:spPr>
-        <p:style>
-          <a:lnRef idx="2">
-            <a:schemeClr val="accent1">
-              <a:shade val="50000"/>
-            </a:schemeClr>
-          </a:lnRef>
-          <a:fillRef idx="1">
-            <a:schemeClr val="accent1"/>
-          </a:fillRef>
-          <a:effectRef idx="0">
-            <a:schemeClr val="accent1"/>
-          </a:effectRef>
-          <a:fontRef idx="minor">
-            <a:schemeClr val="lt1"/>
-          </a:fontRef>
-        </p:style>
-        <p:txBody>
-          <a:bodyPr rtlCol="0" anchor="ctr"/>
-          <a:lstStyle>
-            <a:defPPr>
-              <a:defRPr lang="en-US"/>
-            </a:defPPr>
-            <a:lvl1pPr marL="0" algn="l" defTabSz="914400" rtl="0" eaLnBrk="1" latinLnBrk="0" hangingPunct="1">
-              <a:defRPr sz="1800" kern="1200">
-                <a:solidFill>
-                  <a:schemeClr val="lt1"/>
-                </a:solidFill>
-                <a:latin typeface="+mn-lt"/>
-                <a:ea typeface="+mn-ea"/>
-                <a:cs typeface="+mn-cs"/>
-              </a:defRPr>
-            </a:lvl1pPr>
-            <a:lvl2pPr marL="457200" algn="l" defTabSz="914400" rtl="0" eaLnBrk="1" latinLnBrk="0" hangingPunct="1">
-              <a:defRPr sz="1800" kern="1200">
-                <a:solidFill>
-                  <a:schemeClr val="lt1"/>
-                </a:solidFill>
-                <a:latin typeface="+mn-lt"/>
-                <a:ea typeface="+mn-ea"/>
-                <a:cs typeface="+mn-cs"/>
-              </a:defRPr>
-            </a:lvl2pPr>
-            <a:lvl3pPr marL="914400" algn="l" defTabSz="914400" rtl="0" eaLnBrk="1" latinLnBrk="0" hangingPunct="1">
-              <a:defRPr sz="1800" kern="1200">
-                <a:solidFill>
-                  <a:schemeClr val="lt1"/>
-                </a:solidFill>
-                <a:latin typeface="+mn-lt"/>
-                <a:ea typeface="+mn-ea"/>
-                <a:cs typeface="+mn-cs"/>
-              </a:defRPr>
-            </a:lvl3pPr>
-            <a:lvl4pPr marL="1371600" algn="l" defTabSz="914400" rtl="0" eaLnBrk="1" latinLnBrk="0" hangingPunct="1">
-              <a:defRPr sz="1800" kern="1200">
-                <a:solidFill>
-                  <a:schemeClr val="lt1"/>
-                </a:solidFill>
-                <a:latin typeface="+mn-lt"/>
-                <a:ea typeface="+mn-ea"/>
-                <a:cs typeface="+mn-cs"/>
-              </a:defRPr>
-            </a:lvl4pPr>
-            <a:lvl5pPr marL="1828800" algn="l" defTabSz="914400" rtl="0" eaLnBrk="1" latinLnBrk="0" hangingPunct="1">
-              <a:defRPr sz="1800" kern="1200">
-                <a:solidFill>
-                  <a:schemeClr val="lt1"/>
-                </a:solidFill>
-                <a:latin typeface="+mn-lt"/>
-                <a:ea typeface="+mn-ea"/>
-                <a:cs typeface="+mn-cs"/>
-              </a:defRPr>
-            </a:lvl5pPr>
-            <a:lvl6pPr marL="2286000" algn="l" defTabSz="914400" rtl="0" eaLnBrk="1" latinLnBrk="0" hangingPunct="1">
-              <a:defRPr sz="1800" kern="1200">
-                <a:solidFill>
-                  <a:schemeClr val="lt1"/>
-                </a:solidFill>
-                <a:latin typeface="+mn-lt"/>
-                <a:ea typeface="+mn-ea"/>
-                <a:cs typeface="+mn-cs"/>
-              </a:defRPr>
-            </a:lvl6pPr>
-            <a:lvl7pPr marL="2743200" algn="l" defTabSz="914400" rtl="0" eaLnBrk="1" latinLnBrk="0" hangingPunct="1">
-              <a:defRPr sz="1800" kern="1200">
-                <a:solidFill>
-                  <a:schemeClr val="lt1"/>
-                </a:solidFill>
-                <a:latin typeface="+mn-lt"/>
-                <a:ea typeface="+mn-ea"/>
-                <a:cs typeface="+mn-cs"/>
-              </a:defRPr>
-            </a:lvl7pPr>
-            <a:lvl8pPr marL="3200400" algn="l" defTabSz="914400" rtl="0" eaLnBrk="1" latinLnBrk="0" hangingPunct="1">
-              <a:defRPr sz="1800" kern="1200">
-                <a:solidFill>
-                  <a:schemeClr val="lt1"/>
-                </a:solidFill>
-                <a:latin typeface="+mn-lt"/>
-                <a:ea typeface="+mn-ea"/>
-                <a:cs typeface="+mn-cs"/>
-              </a:defRPr>
-            </a:lvl8pPr>
-            <a:lvl9pPr marL="3657600" algn="l" defTabSz="914400" rtl="0" eaLnBrk="1" latinLnBrk="0" hangingPunct="1">
-              <a:defRPr sz="1800" kern="1200">
-                <a:solidFill>
-                  <a:schemeClr val="lt1"/>
-                </a:solidFill>
-                <a:latin typeface="+mn-lt"/>
-                <a:ea typeface="+mn-ea"/>
-                <a:cs typeface="+mn-cs"/>
-              </a:defRPr>
-            </a:lvl9pPr>
-          </a:lstStyle>
-          <a:p>
-            <a:pPr algn="ctr"/>
-            <a:r>
-              <a:rPr lang="en-US" sz="2000" dirty="0"/>
-              <a:t>ML Models</a:t>
-            </a:r>
-          </a:p>
-        </p:txBody>
-      </p:sp>
-      <p:sp>
-        <p:nvSpPr>
-          <p:cNvPr id="10" name="Left-Right Arrow 13">
-            <a:extLst>
-              <a:ext uri="{FF2B5EF4-FFF2-40B4-BE49-F238E27FC236}">
-                <a16:creationId xmlns:a16="http://schemas.microsoft.com/office/drawing/2014/main" id="{4C60A1E9-E035-FE49-84F6-D91AD2AD35BB}"/>
-              </a:ext>
-            </a:extLst>
-          </p:cNvPr>
-          <p:cNvSpPr/>
-          <p:nvPr/>
-        </p:nvSpPr>
-        <p:spPr>
-          <a:xfrm>
-            <a:off x="2708685" y="5040173"/>
-            <a:ext cx="2418759" cy="1047780"/>
-          </a:xfrm>
-          <a:prstGeom prst="leftRightArrow">
-            <a:avLst/>
-          </a:prstGeom>
-        </p:spPr>
-        <p:style>
-          <a:lnRef idx="2">
-            <a:schemeClr val="accent1">
-              <a:shade val="50000"/>
-            </a:schemeClr>
-          </a:lnRef>
-          <a:fillRef idx="1">
-            <a:schemeClr val="accent1"/>
-          </a:fillRef>
-          <a:effectRef idx="0">
-            <a:schemeClr val="accent1"/>
-          </a:effectRef>
-          <a:fontRef idx="minor">
-            <a:schemeClr val="lt1"/>
-          </a:fontRef>
-        </p:style>
-        <p:txBody>
-          <a:bodyPr rtlCol="0" anchor="ctr"/>
-          <a:lstStyle>
-            <a:defPPr>
-              <a:defRPr lang="en-US"/>
-            </a:defPPr>
-            <a:lvl1pPr marL="0" algn="l" defTabSz="914400" rtl="0" eaLnBrk="1" latinLnBrk="0" hangingPunct="1">
-              <a:defRPr sz="1800" kern="1200">
-                <a:solidFill>
-                  <a:schemeClr val="lt1"/>
-                </a:solidFill>
-                <a:latin typeface="+mn-lt"/>
-                <a:ea typeface="+mn-ea"/>
-                <a:cs typeface="+mn-cs"/>
-              </a:defRPr>
-            </a:lvl1pPr>
-            <a:lvl2pPr marL="457200" algn="l" defTabSz="914400" rtl="0" eaLnBrk="1" latinLnBrk="0" hangingPunct="1">
-              <a:defRPr sz="1800" kern="1200">
-                <a:solidFill>
-                  <a:schemeClr val="lt1"/>
-                </a:solidFill>
-                <a:latin typeface="+mn-lt"/>
-                <a:ea typeface="+mn-ea"/>
-                <a:cs typeface="+mn-cs"/>
-              </a:defRPr>
-            </a:lvl2pPr>
-            <a:lvl3pPr marL="914400" algn="l" defTabSz="914400" rtl="0" eaLnBrk="1" latinLnBrk="0" hangingPunct="1">
-              <a:defRPr sz="1800" kern="1200">
-                <a:solidFill>
-                  <a:schemeClr val="lt1"/>
-                </a:solidFill>
-                <a:latin typeface="+mn-lt"/>
-                <a:ea typeface="+mn-ea"/>
-                <a:cs typeface="+mn-cs"/>
-              </a:defRPr>
-            </a:lvl3pPr>
-            <a:lvl4pPr marL="1371600" algn="l" defTabSz="914400" rtl="0" eaLnBrk="1" latinLnBrk="0" hangingPunct="1">
-              <a:defRPr sz="1800" kern="1200">
-                <a:solidFill>
-                  <a:schemeClr val="lt1"/>
-                </a:solidFill>
-                <a:latin typeface="+mn-lt"/>
-                <a:ea typeface="+mn-ea"/>
-                <a:cs typeface="+mn-cs"/>
-              </a:defRPr>
-            </a:lvl4pPr>
-            <a:lvl5pPr marL="1828800" algn="l" defTabSz="914400" rtl="0" eaLnBrk="1" latinLnBrk="0" hangingPunct="1">
-              <a:defRPr sz="1800" kern="1200">
-                <a:solidFill>
-                  <a:schemeClr val="lt1"/>
-                </a:solidFill>
-                <a:latin typeface="+mn-lt"/>
-                <a:ea typeface="+mn-ea"/>
-                <a:cs typeface="+mn-cs"/>
-              </a:defRPr>
-            </a:lvl5pPr>
-            <a:lvl6pPr marL="2286000" algn="l" defTabSz="914400" rtl="0" eaLnBrk="1" latinLnBrk="0" hangingPunct="1">
-              <a:defRPr sz="1800" kern="1200">
-                <a:solidFill>
-                  <a:schemeClr val="lt1"/>
-                </a:solidFill>
-                <a:latin typeface="+mn-lt"/>
-                <a:ea typeface="+mn-ea"/>
-                <a:cs typeface="+mn-cs"/>
-              </a:defRPr>
-            </a:lvl6pPr>
-            <a:lvl7pPr marL="2743200" algn="l" defTabSz="914400" rtl="0" eaLnBrk="1" latinLnBrk="0" hangingPunct="1">
-              <a:defRPr sz="1800" kern="1200">
-                <a:solidFill>
-                  <a:schemeClr val="lt1"/>
-                </a:solidFill>
-                <a:latin typeface="+mn-lt"/>
-                <a:ea typeface="+mn-ea"/>
-                <a:cs typeface="+mn-cs"/>
-              </a:defRPr>
-            </a:lvl7pPr>
-            <a:lvl8pPr marL="3200400" algn="l" defTabSz="914400" rtl="0" eaLnBrk="1" latinLnBrk="0" hangingPunct="1">
-              <a:defRPr sz="1800" kern="1200">
-                <a:solidFill>
-                  <a:schemeClr val="lt1"/>
-                </a:solidFill>
-                <a:latin typeface="+mn-lt"/>
-                <a:ea typeface="+mn-ea"/>
-                <a:cs typeface="+mn-cs"/>
-              </a:defRPr>
-            </a:lvl8pPr>
-            <a:lvl9pPr marL="3657600" algn="l" defTabSz="914400" rtl="0" eaLnBrk="1" latinLnBrk="0" hangingPunct="1">
-              <a:defRPr sz="1800" kern="1200">
-                <a:solidFill>
-                  <a:schemeClr val="lt1"/>
-                </a:solidFill>
-                <a:latin typeface="+mn-lt"/>
-                <a:ea typeface="+mn-ea"/>
-                <a:cs typeface="+mn-cs"/>
-              </a:defRPr>
-            </a:lvl9pPr>
-          </a:lstStyle>
-          <a:p>
-            <a:pPr algn="ctr"/>
-            <a:r>
-              <a:rPr lang="en-US" dirty="0" err="1"/>
-              <a:t>Sklearn</a:t>
-            </a:r>
-            <a:endParaRPr lang="en-US" dirty="0"/>
-          </a:p>
-          <a:p>
-            <a:pPr algn="ctr"/>
-            <a:r>
-              <a:rPr lang="en-US" dirty="0"/>
-              <a:t>TensorFlow/</a:t>
-            </a:r>
-            <a:r>
-              <a:rPr lang="en-US" dirty="0" err="1"/>
-              <a:t>Keras</a:t>
-            </a:r>
-            <a:endParaRPr lang="en-US" dirty="0"/>
-          </a:p>
-        </p:txBody>
-      </p:sp>
-      <p:pic>
-        <p:nvPicPr>
-          <p:cNvPr id="11" name="Picture 10">
-            <a:extLst>
-              <a:ext uri="{FF2B5EF4-FFF2-40B4-BE49-F238E27FC236}">
-                <a16:creationId xmlns:a16="http://schemas.microsoft.com/office/drawing/2014/main" id="{E507D1A3-B85A-4B46-887D-3FBC327ADBC9}"/>
-              </a:ext>
-            </a:extLst>
-          </p:cNvPr>
-          <p:cNvPicPr>
-            <a:picLocks noChangeAspect="1"/>
-          </p:cNvPicPr>
-          <p:nvPr/>
-        </p:nvPicPr>
-        <p:blipFill>
-          <a:blip r:embed="rId4"/>
-          <a:stretch>
-            <a:fillRect/>
-          </a:stretch>
-        </p:blipFill>
-        <p:spPr>
-          <a:xfrm>
-            <a:off x="5418682" y="4306286"/>
-            <a:ext cx="1841500" cy="1790700"/>
-          </a:xfrm>
-          <a:prstGeom prst="rect">
-            <a:avLst/>
-          </a:prstGeom>
-        </p:spPr>
-      </p:pic>
-      <p:sp>
-        <p:nvSpPr>
-          <p:cNvPr id="12" name="Left-Right Arrow 16">
-            <a:extLst>
-              <a:ext uri="{FF2B5EF4-FFF2-40B4-BE49-F238E27FC236}">
-                <a16:creationId xmlns:a16="http://schemas.microsoft.com/office/drawing/2014/main" id="{54B8916D-5A06-8B46-B9C6-961F8C7A5A7B}"/>
-              </a:ext>
-            </a:extLst>
-          </p:cNvPr>
-          <p:cNvSpPr/>
-          <p:nvPr/>
-        </p:nvSpPr>
-        <p:spPr>
-          <a:xfrm>
-            <a:off x="7551419" y="5002539"/>
-            <a:ext cx="1985074" cy="1047780"/>
-          </a:xfrm>
-          <a:prstGeom prst="leftRightArrow">
-            <a:avLst/>
-          </a:prstGeom>
-        </p:spPr>
-        <p:style>
-          <a:lnRef idx="2">
-            <a:schemeClr val="accent1">
-              <a:shade val="50000"/>
-            </a:schemeClr>
-          </a:lnRef>
-          <a:fillRef idx="1">
-            <a:schemeClr val="accent1"/>
-          </a:fillRef>
-          <a:effectRef idx="0">
-            <a:schemeClr val="accent1"/>
-          </a:effectRef>
-          <a:fontRef idx="minor">
-            <a:schemeClr val="lt1"/>
-          </a:fontRef>
-        </p:style>
-        <p:txBody>
-          <a:bodyPr rtlCol="0" anchor="ctr"/>
-          <a:lstStyle>
-            <a:defPPr>
-              <a:defRPr lang="en-US"/>
-            </a:defPPr>
-            <a:lvl1pPr marL="0" algn="l" defTabSz="914400" rtl="0" eaLnBrk="1" latinLnBrk="0" hangingPunct="1">
-              <a:defRPr sz="1800" kern="1200">
-                <a:solidFill>
-                  <a:schemeClr val="lt1"/>
-                </a:solidFill>
-                <a:latin typeface="+mn-lt"/>
-                <a:ea typeface="+mn-ea"/>
-                <a:cs typeface="+mn-cs"/>
-              </a:defRPr>
-            </a:lvl1pPr>
-            <a:lvl2pPr marL="457200" algn="l" defTabSz="914400" rtl="0" eaLnBrk="1" latinLnBrk="0" hangingPunct="1">
-              <a:defRPr sz="1800" kern="1200">
-                <a:solidFill>
-                  <a:schemeClr val="lt1"/>
-                </a:solidFill>
-                <a:latin typeface="+mn-lt"/>
-                <a:ea typeface="+mn-ea"/>
-                <a:cs typeface="+mn-cs"/>
-              </a:defRPr>
-            </a:lvl2pPr>
-            <a:lvl3pPr marL="914400" algn="l" defTabSz="914400" rtl="0" eaLnBrk="1" latinLnBrk="0" hangingPunct="1">
-              <a:defRPr sz="1800" kern="1200">
-                <a:solidFill>
-                  <a:schemeClr val="lt1"/>
-                </a:solidFill>
-                <a:latin typeface="+mn-lt"/>
-                <a:ea typeface="+mn-ea"/>
-                <a:cs typeface="+mn-cs"/>
-              </a:defRPr>
-            </a:lvl3pPr>
-            <a:lvl4pPr marL="1371600" algn="l" defTabSz="914400" rtl="0" eaLnBrk="1" latinLnBrk="0" hangingPunct="1">
-              <a:defRPr sz="1800" kern="1200">
-                <a:solidFill>
-                  <a:schemeClr val="lt1"/>
-                </a:solidFill>
-                <a:latin typeface="+mn-lt"/>
-                <a:ea typeface="+mn-ea"/>
-                <a:cs typeface="+mn-cs"/>
-              </a:defRPr>
-            </a:lvl4pPr>
-            <a:lvl5pPr marL="1828800" algn="l" defTabSz="914400" rtl="0" eaLnBrk="1" latinLnBrk="0" hangingPunct="1">
-              <a:defRPr sz="1800" kern="1200">
-                <a:solidFill>
-                  <a:schemeClr val="lt1"/>
-                </a:solidFill>
-                <a:latin typeface="+mn-lt"/>
-                <a:ea typeface="+mn-ea"/>
-                <a:cs typeface="+mn-cs"/>
-              </a:defRPr>
-            </a:lvl5pPr>
-            <a:lvl6pPr marL="2286000" algn="l" defTabSz="914400" rtl="0" eaLnBrk="1" latinLnBrk="0" hangingPunct="1">
-              <a:defRPr sz="1800" kern="1200">
-                <a:solidFill>
-                  <a:schemeClr val="lt1"/>
-                </a:solidFill>
-                <a:latin typeface="+mn-lt"/>
-                <a:ea typeface="+mn-ea"/>
-                <a:cs typeface="+mn-cs"/>
-              </a:defRPr>
-            </a:lvl6pPr>
-            <a:lvl7pPr marL="2743200" algn="l" defTabSz="914400" rtl="0" eaLnBrk="1" latinLnBrk="0" hangingPunct="1">
-              <a:defRPr sz="1800" kern="1200">
-                <a:solidFill>
-                  <a:schemeClr val="lt1"/>
-                </a:solidFill>
-                <a:latin typeface="+mn-lt"/>
-                <a:ea typeface="+mn-ea"/>
-                <a:cs typeface="+mn-cs"/>
-              </a:defRPr>
-            </a:lvl7pPr>
-            <a:lvl8pPr marL="3200400" algn="l" defTabSz="914400" rtl="0" eaLnBrk="1" latinLnBrk="0" hangingPunct="1">
-              <a:defRPr sz="1800" kern="1200">
-                <a:solidFill>
-                  <a:schemeClr val="lt1"/>
-                </a:solidFill>
-                <a:latin typeface="+mn-lt"/>
-                <a:ea typeface="+mn-ea"/>
-                <a:cs typeface="+mn-cs"/>
-              </a:defRPr>
-            </a:lvl8pPr>
-            <a:lvl9pPr marL="3657600" algn="l" defTabSz="914400" rtl="0" eaLnBrk="1" latinLnBrk="0" hangingPunct="1">
-              <a:defRPr sz="1800" kern="1200">
-                <a:solidFill>
-                  <a:schemeClr val="lt1"/>
-                </a:solidFill>
-                <a:latin typeface="+mn-lt"/>
-                <a:ea typeface="+mn-ea"/>
-                <a:cs typeface="+mn-cs"/>
-              </a:defRPr>
-            </a:lvl9pPr>
-          </a:lstStyle>
-          <a:p>
-            <a:pPr algn="ctr"/>
-            <a:r>
-              <a:rPr lang="en-US" dirty="0"/>
-              <a:t>HTML</a:t>
-            </a:r>
-          </a:p>
-          <a:p>
-            <a:pPr algn="ctr"/>
-            <a:r>
-              <a:rPr lang="en-US" dirty="0"/>
-              <a:t>CSS/JS</a:t>
-            </a:r>
-          </a:p>
-        </p:txBody>
-      </p:sp>
-      <p:sp>
-        <p:nvSpPr>
-          <p:cNvPr id="13" name="Rectangle 12">
-            <a:extLst>
-              <a:ext uri="{FF2B5EF4-FFF2-40B4-BE49-F238E27FC236}">
-                <a16:creationId xmlns:a16="http://schemas.microsoft.com/office/drawing/2014/main" id="{028D7A78-7452-D248-A001-C0ABFF5D3B6D}"/>
-              </a:ext>
-            </a:extLst>
-          </p:cNvPr>
-          <p:cNvSpPr/>
-          <p:nvPr/>
-        </p:nvSpPr>
-        <p:spPr>
-          <a:xfrm>
-            <a:off x="9648415" y="4508799"/>
-            <a:ext cx="1540285" cy="1588187"/>
-          </a:xfrm>
-          <a:prstGeom prst="rect">
-            <a:avLst/>
-          </a:prstGeom>
-        </p:spPr>
-        <p:style>
-          <a:lnRef idx="2">
-            <a:schemeClr val="accent1">
-              <a:shade val="50000"/>
-            </a:schemeClr>
-          </a:lnRef>
-          <a:fillRef idx="1">
-            <a:schemeClr val="accent1"/>
-          </a:fillRef>
-          <a:effectRef idx="0">
-            <a:schemeClr val="accent1"/>
-          </a:effectRef>
-          <a:fontRef idx="minor">
-            <a:schemeClr val="lt1"/>
-          </a:fontRef>
-        </p:style>
-        <p:txBody>
-          <a:bodyPr rtlCol="0" anchor="ctr"/>
-          <a:lstStyle>
-            <a:defPPr>
-              <a:defRPr lang="en-US"/>
-            </a:defPPr>
-            <a:lvl1pPr marL="0" algn="l" defTabSz="914400" rtl="0" eaLnBrk="1" latinLnBrk="0" hangingPunct="1">
-              <a:defRPr sz="1800" kern="1200">
-                <a:solidFill>
-                  <a:schemeClr val="lt1"/>
-                </a:solidFill>
-                <a:latin typeface="+mn-lt"/>
-                <a:ea typeface="+mn-ea"/>
-                <a:cs typeface="+mn-cs"/>
-              </a:defRPr>
-            </a:lvl1pPr>
-            <a:lvl2pPr marL="457200" algn="l" defTabSz="914400" rtl="0" eaLnBrk="1" latinLnBrk="0" hangingPunct="1">
-              <a:defRPr sz="1800" kern="1200">
-                <a:solidFill>
-                  <a:schemeClr val="lt1"/>
-                </a:solidFill>
-                <a:latin typeface="+mn-lt"/>
-                <a:ea typeface="+mn-ea"/>
-                <a:cs typeface="+mn-cs"/>
-              </a:defRPr>
-            </a:lvl2pPr>
-            <a:lvl3pPr marL="914400" algn="l" defTabSz="914400" rtl="0" eaLnBrk="1" latinLnBrk="0" hangingPunct="1">
-              <a:defRPr sz="1800" kern="1200">
-                <a:solidFill>
-                  <a:schemeClr val="lt1"/>
-                </a:solidFill>
-                <a:latin typeface="+mn-lt"/>
-                <a:ea typeface="+mn-ea"/>
-                <a:cs typeface="+mn-cs"/>
-              </a:defRPr>
-            </a:lvl3pPr>
-            <a:lvl4pPr marL="1371600" algn="l" defTabSz="914400" rtl="0" eaLnBrk="1" latinLnBrk="0" hangingPunct="1">
-              <a:defRPr sz="1800" kern="1200">
-                <a:solidFill>
-                  <a:schemeClr val="lt1"/>
-                </a:solidFill>
-                <a:latin typeface="+mn-lt"/>
-                <a:ea typeface="+mn-ea"/>
-                <a:cs typeface="+mn-cs"/>
-              </a:defRPr>
-            </a:lvl4pPr>
-            <a:lvl5pPr marL="1828800" algn="l" defTabSz="914400" rtl="0" eaLnBrk="1" latinLnBrk="0" hangingPunct="1">
-              <a:defRPr sz="1800" kern="1200">
-                <a:solidFill>
-                  <a:schemeClr val="lt1"/>
-                </a:solidFill>
-                <a:latin typeface="+mn-lt"/>
-                <a:ea typeface="+mn-ea"/>
-                <a:cs typeface="+mn-cs"/>
-              </a:defRPr>
-            </a:lvl5pPr>
-            <a:lvl6pPr marL="2286000" algn="l" defTabSz="914400" rtl="0" eaLnBrk="1" latinLnBrk="0" hangingPunct="1">
-              <a:defRPr sz="1800" kern="1200">
-                <a:solidFill>
-                  <a:schemeClr val="lt1"/>
-                </a:solidFill>
-                <a:latin typeface="+mn-lt"/>
-                <a:ea typeface="+mn-ea"/>
-                <a:cs typeface="+mn-cs"/>
-              </a:defRPr>
-            </a:lvl6pPr>
-            <a:lvl7pPr marL="2743200" algn="l" defTabSz="914400" rtl="0" eaLnBrk="1" latinLnBrk="0" hangingPunct="1">
-              <a:defRPr sz="1800" kern="1200">
-                <a:solidFill>
-                  <a:schemeClr val="lt1"/>
-                </a:solidFill>
-                <a:latin typeface="+mn-lt"/>
-                <a:ea typeface="+mn-ea"/>
-                <a:cs typeface="+mn-cs"/>
-              </a:defRPr>
-            </a:lvl7pPr>
-            <a:lvl8pPr marL="3200400" algn="l" defTabSz="914400" rtl="0" eaLnBrk="1" latinLnBrk="0" hangingPunct="1">
-              <a:defRPr sz="1800" kern="1200">
-                <a:solidFill>
-                  <a:schemeClr val="lt1"/>
-                </a:solidFill>
-                <a:latin typeface="+mn-lt"/>
-                <a:ea typeface="+mn-ea"/>
-                <a:cs typeface="+mn-cs"/>
-              </a:defRPr>
-            </a:lvl8pPr>
-            <a:lvl9pPr marL="3657600" algn="l" defTabSz="914400" rtl="0" eaLnBrk="1" latinLnBrk="0" hangingPunct="1">
-              <a:defRPr sz="1800" kern="1200">
-                <a:solidFill>
-                  <a:schemeClr val="lt1"/>
-                </a:solidFill>
-                <a:latin typeface="+mn-lt"/>
-                <a:ea typeface="+mn-ea"/>
-                <a:cs typeface="+mn-cs"/>
-              </a:defRPr>
-            </a:lvl9pPr>
-          </a:lstStyle>
-          <a:p>
-            <a:pPr algn="ctr"/>
-            <a:endParaRPr lang="en-US" dirty="0"/>
-          </a:p>
-          <a:p>
-            <a:pPr algn="ctr"/>
-            <a:r>
-              <a:rPr lang="en-US" dirty="0"/>
-              <a:t>Visualization</a:t>
-            </a:r>
-          </a:p>
-          <a:p>
-            <a:pPr algn="ctr"/>
-            <a:endParaRPr lang="en-US" dirty="0"/>
-          </a:p>
-        </p:txBody>
-      </p:sp>
-      <p:sp>
-        <p:nvSpPr>
-          <p:cNvPr id="14" name="Left-Right Arrow 11">
-            <a:extLst>
-              <a:ext uri="{FF2B5EF4-FFF2-40B4-BE49-F238E27FC236}">
-                <a16:creationId xmlns:a16="http://schemas.microsoft.com/office/drawing/2014/main" id="{57AB7B6F-CB64-D741-8E35-3C623464DBF6}"/>
-              </a:ext>
-            </a:extLst>
-          </p:cNvPr>
-          <p:cNvSpPr/>
-          <p:nvPr/>
-        </p:nvSpPr>
-        <p:spPr>
-          <a:xfrm rot="2250699">
-            <a:off x="3722944" y="3651771"/>
-            <a:ext cx="1502862" cy="716017"/>
-          </a:xfrm>
-          <a:prstGeom prst="leftRightArrow">
-            <a:avLst/>
-          </a:prstGeom>
-        </p:spPr>
-        <p:style>
-          <a:lnRef idx="2">
-            <a:schemeClr val="accent1">
-              <a:shade val="50000"/>
-            </a:schemeClr>
-          </a:lnRef>
-          <a:fillRef idx="1">
-            <a:schemeClr val="accent1"/>
-          </a:fillRef>
-          <a:effectRef idx="0">
-            <a:schemeClr val="accent1"/>
-          </a:effectRef>
-          <a:fontRef idx="minor">
-            <a:schemeClr val="lt1"/>
-          </a:fontRef>
-        </p:style>
-        <p:txBody>
-          <a:bodyPr rtlCol="0" anchor="ctr"/>
-          <a:lstStyle>
-            <a:defPPr>
-              <a:defRPr lang="en-US"/>
-            </a:defPPr>
-            <a:lvl1pPr marL="0" algn="l" defTabSz="914400" rtl="0" eaLnBrk="1" latinLnBrk="0" hangingPunct="1">
-              <a:defRPr sz="1800" kern="1200">
-                <a:solidFill>
-                  <a:schemeClr val="lt1"/>
-                </a:solidFill>
-                <a:latin typeface="+mn-lt"/>
-                <a:ea typeface="+mn-ea"/>
-                <a:cs typeface="+mn-cs"/>
-              </a:defRPr>
-            </a:lvl1pPr>
-            <a:lvl2pPr marL="457200" algn="l" defTabSz="914400" rtl="0" eaLnBrk="1" latinLnBrk="0" hangingPunct="1">
-              <a:defRPr sz="1800" kern="1200">
-                <a:solidFill>
-                  <a:schemeClr val="lt1"/>
-                </a:solidFill>
-                <a:latin typeface="+mn-lt"/>
-                <a:ea typeface="+mn-ea"/>
-                <a:cs typeface="+mn-cs"/>
-              </a:defRPr>
-            </a:lvl2pPr>
-            <a:lvl3pPr marL="914400" algn="l" defTabSz="914400" rtl="0" eaLnBrk="1" latinLnBrk="0" hangingPunct="1">
-              <a:defRPr sz="1800" kern="1200">
-                <a:solidFill>
-                  <a:schemeClr val="lt1"/>
-                </a:solidFill>
-                <a:latin typeface="+mn-lt"/>
-                <a:ea typeface="+mn-ea"/>
-                <a:cs typeface="+mn-cs"/>
-              </a:defRPr>
-            </a:lvl3pPr>
-            <a:lvl4pPr marL="1371600" algn="l" defTabSz="914400" rtl="0" eaLnBrk="1" latinLnBrk="0" hangingPunct="1">
-              <a:defRPr sz="1800" kern="1200">
-                <a:solidFill>
-                  <a:schemeClr val="lt1"/>
-                </a:solidFill>
-                <a:latin typeface="+mn-lt"/>
-                <a:ea typeface="+mn-ea"/>
-                <a:cs typeface="+mn-cs"/>
-              </a:defRPr>
-            </a:lvl4pPr>
-            <a:lvl5pPr marL="1828800" algn="l" defTabSz="914400" rtl="0" eaLnBrk="1" latinLnBrk="0" hangingPunct="1">
-              <a:defRPr sz="1800" kern="1200">
-                <a:solidFill>
-                  <a:schemeClr val="lt1"/>
-                </a:solidFill>
-                <a:latin typeface="+mn-lt"/>
-                <a:ea typeface="+mn-ea"/>
-                <a:cs typeface="+mn-cs"/>
-              </a:defRPr>
-            </a:lvl5pPr>
-            <a:lvl6pPr marL="2286000" algn="l" defTabSz="914400" rtl="0" eaLnBrk="1" latinLnBrk="0" hangingPunct="1">
-              <a:defRPr sz="1800" kern="1200">
-                <a:solidFill>
-                  <a:schemeClr val="lt1"/>
-                </a:solidFill>
-                <a:latin typeface="+mn-lt"/>
-                <a:ea typeface="+mn-ea"/>
-                <a:cs typeface="+mn-cs"/>
-              </a:defRPr>
-            </a:lvl6pPr>
-            <a:lvl7pPr marL="2743200" algn="l" defTabSz="914400" rtl="0" eaLnBrk="1" latinLnBrk="0" hangingPunct="1">
-              <a:defRPr sz="1800" kern="1200">
-                <a:solidFill>
-                  <a:schemeClr val="lt1"/>
-                </a:solidFill>
-                <a:latin typeface="+mn-lt"/>
-                <a:ea typeface="+mn-ea"/>
-                <a:cs typeface="+mn-cs"/>
-              </a:defRPr>
-            </a:lvl7pPr>
-            <a:lvl8pPr marL="3200400" algn="l" defTabSz="914400" rtl="0" eaLnBrk="1" latinLnBrk="0" hangingPunct="1">
-              <a:defRPr sz="1800" kern="1200">
-                <a:solidFill>
-                  <a:schemeClr val="lt1"/>
-                </a:solidFill>
-                <a:latin typeface="+mn-lt"/>
-                <a:ea typeface="+mn-ea"/>
-                <a:cs typeface="+mn-cs"/>
-              </a:defRPr>
-            </a:lvl8pPr>
-            <a:lvl9pPr marL="3657600" algn="l" defTabSz="914400" rtl="0" eaLnBrk="1" latinLnBrk="0" hangingPunct="1">
-              <a:defRPr sz="1800" kern="1200">
-                <a:solidFill>
-                  <a:schemeClr val="lt1"/>
-                </a:solidFill>
-                <a:latin typeface="+mn-lt"/>
-                <a:ea typeface="+mn-ea"/>
-                <a:cs typeface="+mn-cs"/>
-              </a:defRPr>
-            </a:lvl9pPr>
-          </a:lstStyle>
-          <a:p>
-            <a:pPr algn="ctr"/>
-            <a:endParaRPr lang="en-US" dirty="0"/>
-          </a:p>
-        </p:txBody>
-      </p:sp>
-      <p:sp>
-        <p:nvSpPr>
-          <p:cNvPr id="15" name="Left-Right Arrow 9">
-            <a:extLst>
-              <a:ext uri="{FF2B5EF4-FFF2-40B4-BE49-F238E27FC236}">
-                <a16:creationId xmlns:a16="http://schemas.microsoft.com/office/drawing/2014/main" id="{E982ADAE-D23D-1F47-9768-0B4067F5FAC0}"/>
-              </a:ext>
-            </a:extLst>
-          </p:cNvPr>
-          <p:cNvSpPr/>
-          <p:nvPr/>
-        </p:nvSpPr>
-        <p:spPr>
-          <a:xfrm>
-            <a:off x="4451497" y="2132811"/>
-            <a:ext cx="3437914" cy="1290390"/>
-          </a:xfrm>
-          <a:prstGeom prst="leftRightArrow">
-            <a:avLst/>
-          </a:prstGeom>
-        </p:spPr>
-        <p:style>
-          <a:lnRef idx="2">
-            <a:schemeClr val="accent1">
-              <a:shade val="50000"/>
-            </a:schemeClr>
-          </a:lnRef>
-          <a:fillRef idx="1">
-            <a:schemeClr val="accent1"/>
-          </a:fillRef>
-          <a:effectRef idx="0">
-            <a:schemeClr val="accent1"/>
-          </a:effectRef>
-          <a:fontRef idx="minor">
-            <a:schemeClr val="lt1"/>
-          </a:fontRef>
-        </p:style>
-        <p:txBody>
-          <a:bodyPr rtlCol="0" anchor="ctr"/>
-          <a:lstStyle>
-            <a:defPPr>
-              <a:defRPr lang="en-US"/>
-            </a:defPPr>
-            <a:lvl1pPr marL="0" algn="l" defTabSz="914400" rtl="0" eaLnBrk="1" latinLnBrk="0" hangingPunct="1">
-              <a:defRPr sz="1800" kern="1200">
-                <a:solidFill>
-                  <a:schemeClr val="lt1"/>
-                </a:solidFill>
-                <a:latin typeface="+mn-lt"/>
-                <a:ea typeface="+mn-ea"/>
-                <a:cs typeface="+mn-cs"/>
-              </a:defRPr>
-            </a:lvl1pPr>
-            <a:lvl2pPr marL="457200" algn="l" defTabSz="914400" rtl="0" eaLnBrk="1" latinLnBrk="0" hangingPunct="1">
-              <a:defRPr sz="1800" kern="1200">
-                <a:solidFill>
-                  <a:schemeClr val="lt1"/>
-                </a:solidFill>
-                <a:latin typeface="+mn-lt"/>
-                <a:ea typeface="+mn-ea"/>
-                <a:cs typeface="+mn-cs"/>
-              </a:defRPr>
-            </a:lvl2pPr>
-            <a:lvl3pPr marL="914400" algn="l" defTabSz="914400" rtl="0" eaLnBrk="1" latinLnBrk="0" hangingPunct="1">
-              <a:defRPr sz="1800" kern="1200">
-                <a:solidFill>
-                  <a:schemeClr val="lt1"/>
-                </a:solidFill>
-                <a:latin typeface="+mn-lt"/>
-                <a:ea typeface="+mn-ea"/>
-                <a:cs typeface="+mn-cs"/>
-              </a:defRPr>
-            </a:lvl3pPr>
-            <a:lvl4pPr marL="1371600" algn="l" defTabSz="914400" rtl="0" eaLnBrk="1" latinLnBrk="0" hangingPunct="1">
-              <a:defRPr sz="1800" kern="1200">
-                <a:solidFill>
-                  <a:schemeClr val="lt1"/>
-                </a:solidFill>
-                <a:latin typeface="+mn-lt"/>
-                <a:ea typeface="+mn-ea"/>
-                <a:cs typeface="+mn-cs"/>
-              </a:defRPr>
-            </a:lvl4pPr>
-            <a:lvl5pPr marL="1828800" algn="l" defTabSz="914400" rtl="0" eaLnBrk="1" latinLnBrk="0" hangingPunct="1">
-              <a:defRPr sz="1800" kern="1200">
-                <a:solidFill>
-                  <a:schemeClr val="lt1"/>
-                </a:solidFill>
-                <a:latin typeface="+mn-lt"/>
-                <a:ea typeface="+mn-ea"/>
-                <a:cs typeface="+mn-cs"/>
-              </a:defRPr>
-            </a:lvl5pPr>
-            <a:lvl6pPr marL="2286000" algn="l" defTabSz="914400" rtl="0" eaLnBrk="1" latinLnBrk="0" hangingPunct="1">
-              <a:defRPr sz="1800" kern="1200">
-                <a:solidFill>
-                  <a:schemeClr val="lt1"/>
-                </a:solidFill>
-                <a:latin typeface="+mn-lt"/>
-                <a:ea typeface="+mn-ea"/>
-                <a:cs typeface="+mn-cs"/>
-              </a:defRPr>
-            </a:lvl6pPr>
-            <a:lvl7pPr marL="2743200" algn="l" defTabSz="914400" rtl="0" eaLnBrk="1" latinLnBrk="0" hangingPunct="1">
-              <a:defRPr sz="1800" kern="1200">
-                <a:solidFill>
-                  <a:schemeClr val="lt1"/>
-                </a:solidFill>
-                <a:latin typeface="+mn-lt"/>
-                <a:ea typeface="+mn-ea"/>
-                <a:cs typeface="+mn-cs"/>
-              </a:defRPr>
-            </a:lvl7pPr>
-            <a:lvl8pPr marL="3200400" algn="l" defTabSz="914400" rtl="0" eaLnBrk="1" latinLnBrk="0" hangingPunct="1">
-              <a:defRPr sz="1800" kern="1200">
-                <a:solidFill>
-                  <a:schemeClr val="lt1"/>
-                </a:solidFill>
-                <a:latin typeface="+mn-lt"/>
-                <a:ea typeface="+mn-ea"/>
-                <a:cs typeface="+mn-cs"/>
-              </a:defRPr>
-            </a:lvl8pPr>
-            <a:lvl9pPr marL="3657600" algn="l" defTabSz="914400" rtl="0" eaLnBrk="1" latinLnBrk="0" hangingPunct="1">
-              <a:defRPr sz="1800" kern="1200">
-                <a:solidFill>
-                  <a:schemeClr val="lt1"/>
-                </a:solidFill>
-                <a:latin typeface="+mn-lt"/>
-                <a:ea typeface="+mn-ea"/>
-                <a:cs typeface="+mn-cs"/>
-              </a:defRPr>
-            </a:lvl9pPr>
-          </a:lstStyle>
-          <a:p>
-            <a:pPr algn="ctr"/>
-            <a:r>
-              <a:rPr lang="en-US" sz="2800" dirty="0" err="1"/>
-              <a:t>PySpark</a:t>
-            </a:r>
-            <a:endParaRPr lang="en-US" sz="2800" dirty="0"/>
-          </a:p>
-        </p:txBody>
-      </p:sp>
-      <p:pic>
-        <p:nvPicPr>
-          <p:cNvPr id="16" name="Picture 15">
-            <a:extLst>
-              <a:ext uri="{FF2B5EF4-FFF2-40B4-BE49-F238E27FC236}">
-                <a16:creationId xmlns:a16="http://schemas.microsoft.com/office/drawing/2014/main" id="{765E2A9C-9048-EE46-B6B5-5E89323DD22F}"/>
-              </a:ext>
-            </a:extLst>
-          </p:cNvPr>
-          <p:cNvPicPr>
-            <a:picLocks noChangeAspect="1"/>
-          </p:cNvPicPr>
-          <p:nvPr/>
-        </p:nvPicPr>
-        <p:blipFill>
-          <a:blip r:embed="rId5"/>
-          <a:stretch>
-            <a:fillRect/>
-          </a:stretch>
-        </p:blipFill>
-        <p:spPr>
-          <a:xfrm>
-            <a:off x="8288855" y="1997974"/>
-            <a:ext cx="1985073" cy="1335413"/>
-          </a:xfrm>
-          <a:prstGeom prst="rect">
-            <a:avLst/>
-          </a:prstGeom>
-        </p:spPr>
-      </p:pic>
-      <p:sp>
-        <p:nvSpPr>
-          <p:cNvPr id="17" name="Left-Right Arrow 10">
-            <a:extLst>
-              <a:ext uri="{FF2B5EF4-FFF2-40B4-BE49-F238E27FC236}">
-                <a16:creationId xmlns:a16="http://schemas.microsoft.com/office/drawing/2014/main" id="{16BF52ED-1320-DD49-9584-5A284E32953D}"/>
-              </a:ext>
-            </a:extLst>
-          </p:cNvPr>
-          <p:cNvSpPr/>
-          <p:nvPr/>
-        </p:nvSpPr>
-        <p:spPr>
-          <a:xfrm rot="18734310">
-            <a:off x="7425950" y="3811924"/>
-            <a:ext cx="1790334" cy="619711"/>
-          </a:xfrm>
-          <a:prstGeom prst="leftRightArrow">
-            <a:avLst/>
-          </a:prstGeom>
-        </p:spPr>
-        <p:style>
-          <a:lnRef idx="2">
-            <a:schemeClr val="accent1">
-              <a:shade val="50000"/>
-            </a:schemeClr>
-          </a:lnRef>
-          <a:fillRef idx="1">
-            <a:schemeClr val="accent1"/>
-          </a:fillRef>
-          <a:effectRef idx="0">
-            <a:schemeClr val="accent1"/>
-          </a:effectRef>
-          <a:fontRef idx="minor">
-            <a:schemeClr val="lt1"/>
-          </a:fontRef>
-        </p:style>
-        <p:txBody>
-          <a:bodyPr rtlCol="0" anchor="ctr"/>
-          <a:lstStyle>
-            <a:defPPr>
-              <a:defRPr lang="en-US"/>
-            </a:defPPr>
-            <a:lvl1pPr marL="0" algn="l" defTabSz="914400" rtl="0" eaLnBrk="1" latinLnBrk="0" hangingPunct="1">
-              <a:defRPr sz="1800" kern="1200">
-                <a:solidFill>
-                  <a:schemeClr val="lt1"/>
-                </a:solidFill>
-                <a:latin typeface="+mn-lt"/>
-                <a:ea typeface="+mn-ea"/>
-                <a:cs typeface="+mn-cs"/>
-              </a:defRPr>
-            </a:lvl1pPr>
-            <a:lvl2pPr marL="457200" algn="l" defTabSz="914400" rtl="0" eaLnBrk="1" latinLnBrk="0" hangingPunct="1">
-              <a:defRPr sz="1800" kern="1200">
-                <a:solidFill>
-                  <a:schemeClr val="lt1"/>
-                </a:solidFill>
-                <a:latin typeface="+mn-lt"/>
-                <a:ea typeface="+mn-ea"/>
-                <a:cs typeface="+mn-cs"/>
-              </a:defRPr>
-            </a:lvl2pPr>
-            <a:lvl3pPr marL="914400" algn="l" defTabSz="914400" rtl="0" eaLnBrk="1" latinLnBrk="0" hangingPunct="1">
-              <a:defRPr sz="1800" kern="1200">
-                <a:solidFill>
-                  <a:schemeClr val="lt1"/>
-                </a:solidFill>
-                <a:latin typeface="+mn-lt"/>
-                <a:ea typeface="+mn-ea"/>
-                <a:cs typeface="+mn-cs"/>
-              </a:defRPr>
-            </a:lvl3pPr>
-            <a:lvl4pPr marL="1371600" algn="l" defTabSz="914400" rtl="0" eaLnBrk="1" latinLnBrk="0" hangingPunct="1">
-              <a:defRPr sz="1800" kern="1200">
-                <a:solidFill>
-                  <a:schemeClr val="lt1"/>
-                </a:solidFill>
-                <a:latin typeface="+mn-lt"/>
-                <a:ea typeface="+mn-ea"/>
-                <a:cs typeface="+mn-cs"/>
-              </a:defRPr>
-            </a:lvl4pPr>
-            <a:lvl5pPr marL="1828800" algn="l" defTabSz="914400" rtl="0" eaLnBrk="1" latinLnBrk="0" hangingPunct="1">
-              <a:defRPr sz="1800" kern="1200">
-                <a:solidFill>
-                  <a:schemeClr val="lt1"/>
-                </a:solidFill>
-                <a:latin typeface="+mn-lt"/>
-                <a:ea typeface="+mn-ea"/>
-                <a:cs typeface="+mn-cs"/>
-              </a:defRPr>
-            </a:lvl5pPr>
-            <a:lvl6pPr marL="2286000" algn="l" defTabSz="914400" rtl="0" eaLnBrk="1" latinLnBrk="0" hangingPunct="1">
-              <a:defRPr sz="1800" kern="1200">
-                <a:solidFill>
-                  <a:schemeClr val="lt1"/>
-                </a:solidFill>
-                <a:latin typeface="+mn-lt"/>
-                <a:ea typeface="+mn-ea"/>
-                <a:cs typeface="+mn-cs"/>
-              </a:defRPr>
-            </a:lvl6pPr>
-            <a:lvl7pPr marL="2743200" algn="l" defTabSz="914400" rtl="0" eaLnBrk="1" latinLnBrk="0" hangingPunct="1">
-              <a:defRPr sz="1800" kern="1200">
-                <a:solidFill>
-                  <a:schemeClr val="lt1"/>
-                </a:solidFill>
-                <a:latin typeface="+mn-lt"/>
-                <a:ea typeface="+mn-ea"/>
-                <a:cs typeface="+mn-cs"/>
-              </a:defRPr>
-            </a:lvl7pPr>
-            <a:lvl8pPr marL="3200400" algn="l" defTabSz="914400" rtl="0" eaLnBrk="1" latinLnBrk="0" hangingPunct="1">
-              <a:defRPr sz="1800" kern="1200">
-                <a:solidFill>
-                  <a:schemeClr val="lt1"/>
-                </a:solidFill>
-                <a:latin typeface="+mn-lt"/>
-                <a:ea typeface="+mn-ea"/>
-                <a:cs typeface="+mn-cs"/>
-              </a:defRPr>
-            </a:lvl8pPr>
-            <a:lvl9pPr marL="3657600" algn="l" defTabSz="914400" rtl="0" eaLnBrk="1" latinLnBrk="0" hangingPunct="1">
-              <a:defRPr sz="1800" kern="1200">
-                <a:solidFill>
-                  <a:schemeClr val="lt1"/>
-                </a:solidFill>
-                <a:latin typeface="+mn-lt"/>
-                <a:ea typeface="+mn-ea"/>
-                <a:cs typeface="+mn-cs"/>
-              </a:defRPr>
-            </a:lvl9pPr>
-          </a:lstStyle>
-          <a:p>
-            <a:pPr algn="ctr"/>
-            <a:r>
-              <a:rPr lang="en-US" dirty="0"/>
-              <a:t>PostgreSQL</a:t>
-            </a:r>
-          </a:p>
-        </p:txBody>
-      </p:sp>
-    </p:spTree>
-    <p:extLst>
-      <p:ext uri="{BB962C8B-B14F-4D97-AF65-F5344CB8AC3E}">
-        <p14:creationId xmlns:p14="http://schemas.microsoft.com/office/powerpoint/2010/main" val="779013617"/>
-      </p:ext>
-    </p:extLst>
-  </p:cSld>
-  <p:clrMapOvr>
-    <a:masterClrMapping/>
-  </p:clrMapOvr>
-</p:sld>
-</file>
-
-<file path=ppt/slides/slide15.xml><?xml version="1.0" encoding="utf-8"?>
-<p:sld xmlns:a="http://schemas.openxmlformats.org/drawingml/2006/main" xmlns:r="http://schemas.openxmlformats.org/officeDocument/2006/relationships" xmlns:p="http://schemas.openxmlformats.org/presentationml/2006/main">
-  <p:cSld>
-    <p:spTree>
-      <p:nvGrpSpPr>
-        <p:cNvPr id="1" name=""/>
-        <p:cNvGrpSpPr/>
-        <p:nvPr/>
-      </p:nvGrpSpPr>
-      <p:grpSpPr>
-        <a:xfrm>
-          <a:off x="0" y="0"/>
-          <a:ext cx="0" cy="0"/>
-          <a:chOff x="0" y="0"/>
-          <a:chExt cx="0" cy="0"/>
-        </a:xfrm>
-      </p:grpSpPr>
-      <p:sp>
-        <p:nvSpPr>
-          <p:cNvPr id="2" name="Title 1">
-            <a:extLst>
-              <a:ext uri="{FF2B5EF4-FFF2-40B4-BE49-F238E27FC236}">
-                <a16:creationId xmlns:a16="http://schemas.microsoft.com/office/drawing/2014/main" id="{F7DC5BDF-E508-41BE-A6C3-ACDF034BD933}"/>
-              </a:ext>
-            </a:extLst>
-          </p:cNvPr>
-          <p:cNvSpPr>
-            <a:spLocks noGrp="1"/>
-          </p:cNvSpPr>
-          <p:nvPr>
-            <p:ph type="title"/>
-          </p:nvPr>
-        </p:nvSpPr>
-        <p:spPr/>
-        <p:txBody>
-          <a:bodyPr/>
-          <a:lstStyle/>
-          <a:p>
-            <a:r>
-              <a:rPr lang="en-US" dirty="0"/>
               <a:t>Application</a:t>
             </a:r>
           </a:p>
@@ -7344,7 +7240,7 @@
             <a:pPr algn="ctr"/>
             <a:r>
               <a:rPr lang="en-US" dirty="0"/>
-              <a:t>Machine Learning Models*</a:t>
+              <a:t>Random Forest Model</a:t>
             </a:r>
           </a:p>
         </p:txBody>
@@ -7457,7 +7353,7 @@
 </p:sld>
 </file>
 
-<file path=ppt/slides/slide16.xml><?xml version="1.0" encoding="utf-8"?>
+<file path=ppt/slides/slide14.xml><?xml version="1.0" encoding="utf-8"?>
 <p:sld xmlns:a="http://schemas.openxmlformats.org/drawingml/2006/main" xmlns:r="http://schemas.openxmlformats.org/officeDocument/2006/relationships" xmlns:p="http://schemas.openxmlformats.org/presentationml/2006/main">
   <p:cSld>
     <p:spTree>
@@ -7880,7 +7776,7 @@
 </p:sld>
 </file>
 
-<file path=ppt/slides/slide17.xml><?xml version="1.0" encoding="utf-8"?>
+<file path=ppt/slides/slide15.xml><?xml version="1.0" encoding="utf-8"?>
 <p:sld xmlns:a="http://schemas.openxmlformats.org/drawingml/2006/main" xmlns:r="http://schemas.openxmlformats.org/officeDocument/2006/relationships" xmlns:p="http://schemas.openxmlformats.org/presentationml/2006/main">
   <p:cSld>
     <p:spTree>
@@ -7951,20 +7847,66 @@
           </a:solidFill>
         </p:spPr>
         <p:txBody>
-          <a:bodyPr/>
-          <a:lstStyle/>
-          <a:p>
-            <a:pPr marL="0" indent="0">
-              <a:buNone/>
+          <a:bodyPr>
+            <a:normAutofit/>
+          </a:bodyPr>
+          <a:lstStyle/>
+          <a:p>
+            <a:pPr>
+              <a:buFont typeface="Wingdings" panose="05000000000000000000" pitchFamily="2" charset="2"/>
+              <a:buChar char="Ø"/>
             </a:pPr>
-            <a:endParaRPr lang="en-US" dirty="0"/>
+            <a:r>
+              <a:rPr lang="en-US" sz="2600" dirty="0"/>
+              <a:t>Random Forest gives the highest precision</a:t>
+            </a:r>
+          </a:p>
+          <a:p>
+            <a:pPr>
+              <a:buFont typeface="Wingdings" panose="05000000000000000000" pitchFamily="2" charset="2"/>
+              <a:buChar char="Ø"/>
+            </a:pPr>
+            <a:r>
+              <a:rPr lang="en-US" sz="2600" dirty="0"/>
+              <a:t>Easy to explain which variable contributed to the fraud</a:t>
+            </a:r>
+          </a:p>
+          <a:p>
+            <a:pPr>
+              <a:buFont typeface="Wingdings" panose="05000000000000000000" pitchFamily="2" charset="2"/>
+              <a:buChar char="Ø"/>
+            </a:pPr>
+            <a:r>
+              <a:rPr lang="en-US" sz="2600" dirty="0"/>
+              <a:t>Presents a significant improvement in the deep neural network</a:t>
+            </a:r>
+          </a:p>
+          <a:p>
+            <a:pPr>
+              <a:buFont typeface="Wingdings" panose="05000000000000000000" pitchFamily="2" charset="2"/>
+              <a:buChar char="Ø"/>
+            </a:pPr>
+            <a:r>
+              <a:rPr lang="en-US" sz="2600" dirty="0"/>
+              <a:t>With more time we can improve the deep neural network and we can add more layers and nodes</a:t>
+            </a:r>
+          </a:p>
+          <a:p>
+            <a:pPr>
+              <a:buFont typeface="Wingdings" panose="05000000000000000000" pitchFamily="2" charset="2"/>
+              <a:buChar char="Ø"/>
+            </a:pPr>
+            <a:r>
+              <a:rPr lang="en-US" sz="2600" dirty="0"/>
+              <a:t>This can provide real time fraud detection and alert</a:t>
+            </a:r>
           </a:p>
         </p:txBody>
       </p:sp>
     </p:spTree>
     <p:extLst>
       <p:ext uri="{BB962C8B-B14F-4D97-AF65-F5344CB8AC3E}">
-        <p14:creationId xmlns:p14="http://schemas.microsoft.com/office/powerpoint/2010/main" val="1556006228"/>
+        <p14:creationId xmlns:p14="http://schemas.microsoft.com/office/powerpoint/2010/main" val="1105522635"/>
       </p:ext>
     </p:extLst>
   </p:cSld>
@@ -8400,7 +8342,7 @@
           <a:p>
             <a:r>
               <a:rPr lang="en-US" dirty="0"/>
-              <a:t>Resampling</a:t>
+              <a:t>Flowchart</a:t>
             </a:r>
           </a:p>
         </p:txBody>
@@ -8422,6 +8364,10 @@
           </p:nvPr>
         </p:nvSpPr>
         <p:spPr>
+          <a:xfrm>
+            <a:off x="838200" y="1834110"/>
+            <a:ext cx="10515600" cy="4351338"/>
+          </a:xfrm>
           <a:solidFill>
             <a:schemeClr val="accent5">
               <a:lumMod val="20000"/>
@@ -8431,9 +8377,7 @@
           </a:solidFill>
         </p:spPr>
         <p:txBody>
-          <a:bodyPr>
-            <a:normAutofit fontScale="92500" lnSpcReduction="20000"/>
-          </a:bodyPr>
+          <a:bodyPr/>
           <a:lstStyle/>
           <a:p>
             <a:pPr marL="0" indent="0">
@@ -8441,98 +8385,963 @@
             </a:pPr>
             <a:r>
               <a:rPr lang="en-US" dirty="0"/>
-              <a:t>Data Set:</a:t>
-            </a:r>
-          </a:p>
-          <a:p>
-            <a:pPr>
-              <a:buFont typeface="Wingdings" pitchFamily="2" charset="2"/>
-              <a:buChar char="Ø"/>
-            </a:pPr>
+              <a:t> </a:t>
+            </a:r>
+          </a:p>
+        </p:txBody>
+      </p:sp>
+      <p:pic>
+        <p:nvPicPr>
+          <p:cNvPr id="6" name="Picture 5">
+            <a:extLst>
+              <a:ext uri="{FF2B5EF4-FFF2-40B4-BE49-F238E27FC236}">
+                <a16:creationId xmlns:a16="http://schemas.microsoft.com/office/drawing/2014/main" id="{F90037A6-A760-3A40-8195-4AF1E5D7969F}"/>
+              </a:ext>
+            </a:extLst>
+          </p:cNvPr>
+          <p:cNvPicPr>
+            <a:picLocks noChangeAspect="1"/>
+          </p:cNvPicPr>
+          <p:nvPr/>
+        </p:nvPicPr>
+        <p:blipFill>
+          <a:blip r:embed="rId3"/>
+          <a:stretch>
+            <a:fillRect/>
+          </a:stretch>
+        </p:blipFill>
+        <p:spPr>
+          <a:xfrm>
+            <a:off x="1918072" y="1932820"/>
+            <a:ext cx="1985074" cy="1335413"/>
+          </a:xfrm>
+          <a:prstGeom prst="rect">
+            <a:avLst/>
+          </a:prstGeom>
+        </p:spPr>
+      </p:pic>
+      <p:sp>
+        <p:nvSpPr>
+          <p:cNvPr id="7" name="Left-Right Arrow 14">
+            <a:extLst>
+              <a:ext uri="{FF2B5EF4-FFF2-40B4-BE49-F238E27FC236}">
+                <a16:creationId xmlns:a16="http://schemas.microsoft.com/office/drawing/2014/main" id="{C9EA9B5F-332F-A54C-909C-00ECF38C7453}"/>
+              </a:ext>
+            </a:extLst>
+          </p:cNvPr>
+          <p:cNvSpPr/>
+          <p:nvPr/>
+        </p:nvSpPr>
+        <p:spPr>
+          <a:xfrm rot="7324034">
+            <a:off x="1455696" y="3687600"/>
+            <a:ext cx="1425781" cy="688052"/>
+          </a:xfrm>
+          <a:prstGeom prst="leftRightArrow">
+            <a:avLst/>
+          </a:prstGeom>
+        </p:spPr>
+        <p:style>
+          <a:lnRef idx="2">
+            <a:schemeClr val="accent1">
+              <a:shade val="50000"/>
+            </a:schemeClr>
+          </a:lnRef>
+          <a:fillRef idx="1">
+            <a:schemeClr val="accent1"/>
+          </a:fillRef>
+          <a:effectRef idx="0">
+            <a:schemeClr val="accent1"/>
+          </a:effectRef>
+          <a:fontRef idx="minor">
+            <a:schemeClr val="lt1"/>
+          </a:fontRef>
+        </p:style>
+        <p:txBody>
+          <a:bodyPr rtlCol="0" anchor="ctr"/>
+          <a:lstStyle>
+            <a:defPPr>
+              <a:defRPr lang="en-US"/>
+            </a:defPPr>
+            <a:lvl1pPr marL="0" algn="l" defTabSz="914400" rtl="0" eaLnBrk="1" latinLnBrk="0" hangingPunct="1">
+              <a:defRPr sz="1800" kern="1200">
+                <a:solidFill>
+                  <a:schemeClr val="lt1"/>
+                </a:solidFill>
+                <a:latin typeface="+mn-lt"/>
+                <a:ea typeface="+mn-ea"/>
+                <a:cs typeface="+mn-cs"/>
+              </a:defRPr>
+            </a:lvl1pPr>
+            <a:lvl2pPr marL="457200" algn="l" defTabSz="914400" rtl="0" eaLnBrk="1" latinLnBrk="0" hangingPunct="1">
+              <a:defRPr sz="1800" kern="1200">
+                <a:solidFill>
+                  <a:schemeClr val="lt1"/>
+                </a:solidFill>
+                <a:latin typeface="+mn-lt"/>
+                <a:ea typeface="+mn-ea"/>
+                <a:cs typeface="+mn-cs"/>
+              </a:defRPr>
+            </a:lvl2pPr>
+            <a:lvl3pPr marL="914400" algn="l" defTabSz="914400" rtl="0" eaLnBrk="1" latinLnBrk="0" hangingPunct="1">
+              <a:defRPr sz="1800" kern="1200">
+                <a:solidFill>
+                  <a:schemeClr val="lt1"/>
+                </a:solidFill>
+                <a:latin typeface="+mn-lt"/>
+                <a:ea typeface="+mn-ea"/>
+                <a:cs typeface="+mn-cs"/>
+              </a:defRPr>
+            </a:lvl3pPr>
+            <a:lvl4pPr marL="1371600" algn="l" defTabSz="914400" rtl="0" eaLnBrk="1" latinLnBrk="0" hangingPunct="1">
+              <a:defRPr sz="1800" kern="1200">
+                <a:solidFill>
+                  <a:schemeClr val="lt1"/>
+                </a:solidFill>
+                <a:latin typeface="+mn-lt"/>
+                <a:ea typeface="+mn-ea"/>
+                <a:cs typeface="+mn-cs"/>
+              </a:defRPr>
+            </a:lvl4pPr>
+            <a:lvl5pPr marL="1828800" algn="l" defTabSz="914400" rtl="0" eaLnBrk="1" latinLnBrk="0" hangingPunct="1">
+              <a:defRPr sz="1800" kern="1200">
+                <a:solidFill>
+                  <a:schemeClr val="lt1"/>
+                </a:solidFill>
+                <a:latin typeface="+mn-lt"/>
+                <a:ea typeface="+mn-ea"/>
+                <a:cs typeface="+mn-cs"/>
+              </a:defRPr>
+            </a:lvl5pPr>
+            <a:lvl6pPr marL="2286000" algn="l" defTabSz="914400" rtl="0" eaLnBrk="1" latinLnBrk="0" hangingPunct="1">
+              <a:defRPr sz="1800" kern="1200">
+                <a:solidFill>
+                  <a:schemeClr val="lt1"/>
+                </a:solidFill>
+                <a:latin typeface="+mn-lt"/>
+                <a:ea typeface="+mn-ea"/>
+                <a:cs typeface="+mn-cs"/>
+              </a:defRPr>
+            </a:lvl6pPr>
+            <a:lvl7pPr marL="2743200" algn="l" defTabSz="914400" rtl="0" eaLnBrk="1" latinLnBrk="0" hangingPunct="1">
+              <a:defRPr sz="1800" kern="1200">
+                <a:solidFill>
+                  <a:schemeClr val="lt1"/>
+                </a:solidFill>
+                <a:latin typeface="+mn-lt"/>
+                <a:ea typeface="+mn-ea"/>
+                <a:cs typeface="+mn-cs"/>
+              </a:defRPr>
+            </a:lvl7pPr>
+            <a:lvl8pPr marL="3200400" algn="l" defTabSz="914400" rtl="0" eaLnBrk="1" latinLnBrk="0" hangingPunct="1">
+              <a:defRPr sz="1800" kern="1200">
+                <a:solidFill>
+                  <a:schemeClr val="lt1"/>
+                </a:solidFill>
+                <a:latin typeface="+mn-lt"/>
+                <a:ea typeface="+mn-ea"/>
+                <a:cs typeface="+mn-cs"/>
+              </a:defRPr>
+            </a:lvl8pPr>
+            <a:lvl9pPr marL="3657600" algn="l" defTabSz="914400" rtl="0" eaLnBrk="1" latinLnBrk="0" hangingPunct="1">
+              <a:defRPr sz="1800" kern="1200">
+                <a:solidFill>
+                  <a:schemeClr val="lt1"/>
+                </a:solidFill>
+                <a:latin typeface="+mn-lt"/>
+                <a:ea typeface="+mn-ea"/>
+                <a:cs typeface="+mn-cs"/>
+              </a:defRPr>
+            </a:lvl9pPr>
+          </a:lstStyle>
+          <a:p>
+            <a:pPr algn="ctr"/>
+            <a:endParaRPr lang="en-US" dirty="0"/>
+          </a:p>
+        </p:txBody>
+      </p:sp>
+      <p:sp>
+        <p:nvSpPr>
+          <p:cNvPr id="8" name="Rectangle 7">
+            <a:extLst>
+              <a:ext uri="{FF2B5EF4-FFF2-40B4-BE49-F238E27FC236}">
+                <a16:creationId xmlns:a16="http://schemas.microsoft.com/office/drawing/2014/main" id="{EB62FCB4-CB19-AD4F-8F7F-9DEE6C79F64C}"/>
+              </a:ext>
+            </a:extLst>
+          </p:cNvPr>
+          <p:cNvSpPr/>
+          <p:nvPr/>
+        </p:nvSpPr>
+        <p:spPr>
+          <a:xfrm>
+            <a:off x="1003300" y="4822401"/>
+            <a:ext cx="1540286" cy="1274586"/>
+          </a:xfrm>
+          <a:prstGeom prst="rect">
+            <a:avLst/>
+          </a:prstGeom>
+        </p:spPr>
+        <p:style>
+          <a:lnRef idx="2">
+            <a:schemeClr val="accent1">
+              <a:shade val="50000"/>
+            </a:schemeClr>
+          </a:lnRef>
+          <a:fillRef idx="1">
+            <a:schemeClr val="accent1"/>
+          </a:fillRef>
+          <a:effectRef idx="0">
+            <a:schemeClr val="accent1"/>
+          </a:effectRef>
+          <a:fontRef idx="minor">
+            <a:schemeClr val="lt1"/>
+          </a:fontRef>
+        </p:style>
+        <p:txBody>
+          <a:bodyPr rtlCol="0" anchor="ctr"/>
+          <a:lstStyle>
+            <a:defPPr>
+              <a:defRPr lang="en-US"/>
+            </a:defPPr>
+            <a:lvl1pPr marL="0" algn="l" defTabSz="914400" rtl="0" eaLnBrk="1" latinLnBrk="0" hangingPunct="1">
+              <a:defRPr sz="1800" kern="1200">
+                <a:solidFill>
+                  <a:schemeClr val="lt1"/>
+                </a:solidFill>
+                <a:latin typeface="+mn-lt"/>
+                <a:ea typeface="+mn-ea"/>
+                <a:cs typeface="+mn-cs"/>
+              </a:defRPr>
+            </a:lvl1pPr>
+            <a:lvl2pPr marL="457200" algn="l" defTabSz="914400" rtl="0" eaLnBrk="1" latinLnBrk="0" hangingPunct="1">
+              <a:defRPr sz="1800" kern="1200">
+                <a:solidFill>
+                  <a:schemeClr val="lt1"/>
+                </a:solidFill>
+                <a:latin typeface="+mn-lt"/>
+                <a:ea typeface="+mn-ea"/>
+                <a:cs typeface="+mn-cs"/>
+              </a:defRPr>
+            </a:lvl2pPr>
+            <a:lvl3pPr marL="914400" algn="l" defTabSz="914400" rtl="0" eaLnBrk="1" latinLnBrk="0" hangingPunct="1">
+              <a:defRPr sz="1800" kern="1200">
+                <a:solidFill>
+                  <a:schemeClr val="lt1"/>
+                </a:solidFill>
+                <a:latin typeface="+mn-lt"/>
+                <a:ea typeface="+mn-ea"/>
+                <a:cs typeface="+mn-cs"/>
+              </a:defRPr>
+            </a:lvl3pPr>
+            <a:lvl4pPr marL="1371600" algn="l" defTabSz="914400" rtl="0" eaLnBrk="1" latinLnBrk="0" hangingPunct="1">
+              <a:defRPr sz="1800" kern="1200">
+                <a:solidFill>
+                  <a:schemeClr val="lt1"/>
+                </a:solidFill>
+                <a:latin typeface="+mn-lt"/>
+                <a:ea typeface="+mn-ea"/>
+                <a:cs typeface="+mn-cs"/>
+              </a:defRPr>
+            </a:lvl4pPr>
+            <a:lvl5pPr marL="1828800" algn="l" defTabSz="914400" rtl="0" eaLnBrk="1" latinLnBrk="0" hangingPunct="1">
+              <a:defRPr sz="1800" kern="1200">
+                <a:solidFill>
+                  <a:schemeClr val="lt1"/>
+                </a:solidFill>
+                <a:latin typeface="+mn-lt"/>
+                <a:ea typeface="+mn-ea"/>
+                <a:cs typeface="+mn-cs"/>
+              </a:defRPr>
+            </a:lvl5pPr>
+            <a:lvl6pPr marL="2286000" algn="l" defTabSz="914400" rtl="0" eaLnBrk="1" latinLnBrk="0" hangingPunct="1">
+              <a:defRPr sz="1800" kern="1200">
+                <a:solidFill>
+                  <a:schemeClr val="lt1"/>
+                </a:solidFill>
+                <a:latin typeface="+mn-lt"/>
+                <a:ea typeface="+mn-ea"/>
+                <a:cs typeface="+mn-cs"/>
+              </a:defRPr>
+            </a:lvl6pPr>
+            <a:lvl7pPr marL="2743200" algn="l" defTabSz="914400" rtl="0" eaLnBrk="1" latinLnBrk="0" hangingPunct="1">
+              <a:defRPr sz="1800" kern="1200">
+                <a:solidFill>
+                  <a:schemeClr val="lt1"/>
+                </a:solidFill>
+                <a:latin typeface="+mn-lt"/>
+                <a:ea typeface="+mn-ea"/>
+                <a:cs typeface="+mn-cs"/>
+              </a:defRPr>
+            </a:lvl7pPr>
+            <a:lvl8pPr marL="3200400" algn="l" defTabSz="914400" rtl="0" eaLnBrk="1" latinLnBrk="0" hangingPunct="1">
+              <a:defRPr sz="1800" kern="1200">
+                <a:solidFill>
+                  <a:schemeClr val="lt1"/>
+                </a:solidFill>
+                <a:latin typeface="+mn-lt"/>
+                <a:ea typeface="+mn-ea"/>
+                <a:cs typeface="+mn-cs"/>
+              </a:defRPr>
+            </a:lvl8pPr>
+            <a:lvl9pPr marL="3657600" algn="l" defTabSz="914400" rtl="0" eaLnBrk="1" latinLnBrk="0" hangingPunct="1">
+              <a:defRPr sz="1800" kern="1200">
+                <a:solidFill>
+                  <a:schemeClr val="lt1"/>
+                </a:solidFill>
+                <a:latin typeface="+mn-lt"/>
+                <a:ea typeface="+mn-ea"/>
+                <a:cs typeface="+mn-cs"/>
+              </a:defRPr>
+            </a:lvl9pPr>
+          </a:lstStyle>
+          <a:p>
+            <a:pPr algn="ctr"/>
+            <a:r>
+              <a:rPr lang="en-US" sz="2000" dirty="0"/>
+              <a:t>ML Models</a:t>
+            </a:r>
+          </a:p>
+        </p:txBody>
+      </p:sp>
+      <p:sp>
+        <p:nvSpPr>
+          <p:cNvPr id="10" name="Left-Right Arrow 13">
+            <a:extLst>
+              <a:ext uri="{FF2B5EF4-FFF2-40B4-BE49-F238E27FC236}">
+                <a16:creationId xmlns:a16="http://schemas.microsoft.com/office/drawing/2014/main" id="{4C60A1E9-E035-FE49-84F6-D91AD2AD35BB}"/>
+              </a:ext>
+            </a:extLst>
+          </p:cNvPr>
+          <p:cNvSpPr/>
+          <p:nvPr/>
+        </p:nvSpPr>
+        <p:spPr>
+          <a:xfrm>
+            <a:off x="2708685" y="5040173"/>
+            <a:ext cx="2418759" cy="1047780"/>
+          </a:xfrm>
+          <a:prstGeom prst="leftRightArrow">
+            <a:avLst/>
+          </a:prstGeom>
+        </p:spPr>
+        <p:style>
+          <a:lnRef idx="2">
+            <a:schemeClr val="accent1">
+              <a:shade val="50000"/>
+            </a:schemeClr>
+          </a:lnRef>
+          <a:fillRef idx="1">
+            <a:schemeClr val="accent1"/>
+          </a:fillRef>
+          <a:effectRef idx="0">
+            <a:schemeClr val="accent1"/>
+          </a:effectRef>
+          <a:fontRef idx="minor">
+            <a:schemeClr val="lt1"/>
+          </a:fontRef>
+        </p:style>
+        <p:txBody>
+          <a:bodyPr rtlCol="0" anchor="ctr"/>
+          <a:lstStyle>
+            <a:defPPr>
+              <a:defRPr lang="en-US"/>
+            </a:defPPr>
+            <a:lvl1pPr marL="0" algn="l" defTabSz="914400" rtl="0" eaLnBrk="1" latinLnBrk="0" hangingPunct="1">
+              <a:defRPr sz="1800" kern="1200">
+                <a:solidFill>
+                  <a:schemeClr val="lt1"/>
+                </a:solidFill>
+                <a:latin typeface="+mn-lt"/>
+                <a:ea typeface="+mn-ea"/>
+                <a:cs typeface="+mn-cs"/>
+              </a:defRPr>
+            </a:lvl1pPr>
+            <a:lvl2pPr marL="457200" algn="l" defTabSz="914400" rtl="0" eaLnBrk="1" latinLnBrk="0" hangingPunct="1">
+              <a:defRPr sz="1800" kern="1200">
+                <a:solidFill>
+                  <a:schemeClr val="lt1"/>
+                </a:solidFill>
+                <a:latin typeface="+mn-lt"/>
+                <a:ea typeface="+mn-ea"/>
+                <a:cs typeface="+mn-cs"/>
+              </a:defRPr>
+            </a:lvl2pPr>
+            <a:lvl3pPr marL="914400" algn="l" defTabSz="914400" rtl="0" eaLnBrk="1" latinLnBrk="0" hangingPunct="1">
+              <a:defRPr sz="1800" kern="1200">
+                <a:solidFill>
+                  <a:schemeClr val="lt1"/>
+                </a:solidFill>
+                <a:latin typeface="+mn-lt"/>
+                <a:ea typeface="+mn-ea"/>
+                <a:cs typeface="+mn-cs"/>
+              </a:defRPr>
+            </a:lvl3pPr>
+            <a:lvl4pPr marL="1371600" algn="l" defTabSz="914400" rtl="0" eaLnBrk="1" latinLnBrk="0" hangingPunct="1">
+              <a:defRPr sz="1800" kern="1200">
+                <a:solidFill>
+                  <a:schemeClr val="lt1"/>
+                </a:solidFill>
+                <a:latin typeface="+mn-lt"/>
+                <a:ea typeface="+mn-ea"/>
+                <a:cs typeface="+mn-cs"/>
+              </a:defRPr>
+            </a:lvl4pPr>
+            <a:lvl5pPr marL="1828800" algn="l" defTabSz="914400" rtl="0" eaLnBrk="1" latinLnBrk="0" hangingPunct="1">
+              <a:defRPr sz="1800" kern="1200">
+                <a:solidFill>
+                  <a:schemeClr val="lt1"/>
+                </a:solidFill>
+                <a:latin typeface="+mn-lt"/>
+                <a:ea typeface="+mn-ea"/>
+                <a:cs typeface="+mn-cs"/>
+              </a:defRPr>
+            </a:lvl5pPr>
+            <a:lvl6pPr marL="2286000" algn="l" defTabSz="914400" rtl="0" eaLnBrk="1" latinLnBrk="0" hangingPunct="1">
+              <a:defRPr sz="1800" kern="1200">
+                <a:solidFill>
+                  <a:schemeClr val="lt1"/>
+                </a:solidFill>
+                <a:latin typeface="+mn-lt"/>
+                <a:ea typeface="+mn-ea"/>
+                <a:cs typeface="+mn-cs"/>
+              </a:defRPr>
+            </a:lvl6pPr>
+            <a:lvl7pPr marL="2743200" algn="l" defTabSz="914400" rtl="0" eaLnBrk="1" latinLnBrk="0" hangingPunct="1">
+              <a:defRPr sz="1800" kern="1200">
+                <a:solidFill>
+                  <a:schemeClr val="lt1"/>
+                </a:solidFill>
+                <a:latin typeface="+mn-lt"/>
+                <a:ea typeface="+mn-ea"/>
+                <a:cs typeface="+mn-cs"/>
+              </a:defRPr>
+            </a:lvl7pPr>
+            <a:lvl8pPr marL="3200400" algn="l" defTabSz="914400" rtl="0" eaLnBrk="1" latinLnBrk="0" hangingPunct="1">
+              <a:defRPr sz="1800" kern="1200">
+                <a:solidFill>
+                  <a:schemeClr val="lt1"/>
+                </a:solidFill>
+                <a:latin typeface="+mn-lt"/>
+                <a:ea typeface="+mn-ea"/>
+                <a:cs typeface="+mn-cs"/>
+              </a:defRPr>
+            </a:lvl8pPr>
+            <a:lvl9pPr marL="3657600" algn="l" defTabSz="914400" rtl="0" eaLnBrk="1" latinLnBrk="0" hangingPunct="1">
+              <a:defRPr sz="1800" kern="1200">
+                <a:solidFill>
+                  <a:schemeClr val="lt1"/>
+                </a:solidFill>
+                <a:latin typeface="+mn-lt"/>
+                <a:ea typeface="+mn-ea"/>
+                <a:cs typeface="+mn-cs"/>
+              </a:defRPr>
+            </a:lvl9pPr>
+          </a:lstStyle>
+          <a:p>
+            <a:pPr algn="ctr"/>
+            <a:r>
+              <a:rPr lang="en-US" dirty="0" err="1"/>
+              <a:t>Sklearn</a:t>
+            </a:r>
+            <a:endParaRPr lang="en-US" dirty="0"/>
+          </a:p>
+          <a:p>
+            <a:pPr algn="ctr"/>
             <a:r>
               <a:rPr lang="en-US" dirty="0"/>
-              <a:t>Total transactions: 284,807</a:t>
-            </a:r>
-          </a:p>
-          <a:p>
-            <a:pPr>
-              <a:buFont typeface="Wingdings" pitchFamily="2" charset="2"/>
-              <a:buChar char="Ø"/>
-            </a:pPr>
+              <a:t>TensorFlow/</a:t>
+            </a:r>
+            <a:r>
+              <a:rPr lang="en-US" dirty="0" err="1"/>
+              <a:t>Keras</a:t>
+            </a:r>
+            <a:endParaRPr lang="en-US" dirty="0"/>
+          </a:p>
+        </p:txBody>
+      </p:sp>
+      <p:pic>
+        <p:nvPicPr>
+          <p:cNvPr id="11" name="Picture 10">
+            <a:extLst>
+              <a:ext uri="{FF2B5EF4-FFF2-40B4-BE49-F238E27FC236}">
+                <a16:creationId xmlns:a16="http://schemas.microsoft.com/office/drawing/2014/main" id="{E507D1A3-B85A-4B46-887D-3FBC327ADBC9}"/>
+              </a:ext>
+            </a:extLst>
+          </p:cNvPr>
+          <p:cNvPicPr>
+            <a:picLocks noChangeAspect="1"/>
+          </p:cNvPicPr>
+          <p:nvPr/>
+        </p:nvPicPr>
+        <p:blipFill>
+          <a:blip r:embed="rId4"/>
+          <a:stretch>
+            <a:fillRect/>
+          </a:stretch>
+        </p:blipFill>
+        <p:spPr>
+          <a:xfrm>
+            <a:off x="6399122" y="4306287"/>
+            <a:ext cx="1841500" cy="1790700"/>
+          </a:xfrm>
+          <a:prstGeom prst="rect">
+            <a:avLst/>
+          </a:prstGeom>
+        </p:spPr>
+      </p:pic>
+      <p:sp>
+        <p:nvSpPr>
+          <p:cNvPr id="14" name="Left-Right Arrow 11">
+            <a:extLst>
+              <a:ext uri="{FF2B5EF4-FFF2-40B4-BE49-F238E27FC236}">
+                <a16:creationId xmlns:a16="http://schemas.microsoft.com/office/drawing/2014/main" id="{57AB7B6F-CB64-D741-8E35-3C623464DBF6}"/>
+              </a:ext>
+            </a:extLst>
+          </p:cNvPr>
+          <p:cNvSpPr/>
+          <p:nvPr/>
+        </p:nvSpPr>
+        <p:spPr>
+          <a:xfrm rot="1739868">
+            <a:off x="3413806" y="3825950"/>
+            <a:ext cx="2616725" cy="702338"/>
+          </a:xfrm>
+          <a:prstGeom prst="leftRightArrow">
+            <a:avLst/>
+          </a:prstGeom>
+        </p:spPr>
+        <p:style>
+          <a:lnRef idx="2">
+            <a:schemeClr val="accent1">
+              <a:shade val="50000"/>
+            </a:schemeClr>
+          </a:lnRef>
+          <a:fillRef idx="1">
+            <a:schemeClr val="accent1"/>
+          </a:fillRef>
+          <a:effectRef idx="0">
+            <a:schemeClr val="accent1"/>
+          </a:effectRef>
+          <a:fontRef idx="minor">
+            <a:schemeClr val="lt1"/>
+          </a:fontRef>
+        </p:style>
+        <p:txBody>
+          <a:bodyPr rtlCol="0" anchor="ctr"/>
+          <a:lstStyle>
+            <a:defPPr>
+              <a:defRPr lang="en-US"/>
+            </a:defPPr>
+            <a:lvl1pPr marL="0" algn="l" defTabSz="914400" rtl="0" eaLnBrk="1" latinLnBrk="0" hangingPunct="1">
+              <a:defRPr sz="1800" kern="1200">
+                <a:solidFill>
+                  <a:schemeClr val="lt1"/>
+                </a:solidFill>
+                <a:latin typeface="+mn-lt"/>
+                <a:ea typeface="+mn-ea"/>
+                <a:cs typeface="+mn-cs"/>
+              </a:defRPr>
+            </a:lvl1pPr>
+            <a:lvl2pPr marL="457200" algn="l" defTabSz="914400" rtl="0" eaLnBrk="1" latinLnBrk="0" hangingPunct="1">
+              <a:defRPr sz="1800" kern="1200">
+                <a:solidFill>
+                  <a:schemeClr val="lt1"/>
+                </a:solidFill>
+                <a:latin typeface="+mn-lt"/>
+                <a:ea typeface="+mn-ea"/>
+                <a:cs typeface="+mn-cs"/>
+              </a:defRPr>
+            </a:lvl2pPr>
+            <a:lvl3pPr marL="914400" algn="l" defTabSz="914400" rtl="0" eaLnBrk="1" latinLnBrk="0" hangingPunct="1">
+              <a:defRPr sz="1800" kern="1200">
+                <a:solidFill>
+                  <a:schemeClr val="lt1"/>
+                </a:solidFill>
+                <a:latin typeface="+mn-lt"/>
+                <a:ea typeface="+mn-ea"/>
+                <a:cs typeface="+mn-cs"/>
+              </a:defRPr>
+            </a:lvl3pPr>
+            <a:lvl4pPr marL="1371600" algn="l" defTabSz="914400" rtl="0" eaLnBrk="1" latinLnBrk="0" hangingPunct="1">
+              <a:defRPr sz="1800" kern="1200">
+                <a:solidFill>
+                  <a:schemeClr val="lt1"/>
+                </a:solidFill>
+                <a:latin typeface="+mn-lt"/>
+                <a:ea typeface="+mn-ea"/>
+                <a:cs typeface="+mn-cs"/>
+              </a:defRPr>
+            </a:lvl4pPr>
+            <a:lvl5pPr marL="1828800" algn="l" defTabSz="914400" rtl="0" eaLnBrk="1" latinLnBrk="0" hangingPunct="1">
+              <a:defRPr sz="1800" kern="1200">
+                <a:solidFill>
+                  <a:schemeClr val="lt1"/>
+                </a:solidFill>
+                <a:latin typeface="+mn-lt"/>
+                <a:ea typeface="+mn-ea"/>
+                <a:cs typeface="+mn-cs"/>
+              </a:defRPr>
+            </a:lvl5pPr>
+            <a:lvl6pPr marL="2286000" algn="l" defTabSz="914400" rtl="0" eaLnBrk="1" latinLnBrk="0" hangingPunct="1">
+              <a:defRPr sz="1800" kern="1200">
+                <a:solidFill>
+                  <a:schemeClr val="lt1"/>
+                </a:solidFill>
+                <a:latin typeface="+mn-lt"/>
+                <a:ea typeface="+mn-ea"/>
+                <a:cs typeface="+mn-cs"/>
+              </a:defRPr>
+            </a:lvl6pPr>
+            <a:lvl7pPr marL="2743200" algn="l" defTabSz="914400" rtl="0" eaLnBrk="1" latinLnBrk="0" hangingPunct="1">
+              <a:defRPr sz="1800" kern="1200">
+                <a:solidFill>
+                  <a:schemeClr val="lt1"/>
+                </a:solidFill>
+                <a:latin typeface="+mn-lt"/>
+                <a:ea typeface="+mn-ea"/>
+                <a:cs typeface="+mn-cs"/>
+              </a:defRPr>
+            </a:lvl7pPr>
+            <a:lvl8pPr marL="3200400" algn="l" defTabSz="914400" rtl="0" eaLnBrk="1" latinLnBrk="0" hangingPunct="1">
+              <a:defRPr sz="1800" kern="1200">
+                <a:solidFill>
+                  <a:schemeClr val="lt1"/>
+                </a:solidFill>
+                <a:latin typeface="+mn-lt"/>
+                <a:ea typeface="+mn-ea"/>
+                <a:cs typeface="+mn-cs"/>
+              </a:defRPr>
+            </a:lvl8pPr>
+            <a:lvl9pPr marL="3657600" algn="l" defTabSz="914400" rtl="0" eaLnBrk="1" latinLnBrk="0" hangingPunct="1">
+              <a:defRPr sz="1800" kern="1200">
+                <a:solidFill>
+                  <a:schemeClr val="lt1"/>
+                </a:solidFill>
+                <a:latin typeface="+mn-lt"/>
+                <a:ea typeface="+mn-ea"/>
+                <a:cs typeface="+mn-cs"/>
+              </a:defRPr>
+            </a:lvl9pPr>
+          </a:lstStyle>
+          <a:p>
+            <a:pPr algn="ctr"/>
+            <a:endParaRPr lang="en-US" dirty="0"/>
+          </a:p>
+        </p:txBody>
+      </p:sp>
+      <p:sp>
+        <p:nvSpPr>
+          <p:cNvPr id="15" name="Left-Right Arrow 9">
+            <a:extLst>
+              <a:ext uri="{FF2B5EF4-FFF2-40B4-BE49-F238E27FC236}">
+                <a16:creationId xmlns:a16="http://schemas.microsoft.com/office/drawing/2014/main" id="{E982ADAE-D23D-1F47-9768-0B4067F5FAC0}"/>
+              </a:ext>
+            </a:extLst>
+          </p:cNvPr>
+          <p:cNvSpPr/>
+          <p:nvPr/>
+        </p:nvSpPr>
+        <p:spPr>
+          <a:xfrm>
+            <a:off x="4451497" y="2132811"/>
+            <a:ext cx="3437914" cy="1290390"/>
+          </a:xfrm>
+          <a:prstGeom prst="leftRightArrow">
+            <a:avLst/>
+          </a:prstGeom>
+        </p:spPr>
+        <p:style>
+          <a:lnRef idx="2">
+            <a:schemeClr val="accent1">
+              <a:shade val="50000"/>
+            </a:schemeClr>
+          </a:lnRef>
+          <a:fillRef idx="1">
+            <a:schemeClr val="accent1"/>
+          </a:fillRef>
+          <a:effectRef idx="0">
+            <a:schemeClr val="accent1"/>
+          </a:effectRef>
+          <a:fontRef idx="minor">
+            <a:schemeClr val="lt1"/>
+          </a:fontRef>
+        </p:style>
+        <p:txBody>
+          <a:bodyPr rtlCol="0" anchor="ctr"/>
+          <a:lstStyle>
+            <a:defPPr>
+              <a:defRPr lang="en-US"/>
+            </a:defPPr>
+            <a:lvl1pPr marL="0" algn="l" defTabSz="914400" rtl="0" eaLnBrk="1" latinLnBrk="0" hangingPunct="1">
+              <a:defRPr sz="1800" kern="1200">
+                <a:solidFill>
+                  <a:schemeClr val="lt1"/>
+                </a:solidFill>
+                <a:latin typeface="+mn-lt"/>
+                <a:ea typeface="+mn-ea"/>
+                <a:cs typeface="+mn-cs"/>
+              </a:defRPr>
+            </a:lvl1pPr>
+            <a:lvl2pPr marL="457200" algn="l" defTabSz="914400" rtl="0" eaLnBrk="1" latinLnBrk="0" hangingPunct="1">
+              <a:defRPr sz="1800" kern="1200">
+                <a:solidFill>
+                  <a:schemeClr val="lt1"/>
+                </a:solidFill>
+                <a:latin typeface="+mn-lt"/>
+                <a:ea typeface="+mn-ea"/>
+                <a:cs typeface="+mn-cs"/>
+              </a:defRPr>
+            </a:lvl2pPr>
+            <a:lvl3pPr marL="914400" algn="l" defTabSz="914400" rtl="0" eaLnBrk="1" latinLnBrk="0" hangingPunct="1">
+              <a:defRPr sz="1800" kern="1200">
+                <a:solidFill>
+                  <a:schemeClr val="lt1"/>
+                </a:solidFill>
+                <a:latin typeface="+mn-lt"/>
+                <a:ea typeface="+mn-ea"/>
+                <a:cs typeface="+mn-cs"/>
+              </a:defRPr>
+            </a:lvl3pPr>
+            <a:lvl4pPr marL="1371600" algn="l" defTabSz="914400" rtl="0" eaLnBrk="1" latinLnBrk="0" hangingPunct="1">
+              <a:defRPr sz="1800" kern="1200">
+                <a:solidFill>
+                  <a:schemeClr val="lt1"/>
+                </a:solidFill>
+                <a:latin typeface="+mn-lt"/>
+                <a:ea typeface="+mn-ea"/>
+                <a:cs typeface="+mn-cs"/>
+              </a:defRPr>
+            </a:lvl4pPr>
+            <a:lvl5pPr marL="1828800" algn="l" defTabSz="914400" rtl="0" eaLnBrk="1" latinLnBrk="0" hangingPunct="1">
+              <a:defRPr sz="1800" kern="1200">
+                <a:solidFill>
+                  <a:schemeClr val="lt1"/>
+                </a:solidFill>
+                <a:latin typeface="+mn-lt"/>
+                <a:ea typeface="+mn-ea"/>
+                <a:cs typeface="+mn-cs"/>
+              </a:defRPr>
+            </a:lvl5pPr>
+            <a:lvl6pPr marL="2286000" algn="l" defTabSz="914400" rtl="0" eaLnBrk="1" latinLnBrk="0" hangingPunct="1">
+              <a:defRPr sz="1800" kern="1200">
+                <a:solidFill>
+                  <a:schemeClr val="lt1"/>
+                </a:solidFill>
+                <a:latin typeface="+mn-lt"/>
+                <a:ea typeface="+mn-ea"/>
+                <a:cs typeface="+mn-cs"/>
+              </a:defRPr>
+            </a:lvl6pPr>
+            <a:lvl7pPr marL="2743200" algn="l" defTabSz="914400" rtl="0" eaLnBrk="1" latinLnBrk="0" hangingPunct="1">
+              <a:defRPr sz="1800" kern="1200">
+                <a:solidFill>
+                  <a:schemeClr val="lt1"/>
+                </a:solidFill>
+                <a:latin typeface="+mn-lt"/>
+                <a:ea typeface="+mn-ea"/>
+                <a:cs typeface="+mn-cs"/>
+              </a:defRPr>
+            </a:lvl7pPr>
+            <a:lvl8pPr marL="3200400" algn="l" defTabSz="914400" rtl="0" eaLnBrk="1" latinLnBrk="0" hangingPunct="1">
+              <a:defRPr sz="1800" kern="1200">
+                <a:solidFill>
+                  <a:schemeClr val="lt1"/>
+                </a:solidFill>
+                <a:latin typeface="+mn-lt"/>
+                <a:ea typeface="+mn-ea"/>
+                <a:cs typeface="+mn-cs"/>
+              </a:defRPr>
+            </a:lvl8pPr>
+            <a:lvl9pPr marL="3657600" algn="l" defTabSz="914400" rtl="0" eaLnBrk="1" latinLnBrk="0" hangingPunct="1">
+              <a:defRPr sz="1800" kern="1200">
+                <a:solidFill>
+                  <a:schemeClr val="lt1"/>
+                </a:solidFill>
+                <a:latin typeface="+mn-lt"/>
+                <a:ea typeface="+mn-ea"/>
+                <a:cs typeface="+mn-cs"/>
+              </a:defRPr>
+            </a:lvl9pPr>
+          </a:lstStyle>
+          <a:p>
+            <a:pPr algn="ctr"/>
+            <a:r>
+              <a:rPr lang="en-US" sz="2800" dirty="0" err="1"/>
+              <a:t>PySpark</a:t>
+            </a:r>
+            <a:endParaRPr lang="en-US" sz="2800" dirty="0"/>
+          </a:p>
+        </p:txBody>
+      </p:sp>
+      <p:pic>
+        <p:nvPicPr>
+          <p:cNvPr id="16" name="Picture 15">
+            <a:extLst>
+              <a:ext uri="{FF2B5EF4-FFF2-40B4-BE49-F238E27FC236}">
+                <a16:creationId xmlns:a16="http://schemas.microsoft.com/office/drawing/2014/main" id="{765E2A9C-9048-EE46-B6B5-5E89323DD22F}"/>
+              </a:ext>
+            </a:extLst>
+          </p:cNvPr>
+          <p:cNvPicPr>
+            <a:picLocks noChangeAspect="1"/>
+          </p:cNvPicPr>
+          <p:nvPr/>
+        </p:nvPicPr>
+        <p:blipFill>
+          <a:blip r:embed="rId5"/>
+          <a:stretch>
+            <a:fillRect/>
+          </a:stretch>
+        </p:blipFill>
+        <p:spPr>
+          <a:xfrm>
+            <a:off x="8288855" y="1997974"/>
+            <a:ext cx="1985073" cy="1335413"/>
+          </a:xfrm>
+          <a:prstGeom prst="rect">
+            <a:avLst/>
+          </a:prstGeom>
+        </p:spPr>
+      </p:pic>
+      <p:sp>
+        <p:nvSpPr>
+          <p:cNvPr id="17" name="Left-Right Arrow 10">
+            <a:extLst>
+              <a:ext uri="{FF2B5EF4-FFF2-40B4-BE49-F238E27FC236}">
+                <a16:creationId xmlns:a16="http://schemas.microsoft.com/office/drawing/2014/main" id="{16BF52ED-1320-DD49-9584-5A284E32953D}"/>
+              </a:ext>
+            </a:extLst>
+          </p:cNvPr>
+          <p:cNvSpPr/>
+          <p:nvPr/>
+        </p:nvSpPr>
+        <p:spPr>
+          <a:xfrm rot="18734310">
+            <a:off x="8224837" y="4037984"/>
+            <a:ext cx="1790334" cy="619711"/>
+          </a:xfrm>
+          <a:prstGeom prst="leftRightArrow">
+            <a:avLst/>
+          </a:prstGeom>
+        </p:spPr>
+        <p:style>
+          <a:lnRef idx="2">
+            <a:schemeClr val="accent1">
+              <a:shade val="50000"/>
+            </a:schemeClr>
+          </a:lnRef>
+          <a:fillRef idx="1">
+            <a:schemeClr val="accent1"/>
+          </a:fillRef>
+          <a:effectRef idx="0">
+            <a:schemeClr val="accent1"/>
+          </a:effectRef>
+          <a:fontRef idx="minor">
+            <a:schemeClr val="lt1"/>
+          </a:fontRef>
+        </p:style>
+        <p:txBody>
+          <a:bodyPr rtlCol="0" anchor="ctr"/>
+          <a:lstStyle>
+            <a:defPPr>
+              <a:defRPr lang="en-US"/>
+            </a:defPPr>
+            <a:lvl1pPr marL="0" algn="l" defTabSz="914400" rtl="0" eaLnBrk="1" latinLnBrk="0" hangingPunct="1">
+              <a:defRPr sz="1800" kern="1200">
+                <a:solidFill>
+                  <a:schemeClr val="lt1"/>
+                </a:solidFill>
+                <a:latin typeface="+mn-lt"/>
+                <a:ea typeface="+mn-ea"/>
+                <a:cs typeface="+mn-cs"/>
+              </a:defRPr>
+            </a:lvl1pPr>
+            <a:lvl2pPr marL="457200" algn="l" defTabSz="914400" rtl="0" eaLnBrk="1" latinLnBrk="0" hangingPunct="1">
+              <a:defRPr sz="1800" kern="1200">
+                <a:solidFill>
+                  <a:schemeClr val="lt1"/>
+                </a:solidFill>
+                <a:latin typeface="+mn-lt"/>
+                <a:ea typeface="+mn-ea"/>
+                <a:cs typeface="+mn-cs"/>
+              </a:defRPr>
+            </a:lvl2pPr>
+            <a:lvl3pPr marL="914400" algn="l" defTabSz="914400" rtl="0" eaLnBrk="1" latinLnBrk="0" hangingPunct="1">
+              <a:defRPr sz="1800" kern="1200">
+                <a:solidFill>
+                  <a:schemeClr val="lt1"/>
+                </a:solidFill>
+                <a:latin typeface="+mn-lt"/>
+                <a:ea typeface="+mn-ea"/>
+                <a:cs typeface="+mn-cs"/>
+              </a:defRPr>
+            </a:lvl3pPr>
+            <a:lvl4pPr marL="1371600" algn="l" defTabSz="914400" rtl="0" eaLnBrk="1" latinLnBrk="0" hangingPunct="1">
+              <a:defRPr sz="1800" kern="1200">
+                <a:solidFill>
+                  <a:schemeClr val="lt1"/>
+                </a:solidFill>
+                <a:latin typeface="+mn-lt"/>
+                <a:ea typeface="+mn-ea"/>
+                <a:cs typeface="+mn-cs"/>
+              </a:defRPr>
+            </a:lvl4pPr>
+            <a:lvl5pPr marL="1828800" algn="l" defTabSz="914400" rtl="0" eaLnBrk="1" latinLnBrk="0" hangingPunct="1">
+              <a:defRPr sz="1800" kern="1200">
+                <a:solidFill>
+                  <a:schemeClr val="lt1"/>
+                </a:solidFill>
+                <a:latin typeface="+mn-lt"/>
+                <a:ea typeface="+mn-ea"/>
+                <a:cs typeface="+mn-cs"/>
+              </a:defRPr>
+            </a:lvl5pPr>
+            <a:lvl6pPr marL="2286000" algn="l" defTabSz="914400" rtl="0" eaLnBrk="1" latinLnBrk="0" hangingPunct="1">
+              <a:defRPr sz="1800" kern="1200">
+                <a:solidFill>
+                  <a:schemeClr val="lt1"/>
+                </a:solidFill>
+                <a:latin typeface="+mn-lt"/>
+                <a:ea typeface="+mn-ea"/>
+                <a:cs typeface="+mn-cs"/>
+              </a:defRPr>
+            </a:lvl6pPr>
+            <a:lvl7pPr marL="2743200" algn="l" defTabSz="914400" rtl="0" eaLnBrk="1" latinLnBrk="0" hangingPunct="1">
+              <a:defRPr sz="1800" kern="1200">
+                <a:solidFill>
+                  <a:schemeClr val="lt1"/>
+                </a:solidFill>
+                <a:latin typeface="+mn-lt"/>
+                <a:ea typeface="+mn-ea"/>
+                <a:cs typeface="+mn-cs"/>
+              </a:defRPr>
+            </a:lvl7pPr>
+            <a:lvl8pPr marL="3200400" algn="l" defTabSz="914400" rtl="0" eaLnBrk="1" latinLnBrk="0" hangingPunct="1">
+              <a:defRPr sz="1800" kern="1200">
+                <a:solidFill>
+                  <a:schemeClr val="lt1"/>
+                </a:solidFill>
+                <a:latin typeface="+mn-lt"/>
+                <a:ea typeface="+mn-ea"/>
+                <a:cs typeface="+mn-cs"/>
+              </a:defRPr>
+            </a:lvl8pPr>
+            <a:lvl9pPr marL="3657600" algn="l" defTabSz="914400" rtl="0" eaLnBrk="1" latinLnBrk="0" hangingPunct="1">
+              <a:defRPr sz="1800" kern="1200">
+                <a:solidFill>
+                  <a:schemeClr val="lt1"/>
+                </a:solidFill>
+                <a:latin typeface="+mn-lt"/>
+                <a:ea typeface="+mn-ea"/>
+                <a:cs typeface="+mn-cs"/>
+              </a:defRPr>
+            </a:lvl9pPr>
+          </a:lstStyle>
+          <a:p>
+            <a:pPr algn="ctr"/>
             <a:r>
               <a:rPr lang="en-US" dirty="0"/>
-              <a:t>Fraud-transactions: 492 (0.17%)</a:t>
-            </a:r>
-          </a:p>
-          <a:p>
-            <a:pPr marL="0" indent="0">
-              <a:buNone/>
-            </a:pPr>
-            <a:r>
-              <a:rPr lang="en-US" dirty="0"/>
-              <a:t>Problem: </a:t>
-            </a:r>
-          </a:p>
-          <a:p>
-            <a:pPr marL="0" indent="0">
-              <a:buNone/>
-            </a:pPr>
-            <a:r>
-              <a:rPr lang="en-US" dirty="0"/>
-              <a:t>Any model that always predicts ‘0’ will be accurate 99.83% of the time.</a:t>
-            </a:r>
-          </a:p>
-          <a:p>
-            <a:pPr marL="0" indent="0">
-              <a:buNone/>
-            </a:pPr>
-            <a:endParaRPr lang="en-US" dirty="0"/>
-          </a:p>
-          <a:p>
-            <a:pPr marL="0" indent="0">
-              <a:buNone/>
-            </a:pPr>
-            <a:r>
-              <a:rPr lang="en-US" dirty="0"/>
-              <a:t>Solutions: </a:t>
-            </a:r>
-          </a:p>
-          <a:p>
-            <a:pPr>
-              <a:buFont typeface="Wingdings" pitchFamily="2" charset="2"/>
-              <a:buChar char="Ø"/>
-            </a:pPr>
-            <a:r>
-              <a:rPr lang="en-US" dirty="0"/>
-              <a:t>Use precision/recall values and confusion matrix to compare models</a:t>
-            </a:r>
-          </a:p>
-          <a:p>
-            <a:pPr>
-              <a:buFont typeface="Wingdings" pitchFamily="2" charset="2"/>
-              <a:buChar char="Ø"/>
-            </a:pPr>
-            <a:r>
-              <a:rPr lang="en-US" dirty="0"/>
-              <a:t>Try different models (six models), </a:t>
-            </a:r>
-          </a:p>
-          <a:p>
-            <a:pPr>
-              <a:buFont typeface="Wingdings" pitchFamily="2" charset="2"/>
-              <a:buChar char="Ø"/>
-            </a:pPr>
-            <a:r>
-              <a:rPr lang="en-US" dirty="0"/>
-              <a:t>Resample the training data (used ‘resample’ module in ’</a:t>
-            </a:r>
-            <a:r>
-              <a:rPr lang="en-US" dirty="0" err="1"/>
-              <a:t>sklearn</a:t>
-            </a:r>
-            <a:r>
-              <a:rPr lang="en-US" dirty="0"/>
-              <a:t>’)</a:t>
+              <a:t>PostgreSQL</a:t>
             </a:r>
           </a:p>
         </p:txBody>
@@ -8540,7 +9349,7 @@
     </p:spTree>
     <p:extLst>
       <p:ext uri="{BB962C8B-B14F-4D97-AF65-F5344CB8AC3E}">
-        <p14:creationId xmlns:p14="http://schemas.microsoft.com/office/powerpoint/2010/main" val="670538133"/>
+        <p14:creationId xmlns:p14="http://schemas.microsoft.com/office/powerpoint/2010/main" val="779013617"/>
       </p:ext>
     </p:extLst>
   </p:cSld>
@@ -8590,7 +9399,7 @@
           <a:p>
             <a:r>
               <a:rPr lang="en-US" dirty="0"/>
-              <a:t>Models</a:t>
+              <a:t>Resampling</a:t>
             </a:r>
           </a:p>
         </p:txBody>
@@ -8622,6 +9431,196 @@
         </p:spPr>
         <p:txBody>
           <a:bodyPr>
+            <a:normAutofit fontScale="92500" lnSpcReduction="20000"/>
+          </a:bodyPr>
+          <a:lstStyle/>
+          <a:p>
+            <a:pPr marL="0" indent="0">
+              <a:buNone/>
+            </a:pPr>
+            <a:r>
+              <a:rPr lang="en-US" dirty="0"/>
+              <a:t>Highly Imbalanced Data Set:</a:t>
+            </a:r>
+          </a:p>
+          <a:p>
+            <a:pPr>
+              <a:buFont typeface="Wingdings" pitchFamily="2" charset="2"/>
+              <a:buChar char="Ø"/>
+            </a:pPr>
+            <a:r>
+              <a:rPr lang="en-US" dirty="0"/>
+              <a:t>Total transactions: 284,807</a:t>
+            </a:r>
+          </a:p>
+          <a:p>
+            <a:pPr>
+              <a:buFont typeface="Wingdings" pitchFamily="2" charset="2"/>
+              <a:buChar char="Ø"/>
+            </a:pPr>
+            <a:r>
+              <a:rPr lang="en-US" dirty="0"/>
+              <a:t>Fraud-transactions: 492 (0.17%)</a:t>
+            </a:r>
+          </a:p>
+          <a:p>
+            <a:pPr marL="0" indent="0">
+              <a:buNone/>
+            </a:pPr>
+            <a:r>
+              <a:rPr lang="en-US" dirty="0"/>
+              <a:t>Problem: </a:t>
+            </a:r>
+          </a:p>
+          <a:p>
+            <a:pPr marL="0" indent="0">
+              <a:buNone/>
+            </a:pPr>
+            <a:r>
+              <a:rPr lang="en-US" dirty="0"/>
+              <a:t>Any model that always predicts ‘0 (non-fraud)’ will be accurate 99.83% of the time.</a:t>
+            </a:r>
+          </a:p>
+          <a:p>
+            <a:pPr marL="0" indent="0">
+              <a:buNone/>
+            </a:pPr>
+            <a:endParaRPr lang="en-US" dirty="0"/>
+          </a:p>
+          <a:p>
+            <a:pPr marL="0" indent="0">
+              <a:buNone/>
+            </a:pPr>
+            <a:r>
+              <a:rPr lang="en-US" dirty="0"/>
+              <a:t>Solutions: </a:t>
+            </a:r>
+          </a:p>
+          <a:p>
+            <a:pPr>
+              <a:buFont typeface="Wingdings" pitchFamily="2" charset="2"/>
+              <a:buChar char="Ø"/>
+            </a:pPr>
+            <a:r>
+              <a:rPr lang="en-US" dirty="0"/>
+              <a:t>Use precision/recall values and confusion matrix to compare models</a:t>
+            </a:r>
+          </a:p>
+          <a:p>
+            <a:pPr>
+              <a:buFont typeface="Wingdings" pitchFamily="2" charset="2"/>
+              <a:buChar char="Ø"/>
+            </a:pPr>
+            <a:r>
+              <a:rPr lang="en-US" dirty="0"/>
+              <a:t>Try different models (six models), </a:t>
+            </a:r>
+          </a:p>
+          <a:p>
+            <a:pPr>
+              <a:buFont typeface="Wingdings" pitchFamily="2" charset="2"/>
+              <a:buChar char="Ø"/>
+            </a:pPr>
+            <a:r>
+              <a:rPr lang="en-US" dirty="0"/>
+              <a:t>Resample the training data (used ‘resample’ module in ’</a:t>
+            </a:r>
+            <a:r>
+              <a:rPr lang="en-US" dirty="0" err="1"/>
+              <a:t>sklearn</a:t>
+            </a:r>
+            <a:r>
+              <a:rPr lang="en-US" dirty="0"/>
+              <a:t>’)</a:t>
+            </a:r>
+          </a:p>
+        </p:txBody>
+      </p:sp>
+    </p:spTree>
+    <p:extLst>
+      <p:ext uri="{BB962C8B-B14F-4D97-AF65-F5344CB8AC3E}">
+        <p14:creationId xmlns:p14="http://schemas.microsoft.com/office/powerpoint/2010/main" val="670538133"/>
+      </p:ext>
+    </p:extLst>
+  </p:cSld>
+  <p:clrMapOvr>
+    <a:masterClrMapping/>
+  </p:clrMapOvr>
+</p:sld>
+</file>
+
+<file path=ppt/slides/slide5.xml><?xml version="1.0" encoding="utf-8"?>
+<p:sld xmlns:a="http://schemas.openxmlformats.org/drawingml/2006/main" xmlns:r="http://schemas.openxmlformats.org/officeDocument/2006/relationships" xmlns:p="http://schemas.openxmlformats.org/presentationml/2006/main">
+  <p:cSld>
+    <p:spTree>
+      <p:nvGrpSpPr>
+        <p:cNvPr id="1" name=""/>
+        <p:cNvGrpSpPr/>
+        <p:nvPr/>
+      </p:nvGrpSpPr>
+      <p:grpSpPr>
+        <a:xfrm>
+          <a:off x="0" y="0"/>
+          <a:ext cx="0" cy="0"/>
+          <a:chOff x="0" y="0"/>
+          <a:chExt cx="0" cy="0"/>
+        </a:xfrm>
+      </p:grpSpPr>
+      <p:sp>
+        <p:nvSpPr>
+          <p:cNvPr id="2" name="Title 1">
+            <a:extLst>
+              <a:ext uri="{FF2B5EF4-FFF2-40B4-BE49-F238E27FC236}">
+                <a16:creationId xmlns:a16="http://schemas.microsoft.com/office/drawing/2014/main" id="{F7DC5BDF-E508-41BE-A6C3-ACDF034BD933}"/>
+              </a:ext>
+            </a:extLst>
+          </p:cNvPr>
+          <p:cNvSpPr>
+            <a:spLocks noGrp="1"/>
+          </p:cNvSpPr>
+          <p:nvPr>
+            <p:ph type="title"/>
+          </p:nvPr>
+        </p:nvSpPr>
+        <p:spPr/>
+        <p:txBody>
+          <a:bodyPr/>
+          <a:lstStyle/>
+          <a:p>
+            <a:r>
+              <a:rPr lang="en-US" dirty="0"/>
+              <a:t>Models</a:t>
+            </a:r>
+          </a:p>
+        </p:txBody>
+      </p:sp>
+      <p:sp>
+        <p:nvSpPr>
+          <p:cNvPr id="3" name="Content Placeholder 2">
+            <a:extLst>
+              <a:ext uri="{FF2B5EF4-FFF2-40B4-BE49-F238E27FC236}">
+                <a16:creationId xmlns:a16="http://schemas.microsoft.com/office/drawing/2014/main" id="{29525243-0C3A-48C7-8A8D-2C4EE2065629}"/>
+              </a:ext>
+            </a:extLst>
+          </p:cNvPr>
+          <p:cNvSpPr>
+            <a:spLocks noGrp="1"/>
+          </p:cNvSpPr>
+          <p:nvPr>
+            <p:ph idx="1"/>
+          </p:nvPr>
+        </p:nvSpPr>
+        <p:spPr>
+          <a:solidFill>
+            <a:schemeClr val="accent5">
+              <a:lumMod val="20000"/>
+              <a:lumOff val="80000"/>
+              <a:alpha val="70000"/>
+            </a:schemeClr>
+          </a:solidFill>
+        </p:spPr>
+        <p:txBody>
+          <a:bodyPr>
             <a:normAutofit/>
           </a:bodyPr>
           <a:lstStyle/>
@@ -8681,7 +9680,7 @@
             </a:pPr>
             <a:r>
               <a:rPr lang="en-US" sz="2600" dirty="0"/>
-              <a:t>Random Forest</a:t>
+              <a:t>Support Vector Machines (SVM)</a:t>
             </a:r>
           </a:p>
           <a:p>
@@ -8691,7 +9690,7 @@
             </a:pPr>
             <a:r>
               <a:rPr lang="en-US" sz="2600" dirty="0"/>
-              <a:t>Support Vector Machines (SVM)</a:t>
+              <a:t>Random Forest</a:t>
             </a:r>
           </a:p>
         </p:txBody>
@@ -8709,7 +9708,7 @@
 </p:sld>
 </file>
 
-<file path=ppt/slides/slide5.xml><?xml version="1.0" encoding="utf-8"?>
+<file path=ppt/slides/slide6.xml><?xml version="1.0" encoding="utf-8"?>
 <p:sld xmlns:a="http://schemas.openxmlformats.org/drawingml/2006/main" xmlns:r="http://schemas.openxmlformats.org/officeDocument/2006/relationships" xmlns:p="http://schemas.openxmlformats.org/presentationml/2006/main">
   <p:cSld>
     <p:spTree>
@@ -8945,7 +9944,7 @@
 </p:sld>
 </file>
 
-<file path=ppt/slides/slide6.xml><?xml version="1.0" encoding="utf-8"?>
+<file path=ppt/slides/slide7.xml><?xml version="1.0" encoding="utf-8"?>
 <p:sld xmlns:a="http://schemas.openxmlformats.org/drawingml/2006/main" xmlns:r="http://schemas.openxmlformats.org/officeDocument/2006/relationships" xmlns:p="http://schemas.openxmlformats.org/presentationml/2006/main">
   <p:cSld>
     <p:spTree>
@@ -9173,7 +10172,7 @@
 </p:sld>
 </file>
 
-<file path=ppt/slides/slide7.xml><?xml version="1.0" encoding="utf-8"?>
+<file path=ppt/slides/slide8.xml><?xml version="1.0" encoding="utf-8"?>
 <p:sld xmlns:a="http://schemas.openxmlformats.org/drawingml/2006/main" xmlns:r="http://schemas.openxmlformats.org/officeDocument/2006/relationships" xmlns:p="http://schemas.openxmlformats.org/presentationml/2006/main">
   <p:cSld>
     <p:spTree>
@@ -9254,7 +10253,7 @@
             </a:pPr>
             <a:r>
               <a:rPr lang="en-US" dirty="0"/>
-              <a:t>1 deep layer. </a:t>
+              <a:t>1 hidden layer. </a:t>
             </a:r>
           </a:p>
           <a:p>
@@ -9373,10 +10372,10 @@
       </p:pic>
       <p:pic>
         <p:nvPicPr>
-          <p:cNvPr id="5" name="Picture 4">
-            <a:extLst>
-              <a:ext uri="{FF2B5EF4-FFF2-40B4-BE49-F238E27FC236}">
-                <a16:creationId xmlns:a16="http://schemas.microsoft.com/office/drawing/2014/main" id="{978638A5-E4DF-4E4C-9D55-DFD63DE3E9B2}"/>
+          <p:cNvPr id="6" name="Picture 5" descr="A screen shot of a computer&#10;&#10;Description automatically generated">
+            <a:extLst>
+              <a:ext uri="{FF2B5EF4-FFF2-40B4-BE49-F238E27FC236}">
+                <a16:creationId xmlns:a16="http://schemas.microsoft.com/office/drawing/2014/main" id="{761553CB-1844-3A4F-9182-C4C32EB80855}"/>
               </a:ext>
             </a:extLst>
           </p:cNvPr>
@@ -9399,271 +10398,18 @@
         </p:blipFill>
         <p:spPr>
           <a:xfrm>
-            <a:off x="7058151" y="2606365"/>
-            <a:ext cx="3678674" cy="2976896"/>
+            <a:off x="6795234" y="2804189"/>
+            <a:ext cx="3885005" cy="3167773"/>
           </a:xfrm>
           <a:prstGeom prst="rect">
             <a:avLst/>
           </a:prstGeom>
-          <a:solidFill>
-            <a:schemeClr val="accent5">
-              <a:lumMod val="20000"/>
-              <a:lumOff val="80000"/>
-              <a:alpha val="70000"/>
-            </a:schemeClr>
-          </a:solidFill>
         </p:spPr>
       </p:pic>
     </p:spTree>
     <p:extLst>
       <p:ext uri="{BB962C8B-B14F-4D97-AF65-F5344CB8AC3E}">
         <p14:creationId xmlns:p14="http://schemas.microsoft.com/office/powerpoint/2010/main" val="3472262329"/>
-      </p:ext>
-    </p:extLst>
-  </p:cSld>
-  <p:clrMapOvr>
-    <a:masterClrMapping/>
-  </p:clrMapOvr>
-</p:sld>
-</file>
-
-<file path=ppt/slides/slide8.xml><?xml version="1.0" encoding="utf-8"?>
-<p:sld xmlns:a="http://schemas.openxmlformats.org/drawingml/2006/main" xmlns:r="http://schemas.openxmlformats.org/officeDocument/2006/relationships" xmlns:p="http://schemas.openxmlformats.org/presentationml/2006/main">
-  <p:cSld>
-    <p:spTree>
-      <p:nvGrpSpPr>
-        <p:cNvPr id="1" name=""/>
-        <p:cNvGrpSpPr/>
-        <p:nvPr/>
-      </p:nvGrpSpPr>
-      <p:grpSpPr>
-        <a:xfrm>
-          <a:off x="0" y="0"/>
-          <a:ext cx="0" cy="0"/>
-          <a:chOff x="0" y="0"/>
-          <a:chExt cx="0" cy="0"/>
-        </a:xfrm>
-      </p:grpSpPr>
-      <p:sp>
-        <p:nvSpPr>
-          <p:cNvPr id="2" name="Title 1">
-            <a:extLst>
-              <a:ext uri="{FF2B5EF4-FFF2-40B4-BE49-F238E27FC236}">
-                <a16:creationId xmlns:a16="http://schemas.microsoft.com/office/drawing/2014/main" id="{F7DC5BDF-E508-41BE-A6C3-ACDF034BD933}"/>
-              </a:ext>
-            </a:extLst>
-          </p:cNvPr>
-          <p:cNvSpPr>
-            <a:spLocks noGrp="1"/>
-          </p:cNvSpPr>
-          <p:nvPr>
-            <p:ph type="title"/>
-          </p:nvPr>
-        </p:nvSpPr>
-        <p:spPr/>
-        <p:txBody>
-          <a:bodyPr/>
-          <a:lstStyle/>
-          <a:p>
-            <a:r>
-              <a:rPr lang="en-US" dirty="0"/>
-              <a:t>Deep Neural Network</a:t>
-            </a:r>
-          </a:p>
-        </p:txBody>
-      </p:sp>
-      <p:sp>
-        <p:nvSpPr>
-          <p:cNvPr id="3" name="Content Placeholder 2">
-            <a:extLst>
-              <a:ext uri="{FF2B5EF4-FFF2-40B4-BE49-F238E27FC236}">
-                <a16:creationId xmlns:a16="http://schemas.microsoft.com/office/drawing/2014/main" id="{29525243-0C3A-48C7-8A8D-2C4EE2065629}"/>
-              </a:ext>
-            </a:extLst>
-          </p:cNvPr>
-          <p:cNvSpPr>
-            <a:spLocks noGrp="1"/>
-          </p:cNvSpPr>
-          <p:nvPr>
-            <p:ph idx="1"/>
-          </p:nvPr>
-        </p:nvSpPr>
-        <p:spPr>
-          <a:xfrm>
-            <a:off x="838200" y="1825625"/>
-            <a:ext cx="10515600" cy="4351338"/>
-          </a:xfrm>
-          <a:solidFill>
-            <a:schemeClr val="accent5">
-              <a:lumMod val="20000"/>
-              <a:lumOff val="80000"/>
-              <a:alpha val="70000"/>
-            </a:schemeClr>
-          </a:solidFill>
-        </p:spPr>
-        <p:txBody>
-          <a:bodyPr>
-            <a:normAutofit fontScale="92500" lnSpcReduction="10000"/>
-          </a:bodyPr>
-          <a:lstStyle/>
-          <a:p>
-            <a:pPr marL="0" indent="0">
-              <a:buNone/>
-            </a:pPr>
-            <a:r>
-              <a:rPr lang="en-US" dirty="0"/>
-              <a:t>2 deep layers. </a:t>
-            </a:r>
-          </a:p>
-          <a:p>
-            <a:pPr marL="0" indent="0">
-              <a:buNone/>
-            </a:pPr>
-            <a:r>
-              <a:rPr lang="en-US" dirty="0"/>
-              <a:t>29 input and two output nodes. Middle layers have 58 nodes each.</a:t>
-            </a:r>
-          </a:p>
-          <a:p>
-            <a:pPr marL="0" indent="0">
-              <a:buNone/>
-            </a:pPr>
-            <a:r>
-              <a:rPr lang="en-US" dirty="0"/>
-              <a:t>200 epochs, ~3 hours</a:t>
-            </a:r>
-          </a:p>
-          <a:p>
-            <a:pPr marL="0" indent="0">
-              <a:buNone/>
-            </a:pPr>
-            <a:endParaRPr lang="en-US" dirty="0"/>
-          </a:p>
-          <a:p>
-            <a:pPr marL="0" indent="0">
-              <a:buNone/>
-            </a:pPr>
-            <a:endParaRPr lang="en-US" dirty="0"/>
-          </a:p>
-          <a:p>
-            <a:pPr marL="0" indent="0">
-              <a:buNone/>
-            </a:pPr>
-            <a:endParaRPr lang="en-US" dirty="0"/>
-          </a:p>
-          <a:p>
-            <a:pPr marL="0" indent="0">
-              <a:buNone/>
-            </a:pPr>
-            <a:endParaRPr lang="en-US" dirty="0"/>
-          </a:p>
-          <a:p>
-            <a:pPr marL="0" indent="0">
-              <a:buNone/>
-            </a:pPr>
-            <a:endParaRPr lang="en-US" dirty="0"/>
-          </a:p>
-          <a:p>
-            <a:pPr marL="0" indent="0">
-              <a:buNone/>
-            </a:pPr>
-            <a:r>
-              <a:rPr lang="en-US" dirty="0"/>
-              <a:t>Not a bad model. Poor precision for 1 is due to 61 incorrectly predicted 1’s. There is space for improvement.</a:t>
-            </a:r>
-          </a:p>
-        </p:txBody>
-      </p:sp>
-      <p:pic>
-        <p:nvPicPr>
-          <p:cNvPr id="4" name="Content Placeholder 4">
-            <a:extLst>
-              <a:ext uri="{FF2B5EF4-FFF2-40B4-BE49-F238E27FC236}">
-                <a16:creationId xmlns:a16="http://schemas.microsoft.com/office/drawing/2014/main" id="{89907D22-69F7-3142-ACC2-92C97A684F40}"/>
-              </a:ext>
-            </a:extLst>
-          </p:cNvPr>
-          <p:cNvPicPr>
-            <a:picLocks noChangeAspect="1"/>
-          </p:cNvPicPr>
-          <p:nvPr/>
-        </p:nvPicPr>
-        <p:blipFill>
-          <a:blip r:embed="rId3">
-            <a:extLst>
-              <a:ext uri="{28A0092B-C50C-407E-A947-70E740481C1C}">
-                <a14:useLocalDpi xmlns:a14="http://schemas.microsoft.com/office/drawing/2010/main" val="0"/>
-              </a:ext>
-            </a:extLst>
-          </a:blip>
-          <a:stretch>
-            <a:fillRect/>
-          </a:stretch>
-        </p:blipFill>
-        <p:spPr>
-          <a:xfrm>
-            <a:off x="1030856" y="3045567"/>
-            <a:ext cx="4750512" cy="2314915"/>
-          </a:xfrm>
-          <a:prstGeom prst="rect">
-            <a:avLst/>
-          </a:prstGeom>
-          <a:solidFill>
-            <a:schemeClr val="accent5">
-              <a:lumMod val="20000"/>
-              <a:lumOff val="80000"/>
-              <a:alpha val="70000"/>
-            </a:schemeClr>
-          </a:solidFill>
-        </p:spPr>
-      </p:pic>
-      <p:pic>
-        <p:nvPicPr>
-          <p:cNvPr id="5" name="Picture 4">
-            <a:extLst>
-              <a:ext uri="{FF2B5EF4-FFF2-40B4-BE49-F238E27FC236}">
-                <a16:creationId xmlns:a16="http://schemas.microsoft.com/office/drawing/2014/main" id="{4767594D-1F75-0543-A860-E832BF466C23}"/>
-              </a:ext>
-            </a:extLst>
-          </p:cNvPr>
-          <p:cNvPicPr>
-            <a:picLocks noChangeAspect="1"/>
-          </p:cNvPicPr>
-          <p:nvPr/>
-        </p:nvPicPr>
-        <p:blipFill>
-          <a:blip r:embed="rId4">
-            <a:extLst>
-              <a:ext uri="{28A0092B-C50C-407E-A947-70E740481C1C}">
-                <a14:useLocalDpi xmlns:a14="http://schemas.microsoft.com/office/drawing/2010/main" val="0"/>
-              </a:ext>
-            </a:extLst>
-          </a:blip>
-          <a:stretch>
-            <a:fillRect/>
-          </a:stretch>
-        </p:blipFill>
-        <p:spPr>
-          <a:xfrm>
-            <a:off x="7224039" y="2661044"/>
-            <a:ext cx="3335807" cy="2699438"/>
-          </a:xfrm>
-          <a:prstGeom prst="rect">
-            <a:avLst/>
-          </a:prstGeom>
-          <a:solidFill>
-            <a:schemeClr val="accent5">
-              <a:lumMod val="20000"/>
-              <a:lumOff val="80000"/>
-              <a:alpha val="70000"/>
-            </a:schemeClr>
-          </a:solidFill>
-        </p:spPr>
-      </p:pic>
-    </p:spTree>
-    <p:extLst>
-      <p:ext uri="{BB962C8B-B14F-4D97-AF65-F5344CB8AC3E}">
-        <p14:creationId xmlns:p14="http://schemas.microsoft.com/office/powerpoint/2010/main" val="2548730304"/>
       </p:ext>
     </p:extLst>
   </p:cSld>
@@ -9713,7 +10459,7 @@
           <a:p>
             <a:r>
               <a:rPr lang="en-US" dirty="0"/>
-              <a:t>Random Forest</a:t>
+              <a:t>Deep Neural Network</a:t>
             </a:r>
           </a:p>
         </p:txBody>
@@ -9735,6 +10481,10 @@
           </p:nvPr>
         </p:nvSpPr>
         <p:spPr>
+          <a:xfrm>
+            <a:off x="838200" y="1825625"/>
+            <a:ext cx="10515600" cy="4351338"/>
+          </a:xfrm>
           <a:solidFill>
             <a:schemeClr val="accent5">
               <a:lumMod val="20000"/>
@@ -9744,20 +10494,168 @@
           </a:solidFill>
         </p:spPr>
         <p:txBody>
-          <a:bodyPr/>
-          <a:lstStyle/>
+          <a:bodyPr>
+            <a:normAutofit fontScale="92500" lnSpcReduction="10000"/>
+          </a:bodyPr>
+          <a:lstStyle/>
+          <a:p>
+            <a:pPr marL="0" indent="0">
+              <a:buNone/>
+            </a:pPr>
+            <a:r>
+              <a:rPr lang="en-US" dirty="0"/>
+              <a:t>2 hidden layers. </a:t>
+            </a:r>
+          </a:p>
+          <a:p>
+            <a:pPr marL="0" indent="0">
+              <a:buNone/>
+            </a:pPr>
+            <a:r>
+              <a:rPr lang="en-US" dirty="0"/>
+              <a:t>29 input and two output nodes. Hidden layers have 58 nodes each.</a:t>
+            </a:r>
+          </a:p>
+          <a:p>
+            <a:pPr marL="0" indent="0">
+              <a:buNone/>
+            </a:pPr>
+            <a:r>
+              <a:rPr lang="en-US" dirty="0"/>
+              <a:t>200 epochs, ~3 hours</a:t>
+            </a:r>
+          </a:p>
           <a:p>
             <a:pPr marL="0" indent="0">
               <a:buNone/>
             </a:pPr>
             <a:endParaRPr lang="en-US" dirty="0"/>
           </a:p>
-        </p:txBody>
-      </p:sp>
+          <a:p>
+            <a:pPr marL="0" indent="0">
+              <a:buNone/>
+            </a:pPr>
+            <a:endParaRPr lang="en-US" dirty="0"/>
+          </a:p>
+          <a:p>
+            <a:pPr marL="0" indent="0">
+              <a:buNone/>
+            </a:pPr>
+            <a:endParaRPr lang="en-US" dirty="0"/>
+          </a:p>
+          <a:p>
+            <a:pPr marL="0" indent="0">
+              <a:buNone/>
+            </a:pPr>
+            <a:endParaRPr lang="en-US" dirty="0"/>
+          </a:p>
+          <a:p>
+            <a:pPr marL="0" indent="0">
+              <a:buNone/>
+            </a:pPr>
+            <a:endParaRPr lang="en-US" dirty="0"/>
+          </a:p>
+          <a:p>
+            <a:pPr marL="0" indent="0">
+              <a:buNone/>
+            </a:pPr>
+            <a:r>
+              <a:rPr lang="en-US" dirty="0"/>
+              <a:t>Not a bad model. Poor precision for 1 is due to 61 incorrectly predicted 1’s. There is space for improvement.</a:t>
+            </a:r>
+          </a:p>
+        </p:txBody>
+      </p:sp>
+      <p:pic>
+        <p:nvPicPr>
+          <p:cNvPr id="4" name="Content Placeholder 4">
+            <a:extLst>
+              <a:ext uri="{FF2B5EF4-FFF2-40B4-BE49-F238E27FC236}">
+                <a16:creationId xmlns:a16="http://schemas.microsoft.com/office/drawing/2014/main" id="{89907D22-69F7-3142-ACC2-92C97A684F40}"/>
+              </a:ext>
+            </a:extLst>
+          </p:cNvPr>
+          <p:cNvPicPr>
+            <a:picLocks noChangeAspect="1"/>
+          </p:cNvPicPr>
+          <p:nvPr/>
+        </p:nvPicPr>
+        <p:blipFill>
+          <a:blip r:embed="rId3">
+            <a:extLst>
+              <a:ext uri="{28A0092B-C50C-407E-A947-70E740481C1C}">
+                <a14:useLocalDpi xmlns:a14="http://schemas.microsoft.com/office/drawing/2010/main" val="0"/>
+              </a:ext>
+            </a:extLst>
+          </a:blip>
+          <a:stretch>
+            <a:fillRect/>
+          </a:stretch>
+        </p:blipFill>
+        <p:spPr>
+          <a:xfrm>
+            <a:off x="1030856" y="3045567"/>
+            <a:ext cx="4750512" cy="2314915"/>
+          </a:xfrm>
+          <a:prstGeom prst="rect">
+            <a:avLst/>
+          </a:prstGeom>
+          <a:solidFill>
+            <a:schemeClr val="accent5">
+              <a:lumMod val="20000"/>
+              <a:lumOff val="80000"/>
+              <a:alpha val="70000"/>
+            </a:schemeClr>
+          </a:solidFill>
+        </p:spPr>
+      </p:pic>
+      <p:pic>
+        <p:nvPicPr>
+          <p:cNvPr id="8" name="Picture 7">
+            <a:extLst>
+              <a:ext uri="{FF2B5EF4-FFF2-40B4-BE49-F238E27FC236}">
+                <a16:creationId xmlns:a16="http://schemas.microsoft.com/office/drawing/2014/main" id="{860C3C53-D975-294F-8937-EA3BB55FE8E1}"/>
+              </a:ext>
+            </a:extLst>
+          </p:cNvPr>
+          <p:cNvPicPr>
+            <a:picLocks noChangeAspect="1"/>
+          </p:cNvPicPr>
+          <p:nvPr/>
+        </p:nvPicPr>
+        <p:blipFill>
+          <a:blip r:embed="rId4">
+            <a:extLst>
+              <a:ext uri="{28A0092B-C50C-407E-A947-70E740481C1C}">
+                <a14:useLocalDpi xmlns:a14="http://schemas.microsoft.com/office/drawing/2010/main" val="0"/>
+              </a:ext>
+            </a:extLst>
+          </a:blip>
+          <a:stretch>
+            <a:fillRect/>
+          </a:stretch>
+        </p:blipFill>
+        <p:spPr>
+          <a:xfrm>
+            <a:off x="6270934" y="2612976"/>
+            <a:ext cx="3395207" cy="2747506"/>
+          </a:xfrm>
+          <a:prstGeom prst="rect">
+            <a:avLst/>
+          </a:prstGeom>
+          <a:solidFill>
+            <a:schemeClr val="accent5">
+              <a:lumMod val="20000"/>
+              <a:lumOff val="80000"/>
+              <a:alpha val="70000"/>
+            </a:schemeClr>
+          </a:solidFill>
+        </p:spPr>
+      </p:pic>
     </p:spTree>
     <p:extLst>
       <p:ext uri="{BB962C8B-B14F-4D97-AF65-F5344CB8AC3E}">
-        <p14:creationId xmlns:p14="http://schemas.microsoft.com/office/powerpoint/2010/main" val="2842197219"/>
+        <p14:creationId xmlns:p14="http://schemas.microsoft.com/office/powerpoint/2010/main" val="2548730304"/>
       </p:ext>
     </p:extLst>
   </p:cSld>
